--- a/Дипломная Волков.pptx
+++ b/Дипломная Волков.pptx
@@ -213,7 +213,7 @@
             <a:fld id="{5F4C3E1F-8F02-4B6E-BE01-AE811F44C78A}" type="datetimeFigureOut">
               <a:rPr lang="ru-RU" smtClean="0"/>
               <a:pPr/>
-              <a:t>11.05.2023</a:t>
+              <a:t>15.05.2023</a:t>
             </a:fld>
             <a:endParaRPr lang="ru-RU"/>
           </a:p>
@@ -375,7 +375,7 @@
             <a:fld id="{2B77361B-FA97-4712-A320-857CD6874498}" type="datetimeFigureOut">
               <a:rPr lang="ru-RU" smtClean="0"/>
               <a:pPr/>
-              <a:t>11.05.2023</a:t>
+              <a:t>15.05.2023</a:t>
             </a:fld>
             <a:endParaRPr lang="ru-RU"/>
           </a:p>
@@ -987,7 +987,7 @@
             <a:fld id="{48796433-FCAE-4265-BEE5-7FFD7A6D00EA}" type="datetime1">
               <a:rPr lang="ru-RU" smtClean="0"/>
               <a:pPr/>
-              <a:t>11.05.2023</a:t>
+              <a:t>15.05.2023</a:t>
             </a:fld>
             <a:endParaRPr lang="ru-RU"/>
           </a:p>
@@ -1154,7 +1154,7 @@
             <a:fld id="{825BD699-2E58-4557-8CF0-BBBBC09C198E}" type="datetime1">
               <a:rPr lang="ru-RU" smtClean="0"/>
               <a:pPr/>
-              <a:t>11.05.2023</a:t>
+              <a:t>15.05.2023</a:t>
             </a:fld>
             <a:endParaRPr lang="ru-RU"/>
           </a:p>
@@ -1331,7 +1331,7 @@
             <a:fld id="{A4FC9FCA-275F-46B7-8856-C2015763651D}" type="datetime1">
               <a:rPr lang="ru-RU" smtClean="0"/>
               <a:pPr/>
-              <a:t>11.05.2023</a:t>
+              <a:t>15.05.2023</a:t>
             </a:fld>
             <a:endParaRPr lang="ru-RU"/>
           </a:p>
@@ -1498,7 +1498,7 @@
             <a:fld id="{328E49B8-C74E-4DA9-B638-56B3C27B037C}" type="datetime1">
               <a:rPr lang="ru-RU" smtClean="0"/>
               <a:pPr/>
-              <a:t>11.05.2023</a:t>
+              <a:t>15.05.2023</a:t>
             </a:fld>
             <a:endParaRPr lang="ru-RU"/>
           </a:p>
@@ -1741,7 +1741,7 @@
             <a:fld id="{BBD9AC8D-70D0-4530-9017-FF1075ECEE87}" type="datetime1">
               <a:rPr lang="ru-RU" smtClean="0"/>
               <a:pPr/>
-              <a:t>11.05.2023</a:t>
+              <a:t>15.05.2023</a:t>
             </a:fld>
             <a:endParaRPr lang="ru-RU"/>
           </a:p>
@@ -2026,7 +2026,7 @@
             <a:fld id="{D811626C-1939-40C4-B96A-3F88897B7B00}" type="datetime1">
               <a:rPr lang="ru-RU" smtClean="0"/>
               <a:pPr/>
-              <a:t>11.05.2023</a:t>
+              <a:t>15.05.2023</a:t>
             </a:fld>
             <a:endParaRPr lang="ru-RU"/>
           </a:p>
@@ -2445,7 +2445,7 @@
             <a:fld id="{0D2161AD-3CA8-44FA-A474-6FF071CE1BE8}" type="datetime1">
               <a:rPr lang="ru-RU" smtClean="0"/>
               <a:pPr/>
-              <a:t>11.05.2023</a:t>
+              <a:t>15.05.2023</a:t>
             </a:fld>
             <a:endParaRPr lang="ru-RU"/>
           </a:p>
@@ -2560,7 +2560,7 @@
             <a:fld id="{FA001328-CF1D-47CB-B4FB-322C929C9BF4}" type="datetime1">
               <a:rPr lang="ru-RU" smtClean="0"/>
               <a:pPr/>
-              <a:t>11.05.2023</a:t>
+              <a:t>15.05.2023</a:t>
             </a:fld>
             <a:endParaRPr lang="ru-RU"/>
           </a:p>
@@ -2652,7 +2652,7 @@
             <a:fld id="{6133CAA4-9EBA-4C88-9AA7-318504631F39}" type="datetime1">
               <a:rPr lang="ru-RU" smtClean="0"/>
               <a:pPr/>
-              <a:t>11.05.2023</a:t>
+              <a:t>15.05.2023</a:t>
             </a:fld>
             <a:endParaRPr lang="ru-RU"/>
           </a:p>
@@ -2926,7 +2926,7 @@
             <a:fld id="{86AF6C1F-1A91-4256-8CA8-3B2EF3FEFB97}" type="datetime1">
               <a:rPr lang="ru-RU" smtClean="0"/>
               <a:pPr/>
-              <a:t>11.05.2023</a:t>
+              <a:t>15.05.2023</a:t>
             </a:fld>
             <a:endParaRPr lang="ru-RU"/>
           </a:p>
@@ -3176,7 +3176,7 @@
             <a:fld id="{3688C4C4-BCF1-4EB0-8AC7-16A5F3A7BC9B}" type="datetime1">
               <a:rPr lang="ru-RU" smtClean="0"/>
               <a:pPr/>
-              <a:t>11.05.2023</a:t>
+              <a:t>15.05.2023</a:t>
             </a:fld>
             <a:endParaRPr lang="ru-RU"/>
           </a:p>
@@ -3386,7 +3386,7 @@
             <a:fld id="{44FE96CB-CF72-4671-B5E2-123AB3CA4369}" type="datetime1">
               <a:rPr lang="ru-RU" smtClean="0"/>
               <a:pPr/>
-              <a:t>11.05.2023</a:t>
+              <a:t>15.05.2023</a:t>
             </a:fld>
             <a:endParaRPr lang="ru-RU"/>
           </a:p>
@@ -4238,7 +4238,7 @@
         <p:spPr>
           <a:xfrm>
             <a:off x="550590" y="189434"/>
-            <a:ext cx="10971372" cy="1008112"/>
+            <a:ext cx="10971372" cy="576064"/>
           </a:xfrm>
         </p:spPr>
         <p:txBody>
@@ -4259,9 +4259,6 @@
               </a:rPr>
               <a:t>Диаграмма деятельности</a:t>
             </a:r>
-          </a:p>
-          <a:p>
-            <a:endParaRPr lang="ru-RU" dirty="0"/>
           </a:p>
         </p:txBody>
       </p:sp>
@@ -4359,12 +4356,14 @@
         </p:nvSpPr>
         <p:spPr>
           <a:xfrm>
-            <a:off x="550590" y="405458"/>
-            <a:ext cx="10971372" cy="927241"/>
+            <a:off x="550590" y="189434"/>
+            <a:ext cx="10971372" cy="576063"/>
           </a:xfrm>
         </p:spPr>
         <p:txBody>
-          <a:bodyPr/>
+          <a:bodyPr>
+            <a:normAutofit/>
+          </a:bodyPr>
           <a:lstStyle/>
           <a:p>
             <a:pPr rtl="0" eaLnBrk="1" latinLnBrk="0" hangingPunct="1"/>
@@ -4379,9 +4378,6 @@
               </a:rPr>
               <a:t>Диаграмма последовательности</a:t>
             </a:r>
-          </a:p>
-          <a:p>
-            <a:endParaRPr lang="ru-RU" dirty="0"/>
           </a:p>
         </p:txBody>
       </p:sp>
@@ -4429,8 +4425,8 @@
         </p:nvSpPr>
         <p:spPr>
           <a:xfrm>
-            <a:off x="609521" y="274703"/>
-            <a:ext cx="10971372" cy="706819"/>
+            <a:off x="622598" y="189434"/>
+            <a:ext cx="10971372" cy="576063"/>
           </a:xfrm>
         </p:spPr>
         <p:txBody>
@@ -4547,8 +4543,8 @@
         </p:nvSpPr>
         <p:spPr>
           <a:xfrm>
-            <a:off x="609521" y="274703"/>
-            <a:ext cx="10971372" cy="994852"/>
+            <a:off x="622598" y="117426"/>
+            <a:ext cx="10971372" cy="850835"/>
           </a:xfrm>
         </p:spPr>
         <p:txBody>
@@ -5294,12 +5290,384 @@
             <p:ph idx="1"/>
           </p:nvPr>
         </p:nvSpPr>
-        <p:spPr/>
-        <p:txBody>
-          <a:bodyPr/>
-          <a:lstStyle/>
-          <a:p>
-            <a:endParaRPr lang="ru-RU" dirty="0"/>
+        <p:spPr>
+          <a:xfrm>
+            <a:off x="609521" y="1269554"/>
+            <a:ext cx="10971372" cy="5328592"/>
+          </a:xfrm>
+        </p:spPr>
+        <p:txBody>
+          <a:bodyPr>
+            <a:noAutofit/>
+          </a:bodyPr>
+          <a:lstStyle/>
+          <a:p>
+            <a:pPr marL="914400" indent="-914400">
+              <a:buFont typeface="+mj-lt"/>
+              <a:buAutoNum type="arabicPeriod" startAt="2"/>
+            </a:pPr>
+            <a:r>
+              <a:rPr lang="ru-RU" sz="1600" dirty="0" smtClean="0">
+                <a:solidFill>
+                  <a:srgbClr val="000000"/>
+                </a:solidFill>
+                <a:latin typeface="Times New Roman" pitchFamily="18" charset="0"/>
+                <a:ea typeface="HelveticaNeueCyr Medium" pitchFamily="34" charset="-122"/>
+                <a:cs typeface="Times New Roman" pitchFamily="18" charset="0"/>
+              </a:rPr>
+              <a:t>Цель работы</a:t>
+            </a:r>
+            <a:endParaRPr lang="ru-RU" sz="1600" dirty="0" smtClean="0">
+              <a:latin typeface="Times New Roman" pitchFamily="18" charset="0"/>
+              <a:cs typeface="Times New Roman" pitchFamily="18" charset="0"/>
+            </a:endParaRPr>
+          </a:p>
+          <a:p>
+            <a:pPr marL="914400" indent="-914400">
+              <a:buFont typeface="+mj-lt"/>
+              <a:buAutoNum type="arabicPeriod" startAt="2"/>
+            </a:pPr>
+            <a:r>
+              <a:rPr lang="ru-RU" sz="1600" dirty="0" smtClean="0">
+                <a:latin typeface="Times New Roman" pitchFamily="18" charset="0"/>
+                <a:cs typeface="Times New Roman" pitchFamily="18" charset="0"/>
+              </a:rPr>
+              <a:t>Задачи работы</a:t>
+            </a:r>
+          </a:p>
+          <a:p>
+            <a:pPr marL="914400" indent="-914400">
+              <a:buFont typeface="+mj-lt"/>
+              <a:buAutoNum type="arabicPeriod" startAt="2"/>
+            </a:pPr>
+            <a:r>
+              <a:rPr lang="ru-RU" sz="1600" dirty="0" smtClean="0">
+                <a:latin typeface="Times New Roman" pitchFamily="18" charset="0"/>
+                <a:cs typeface="Times New Roman" pitchFamily="18" charset="0"/>
+              </a:rPr>
+              <a:t>Анализ предметной области</a:t>
+            </a:r>
+          </a:p>
+          <a:p>
+            <a:pPr marL="914400" indent="-914400" algn="just">
+              <a:buFont typeface="+mj-lt"/>
+              <a:buAutoNum type="arabicPeriod" startAt="2"/>
+              <a:tabLst>
+                <a:tab pos="719455" algn="l"/>
+              </a:tabLst>
+            </a:pPr>
+            <a:r>
+              <a:rPr lang="ru-RU" sz="1600" dirty="0" smtClean="0">
+                <a:latin typeface="Times New Roman" pitchFamily="18" charset="0"/>
+                <a:cs typeface="Times New Roman" pitchFamily="18" charset="0"/>
+              </a:rPr>
+              <a:t>Главное окно программы </a:t>
+            </a:r>
+            <a:r>
+              <a:rPr lang="ru-RU" sz="1600" dirty="0" err="1" smtClean="0">
+                <a:latin typeface="Times New Roman" pitchFamily="18" charset="0"/>
+                <a:cs typeface="Times New Roman" pitchFamily="18" charset="0"/>
+              </a:rPr>
+              <a:t>RoboPlus</a:t>
+            </a:r>
+            <a:r>
+              <a:rPr lang="ru-RU" sz="1600" dirty="0" smtClean="0">
+                <a:latin typeface="Times New Roman" pitchFamily="18" charset="0"/>
+                <a:cs typeface="Times New Roman" pitchFamily="18" charset="0"/>
+              </a:rPr>
+              <a:t> </a:t>
+            </a:r>
+            <a:r>
+              <a:rPr lang="ru-RU" sz="1600" dirty="0" err="1" smtClean="0">
+                <a:latin typeface="Times New Roman" pitchFamily="18" charset="0"/>
+                <a:cs typeface="Times New Roman" pitchFamily="18" charset="0"/>
+              </a:rPr>
+              <a:t>Motion</a:t>
+            </a:r>
+            <a:endParaRPr lang="ru-RU" sz="1600" dirty="0" smtClean="0">
+              <a:latin typeface="Times New Roman" pitchFamily="18" charset="0"/>
+              <a:cs typeface="Times New Roman" pitchFamily="18" charset="0"/>
+            </a:endParaRPr>
+          </a:p>
+          <a:p>
+            <a:pPr marL="914400" indent="-914400">
+              <a:buFont typeface="+mj-lt"/>
+              <a:buAutoNum type="arabicPeriod" startAt="2"/>
+            </a:pPr>
+            <a:r>
+              <a:rPr lang="ru-RU" sz="1600" dirty="0" smtClean="0">
+                <a:latin typeface="Times New Roman" pitchFamily="18" charset="0"/>
+                <a:cs typeface="Times New Roman" pitchFamily="18" charset="0"/>
+              </a:rPr>
+              <a:t>Главное окно программы </a:t>
+            </a:r>
+            <a:r>
+              <a:rPr lang="ru-RU" sz="1600" dirty="0" err="1" smtClean="0">
+                <a:latin typeface="Times New Roman" pitchFamily="18" charset="0"/>
+                <a:cs typeface="Times New Roman" pitchFamily="18" charset="0"/>
+              </a:rPr>
+              <a:t>RoboPlus</a:t>
+            </a:r>
+            <a:r>
+              <a:rPr lang="ru-RU" sz="1600" dirty="0" smtClean="0">
+                <a:latin typeface="Times New Roman" pitchFamily="18" charset="0"/>
+                <a:cs typeface="Times New Roman" pitchFamily="18" charset="0"/>
+              </a:rPr>
+              <a:t> </a:t>
+            </a:r>
+            <a:r>
+              <a:rPr lang="ru-RU" sz="1600" dirty="0" err="1" smtClean="0">
+                <a:latin typeface="Times New Roman" pitchFamily="18" charset="0"/>
+                <a:cs typeface="Times New Roman" pitchFamily="18" charset="0"/>
+              </a:rPr>
+              <a:t>Motion</a:t>
+            </a:r>
+            <a:r>
+              <a:rPr lang="ru-RU" sz="1600" dirty="0" smtClean="0">
+                <a:latin typeface="Times New Roman" pitchFamily="18" charset="0"/>
+                <a:cs typeface="Times New Roman" pitchFamily="18" charset="0"/>
+              </a:rPr>
+              <a:t> 2.0</a:t>
+            </a:r>
+          </a:p>
+          <a:p>
+            <a:pPr marL="914400" indent="-914400">
+              <a:buFont typeface="+mj-lt"/>
+              <a:buAutoNum type="arabicPeriod" startAt="2"/>
+            </a:pPr>
+            <a:r>
+              <a:rPr lang="ru-RU" sz="1600" dirty="0" smtClean="0">
+                <a:latin typeface="Times New Roman" pitchFamily="18" charset="0"/>
+                <a:cs typeface="Times New Roman" pitchFamily="18" charset="0"/>
+              </a:rPr>
+              <a:t>Главное окно программы </a:t>
+            </a:r>
+            <a:r>
+              <a:rPr lang="en-US" sz="1600" dirty="0" smtClean="0">
+                <a:latin typeface="Times New Roman" pitchFamily="18" charset="0"/>
+                <a:cs typeface="Times New Roman" pitchFamily="18" charset="0"/>
+              </a:rPr>
+              <a:t>H</a:t>
+            </a:r>
+            <a:r>
+              <a:rPr lang="ru-RU" sz="1600" dirty="0" err="1" smtClean="0">
+                <a:latin typeface="Times New Roman" pitchFamily="18" charset="0"/>
+                <a:cs typeface="Times New Roman" pitchFamily="18" charset="0"/>
+              </a:rPr>
+              <a:t>iwonder</a:t>
+            </a:r>
+            <a:r>
+              <a:rPr lang="ru-RU" sz="1600" dirty="0" smtClean="0">
+                <a:latin typeface="Times New Roman" pitchFamily="18" charset="0"/>
+                <a:cs typeface="Times New Roman" pitchFamily="18" charset="0"/>
+              </a:rPr>
+              <a:t> </a:t>
+            </a:r>
+            <a:r>
+              <a:rPr lang="en-US" sz="1600" dirty="0" err="1" smtClean="0">
+                <a:latin typeface="Times New Roman" pitchFamily="18" charset="0"/>
+                <a:cs typeface="Times New Roman" pitchFamily="18" charset="0"/>
+              </a:rPr>
+              <a:t>RoboSoul</a:t>
+            </a:r>
+            <a:endParaRPr lang="ru-RU" sz="1600" dirty="0" smtClean="0">
+              <a:latin typeface="Times New Roman" pitchFamily="18" charset="0"/>
+              <a:cs typeface="Times New Roman" pitchFamily="18" charset="0"/>
+            </a:endParaRPr>
+          </a:p>
+          <a:p>
+            <a:pPr marL="914400" indent="-914400">
+              <a:buFont typeface="+mj-lt"/>
+              <a:buAutoNum type="arabicPeriod" startAt="2"/>
+            </a:pPr>
+            <a:r>
+              <a:rPr lang="ru-RU" sz="1600" smtClean="0">
+                <a:latin typeface="Times New Roman" pitchFamily="18" charset="0"/>
+                <a:cs typeface="Times New Roman" pitchFamily="18" charset="0"/>
+              </a:rPr>
+              <a:t>Диаграмма </a:t>
+            </a:r>
+            <a:r>
+              <a:rPr lang="ru-RU" sz="1600" dirty="0" smtClean="0">
+                <a:latin typeface="Times New Roman" pitchFamily="18" charset="0"/>
+                <a:cs typeface="Times New Roman" pitchFamily="18" charset="0"/>
+              </a:rPr>
+              <a:t>вариантов использования</a:t>
+            </a:r>
+          </a:p>
+          <a:p>
+            <a:pPr marL="914400" indent="-914400">
+              <a:buFont typeface="+mj-lt"/>
+              <a:buAutoNum type="arabicPeriod" startAt="2"/>
+            </a:pPr>
+            <a:r>
+              <a:rPr lang="ru-RU" sz="1600" dirty="0" smtClean="0">
+                <a:latin typeface="Times New Roman" pitchFamily="18" charset="0"/>
+                <a:cs typeface="Times New Roman" pitchFamily="18" charset="0"/>
+              </a:rPr>
+              <a:t>Структурная схема</a:t>
+            </a:r>
+          </a:p>
+          <a:p>
+            <a:pPr marL="914400" indent="-914400">
+              <a:buFont typeface="+mj-lt"/>
+              <a:buAutoNum type="arabicPeriod" startAt="2"/>
+            </a:pPr>
+            <a:r>
+              <a:rPr lang="ru-RU" sz="1600" dirty="0" smtClean="0">
+                <a:latin typeface="Times New Roman" pitchFamily="18" charset="0"/>
+                <a:cs typeface="Times New Roman" pitchFamily="18" charset="0"/>
+              </a:rPr>
+              <a:t>Диаграмма деятельности</a:t>
+            </a:r>
+          </a:p>
+          <a:p>
+            <a:pPr marL="914400" indent="-914400">
+              <a:buFont typeface="+mj-lt"/>
+              <a:buAutoNum type="arabicPeriod" startAt="2"/>
+            </a:pPr>
+            <a:r>
+              <a:rPr lang="ru-RU" sz="1600" dirty="0" smtClean="0">
+                <a:latin typeface="Times New Roman" pitchFamily="18" charset="0"/>
+                <a:cs typeface="Times New Roman" pitchFamily="18" charset="0"/>
+              </a:rPr>
+              <a:t>Диаграмма последовательности</a:t>
+            </a:r>
+          </a:p>
+          <a:p>
+            <a:pPr marL="914400" indent="-914400">
+              <a:buFont typeface="+mj-lt"/>
+              <a:buAutoNum type="arabicPeriod" startAt="2"/>
+            </a:pPr>
+            <a:r>
+              <a:rPr lang="ru-RU" sz="1600" dirty="0" smtClean="0">
+                <a:latin typeface="Times New Roman" pitchFamily="18" charset="0"/>
+                <a:cs typeface="Times New Roman" pitchFamily="18" charset="0"/>
+              </a:rPr>
+              <a:t>Диаграмма компонентов</a:t>
+            </a:r>
+          </a:p>
+          <a:p>
+            <a:pPr marL="914400" indent="-914400">
+              <a:buFont typeface="+mj-lt"/>
+              <a:buAutoNum type="arabicPeriod" startAt="2"/>
+            </a:pPr>
+            <a:r>
+              <a:rPr lang="ru-RU" sz="1600" dirty="0" smtClean="0">
+                <a:latin typeface="Times New Roman" pitchFamily="18" charset="0"/>
+                <a:cs typeface="Times New Roman" pitchFamily="18" charset="0"/>
+              </a:rPr>
+              <a:t>Результаты проделанной работы</a:t>
+            </a:r>
+          </a:p>
+          <a:p>
+            <a:pPr marL="914400" indent="-914400">
+              <a:buFont typeface="+mj-lt"/>
+              <a:buAutoNum type="arabicPeriod" startAt="2"/>
+            </a:pPr>
+            <a:r>
+              <a:rPr lang="ru-RU" sz="1600" dirty="0" smtClean="0">
+                <a:latin typeface="Times New Roman" pitchFamily="18" charset="0"/>
+                <a:cs typeface="Times New Roman" pitchFamily="18" charset="0"/>
+              </a:rPr>
+              <a:t>Основное окно программы </a:t>
+            </a:r>
+            <a:r>
+              <a:rPr lang="en-US" sz="1600" dirty="0" err="1" smtClean="0">
+                <a:latin typeface="Times New Roman" pitchFamily="18" charset="0"/>
+                <a:cs typeface="Times New Roman" pitchFamily="18" charset="0"/>
+              </a:rPr>
+              <a:t>RobotController</a:t>
+            </a:r>
+            <a:r>
+              <a:rPr lang="ru-RU" sz="1600" dirty="0" smtClean="0">
+                <a:latin typeface="Times New Roman" pitchFamily="18" charset="0"/>
+                <a:cs typeface="Times New Roman" pitchFamily="18" charset="0"/>
+              </a:rPr>
+              <a:t>, модель на 6 сервоприводов</a:t>
+            </a:r>
+          </a:p>
+          <a:p>
+            <a:pPr marL="914400" indent="-914400">
+              <a:buFont typeface="+mj-lt"/>
+              <a:buAutoNum type="arabicPeriod" startAt="2"/>
+            </a:pPr>
+            <a:r>
+              <a:rPr lang="ru-RU" sz="1600" dirty="0" smtClean="0">
+                <a:latin typeface="Times New Roman" pitchFamily="18" charset="0"/>
+                <a:cs typeface="Times New Roman" pitchFamily="18" charset="0"/>
+              </a:rPr>
+              <a:t>Основное окно программы </a:t>
+            </a:r>
+            <a:r>
+              <a:rPr lang="en-US" sz="1600" dirty="0" err="1" smtClean="0">
+                <a:latin typeface="Times New Roman" pitchFamily="18" charset="0"/>
+                <a:cs typeface="Times New Roman" pitchFamily="18" charset="0"/>
+              </a:rPr>
+              <a:t>RobotController</a:t>
+            </a:r>
+            <a:r>
+              <a:rPr lang="ru-RU" sz="1600" dirty="0" smtClean="0">
+                <a:latin typeface="Times New Roman" pitchFamily="18" charset="0"/>
+                <a:cs typeface="Times New Roman" pitchFamily="18" charset="0"/>
+              </a:rPr>
+              <a:t>, модель на 20 сервоприводов</a:t>
+            </a:r>
+          </a:p>
+          <a:p>
+            <a:pPr marL="914400" indent="-914400">
+              <a:buFont typeface="+mj-lt"/>
+              <a:buAutoNum type="arabicPeriod" startAt="2"/>
+            </a:pPr>
+            <a:r>
+              <a:rPr lang="ru-RU" sz="1600" dirty="0" smtClean="0">
+                <a:latin typeface="Times New Roman" pitchFamily="18" charset="0"/>
+                <a:cs typeface="Times New Roman" pitchFamily="18" charset="0"/>
+              </a:rPr>
+              <a:t>Выводы по работе</a:t>
+            </a:r>
+            <a:endParaRPr lang="en-US" sz="1600" dirty="0" smtClean="0">
+              <a:latin typeface="Times New Roman" pitchFamily="18" charset="0"/>
+              <a:cs typeface="Times New Roman" pitchFamily="18" charset="0"/>
+            </a:endParaRPr>
+          </a:p>
+          <a:p>
+            <a:pPr marL="914400" indent="-914400">
+              <a:buFont typeface="+mj-lt"/>
+              <a:buAutoNum type="arabicPeriod" startAt="2"/>
+            </a:pPr>
+            <a:r>
+              <a:rPr lang="ru-RU" sz="1600" dirty="0" smtClean="0">
+                <a:latin typeface="Times New Roman" pitchFamily="18" charset="0"/>
+                <a:cs typeface="Times New Roman" pitchFamily="18" charset="0"/>
+              </a:rPr>
+              <a:t>Спасибо за внимание</a:t>
+            </a:r>
+          </a:p>
+          <a:p>
+            <a:pPr marL="914400" indent="-914400">
+              <a:buFont typeface="+mj-lt"/>
+              <a:buAutoNum type="arabicPeriod" startAt="2"/>
+            </a:pPr>
+            <a:r>
+              <a:rPr lang="ru-RU" sz="1600" dirty="0" smtClean="0">
+                <a:latin typeface="Times New Roman" pitchFamily="18" charset="0"/>
+                <a:cs typeface="Times New Roman" pitchFamily="18" charset="0"/>
+              </a:rPr>
+              <a:t>Содержание</a:t>
+            </a:r>
+          </a:p>
+          <a:p>
+            <a:pPr algn="just">
+              <a:buNone/>
+            </a:pPr>
+            <a:endParaRPr lang="ru-RU" sz="1400" dirty="0" smtClean="0"/>
+          </a:p>
+          <a:p>
+            <a:pPr algn="just">
+              <a:buNone/>
+            </a:pPr>
+            <a:endParaRPr lang="ru-RU" sz="1400" dirty="0" smtClean="0"/>
           </a:p>
         </p:txBody>
       </p:sp>
@@ -6734,9 +7102,6 @@
               </a:rPr>
               <a:t>Структурная схема</a:t>
             </a:r>
-          </a:p>
-          <a:p>
-            <a:endParaRPr lang="ru-RU" dirty="0"/>
           </a:p>
         </p:txBody>
       </p:sp>

--- a/Дипломная Волков.pptx
+++ b/Дипломная Волков.pptx
@@ -213,7 +213,7 @@
             <a:fld id="{5F4C3E1F-8F02-4B6E-BE01-AE811F44C78A}" type="datetimeFigureOut">
               <a:rPr lang="ru-RU" smtClean="0"/>
               <a:pPr/>
-              <a:t>15.05.2023</a:t>
+              <a:t>29.05.2023</a:t>
             </a:fld>
             <a:endParaRPr lang="ru-RU"/>
           </a:p>
@@ -375,7 +375,7 @@
             <a:fld id="{2B77361B-FA97-4712-A320-857CD6874498}" type="datetimeFigureOut">
               <a:rPr lang="ru-RU" smtClean="0"/>
               <a:pPr/>
-              <a:t>15.05.2023</a:t>
+              <a:t>29.05.2023</a:t>
             </a:fld>
             <a:endParaRPr lang="ru-RU"/>
           </a:p>
@@ -987,7 +987,7 @@
             <a:fld id="{48796433-FCAE-4265-BEE5-7FFD7A6D00EA}" type="datetime1">
               <a:rPr lang="ru-RU" smtClean="0"/>
               <a:pPr/>
-              <a:t>15.05.2023</a:t>
+              <a:t>29.05.2023</a:t>
             </a:fld>
             <a:endParaRPr lang="ru-RU"/>
           </a:p>
@@ -1154,7 +1154,7 @@
             <a:fld id="{825BD699-2E58-4557-8CF0-BBBBC09C198E}" type="datetime1">
               <a:rPr lang="ru-RU" smtClean="0"/>
               <a:pPr/>
-              <a:t>15.05.2023</a:t>
+              <a:t>29.05.2023</a:t>
             </a:fld>
             <a:endParaRPr lang="ru-RU"/>
           </a:p>
@@ -1331,7 +1331,7 @@
             <a:fld id="{A4FC9FCA-275F-46B7-8856-C2015763651D}" type="datetime1">
               <a:rPr lang="ru-RU" smtClean="0"/>
               <a:pPr/>
-              <a:t>15.05.2023</a:t>
+              <a:t>29.05.2023</a:t>
             </a:fld>
             <a:endParaRPr lang="ru-RU"/>
           </a:p>
@@ -1498,7 +1498,7 @@
             <a:fld id="{328E49B8-C74E-4DA9-B638-56B3C27B037C}" type="datetime1">
               <a:rPr lang="ru-RU" smtClean="0"/>
               <a:pPr/>
-              <a:t>15.05.2023</a:t>
+              <a:t>29.05.2023</a:t>
             </a:fld>
             <a:endParaRPr lang="ru-RU"/>
           </a:p>
@@ -1741,7 +1741,7 @@
             <a:fld id="{BBD9AC8D-70D0-4530-9017-FF1075ECEE87}" type="datetime1">
               <a:rPr lang="ru-RU" smtClean="0"/>
               <a:pPr/>
-              <a:t>15.05.2023</a:t>
+              <a:t>29.05.2023</a:t>
             </a:fld>
             <a:endParaRPr lang="ru-RU"/>
           </a:p>
@@ -2026,7 +2026,7 @@
             <a:fld id="{D811626C-1939-40C4-B96A-3F88897B7B00}" type="datetime1">
               <a:rPr lang="ru-RU" smtClean="0"/>
               <a:pPr/>
-              <a:t>15.05.2023</a:t>
+              <a:t>29.05.2023</a:t>
             </a:fld>
             <a:endParaRPr lang="ru-RU"/>
           </a:p>
@@ -2445,7 +2445,7 @@
             <a:fld id="{0D2161AD-3CA8-44FA-A474-6FF071CE1BE8}" type="datetime1">
               <a:rPr lang="ru-RU" smtClean="0"/>
               <a:pPr/>
-              <a:t>15.05.2023</a:t>
+              <a:t>29.05.2023</a:t>
             </a:fld>
             <a:endParaRPr lang="ru-RU"/>
           </a:p>
@@ -2560,7 +2560,7 @@
             <a:fld id="{FA001328-CF1D-47CB-B4FB-322C929C9BF4}" type="datetime1">
               <a:rPr lang="ru-RU" smtClean="0"/>
               <a:pPr/>
-              <a:t>15.05.2023</a:t>
+              <a:t>29.05.2023</a:t>
             </a:fld>
             <a:endParaRPr lang="ru-RU"/>
           </a:p>
@@ -2652,7 +2652,7 @@
             <a:fld id="{6133CAA4-9EBA-4C88-9AA7-318504631F39}" type="datetime1">
               <a:rPr lang="ru-RU" smtClean="0"/>
               <a:pPr/>
-              <a:t>15.05.2023</a:t>
+              <a:t>29.05.2023</a:t>
             </a:fld>
             <a:endParaRPr lang="ru-RU"/>
           </a:p>
@@ -2926,7 +2926,7 @@
             <a:fld id="{86AF6C1F-1A91-4256-8CA8-3B2EF3FEFB97}" type="datetime1">
               <a:rPr lang="ru-RU" smtClean="0"/>
               <a:pPr/>
-              <a:t>15.05.2023</a:t>
+              <a:t>29.05.2023</a:t>
             </a:fld>
             <a:endParaRPr lang="ru-RU"/>
           </a:p>
@@ -3176,7 +3176,7 @@
             <a:fld id="{3688C4C4-BCF1-4EB0-8AC7-16A5F3A7BC9B}" type="datetime1">
               <a:rPr lang="ru-RU" smtClean="0"/>
               <a:pPr/>
-              <a:t>15.05.2023</a:t>
+              <a:t>29.05.2023</a:t>
             </a:fld>
             <a:endParaRPr lang="ru-RU"/>
           </a:p>
@@ -3386,7 +3386,7 @@
             <a:fld id="{44FE96CB-CF72-4671-B5E2-123AB3CA4369}" type="datetime1">
               <a:rPr lang="ru-RU" smtClean="0"/>
               <a:pPr/>
-              <a:t>15.05.2023</a:t>
+              <a:t>29.05.2023</a:t>
             </a:fld>
             <a:endParaRPr lang="ru-RU"/>
           </a:p>
@@ -3763,7 +3763,7 @@
           <p:cNvPr id="10" name="Заголовок 1">
             <a:extLst>
               <a:ext uri="{FF2B5EF4-FFF2-40B4-BE49-F238E27FC236}">
-                <a16:creationId xmlns="" xmlns:a16="http://schemas.microsoft.com/office/drawing/2014/main" id="{01503706-744B-410E-9B65-8610A72CF07B}"/>
+                <a16:creationId xmlns:a16="http://schemas.microsoft.com/office/drawing/2014/main" xmlns="" id="{01503706-744B-410E-9B65-8610A72CF07B}"/>
               </a:ext>
             </a:extLst>
           </p:cNvPr>
@@ -3885,7 +3885,7 @@
           <p:cNvPr id="11" name="Text 1">
             <a:extLst>
               <a:ext uri="{FF2B5EF4-FFF2-40B4-BE49-F238E27FC236}">
-                <a16:creationId xmlns="" xmlns:a16="http://schemas.microsoft.com/office/drawing/2014/main" id="{72037010-A9D9-49AF-A594-5EF9D266FCEE}"/>
+                <a16:creationId xmlns:a16="http://schemas.microsoft.com/office/drawing/2014/main" xmlns="" id="{72037010-A9D9-49AF-A594-5EF9D266FCEE}"/>
               </a:ext>
             </a:extLst>
           </p:cNvPr>
@@ -3973,7 +3973,7 @@
           <p:cNvPr id="12" name="Text 2">
             <a:extLst>
               <a:ext uri="{FF2B5EF4-FFF2-40B4-BE49-F238E27FC236}">
-                <a16:creationId xmlns="" xmlns:a16="http://schemas.microsoft.com/office/drawing/2014/main" id="{B0971291-6D9C-47F2-A6FD-1EC86B60B829}"/>
+                <a16:creationId xmlns:a16="http://schemas.microsoft.com/office/drawing/2014/main" xmlns="" id="{B0971291-6D9C-47F2-A6FD-1EC86B60B829}"/>
               </a:ext>
             </a:extLst>
           </p:cNvPr>
@@ -4049,7 +4049,7 @@
           <p:cNvPr id="13" name="Text 3">
             <a:extLst>
               <a:ext uri="{FF2B5EF4-FFF2-40B4-BE49-F238E27FC236}">
-                <a16:creationId xmlns="" xmlns:a16="http://schemas.microsoft.com/office/drawing/2014/main" id="{538F249A-B0DE-403E-AFB7-2D456552B392}"/>
+                <a16:creationId xmlns:a16="http://schemas.microsoft.com/office/drawing/2014/main" xmlns="" id="{538F249A-B0DE-403E-AFB7-2D456552B392}"/>
               </a:ext>
             </a:extLst>
           </p:cNvPr>
@@ -5481,18 +5481,11 @@
               <a:buAutoNum type="arabicPeriod" startAt="2"/>
             </a:pPr>
             <a:r>
-              <a:rPr lang="ru-RU" sz="1600" smtClean="0">
-                <a:latin typeface="Times New Roman" pitchFamily="18" charset="0"/>
-                <a:cs typeface="Times New Roman" pitchFamily="18" charset="0"/>
-              </a:rPr>
-              <a:t>Диаграмма </a:t>
-            </a:r>
-            <a:r>
               <a:rPr lang="ru-RU" sz="1600" dirty="0" smtClean="0">
                 <a:latin typeface="Times New Roman" pitchFamily="18" charset="0"/>
                 <a:cs typeface="Times New Roman" pitchFamily="18" charset="0"/>
               </a:rPr>
-              <a:t>вариантов использования</a:t>
+              <a:t>Диаграмма вариантов использования</a:t>
             </a:r>
           </a:p>
           <a:p>
@@ -5641,8 +5634,12 @@
                 <a:latin typeface="Times New Roman" pitchFamily="18" charset="0"/>
                 <a:cs typeface="Times New Roman" pitchFamily="18" charset="0"/>
               </a:rPr>
-              <a:t>Спасибо за внимание</a:t>
-            </a:r>
+              <a:t>Конечный слайд</a:t>
+            </a:r>
+            <a:endParaRPr lang="ru-RU" sz="1600" dirty="0" smtClean="0">
+              <a:latin typeface="Times New Roman" pitchFamily="18" charset="0"/>
+              <a:cs typeface="Times New Roman" pitchFamily="18" charset="0"/>
+            </a:endParaRPr>
           </a:p>
           <a:p>
             <a:pPr marL="914400" indent="-914400">
@@ -5725,7 +5722,7 @@
           <p:cNvPr id="4" name="Заголовок 1">
             <a:extLst>
               <a:ext uri="{FF2B5EF4-FFF2-40B4-BE49-F238E27FC236}">
-                <a16:creationId xmlns="" xmlns:a16="http://schemas.microsoft.com/office/drawing/2014/main" id="{46B763F4-6301-4314-A941-A1986AE510F1}"/>
+                <a16:creationId xmlns:a16="http://schemas.microsoft.com/office/drawing/2014/main" xmlns="" id="{46B763F4-6301-4314-A941-A1986AE510F1}"/>
               </a:ext>
             </a:extLst>
           </p:cNvPr>
@@ -5769,7 +5766,7 @@
           <p:cNvPr id="5" name="Объект 2">
             <a:extLst>
               <a:ext uri="{FF2B5EF4-FFF2-40B4-BE49-F238E27FC236}">
-                <a16:creationId xmlns="" xmlns:a16="http://schemas.microsoft.com/office/drawing/2014/main" id="{C83B88B7-2124-4F37-8698-952C557AED7B}"/>
+                <a16:creationId xmlns:a16="http://schemas.microsoft.com/office/drawing/2014/main" xmlns="" id="{C83B88B7-2124-4F37-8698-952C557AED7B}"/>
               </a:ext>
             </a:extLst>
           </p:cNvPr>
@@ -5905,7 +5902,7 @@
           <p:cNvPr id="4" name="Заголовок 1">
             <a:extLst>
               <a:ext uri="{FF2B5EF4-FFF2-40B4-BE49-F238E27FC236}">
-                <a16:creationId xmlns="" xmlns:a16="http://schemas.microsoft.com/office/drawing/2014/main" id="{9BE103FA-346E-4AD0-A528-E8B5B5B30E11}"/>
+                <a16:creationId xmlns:a16="http://schemas.microsoft.com/office/drawing/2014/main" xmlns="" id="{9BE103FA-346E-4AD0-A528-E8B5B5B30E11}"/>
               </a:ext>
             </a:extLst>
           </p:cNvPr>
@@ -5941,7 +5938,7 @@
           <p:cNvPr id="5" name="Объект 2">
             <a:extLst>
               <a:ext uri="{FF2B5EF4-FFF2-40B4-BE49-F238E27FC236}">
-                <a16:creationId xmlns="" xmlns:a16="http://schemas.microsoft.com/office/drawing/2014/main" id="{F3ABAB10-2768-4209-9C26-64C71481E109}"/>
+                <a16:creationId xmlns:a16="http://schemas.microsoft.com/office/drawing/2014/main" xmlns="" id="{F3ABAB10-2768-4209-9C26-64C71481E109}"/>
               </a:ext>
             </a:extLst>
           </p:cNvPr>

--- a/Дипломная Волков.pptx
+++ b/Дипломная Волков.pptx
@@ -5,10 +5,10 @@
     <p:sldMasterId id="2147483648" r:id="rId1"/>
   </p:sldMasterIdLst>
   <p:notesMasterIdLst>
-    <p:notesMasterId r:id="rId20"/>
+    <p:notesMasterId r:id="rId21"/>
   </p:notesMasterIdLst>
   <p:handoutMasterIdLst>
-    <p:handoutMasterId r:id="rId21"/>
+    <p:handoutMasterId r:id="rId22"/>
   </p:handoutMasterIdLst>
   <p:sldIdLst>
     <p:sldId id="266" r:id="rId2"/>
@@ -24,11 +24,12 @@
     <p:sldId id="271" r:id="rId12"/>
     <p:sldId id="280" r:id="rId13"/>
     <p:sldId id="274" r:id="rId14"/>
-    <p:sldId id="275" r:id="rId15"/>
-    <p:sldId id="276" r:id="rId16"/>
-    <p:sldId id="277" r:id="rId17"/>
-    <p:sldId id="278" r:id="rId18"/>
-    <p:sldId id="279" r:id="rId19"/>
+    <p:sldId id="281" r:id="rId15"/>
+    <p:sldId id="275" r:id="rId16"/>
+    <p:sldId id="276" r:id="rId17"/>
+    <p:sldId id="277" r:id="rId18"/>
+    <p:sldId id="278" r:id="rId19"/>
+    <p:sldId id="279" r:id="rId20"/>
   </p:sldIdLst>
   <p:sldSz cx="12190413" cy="6859588"/>
   <p:notesSz cx="6858000" cy="9144000"/>
@@ -213,7 +214,7 @@
             <a:fld id="{5F4C3E1F-8F02-4B6E-BE01-AE811F44C78A}" type="datetimeFigureOut">
               <a:rPr lang="ru-RU" smtClean="0"/>
               <a:pPr/>
-              <a:t>29.05.2023</a:t>
+              <a:t>30.05.2023</a:t>
             </a:fld>
             <a:endParaRPr lang="ru-RU"/>
           </a:p>
@@ -375,7 +376,7 @@
             <a:fld id="{2B77361B-FA97-4712-A320-857CD6874498}" type="datetimeFigureOut">
               <a:rPr lang="ru-RU" smtClean="0"/>
               <a:pPr/>
-              <a:t>29.05.2023</a:t>
+              <a:t>30.05.2023</a:t>
             </a:fld>
             <a:endParaRPr lang="ru-RU"/>
           </a:p>
@@ -805,6 +806,251 @@
 </p:notes>
 </file>
 
+<file path=ppt/notesSlides/notesSlide3.xml><?xml version="1.0" encoding="utf-8"?>
+<p:notes xmlns:a="http://schemas.openxmlformats.org/drawingml/2006/main" xmlns:r="http://schemas.openxmlformats.org/officeDocument/2006/relationships" xmlns:p="http://schemas.openxmlformats.org/presentationml/2006/main">
+  <p:cSld>
+    <p:spTree>
+      <p:nvGrpSpPr>
+        <p:cNvPr id="1" name=""/>
+        <p:cNvGrpSpPr/>
+        <p:nvPr/>
+      </p:nvGrpSpPr>
+      <p:grpSpPr>
+        <a:xfrm>
+          <a:off x="0" y="0"/>
+          <a:ext cx="0" cy="0"/>
+          <a:chOff x="0" y="0"/>
+          <a:chExt cx="0" cy="0"/>
+        </a:xfrm>
+      </p:grpSpPr>
+      <p:sp>
+        <p:nvSpPr>
+          <p:cNvPr id="2" name="Образ слайда 1"/>
+          <p:cNvSpPr>
+            <a:spLocks noGrp="1" noRot="1" noChangeAspect="1"/>
+          </p:cNvSpPr>
+          <p:nvPr>
+            <p:ph type="sldImg"/>
+          </p:nvPr>
+        </p:nvSpPr>
+        <p:spPr/>
+      </p:sp>
+      <p:sp>
+        <p:nvSpPr>
+          <p:cNvPr id="3" name="Заметки 2"/>
+          <p:cNvSpPr>
+            <a:spLocks noGrp="1"/>
+          </p:cNvSpPr>
+          <p:nvPr>
+            <p:ph type="body" idx="1"/>
+          </p:nvPr>
+        </p:nvSpPr>
+        <p:spPr/>
+        <p:txBody>
+          <a:bodyPr>
+            <a:normAutofit/>
+          </a:bodyPr>
+          <a:lstStyle/>
+          <a:p>
+            <a:r>
+              <a:rPr lang="ru-RU" baseline="0" dirty="0" smtClean="0"/>
+              <a:t>Прежде всего, была важна универсальность. Поэтому, программу можно использовать не только с человекоподобными моделями роботов, но и с паукообразными.</a:t>
+            </a:r>
+          </a:p>
+          <a:p>
+            <a:pPr marL="0" marR="0" indent="0" algn="l" defTabSz="914400" rtl="0" eaLnBrk="1" fontAlgn="auto" latinLnBrk="0" hangingPunct="1">
+              <a:lnSpc>
+                <a:spcPct val="100000"/>
+              </a:lnSpc>
+              <a:spcBef>
+                <a:spcPts val="0"/>
+              </a:spcBef>
+              <a:spcAft>
+                <a:spcPts val="0"/>
+              </a:spcAft>
+              <a:buClrTx/>
+              <a:buSzTx/>
+              <a:buFontTx/>
+              <a:buNone/>
+              <a:tabLst/>
+              <a:defRPr/>
+            </a:pPr>
+            <a:r>
+              <a:rPr lang="ru-RU" dirty="0" smtClean="0"/>
+              <a:t>Я постарался</a:t>
+            </a:r>
+            <a:r>
+              <a:rPr lang="ru-RU" baseline="0" dirty="0" smtClean="0"/>
+              <a:t> создать интуитивно понятный интерфейс. Большинство кнопок максимально информативны. Элементы управления сгруппированы в строки и столбцы. </a:t>
+            </a:r>
+            <a:endParaRPr lang="ru-RU" dirty="0" smtClean="0"/>
+          </a:p>
+          <a:p>
+            <a:r>
+              <a:rPr lang="ru-RU" dirty="0" smtClean="0"/>
+              <a:t>Поля</a:t>
+            </a:r>
+            <a:r>
+              <a:rPr lang="ru-RU" baseline="0" dirty="0" smtClean="0"/>
+              <a:t> с числовыми значениями выполняют важную информативную роль, показывая положение сервоприводов в числовом представлении. Поэтому они расположены по центру.</a:t>
+            </a:r>
+          </a:p>
+        </p:txBody>
+      </p:sp>
+      <p:sp>
+        <p:nvSpPr>
+          <p:cNvPr id="4" name="Номер слайда 3"/>
+          <p:cNvSpPr>
+            <a:spLocks noGrp="1"/>
+          </p:cNvSpPr>
+          <p:nvPr>
+            <p:ph type="sldNum" sz="quarter" idx="10"/>
+          </p:nvPr>
+        </p:nvSpPr>
+        <p:spPr/>
+        <p:txBody>
+          <a:bodyPr/>
+          <a:lstStyle/>
+          <a:p>
+            <a:fld id="{08E963AB-DA15-4F20-9439-9C6B02505CC9}" type="slidenum">
+              <a:rPr lang="ru-RU" smtClean="0"/>
+              <a:pPr/>
+              <a:t>14</a:t>
+            </a:fld>
+            <a:endParaRPr lang="ru-RU"/>
+          </a:p>
+        </p:txBody>
+      </p:sp>
+    </p:spTree>
+  </p:cSld>
+  <p:clrMapOvr>
+    <a:masterClrMapping/>
+  </p:clrMapOvr>
+</p:notes>
+</file>
+
+<file path=ppt/notesSlides/notesSlide4.xml><?xml version="1.0" encoding="utf-8"?>
+<p:notes xmlns:a="http://schemas.openxmlformats.org/drawingml/2006/main" xmlns:r="http://schemas.openxmlformats.org/officeDocument/2006/relationships" xmlns:p="http://schemas.openxmlformats.org/presentationml/2006/main">
+  <p:cSld>
+    <p:spTree>
+      <p:nvGrpSpPr>
+        <p:cNvPr id="1" name=""/>
+        <p:cNvGrpSpPr/>
+        <p:nvPr/>
+      </p:nvGrpSpPr>
+      <p:grpSpPr>
+        <a:xfrm>
+          <a:off x="0" y="0"/>
+          <a:ext cx="0" cy="0"/>
+          <a:chOff x="0" y="0"/>
+          <a:chExt cx="0" cy="0"/>
+        </a:xfrm>
+      </p:grpSpPr>
+      <p:sp>
+        <p:nvSpPr>
+          <p:cNvPr id="2" name="Образ слайда 1"/>
+          <p:cNvSpPr>
+            <a:spLocks noGrp="1" noRot="1" noChangeAspect="1"/>
+          </p:cNvSpPr>
+          <p:nvPr>
+            <p:ph type="sldImg"/>
+          </p:nvPr>
+        </p:nvSpPr>
+        <p:spPr/>
+      </p:sp>
+      <p:sp>
+        <p:nvSpPr>
+          <p:cNvPr id="3" name="Заметки 2"/>
+          <p:cNvSpPr>
+            <a:spLocks noGrp="1"/>
+          </p:cNvSpPr>
+          <p:nvPr>
+            <p:ph type="body" idx="1"/>
+          </p:nvPr>
+        </p:nvSpPr>
+        <p:spPr/>
+        <p:txBody>
+          <a:bodyPr>
+            <a:normAutofit/>
+          </a:bodyPr>
+          <a:lstStyle/>
+          <a:p>
+            <a:r>
+              <a:rPr lang="ru-RU" baseline="0" dirty="0" smtClean="0"/>
+              <a:t>Для упрощения использования и легкости восприятия, в правой верхней части, расположены так называемые </a:t>
+            </a:r>
+            <a:r>
+              <a:rPr lang="ru-RU" baseline="0" dirty="0" err="1" smtClean="0"/>
+              <a:t>слайдеры</a:t>
+            </a:r>
+            <a:r>
+              <a:rPr lang="ru-RU" baseline="0" dirty="0" smtClean="0"/>
+              <a:t>, они позволяют управлять движениями робота в реальном времени. </a:t>
+            </a:r>
+          </a:p>
+          <a:p>
+            <a:r>
+              <a:rPr lang="ru-RU" baseline="0" dirty="0" smtClean="0"/>
+              <a:t>Ниже, слева, расположена область сохранённых положений робота. В табличном виде представлены положения сервоприводов – это и есть те самые шаги робота. Это набор правильных движений. Их можно прокрутить, посмотреть, поменять местами. Их можно построчно экспортировать в </a:t>
+            </a:r>
+            <a:r>
+              <a:rPr lang="en-US" baseline="0" dirty="0" smtClean="0"/>
+              <a:t>.txt</a:t>
+            </a:r>
+            <a:r>
+              <a:rPr lang="ru-RU" baseline="0" dirty="0" smtClean="0"/>
+              <a:t> файл. </a:t>
+            </a:r>
+          </a:p>
+          <a:p>
+            <a:r>
+              <a:rPr lang="ru-RU" baseline="0" dirty="0" smtClean="0"/>
+              <a:t>В левой верхней части расположены текстовые поля для именования конкретного сустава. Благодаря этому легко понять, какой сустав мы настраиваем в данный момент.</a:t>
+            </a:r>
+          </a:p>
+          <a:p>
+            <a:r>
+              <a:rPr lang="ru-RU" baseline="0" dirty="0" smtClean="0"/>
+              <a:t>Рядом находятся кнопки, задающие границы подвижности сустава. Например, ход сервопривода гораздо больше, чем угол сгибания колена. Человек не может согнуть колено в обратную сторону. </a:t>
+            </a:r>
+          </a:p>
+          <a:p>
+            <a:endParaRPr lang="ru-RU" dirty="0"/>
+          </a:p>
+        </p:txBody>
+      </p:sp>
+      <p:sp>
+        <p:nvSpPr>
+          <p:cNvPr id="4" name="Номер слайда 3"/>
+          <p:cNvSpPr>
+            <a:spLocks noGrp="1"/>
+          </p:cNvSpPr>
+          <p:nvPr>
+            <p:ph type="sldNum" sz="quarter" idx="10"/>
+          </p:nvPr>
+        </p:nvSpPr>
+        <p:spPr/>
+        <p:txBody>
+          <a:bodyPr/>
+          <a:lstStyle/>
+          <a:p>
+            <a:fld id="{08E963AB-DA15-4F20-9439-9C6B02505CC9}" type="slidenum">
+              <a:rPr lang="ru-RU" smtClean="0"/>
+              <a:pPr/>
+              <a:t>15</a:t>
+            </a:fld>
+            <a:endParaRPr lang="ru-RU"/>
+          </a:p>
+        </p:txBody>
+      </p:sp>
+    </p:spTree>
+  </p:cSld>
+  <p:clrMapOvr>
+    <a:masterClrMapping/>
+  </p:clrMapOvr>
+</p:notes>
+</file>
+
 <file path=ppt/slideLayouts/slideLayout1.xml><?xml version="1.0" encoding="utf-8"?>
 <p:sldLayout xmlns:a="http://schemas.openxmlformats.org/drawingml/2006/main" xmlns:r="http://schemas.openxmlformats.org/officeDocument/2006/relationships" xmlns:p="http://schemas.openxmlformats.org/presentationml/2006/main" type="title" preserve="1">
   <p:cSld name="Титульный слайд">
@@ -987,7 +1233,7 @@
             <a:fld id="{48796433-FCAE-4265-BEE5-7FFD7A6D00EA}" type="datetime1">
               <a:rPr lang="ru-RU" smtClean="0"/>
               <a:pPr/>
-              <a:t>29.05.2023</a:t>
+              <a:t>30.05.2023</a:t>
             </a:fld>
             <a:endParaRPr lang="ru-RU"/>
           </a:p>
@@ -1154,7 +1400,7 @@
             <a:fld id="{825BD699-2E58-4557-8CF0-BBBBC09C198E}" type="datetime1">
               <a:rPr lang="ru-RU" smtClean="0"/>
               <a:pPr/>
-              <a:t>29.05.2023</a:t>
+              <a:t>30.05.2023</a:t>
             </a:fld>
             <a:endParaRPr lang="ru-RU"/>
           </a:p>
@@ -1331,7 +1577,7 @@
             <a:fld id="{A4FC9FCA-275F-46B7-8856-C2015763651D}" type="datetime1">
               <a:rPr lang="ru-RU" smtClean="0"/>
               <a:pPr/>
-              <a:t>29.05.2023</a:t>
+              <a:t>30.05.2023</a:t>
             </a:fld>
             <a:endParaRPr lang="ru-RU"/>
           </a:p>
@@ -1498,7 +1744,7 @@
             <a:fld id="{328E49B8-C74E-4DA9-B638-56B3C27B037C}" type="datetime1">
               <a:rPr lang="ru-RU" smtClean="0"/>
               <a:pPr/>
-              <a:t>29.05.2023</a:t>
+              <a:t>30.05.2023</a:t>
             </a:fld>
             <a:endParaRPr lang="ru-RU"/>
           </a:p>
@@ -1741,7 +1987,7 @@
             <a:fld id="{BBD9AC8D-70D0-4530-9017-FF1075ECEE87}" type="datetime1">
               <a:rPr lang="ru-RU" smtClean="0"/>
               <a:pPr/>
-              <a:t>29.05.2023</a:t>
+              <a:t>30.05.2023</a:t>
             </a:fld>
             <a:endParaRPr lang="ru-RU"/>
           </a:p>
@@ -2026,7 +2272,7 @@
             <a:fld id="{D811626C-1939-40C4-B96A-3F88897B7B00}" type="datetime1">
               <a:rPr lang="ru-RU" smtClean="0"/>
               <a:pPr/>
-              <a:t>29.05.2023</a:t>
+              <a:t>30.05.2023</a:t>
             </a:fld>
             <a:endParaRPr lang="ru-RU"/>
           </a:p>
@@ -2445,7 +2691,7 @@
             <a:fld id="{0D2161AD-3CA8-44FA-A474-6FF071CE1BE8}" type="datetime1">
               <a:rPr lang="ru-RU" smtClean="0"/>
               <a:pPr/>
-              <a:t>29.05.2023</a:t>
+              <a:t>30.05.2023</a:t>
             </a:fld>
             <a:endParaRPr lang="ru-RU"/>
           </a:p>
@@ -2560,7 +2806,7 @@
             <a:fld id="{FA001328-CF1D-47CB-B4FB-322C929C9BF4}" type="datetime1">
               <a:rPr lang="ru-RU" smtClean="0"/>
               <a:pPr/>
-              <a:t>29.05.2023</a:t>
+              <a:t>30.05.2023</a:t>
             </a:fld>
             <a:endParaRPr lang="ru-RU"/>
           </a:p>
@@ -2652,7 +2898,7 @@
             <a:fld id="{6133CAA4-9EBA-4C88-9AA7-318504631F39}" type="datetime1">
               <a:rPr lang="ru-RU" smtClean="0"/>
               <a:pPr/>
-              <a:t>29.05.2023</a:t>
+              <a:t>30.05.2023</a:t>
             </a:fld>
             <a:endParaRPr lang="ru-RU"/>
           </a:p>
@@ -2926,7 +3172,7 @@
             <a:fld id="{86AF6C1F-1A91-4256-8CA8-3B2EF3FEFB97}" type="datetime1">
               <a:rPr lang="ru-RU" smtClean="0"/>
               <a:pPr/>
-              <a:t>29.05.2023</a:t>
+              <a:t>30.05.2023</a:t>
             </a:fld>
             <a:endParaRPr lang="ru-RU"/>
           </a:p>
@@ -3176,7 +3422,7 @@
             <a:fld id="{3688C4C4-BCF1-4EB0-8AC7-16A5F3A7BC9B}" type="datetime1">
               <a:rPr lang="ru-RU" smtClean="0"/>
               <a:pPr/>
-              <a:t>29.05.2023</a:t>
+              <a:t>30.05.2023</a:t>
             </a:fld>
             <a:endParaRPr lang="ru-RU"/>
           </a:p>
@@ -3386,7 +3632,7 @@
             <a:fld id="{44FE96CB-CF72-4671-B5E2-123AB3CA4369}" type="datetime1">
               <a:rPr lang="ru-RU" smtClean="0"/>
               <a:pPr/>
-              <a:t>29.05.2023</a:t>
+              <a:t>30.05.2023</a:t>
             </a:fld>
             <a:endParaRPr lang="ru-RU"/>
           </a:p>
@@ -4511,6 +4757,13 @@
   <p:clrMapOvr>
     <a:masterClrMapping/>
   </p:clrMapOvr>
+  <p:timing>
+    <p:tnLst>
+      <p:par>
+        <p:cTn id="1" dur="indefinite" restart="never" nodeType="tmRoot"/>
+      </p:par>
+    </p:tnLst>
+  </p:timing>
 </p:sld>
 </file>
 
@@ -4565,9 +4818,141 @@
           </a:p>
         </p:txBody>
       </p:sp>
+      <p:sp>
+        <p:nvSpPr>
+          <p:cNvPr id="6" name="TextBox 5"/>
+          <p:cNvSpPr txBox="1"/>
+          <p:nvPr/>
+        </p:nvSpPr>
+        <p:spPr>
+          <a:xfrm>
+            <a:off x="622598" y="1165722"/>
+            <a:ext cx="5040560" cy="4647426"/>
+          </a:xfrm>
+          <a:prstGeom prst="rect">
+            <a:avLst/>
+          </a:prstGeom>
+          <a:noFill/>
+        </p:spPr>
+        <p:txBody>
+          <a:bodyPr wrap="square" rtlCol="0">
+            <a:spAutoFit/>
+          </a:bodyPr>
+          <a:lstStyle/>
+          <a:p>
+            <a:pPr algn="just"/>
+            <a:r>
+              <a:rPr lang="ru-RU" sz="2800" dirty="0" smtClean="0">
+                <a:latin typeface="Times New Roman" pitchFamily="18" charset="0"/>
+                <a:cs typeface="Times New Roman" pitchFamily="18" charset="0"/>
+              </a:rPr>
+              <a:t>	</a:t>
+            </a:r>
+            <a:r>
+              <a:rPr lang="ru-RU" sz="2400" dirty="0" smtClean="0">
+                <a:latin typeface="Times New Roman" pitchFamily="18" charset="0"/>
+                <a:cs typeface="Times New Roman" pitchFamily="18" charset="0"/>
+              </a:rPr>
+              <a:t>Стартовое окно программы </a:t>
+            </a:r>
+            <a:r>
+              <a:rPr lang="en-US" sz="2400" dirty="0" err="1" smtClean="0">
+                <a:latin typeface="Times New Roman" pitchFamily="18" charset="0"/>
+                <a:cs typeface="Times New Roman" pitchFamily="18" charset="0"/>
+              </a:rPr>
+              <a:t>RobotController</a:t>
+            </a:r>
+            <a:r>
+              <a:rPr lang="ru-RU" sz="2400" dirty="0" smtClean="0">
+                <a:latin typeface="Times New Roman" pitchFamily="18" charset="0"/>
+                <a:cs typeface="Times New Roman" pitchFamily="18" charset="0"/>
+              </a:rPr>
+              <a:t>, где происходит выбор модели робота.</a:t>
+            </a:r>
+          </a:p>
+          <a:p>
+            <a:pPr algn="just"/>
+            <a:r>
+              <a:rPr lang="ru-RU" sz="2400" dirty="0" smtClean="0">
+                <a:latin typeface="Times New Roman" pitchFamily="18" charset="0"/>
+                <a:cs typeface="Times New Roman" pitchFamily="18" charset="0"/>
+              </a:rPr>
+              <a:t>	Варианты с 6 и 8 сервоприводами являются наиболее часто используемыми для человекоподобных роботов.</a:t>
+            </a:r>
+          </a:p>
+          <a:p>
+            <a:pPr algn="just"/>
+            <a:r>
+              <a:rPr lang="ru-RU" sz="2400" dirty="0" smtClean="0">
+                <a:latin typeface="Times New Roman" pitchFamily="18" charset="0"/>
+                <a:cs typeface="Times New Roman" pitchFamily="18" charset="0"/>
+              </a:rPr>
+              <a:t>	Универсальность программы позволяет использовать до 20 сервоприводов, управляя многоногим роботом типа </a:t>
+            </a:r>
+            <a:r>
+              <a:rPr lang="en-US" sz="2400" dirty="0" smtClean="0">
+                <a:latin typeface="Times New Roman" pitchFamily="18" charset="0"/>
+                <a:cs typeface="Times New Roman" pitchFamily="18" charset="0"/>
+              </a:rPr>
+              <a:t>“</a:t>
+            </a:r>
+            <a:r>
+              <a:rPr lang="ru-RU" sz="2400" dirty="0" smtClean="0">
+                <a:latin typeface="Times New Roman" pitchFamily="18" charset="0"/>
+                <a:cs typeface="Times New Roman" pitchFamily="18" charset="0"/>
+              </a:rPr>
+              <a:t>паук</a:t>
+            </a:r>
+            <a:r>
+              <a:rPr lang="en-US" sz="2400" dirty="0" smtClean="0">
+                <a:latin typeface="Times New Roman" pitchFamily="18" charset="0"/>
+                <a:cs typeface="Times New Roman" pitchFamily="18" charset="0"/>
+              </a:rPr>
+              <a:t>”</a:t>
+            </a:r>
+            <a:r>
+              <a:rPr lang="ru-RU" sz="2400" dirty="0" smtClean="0">
+                <a:latin typeface="Times New Roman" pitchFamily="18" charset="0"/>
+                <a:cs typeface="Times New Roman" pitchFamily="18" charset="0"/>
+              </a:rPr>
+              <a:t>.</a:t>
+            </a:r>
+          </a:p>
+          <a:p>
+            <a:endParaRPr lang="ru-RU" sz="2800" dirty="0">
+              <a:latin typeface="Times New Roman" pitchFamily="18" charset="0"/>
+              <a:cs typeface="Times New Roman" pitchFamily="18" charset="0"/>
+            </a:endParaRPr>
+          </a:p>
+        </p:txBody>
+      </p:sp>
+      <p:sp>
+        <p:nvSpPr>
+          <p:cNvPr id="11" name="Номер слайда 10"/>
+          <p:cNvSpPr>
+            <a:spLocks noGrp="1"/>
+          </p:cNvSpPr>
+          <p:nvPr>
+            <p:ph type="sldNum" sz="quarter" idx="12"/>
+          </p:nvPr>
+        </p:nvSpPr>
+        <p:spPr/>
+        <p:txBody>
+          <a:bodyPr/>
+          <a:lstStyle/>
+          <a:p>
+            <a:fld id="{725C68B6-61C2-468F-89AB-4B9F7531AA68}" type="slidenum">
+              <a:rPr lang="ru-RU" smtClean="0"/>
+              <a:pPr/>
+              <a:t>13</a:t>
+            </a:fld>
+            <a:endParaRPr lang="ru-RU"/>
+          </a:p>
+        </p:txBody>
+      </p:sp>
       <p:pic>
         <p:nvPicPr>
-          <p:cNvPr id="1026" name="Picture 2"/>
+          <p:cNvPr id="3" name="Picture 2"/>
           <p:cNvPicPr>
             <a:picLocks noChangeAspect="1" noChangeArrowheads="1"/>
           </p:cNvPicPr>
@@ -4582,8 +4967,8 @@
         </p:blipFill>
         <p:spPr bwMode="auto">
           <a:xfrm>
-            <a:off x="6023198" y="1341562"/>
-            <a:ext cx="5231309" cy="5215188"/>
+            <a:off x="6311230" y="1125538"/>
+            <a:ext cx="5040560" cy="5382820"/>
           </a:xfrm>
           <a:prstGeom prst="rect">
             <a:avLst/>
@@ -4598,80 +4983,6 @@
           <a:effectLst/>
         </p:spPr>
       </p:pic>
-      <p:sp>
-        <p:nvSpPr>
-          <p:cNvPr id="6" name="TextBox 5"/>
-          <p:cNvSpPr txBox="1"/>
-          <p:nvPr/>
-        </p:nvSpPr>
-        <p:spPr>
-          <a:xfrm>
-            <a:off x="622598" y="1413570"/>
-            <a:ext cx="4392488" cy="1815882"/>
-          </a:xfrm>
-          <a:prstGeom prst="rect">
-            <a:avLst/>
-          </a:prstGeom>
-          <a:noFill/>
-        </p:spPr>
-        <p:txBody>
-          <a:bodyPr wrap="square" rtlCol="0">
-            <a:spAutoFit/>
-          </a:bodyPr>
-          <a:lstStyle/>
-          <a:p>
-            <a:r>
-              <a:rPr lang="ru-RU" sz="2800" dirty="0" smtClean="0">
-                <a:latin typeface="Times New Roman" pitchFamily="18" charset="0"/>
-                <a:cs typeface="Times New Roman" pitchFamily="18" charset="0"/>
-              </a:rPr>
-              <a:t>Стартовое окно программы </a:t>
-            </a:r>
-            <a:r>
-              <a:rPr lang="en-US" sz="2800" dirty="0" err="1" smtClean="0">
-                <a:latin typeface="Times New Roman" pitchFamily="18" charset="0"/>
-                <a:cs typeface="Times New Roman" pitchFamily="18" charset="0"/>
-              </a:rPr>
-              <a:t>RobotController</a:t>
-            </a:r>
-            <a:r>
-              <a:rPr lang="ru-RU" sz="2800" dirty="0" smtClean="0">
-                <a:latin typeface="Times New Roman" pitchFamily="18" charset="0"/>
-                <a:cs typeface="Times New Roman" pitchFamily="18" charset="0"/>
-              </a:rPr>
-              <a:t>, где происходит выбор модели робота</a:t>
-            </a:r>
-            <a:endParaRPr lang="ru-RU" sz="2800" dirty="0">
-              <a:latin typeface="Times New Roman" pitchFamily="18" charset="0"/>
-              <a:cs typeface="Times New Roman" pitchFamily="18" charset="0"/>
-            </a:endParaRPr>
-          </a:p>
-        </p:txBody>
-      </p:sp>
-      <p:sp>
-        <p:nvSpPr>
-          <p:cNvPr id="11" name="Номер слайда 10"/>
-          <p:cNvSpPr>
-            <a:spLocks noGrp="1"/>
-          </p:cNvSpPr>
-          <p:nvPr>
-            <p:ph type="sldNum" sz="quarter" idx="12"/>
-          </p:nvPr>
-        </p:nvSpPr>
-        <p:spPr/>
-        <p:txBody>
-          <a:bodyPr/>
-          <a:lstStyle/>
-          <a:p>
-            <a:fld id="{725C68B6-61C2-468F-89AB-4B9F7531AA68}" type="slidenum">
-              <a:rPr lang="ru-RU" smtClean="0"/>
-              <a:pPr/>
-              <a:t>13</a:t>
-            </a:fld>
-            <a:endParaRPr lang="ru-RU"/>
-          </a:p>
-        </p:txBody>
-      </p:sp>
     </p:spTree>
   </p:cSld>
   <p:clrMapOvr>
@@ -4704,16 +5015,40 @@
           <a:chExt cx="0" cy="0"/>
         </a:xfrm>
       </p:grpSpPr>
+      <p:sp>
+        <p:nvSpPr>
+          <p:cNvPr id="4" name="Номер слайда 3"/>
+          <p:cNvSpPr>
+            <a:spLocks noGrp="1"/>
+          </p:cNvSpPr>
+          <p:nvPr>
+            <p:ph type="sldNum" sz="quarter" idx="12"/>
+          </p:nvPr>
+        </p:nvSpPr>
+        <p:spPr/>
+        <p:txBody>
+          <a:bodyPr/>
+          <a:lstStyle/>
+          <a:p>
+            <a:fld id="{725C68B6-61C2-468F-89AB-4B9F7531AA68}" type="slidenum">
+              <a:rPr lang="ru-RU" smtClean="0"/>
+              <a:pPr/>
+              <a:t>14</a:t>
+            </a:fld>
+            <a:endParaRPr lang="ru-RU"/>
+          </a:p>
+        </p:txBody>
+      </p:sp>
       <p:pic>
         <p:nvPicPr>
-          <p:cNvPr id="2050" name="Picture 2"/>
+          <p:cNvPr id="3074" name="Picture 2"/>
           <p:cNvPicPr>
             <a:picLocks noChangeAspect="1" noChangeArrowheads="1"/>
           </p:cNvPicPr>
           <p:nvPr/>
         </p:nvPicPr>
         <p:blipFill>
-          <a:blip r:embed="rId2" cstate="print"/>
+          <a:blip r:embed="rId3" cstate="print"/>
           <a:srcRect/>
           <a:stretch>
             <a:fillRect/>
@@ -4721,8 +5056,8 @@
         </p:blipFill>
         <p:spPr bwMode="auto">
           <a:xfrm>
-            <a:off x="1403464" y="981522"/>
-            <a:ext cx="9972640" cy="5446052"/>
+            <a:off x="1414686" y="1053530"/>
+            <a:ext cx="9640773" cy="5273367"/>
           </a:xfrm>
           <a:prstGeom prst="rect">
             <a:avLst/>
@@ -4739,30 +5074,6 @@
       </p:pic>
       <p:sp>
         <p:nvSpPr>
-          <p:cNvPr id="10" name="Номер слайда 9"/>
-          <p:cNvSpPr>
-            <a:spLocks noGrp="1"/>
-          </p:cNvSpPr>
-          <p:nvPr>
-            <p:ph type="sldNum" sz="quarter" idx="12"/>
-          </p:nvPr>
-        </p:nvSpPr>
-        <p:spPr/>
-        <p:txBody>
-          <a:bodyPr/>
-          <a:lstStyle/>
-          <a:p>
-            <a:fld id="{725C68B6-61C2-468F-89AB-4B9F7531AA68}" type="slidenum">
-              <a:rPr lang="ru-RU" smtClean="0"/>
-              <a:pPr/>
-              <a:t>14</a:t>
-            </a:fld>
-            <a:endParaRPr lang="ru-RU"/>
-          </a:p>
-        </p:txBody>
-      </p:sp>
-      <p:sp>
-        <p:nvSpPr>
           <p:cNvPr id="6" name="Содержимое 2"/>
           <p:cNvSpPr>
             <a:spLocks noGrp="1"/>
@@ -4823,6 +5134,148 @@
 </file>
 
 <file path=ppt/slides/slide15.xml><?xml version="1.0" encoding="utf-8"?>
+<p:sld xmlns:a="http://schemas.openxmlformats.org/drawingml/2006/main" xmlns:r="http://schemas.openxmlformats.org/officeDocument/2006/relationships" xmlns:p="http://schemas.openxmlformats.org/presentationml/2006/main">
+  <p:cSld>
+    <p:spTree>
+      <p:nvGrpSpPr>
+        <p:cNvPr id="1" name=""/>
+        <p:cNvGrpSpPr/>
+        <p:nvPr/>
+      </p:nvGrpSpPr>
+      <p:grpSpPr>
+        <a:xfrm>
+          <a:off x="0" y="0"/>
+          <a:ext cx="0" cy="0"/>
+          <a:chOff x="0" y="0"/>
+          <a:chExt cx="0" cy="0"/>
+        </a:xfrm>
+      </p:grpSpPr>
+      <p:sp>
+        <p:nvSpPr>
+          <p:cNvPr id="10" name="Номер слайда 9"/>
+          <p:cNvSpPr>
+            <a:spLocks noGrp="1"/>
+          </p:cNvSpPr>
+          <p:nvPr>
+            <p:ph type="sldNum" sz="quarter" idx="12"/>
+          </p:nvPr>
+        </p:nvSpPr>
+        <p:spPr/>
+        <p:txBody>
+          <a:bodyPr/>
+          <a:lstStyle/>
+          <a:p>
+            <a:fld id="{725C68B6-61C2-468F-89AB-4B9F7531AA68}" type="slidenum">
+              <a:rPr lang="ru-RU" smtClean="0"/>
+              <a:pPr/>
+              <a:t>15</a:t>
+            </a:fld>
+            <a:endParaRPr lang="ru-RU"/>
+          </a:p>
+        </p:txBody>
+      </p:sp>
+      <p:pic>
+        <p:nvPicPr>
+          <p:cNvPr id="2051" name="Picture 3"/>
+          <p:cNvPicPr>
+            <a:picLocks noChangeAspect="1" noChangeArrowheads="1"/>
+          </p:cNvPicPr>
+          <p:nvPr/>
+        </p:nvPicPr>
+        <p:blipFill>
+          <a:blip r:embed="rId3" cstate="print"/>
+          <a:srcRect/>
+          <a:stretch>
+            <a:fillRect/>
+          </a:stretch>
+        </p:blipFill>
+        <p:spPr bwMode="auto">
+          <a:xfrm>
+            <a:off x="1414686" y="1053530"/>
+            <a:ext cx="9649072" cy="5277905"/>
+          </a:xfrm>
+          <a:prstGeom prst="rect">
+            <a:avLst/>
+          </a:prstGeom>
+          <a:noFill/>
+          <a:ln w="9525">
+            <a:noFill/>
+            <a:miter lim="800000"/>
+            <a:headEnd/>
+            <a:tailEnd/>
+          </a:ln>
+          <a:effectLst/>
+        </p:spPr>
+      </p:pic>
+      <p:sp>
+        <p:nvSpPr>
+          <p:cNvPr id="8" name="Содержимое 2"/>
+          <p:cNvSpPr>
+            <a:spLocks noGrp="1"/>
+          </p:cNvSpPr>
+          <p:nvPr>
+            <p:ph idx="1"/>
+          </p:nvPr>
+        </p:nvSpPr>
+        <p:spPr>
+          <a:xfrm>
+            <a:off x="262558" y="261443"/>
+            <a:ext cx="11665296" cy="576064"/>
+          </a:xfrm>
+        </p:spPr>
+        <p:txBody>
+          <a:bodyPr>
+            <a:normAutofit/>
+          </a:bodyPr>
+          <a:lstStyle/>
+          <a:p>
+            <a:pPr>
+              <a:buNone/>
+            </a:pPr>
+            <a:r>
+              <a:rPr lang="ru-RU" sz="2400" dirty="0" smtClean="0">
+                <a:latin typeface="Times New Roman" pitchFamily="18" charset="0"/>
+                <a:cs typeface="Times New Roman" pitchFamily="18" charset="0"/>
+              </a:rPr>
+              <a:t>Основное окно программы </a:t>
+            </a:r>
+            <a:r>
+              <a:rPr lang="en-US" sz="2400" dirty="0" err="1" smtClean="0">
+                <a:latin typeface="Times New Roman" pitchFamily="18" charset="0"/>
+                <a:cs typeface="Times New Roman" pitchFamily="18" charset="0"/>
+              </a:rPr>
+              <a:t>RobotController</a:t>
+            </a:r>
+            <a:r>
+              <a:rPr lang="ru-RU" sz="2400" dirty="0" smtClean="0">
+                <a:latin typeface="Times New Roman" pitchFamily="18" charset="0"/>
+                <a:cs typeface="Times New Roman" pitchFamily="18" charset="0"/>
+              </a:rPr>
+              <a:t>, в процессе отладки движений робота</a:t>
+            </a:r>
+            <a:endParaRPr lang="ru-RU" sz="2400" dirty="0">
+              <a:latin typeface="Times New Roman" pitchFamily="18" charset="0"/>
+              <a:cs typeface="Times New Roman" pitchFamily="18" charset="0"/>
+            </a:endParaRPr>
+          </a:p>
+        </p:txBody>
+      </p:sp>
+    </p:spTree>
+  </p:cSld>
+  <p:clrMapOvr>
+    <a:masterClrMapping/>
+  </p:clrMapOvr>
+  <p:timing>
+    <p:tnLst>
+      <p:par>
+        <p:cTn id="1" dur="indefinite" restart="never" nodeType="tmRoot"/>
+      </p:par>
+    </p:tnLst>
+  </p:timing>
+</p:sld>
+</file>
+
+<file path=ppt/slides/slide16.xml><?xml version="1.0" encoding="utf-8"?>
 <p:sld xmlns:a="http://schemas.openxmlformats.org/drawingml/2006/main" xmlns:r="http://schemas.openxmlformats.org/officeDocument/2006/relationships" xmlns:p="http://schemas.openxmlformats.org/presentationml/2006/main">
   <p:cSld>
     <p:spTree>
@@ -4890,7 +5343,7 @@
             <a:fld id="{725C68B6-61C2-468F-89AB-4B9F7531AA68}" type="slidenum">
               <a:rPr lang="ru-RU" smtClean="0"/>
               <a:pPr/>
-              <a:t>15</a:t>
+              <a:t>16</a:t>
             </a:fld>
             <a:endParaRPr lang="ru-RU"/>
           </a:p>
@@ -4954,200 +5407,13 @@
   <p:clrMapOvr>
     <a:masterClrMapping/>
   </p:clrMapOvr>
-</p:sld>
-</file>
-
-<file path=ppt/slides/slide16.xml><?xml version="1.0" encoding="utf-8"?>
-<p:sld xmlns:a="http://schemas.openxmlformats.org/drawingml/2006/main" xmlns:r="http://schemas.openxmlformats.org/officeDocument/2006/relationships" xmlns:p="http://schemas.openxmlformats.org/presentationml/2006/main">
-  <p:cSld>
-    <p:spTree>
-      <p:nvGrpSpPr>
-        <p:cNvPr id="1" name=""/>
-        <p:cNvGrpSpPr/>
-        <p:nvPr/>
-      </p:nvGrpSpPr>
-      <p:grpSpPr>
-        <a:xfrm>
-          <a:off x="0" y="0"/>
-          <a:ext cx="0" cy="0"/>
-          <a:chOff x="0" y="0"/>
-          <a:chExt cx="0" cy="0"/>
-        </a:xfrm>
-      </p:grpSpPr>
-      <p:sp>
-        <p:nvSpPr>
-          <p:cNvPr id="2" name="Заголовок 1"/>
-          <p:cNvSpPr>
-            <a:spLocks noGrp="1"/>
-          </p:cNvSpPr>
-          <p:nvPr>
-            <p:ph type="title"/>
-          </p:nvPr>
-        </p:nvSpPr>
-        <p:spPr/>
-        <p:txBody>
-          <a:bodyPr/>
-          <a:lstStyle/>
-          <a:p>
-            <a:r>
-              <a:rPr lang="ru-RU" dirty="0" smtClean="0">
-                <a:latin typeface="Times New Roman" pitchFamily="18" charset="0"/>
-                <a:cs typeface="Times New Roman" pitchFamily="18" charset="0"/>
-              </a:rPr>
-              <a:t>Выводы по работе</a:t>
-            </a:r>
-            <a:endParaRPr lang="ru-RU" dirty="0">
-              <a:latin typeface="Times New Roman" pitchFamily="18" charset="0"/>
-              <a:cs typeface="Times New Roman" pitchFamily="18" charset="0"/>
-            </a:endParaRPr>
-          </a:p>
-        </p:txBody>
-      </p:sp>
-      <p:sp>
-        <p:nvSpPr>
-          <p:cNvPr id="3" name="Содержимое 2"/>
-          <p:cNvSpPr>
-            <a:spLocks noGrp="1"/>
-          </p:cNvSpPr>
-          <p:nvPr>
-            <p:ph idx="1"/>
-          </p:nvPr>
-        </p:nvSpPr>
-        <p:spPr/>
-        <p:txBody>
-          <a:bodyPr>
-            <a:normAutofit/>
-          </a:bodyPr>
-          <a:lstStyle/>
-          <a:p>
-            <a:pPr algn="just">
-              <a:lnSpc>
-                <a:spcPct val="150000"/>
-              </a:lnSpc>
-              <a:buFont typeface="Times New Roman" panose="02020603050405020304" pitchFamily="18" charset="0"/>
-              <a:buChar char="‒"/>
-              <a:tabLst>
-                <a:tab pos="719455" algn="l"/>
-              </a:tabLst>
-            </a:pPr>
-            <a:r>
-              <a:rPr lang="ru-RU" sz="2400" dirty="0" smtClean="0">
-                <a:latin typeface="Times New Roman" panose="02020603050405020304" pitchFamily="18" charset="0"/>
-                <a:ea typeface="Noto Serif CJK SC"/>
-                <a:cs typeface="Droid Sans Devanagari"/>
-              </a:rPr>
-              <a:t>Разработанный модуль передачи данных работает стабильно. Модуль поворотов сервоприводов плавно переводит сервоприводы из одного положения в другое. </a:t>
-            </a:r>
-          </a:p>
-          <a:p>
-            <a:pPr algn="just">
-              <a:lnSpc>
-                <a:spcPct val="150000"/>
-              </a:lnSpc>
-              <a:buFont typeface="Times New Roman" panose="02020603050405020304" pitchFamily="18" charset="0"/>
-              <a:buChar char="‒"/>
-              <a:tabLst>
-                <a:tab pos="719455" algn="l"/>
-              </a:tabLst>
-            </a:pPr>
-            <a:r>
-              <a:rPr lang="ru-RU" sz="2400" dirty="0" smtClean="0">
-                <a:latin typeface="Times New Roman" panose="02020603050405020304" pitchFamily="18" charset="0"/>
-                <a:ea typeface="Noto Serif CJK SC"/>
-                <a:cs typeface="Droid Sans Devanagari"/>
-              </a:rPr>
-              <a:t>Модуль работы с файлами, хранящими позиции сервоприводов упрощает перенос массива положений робота в программу для </a:t>
-            </a:r>
-            <a:r>
-              <a:rPr lang="en-US" sz="2400" dirty="0" err="1" smtClean="0">
-                <a:latin typeface="Times New Roman" panose="02020603050405020304" pitchFamily="18" charset="0"/>
-                <a:ea typeface="Noto Serif CJK SC"/>
-                <a:cs typeface="Droid Sans Devanagari"/>
-              </a:rPr>
-              <a:t>Arduino</a:t>
-            </a:r>
-            <a:r>
-              <a:rPr lang="en-US" sz="2400" dirty="0" smtClean="0">
-                <a:latin typeface="Times New Roman" panose="02020603050405020304" pitchFamily="18" charset="0"/>
-                <a:ea typeface="Noto Serif CJK SC"/>
-                <a:cs typeface="Droid Sans Devanagari"/>
-              </a:rPr>
-              <a:t>.</a:t>
-            </a:r>
-            <a:endParaRPr lang="ru-RU" sz="2400" dirty="0" smtClean="0">
-              <a:latin typeface="Times New Roman" panose="02020603050405020304" pitchFamily="18" charset="0"/>
-              <a:ea typeface="Noto Serif CJK SC"/>
-              <a:cs typeface="Droid Sans Devanagari"/>
-            </a:endParaRPr>
-          </a:p>
-          <a:p>
-            <a:pPr algn="just">
-              <a:lnSpc>
-                <a:spcPct val="150000"/>
-              </a:lnSpc>
-              <a:buFont typeface="Times New Roman" panose="02020603050405020304" pitchFamily="18" charset="0"/>
-              <a:buChar char="‒"/>
-              <a:tabLst>
-                <a:tab pos="719455" algn="l"/>
-              </a:tabLst>
-            </a:pPr>
-            <a:r>
-              <a:rPr lang="ru-RU" sz="2400" dirty="0" smtClean="0">
-                <a:latin typeface="Times New Roman" panose="02020603050405020304" pitchFamily="18" charset="0"/>
-                <a:ea typeface="Noto Serif CJK SC"/>
-                <a:cs typeface="Droid Sans Devanagari"/>
-              </a:rPr>
-              <a:t>Программа для микроконтроллера </a:t>
-            </a:r>
-            <a:r>
-              <a:rPr lang="ru-RU" sz="2400" dirty="0" err="1" smtClean="0">
-                <a:latin typeface="Times New Roman" panose="02020603050405020304" pitchFamily="18" charset="0"/>
-                <a:ea typeface="Noto Serif CJK SC"/>
-                <a:cs typeface="Droid Sans Devanagari"/>
-              </a:rPr>
-              <a:t>Arduino</a:t>
-            </a:r>
-            <a:r>
-              <a:rPr lang="ru-RU" sz="2400" dirty="0" smtClean="0">
-                <a:latin typeface="Times New Roman" panose="02020603050405020304" pitchFamily="18" charset="0"/>
-                <a:ea typeface="Noto Serif CJK SC"/>
-                <a:cs typeface="Droid Sans Devanagari"/>
-              </a:rPr>
-              <a:t> получилась компактной и защищённой от случайных значений с компьютера.</a:t>
-            </a:r>
-            <a:endParaRPr lang="en-US" sz="2400" dirty="0" smtClean="0"/>
-          </a:p>
-        </p:txBody>
-      </p:sp>
-      <p:sp>
-        <p:nvSpPr>
-          <p:cNvPr id="8" name="Номер слайда 7"/>
-          <p:cNvSpPr>
-            <a:spLocks noGrp="1"/>
-          </p:cNvSpPr>
-          <p:nvPr>
-            <p:ph type="sldNum" sz="quarter" idx="12"/>
-          </p:nvPr>
-        </p:nvSpPr>
-        <p:spPr/>
-        <p:txBody>
-          <a:bodyPr/>
-          <a:lstStyle/>
-          <a:p>
-            <a:fld id="{725C68B6-61C2-468F-89AB-4B9F7531AA68}" type="slidenum">
-              <a:rPr lang="ru-RU" smtClean="0"/>
-              <a:pPr/>
-              <a:t>16</a:t>
-            </a:fld>
-            <a:endParaRPr lang="ru-RU"/>
-          </a:p>
-        </p:txBody>
-      </p:sp>
-    </p:spTree>
-  </p:cSld>
-  <p:clrMapOvr>
-    <a:masterClrMapping/>
-  </p:clrMapOvr>
+  <p:timing>
+    <p:tnLst>
+      <p:par>
+        <p:cTn id="1" dur="indefinite" restart="never" nodeType="tmRoot"/>
+      </p:par>
+    </p:tnLst>
+  </p:timing>
 </p:sld>
 </file>
 
@@ -5178,12 +5444,7 @@
             <p:ph type="title"/>
           </p:nvPr>
         </p:nvSpPr>
-        <p:spPr>
-          <a:xfrm>
-            <a:off x="609521" y="274702"/>
-            <a:ext cx="10971372" cy="5963404"/>
-          </a:xfrm>
-        </p:spPr>
+        <p:spPr/>
         <p:txBody>
           <a:bodyPr/>
           <a:lstStyle/>
@@ -5193,7 +5454,7 @@
                 <a:latin typeface="Times New Roman" pitchFamily="18" charset="0"/>
                 <a:cs typeface="Times New Roman" pitchFamily="18" charset="0"/>
               </a:rPr>
-              <a:t>Спасибо за внимание</a:t>
+              <a:t>Выводы по работе</a:t>
             </a:r>
             <a:endParaRPr lang="ru-RU" dirty="0">
               <a:latin typeface="Times New Roman" pitchFamily="18" charset="0"/>
@@ -5204,7 +5465,143 @@
       </p:sp>
       <p:sp>
         <p:nvSpPr>
-          <p:cNvPr id="4" name="Номер слайда 3"/>
+          <p:cNvPr id="3" name="Содержимое 2"/>
+          <p:cNvSpPr>
+            <a:spLocks noGrp="1"/>
+          </p:cNvSpPr>
+          <p:nvPr>
+            <p:ph idx="1"/>
+          </p:nvPr>
+        </p:nvSpPr>
+        <p:spPr/>
+        <p:txBody>
+          <a:bodyPr>
+            <a:normAutofit/>
+          </a:bodyPr>
+          <a:lstStyle/>
+          <a:p>
+            <a:pPr algn="just">
+              <a:lnSpc>
+                <a:spcPct val="150000"/>
+              </a:lnSpc>
+              <a:buFont typeface="Times New Roman" panose="02020603050405020304" pitchFamily="18" charset="0"/>
+              <a:buChar char="‒"/>
+              <a:tabLst>
+                <a:tab pos="719455" algn="l"/>
+              </a:tabLst>
+            </a:pPr>
+            <a:r>
+              <a:rPr lang="ru-RU" sz="2400" dirty="0" smtClean="0">
+                <a:latin typeface="Times New Roman" panose="02020603050405020304" pitchFamily="18" charset="0"/>
+                <a:ea typeface="Noto Serif CJK SC"/>
+                <a:cs typeface="Droid Sans Devanagari"/>
+              </a:rPr>
+              <a:t>Разработанный модуль передачи данных работает стабильно.</a:t>
+            </a:r>
+          </a:p>
+          <a:p>
+            <a:pPr algn="just">
+              <a:lnSpc>
+                <a:spcPct val="150000"/>
+              </a:lnSpc>
+              <a:buFont typeface="Times New Roman" panose="02020603050405020304" pitchFamily="18" charset="0"/>
+              <a:buChar char="‒"/>
+              <a:tabLst>
+                <a:tab pos="719455" algn="l"/>
+              </a:tabLst>
+            </a:pPr>
+            <a:r>
+              <a:rPr lang="ru-RU" sz="2400" dirty="0" smtClean="0">
+                <a:latin typeface="Times New Roman" panose="02020603050405020304" pitchFamily="18" charset="0"/>
+                <a:ea typeface="Noto Serif CJK SC"/>
+                <a:cs typeface="Droid Sans Devanagari"/>
+              </a:rPr>
+              <a:t>Модуль поворотов сервоприводов плавно переводит сервоприводы из одного положения в другое. </a:t>
+            </a:r>
+          </a:p>
+          <a:p>
+            <a:pPr algn="just">
+              <a:lnSpc>
+                <a:spcPct val="150000"/>
+              </a:lnSpc>
+              <a:buFont typeface="Times New Roman" panose="02020603050405020304" pitchFamily="18" charset="0"/>
+              <a:buChar char="‒"/>
+              <a:tabLst>
+                <a:tab pos="719455" algn="l"/>
+              </a:tabLst>
+            </a:pPr>
+            <a:r>
+              <a:rPr lang="ru-RU" sz="2400" dirty="0" smtClean="0">
+                <a:latin typeface="Times New Roman" panose="02020603050405020304" pitchFamily="18" charset="0"/>
+                <a:ea typeface="Noto Serif CJK SC"/>
+                <a:cs typeface="Droid Sans Devanagari"/>
+              </a:rPr>
+              <a:t>Модуль работы с файлами, хранящими позиции сервоприводов упрощает перенос массива положений робота в программу для </a:t>
+            </a:r>
+            <a:r>
+              <a:rPr lang="en-US" sz="2400" dirty="0" err="1" smtClean="0">
+                <a:latin typeface="Times New Roman" panose="02020603050405020304" pitchFamily="18" charset="0"/>
+                <a:ea typeface="Noto Serif CJK SC"/>
+                <a:cs typeface="Droid Sans Devanagari"/>
+              </a:rPr>
+              <a:t>Arduino</a:t>
+            </a:r>
+            <a:r>
+              <a:rPr lang="en-US" sz="2400" dirty="0" smtClean="0">
+                <a:latin typeface="Times New Roman" panose="02020603050405020304" pitchFamily="18" charset="0"/>
+                <a:ea typeface="Noto Serif CJK SC"/>
+                <a:cs typeface="Droid Sans Devanagari"/>
+              </a:rPr>
+              <a:t>.</a:t>
+            </a:r>
+            <a:endParaRPr lang="ru-RU" sz="2400" dirty="0" smtClean="0">
+              <a:latin typeface="Times New Roman" panose="02020603050405020304" pitchFamily="18" charset="0"/>
+              <a:ea typeface="Noto Serif CJK SC"/>
+              <a:cs typeface="Droid Sans Devanagari"/>
+            </a:endParaRPr>
+          </a:p>
+          <a:p>
+            <a:pPr algn="just">
+              <a:lnSpc>
+                <a:spcPct val="150000"/>
+              </a:lnSpc>
+              <a:buFont typeface="Times New Roman" panose="02020603050405020304" pitchFamily="18" charset="0"/>
+              <a:buChar char="‒"/>
+              <a:tabLst>
+                <a:tab pos="719455" algn="l"/>
+              </a:tabLst>
+            </a:pPr>
+            <a:r>
+              <a:rPr lang="ru-RU" sz="2400" dirty="0" smtClean="0">
+                <a:latin typeface="Times New Roman" panose="02020603050405020304" pitchFamily="18" charset="0"/>
+                <a:ea typeface="Noto Serif CJK SC"/>
+                <a:cs typeface="Droid Sans Devanagari"/>
+              </a:rPr>
+              <a:t>Программа для микроконтроллера </a:t>
+            </a:r>
+            <a:r>
+              <a:rPr lang="ru-RU" sz="2400" dirty="0" err="1" smtClean="0">
+                <a:latin typeface="Times New Roman" panose="02020603050405020304" pitchFamily="18" charset="0"/>
+                <a:ea typeface="Noto Serif CJK SC"/>
+                <a:cs typeface="Droid Sans Devanagari"/>
+              </a:rPr>
+              <a:t>Arduino</a:t>
+            </a:r>
+            <a:r>
+              <a:rPr lang="ru-RU" sz="2400" dirty="0" smtClean="0">
+                <a:latin typeface="Times New Roman" panose="02020603050405020304" pitchFamily="18" charset="0"/>
+                <a:ea typeface="Noto Serif CJK SC"/>
+                <a:cs typeface="Droid Sans Devanagari"/>
+              </a:rPr>
+              <a:t> получилась компактной и защищённой от случайных значений с компьютера.</a:t>
+            </a:r>
+            <a:endParaRPr lang="en-US" sz="2400" dirty="0" smtClean="0"/>
+          </a:p>
+        </p:txBody>
+      </p:sp>
+      <p:sp>
+        <p:nvSpPr>
+          <p:cNvPr id="8" name="Номер слайда 7"/>
           <p:cNvSpPr>
             <a:spLocks noGrp="1"/>
           </p:cNvSpPr>
@@ -5231,6 +5628,13 @@
   <p:clrMapOvr>
     <a:masterClrMapping/>
   </p:clrMapOvr>
+  <p:timing>
+    <p:tnLst>
+      <p:par>
+        <p:cTn id="1" dur="indefinite" restart="never" nodeType="tmRoot"/>
+      </p:par>
+    </p:tnLst>
+  </p:timing>
 </p:sld>
 </file>
 
@@ -5261,6 +5665,89 @@
             <p:ph type="title"/>
           </p:nvPr>
         </p:nvSpPr>
+        <p:spPr>
+          <a:xfrm>
+            <a:off x="609521" y="274702"/>
+            <a:ext cx="10971372" cy="5963404"/>
+          </a:xfrm>
+        </p:spPr>
+        <p:txBody>
+          <a:bodyPr/>
+          <a:lstStyle/>
+          <a:p>
+            <a:r>
+              <a:rPr lang="ru-RU" dirty="0" smtClean="0">
+                <a:latin typeface="Times New Roman" pitchFamily="18" charset="0"/>
+                <a:cs typeface="Times New Roman" pitchFamily="18" charset="0"/>
+              </a:rPr>
+              <a:t>Спасибо за внимание</a:t>
+            </a:r>
+            <a:endParaRPr lang="ru-RU" dirty="0">
+              <a:latin typeface="Times New Roman" pitchFamily="18" charset="0"/>
+              <a:cs typeface="Times New Roman" pitchFamily="18" charset="0"/>
+            </a:endParaRPr>
+          </a:p>
+        </p:txBody>
+      </p:sp>
+      <p:sp>
+        <p:nvSpPr>
+          <p:cNvPr id="4" name="Номер слайда 3"/>
+          <p:cNvSpPr>
+            <a:spLocks noGrp="1"/>
+          </p:cNvSpPr>
+          <p:nvPr>
+            <p:ph type="sldNum" sz="quarter" idx="12"/>
+          </p:nvPr>
+        </p:nvSpPr>
+        <p:spPr/>
+        <p:txBody>
+          <a:bodyPr/>
+          <a:lstStyle/>
+          <a:p>
+            <a:fld id="{725C68B6-61C2-468F-89AB-4B9F7531AA68}" type="slidenum">
+              <a:rPr lang="ru-RU" smtClean="0"/>
+              <a:pPr/>
+              <a:t>18</a:t>
+            </a:fld>
+            <a:endParaRPr lang="ru-RU"/>
+          </a:p>
+        </p:txBody>
+      </p:sp>
+    </p:spTree>
+  </p:cSld>
+  <p:clrMapOvr>
+    <a:masterClrMapping/>
+  </p:clrMapOvr>
+</p:sld>
+</file>
+
+<file path=ppt/slides/slide19.xml><?xml version="1.0" encoding="utf-8"?>
+<p:sld xmlns:a="http://schemas.openxmlformats.org/drawingml/2006/main" xmlns:r="http://schemas.openxmlformats.org/officeDocument/2006/relationships" xmlns:p="http://schemas.openxmlformats.org/presentationml/2006/main">
+  <p:cSld>
+    <p:spTree>
+      <p:nvGrpSpPr>
+        <p:cNvPr id="1" name=""/>
+        <p:cNvGrpSpPr/>
+        <p:nvPr/>
+      </p:nvGrpSpPr>
+      <p:grpSpPr>
+        <a:xfrm>
+          <a:off x="0" y="0"/>
+          <a:ext cx="0" cy="0"/>
+          <a:chOff x="0" y="0"/>
+          <a:chExt cx="0" cy="0"/>
+        </a:xfrm>
+      </p:grpSpPr>
+      <p:sp>
+        <p:nvSpPr>
+          <p:cNvPr id="2" name="Заголовок 1"/>
+          <p:cNvSpPr>
+            <a:spLocks noGrp="1"/>
+          </p:cNvSpPr>
+          <p:nvPr>
+            <p:ph type="title"/>
+          </p:nvPr>
+        </p:nvSpPr>
         <p:spPr/>
         <p:txBody>
           <a:bodyPr/>
@@ -5577,7 +6064,14 @@
                 <a:latin typeface="Times New Roman" pitchFamily="18" charset="0"/>
                 <a:cs typeface="Times New Roman" pitchFamily="18" charset="0"/>
               </a:rPr>
-              <a:t>, модель на 6 сервоприводов</a:t>
+              <a:t>, модель на 6 </a:t>
+            </a:r>
+            <a:r>
+              <a:rPr lang="ru-RU" sz="1600" dirty="0" smtClean="0">
+                <a:latin typeface="Times New Roman" pitchFamily="18" charset="0"/>
+                <a:cs typeface="Times New Roman" pitchFamily="18" charset="0"/>
+              </a:rPr>
+              <a:t>сервоприводов</a:t>
             </a:r>
           </a:p>
           <a:p>
@@ -5604,8 +6098,19 @@
                 <a:latin typeface="Times New Roman" pitchFamily="18" charset="0"/>
                 <a:cs typeface="Times New Roman" pitchFamily="18" charset="0"/>
               </a:rPr>
-              <a:t>, модель на 20 сервоприводов</a:t>
-            </a:r>
+              <a:t>, в процессе отладки движений </a:t>
+            </a:r>
+            <a:r>
+              <a:rPr lang="ru-RU" sz="1600" dirty="0" smtClean="0">
+                <a:latin typeface="Times New Roman" pitchFamily="18" charset="0"/>
+                <a:cs typeface="Times New Roman" pitchFamily="18" charset="0"/>
+              </a:rPr>
+              <a:t>робота</a:t>
+            </a:r>
+            <a:endParaRPr lang="ru-RU" sz="1600" dirty="0" smtClean="0">
+              <a:latin typeface="Times New Roman" pitchFamily="18" charset="0"/>
+              <a:cs typeface="Times New Roman" pitchFamily="18" charset="0"/>
+            </a:endParaRPr>
           </a:p>
           <a:p>
             <a:pPr marL="914400" indent="-914400">
@@ -5617,6 +6122,33 @@
                 <a:latin typeface="Times New Roman" pitchFamily="18" charset="0"/>
                 <a:cs typeface="Times New Roman" pitchFamily="18" charset="0"/>
               </a:rPr>
+              <a:t>Основное окно программы </a:t>
+            </a:r>
+            <a:r>
+              <a:rPr lang="en-US" sz="1600" dirty="0" err="1" smtClean="0">
+                <a:latin typeface="Times New Roman" pitchFamily="18" charset="0"/>
+                <a:cs typeface="Times New Roman" pitchFamily="18" charset="0"/>
+              </a:rPr>
+              <a:t>RobotController</a:t>
+            </a:r>
+            <a:r>
+              <a:rPr lang="ru-RU" sz="1600" dirty="0" smtClean="0">
+                <a:latin typeface="Times New Roman" pitchFamily="18" charset="0"/>
+                <a:cs typeface="Times New Roman" pitchFamily="18" charset="0"/>
+              </a:rPr>
+              <a:t>, модель на 20 сервоприводов</a:t>
+            </a:r>
+          </a:p>
+          <a:p>
+            <a:pPr marL="914400" indent="-914400">
+              <a:buFont typeface="+mj-lt"/>
+              <a:buAutoNum type="arabicPeriod" startAt="2"/>
+            </a:pPr>
+            <a:r>
+              <a:rPr lang="ru-RU" sz="1600" dirty="0" smtClean="0">
+                <a:latin typeface="Times New Roman" pitchFamily="18" charset="0"/>
+                <a:cs typeface="Times New Roman" pitchFamily="18" charset="0"/>
+              </a:rPr>
               <a:t>Выводы по работе</a:t>
             </a:r>
             <a:endParaRPr lang="en-US" sz="1600" dirty="0" smtClean="0">
@@ -5636,10 +6168,6 @@
               </a:rPr>
               <a:t>Конечный слайд</a:t>
             </a:r>
-            <a:endParaRPr lang="ru-RU" sz="1600" dirty="0" smtClean="0">
-              <a:latin typeface="Times New Roman" pitchFamily="18" charset="0"/>
-              <a:cs typeface="Times New Roman" pitchFamily="18" charset="0"/>
-            </a:endParaRPr>
           </a:p>
           <a:p>
             <a:pPr marL="914400" indent="-914400">
@@ -5686,7 +6214,7 @@
             <a:fld id="{725C68B6-61C2-468F-89AB-4B9F7531AA68}" type="slidenum">
               <a:rPr lang="ru-RU" smtClean="0"/>
               <a:pPr/>
-              <a:t>18</a:t>
+              <a:t>19</a:t>
             </a:fld>
             <a:endParaRPr lang="ru-RU"/>
           </a:p>
@@ -5797,47 +6325,33 @@
                 <a:ea typeface="Noto Serif CJK SC"/>
                 <a:cs typeface="Times New Roman" panose="02020603050405020304" pitchFamily="18" charset="0"/>
               </a:rPr>
-              <a:t>Цель </a:t>
-            </a:r>
-            <a:r>
-              <a:rPr lang="ru-RU" sz="2400" dirty="0">
-                <a:effectLst/>
-                <a:latin typeface="Times New Roman" panose="02020603050405020304" pitchFamily="18" charset="0"/>
-                <a:ea typeface="Noto Serif CJK SC"/>
-                <a:cs typeface="Times New Roman" panose="02020603050405020304" pitchFamily="18" charset="0"/>
-              </a:rPr>
-              <a:t>курсовой </a:t>
+              <a:t>Цель курсовой работы - </a:t>
             </a:r>
             <a:r>
               <a:rPr lang="ru-RU" sz="2400" dirty="0" smtClean="0">
-                <a:effectLst/>
-                <a:latin typeface="Times New Roman" panose="02020603050405020304" pitchFamily="18" charset="0"/>
-                <a:ea typeface="Noto Serif CJK SC"/>
-                <a:cs typeface="Times New Roman" panose="02020603050405020304" pitchFamily="18" charset="0"/>
-              </a:rPr>
-              <a:t>работы - </a:t>
+                <a:latin typeface="Times New Roman" pitchFamily="18" charset="0"/>
+                <a:cs typeface="Times New Roman" pitchFamily="18" charset="0"/>
+              </a:rPr>
+              <a:t>упростить настройку робота на платформе </a:t>
+            </a:r>
+            <a:r>
+              <a:rPr lang="en-US" sz="2400" dirty="0" err="1" smtClean="0">
+                <a:latin typeface="Times New Roman" pitchFamily="18" charset="0"/>
+                <a:cs typeface="Times New Roman" pitchFamily="18" charset="0"/>
+              </a:rPr>
+              <a:t>Arduino</a:t>
             </a:r>
             <a:r>
               <a:rPr lang="ru-RU" sz="2400" dirty="0" smtClean="0">
                 <a:latin typeface="Times New Roman" pitchFamily="18" charset="0"/>
                 <a:cs typeface="Times New Roman" pitchFamily="18" charset="0"/>
               </a:rPr>
-              <a:t>упростить настройку робота на платформе </a:t>
-            </a:r>
-            <a:r>
-              <a:rPr lang="en-US" sz="2400" dirty="0" err="1" smtClean="0">
-                <a:latin typeface="Times New Roman" pitchFamily="18" charset="0"/>
-                <a:cs typeface="Times New Roman" pitchFamily="18" charset="0"/>
-              </a:rPr>
-              <a:t>Arduino</a:t>
-            </a:r>
-            <a:r>
-              <a:rPr lang="ru-RU" sz="2400" dirty="0" smtClean="0">
-                <a:latin typeface="Times New Roman" pitchFamily="18" charset="0"/>
-                <a:cs typeface="Times New Roman" pitchFamily="18" charset="0"/>
-              </a:rPr>
-              <a:t>, не используя сложных математических расчетов и знаний обратной кинематики.</a:t>
-            </a:r>
+              <a:t>, используя программу с интуитивно наглядным интерфейсом.</a:t>
+            </a:r>
+            <a:endParaRPr lang="ru-RU" sz="2400" dirty="0" smtClean="0">
+              <a:latin typeface="Times New Roman" pitchFamily="18" charset="0"/>
+              <a:cs typeface="Times New Roman" pitchFamily="18" charset="0"/>
+            </a:endParaRPr>
           </a:p>
         </p:txBody>
       </p:sp>
@@ -6011,7 +6525,7 @@
                 <a:ea typeface="Noto Serif CJK SC"/>
                 <a:cs typeface="Droid Sans Devanagari"/>
               </a:rPr>
-              <a:t> с помощью изученного протокола</a:t>
+              <a:t> с помощью изученного протокола.</a:t>
             </a:r>
           </a:p>
           <a:p>
@@ -6051,7 +6565,7 @@
                 <a:ea typeface="Noto Serif CJK SC"/>
                 <a:cs typeface="Droid Sans Devanagari"/>
               </a:rPr>
-              <a:t>Разработать модуль работы с файлами, хранящими позиции сервоприводов.</a:t>
+              <a:t>Разработать модуль работы с файлами, содержащими позиции сервоприводов.</a:t>
             </a:r>
           </a:p>
           <a:p>
@@ -6262,6 +6776,25 @@
               </a:rPr>
               <a:t> Motion</a:t>
             </a:r>
+            <a:r>
+              <a:rPr lang="ru-RU" sz="2400" dirty="0" smtClean="0">
+                <a:solidFill>
+                  <a:prstClr val="black"/>
+                </a:solidFill>
+                <a:latin typeface="Times New Roman" panose="02020603050405020304" pitchFamily="18" charset="0"/>
+                <a:ea typeface="Noto Serif CJK SC"/>
+                <a:cs typeface="Droid Sans Devanagari"/>
+              </a:rPr>
+              <a:t> (Китай)</a:t>
+            </a:r>
+            <a:endParaRPr lang="en-US" sz="2400" dirty="0" smtClean="0">
+              <a:solidFill>
+                <a:prstClr val="black"/>
+              </a:solidFill>
+              <a:latin typeface="Times New Roman" panose="02020603050405020304" pitchFamily="18" charset="0"/>
+              <a:ea typeface="Noto Serif CJK SC"/>
+              <a:cs typeface="Droid Sans Devanagari"/>
+            </a:endParaRPr>
           </a:p>
           <a:p>
             <a:pPr lvl="0" algn="just">
@@ -6296,6 +6829,25 @@
               </a:rPr>
               <a:t> Motion 2.0</a:t>
             </a:r>
+            <a:r>
+              <a:rPr lang="ru-RU" sz="2400" dirty="0" smtClean="0">
+                <a:solidFill>
+                  <a:prstClr val="black"/>
+                </a:solidFill>
+                <a:latin typeface="Times New Roman" panose="02020603050405020304" pitchFamily="18" charset="0"/>
+                <a:ea typeface="Noto Serif CJK SC"/>
+                <a:cs typeface="Droid Sans Devanagari"/>
+              </a:rPr>
+              <a:t> (Китай)</a:t>
+            </a:r>
+            <a:endParaRPr lang="en-US" sz="2400" dirty="0" smtClean="0">
+              <a:solidFill>
+                <a:prstClr val="black"/>
+              </a:solidFill>
+              <a:latin typeface="Times New Roman" panose="02020603050405020304" pitchFamily="18" charset="0"/>
+              <a:ea typeface="Noto Serif CJK SC"/>
+              <a:cs typeface="Droid Sans Devanagari"/>
+            </a:endParaRPr>
           </a:p>
           <a:p>
             <a:pPr lvl="0" algn="just">
@@ -6341,14 +6893,17 @@
               </a:rPr>
               <a:t>RoboSoul</a:t>
             </a:r>
-            <a:endParaRPr lang="ru-RU" sz="2400" dirty="0" smtClean="0">
-              <a:solidFill>
-                <a:prstClr val="black"/>
-              </a:solidFill>
-              <a:latin typeface="Times New Roman" panose="02020603050405020304" pitchFamily="18" charset="0"/>
-              <a:ea typeface="Noto Serif CJK SC"/>
-              <a:cs typeface="Droid Sans Devanagari"/>
-            </a:endParaRPr>
+            <a:r>
+              <a:rPr lang="ru-RU" sz="2400" dirty="0" smtClean="0">
+                <a:solidFill>
+                  <a:prstClr val="black"/>
+                </a:solidFill>
+                <a:latin typeface="Times New Roman" panose="02020603050405020304" pitchFamily="18" charset="0"/>
+                <a:ea typeface="Noto Serif CJK SC"/>
+                <a:cs typeface="Droid Sans Devanagari"/>
+              </a:rPr>
+              <a:t> (Китай)</a:t>
+            </a:r>
           </a:p>
         </p:txBody>
       </p:sp>

--- a/Дипломная Волков.pptx
+++ b/Дипломная Волков.pptx
@@ -214,7 +214,7 @@
             <a:fld id="{5F4C3E1F-8F02-4B6E-BE01-AE811F44C78A}" type="datetimeFigureOut">
               <a:rPr lang="ru-RU" smtClean="0"/>
               <a:pPr/>
-              <a:t>30.05.2023</a:t>
+              <a:t>31.05.2023</a:t>
             </a:fld>
             <a:endParaRPr lang="ru-RU"/>
           </a:p>
@@ -376,7 +376,7 @@
             <a:fld id="{2B77361B-FA97-4712-A320-857CD6874498}" type="datetimeFigureOut">
               <a:rPr lang="ru-RU" smtClean="0"/>
               <a:pPr/>
-              <a:t>30.05.2023</a:t>
+              <a:t>31.05.2023</a:t>
             </a:fld>
             <a:endParaRPr lang="ru-RU"/>
           </a:p>
@@ -1233,7 +1233,7 @@
             <a:fld id="{48796433-FCAE-4265-BEE5-7FFD7A6D00EA}" type="datetime1">
               <a:rPr lang="ru-RU" smtClean="0"/>
               <a:pPr/>
-              <a:t>30.05.2023</a:t>
+              <a:t>31.05.2023</a:t>
             </a:fld>
             <a:endParaRPr lang="ru-RU"/>
           </a:p>
@@ -1400,7 +1400,7 @@
             <a:fld id="{825BD699-2E58-4557-8CF0-BBBBC09C198E}" type="datetime1">
               <a:rPr lang="ru-RU" smtClean="0"/>
               <a:pPr/>
-              <a:t>30.05.2023</a:t>
+              <a:t>31.05.2023</a:t>
             </a:fld>
             <a:endParaRPr lang="ru-RU"/>
           </a:p>
@@ -1577,7 +1577,7 @@
             <a:fld id="{A4FC9FCA-275F-46B7-8856-C2015763651D}" type="datetime1">
               <a:rPr lang="ru-RU" smtClean="0"/>
               <a:pPr/>
-              <a:t>30.05.2023</a:t>
+              <a:t>31.05.2023</a:t>
             </a:fld>
             <a:endParaRPr lang="ru-RU"/>
           </a:p>
@@ -1744,7 +1744,7 @@
             <a:fld id="{328E49B8-C74E-4DA9-B638-56B3C27B037C}" type="datetime1">
               <a:rPr lang="ru-RU" smtClean="0"/>
               <a:pPr/>
-              <a:t>30.05.2023</a:t>
+              <a:t>31.05.2023</a:t>
             </a:fld>
             <a:endParaRPr lang="ru-RU"/>
           </a:p>
@@ -1987,7 +1987,7 @@
             <a:fld id="{BBD9AC8D-70D0-4530-9017-FF1075ECEE87}" type="datetime1">
               <a:rPr lang="ru-RU" smtClean="0"/>
               <a:pPr/>
-              <a:t>30.05.2023</a:t>
+              <a:t>31.05.2023</a:t>
             </a:fld>
             <a:endParaRPr lang="ru-RU"/>
           </a:p>
@@ -2272,7 +2272,7 @@
             <a:fld id="{D811626C-1939-40C4-B96A-3F88897B7B00}" type="datetime1">
               <a:rPr lang="ru-RU" smtClean="0"/>
               <a:pPr/>
-              <a:t>30.05.2023</a:t>
+              <a:t>31.05.2023</a:t>
             </a:fld>
             <a:endParaRPr lang="ru-RU"/>
           </a:p>
@@ -2691,7 +2691,7 @@
             <a:fld id="{0D2161AD-3CA8-44FA-A474-6FF071CE1BE8}" type="datetime1">
               <a:rPr lang="ru-RU" smtClean="0"/>
               <a:pPr/>
-              <a:t>30.05.2023</a:t>
+              <a:t>31.05.2023</a:t>
             </a:fld>
             <a:endParaRPr lang="ru-RU"/>
           </a:p>
@@ -2806,7 +2806,7 @@
             <a:fld id="{FA001328-CF1D-47CB-B4FB-322C929C9BF4}" type="datetime1">
               <a:rPr lang="ru-RU" smtClean="0"/>
               <a:pPr/>
-              <a:t>30.05.2023</a:t>
+              <a:t>31.05.2023</a:t>
             </a:fld>
             <a:endParaRPr lang="ru-RU"/>
           </a:p>
@@ -2898,7 +2898,7 @@
             <a:fld id="{6133CAA4-9EBA-4C88-9AA7-318504631F39}" type="datetime1">
               <a:rPr lang="ru-RU" smtClean="0"/>
               <a:pPr/>
-              <a:t>30.05.2023</a:t>
+              <a:t>31.05.2023</a:t>
             </a:fld>
             <a:endParaRPr lang="ru-RU"/>
           </a:p>
@@ -3172,7 +3172,7 @@
             <a:fld id="{86AF6C1F-1A91-4256-8CA8-3B2EF3FEFB97}" type="datetime1">
               <a:rPr lang="ru-RU" smtClean="0"/>
               <a:pPr/>
-              <a:t>30.05.2023</a:t>
+              <a:t>31.05.2023</a:t>
             </a:fld>
             <a:endParaRPr lang="ru-RU"/>
           </a:p>
@@ -3422,7 +3422,7 @@
             <a:fld id="{3688C4C4-BCF1-4EB0-8AC7-16A5F3A7BC9B}" type="datetime1">
               <a:rPr lang="ru-RU" smtClean="0"/>
               <a:pPr/>
-              <a:t>30.05.2023</a:t>
+              <a:t>31.05.2023</a:t>
             </a:fld>
             <a:endParaRPr lang="ru-RU"/>
           </a:p>
@@ -3632,7 +3632,7 @@
             <a:fld id="{44FE96CB-CF72-4671-B5E2-123AB3CA4369}" type="datetime1">
               <a:rPr lang="ru-RU" smtClean="0"/>
               <a:pPr/>
-              <a:t>30.05.2023</a:t>
+              <a:t>31.05.2023</a:t>
             </a:fld>
             <a:endParaRPr lang="ru-RU"/>
           </a:p>
@@ -4009,7 +4009,7 @@
           <p:cNvPr id="10" name="Заголовок 1">
             <a:extLst>
               <a:ext uri="{FF2B5EF4-FFF2-40B4-BE49-F238E27FC236}">
-                <a16:creationId xmlns:a16="http://schemas.microsoft.com/office/drawing/2014/main" xmlns="" id="{01503706-744B-410E-9B65-8610A72CF07B}"/>
+                <a16:creationId xmlns="" xmlns:a16="http://schemas.microsoft.com/office/drawing/2014/main" id="{01503706-744B-410E-9B65-8610A72CF07B}"/>
               </a:ext>
             </a:extLst>
           </p:cNvPr>
@@ -4131,7 +4131,7 @@
           <p:cNvPr id="11" name="Text 1">
             <a:extLst>
               <a:ext uri="{FF2B5EF4-FFF2-40B4-BE49-F238E27FC236}">
-                <a16:creationId xmlns:a16="http://schemas.microsoft.com/office/drawing/2014/main" xmlns="" id="{72037010-A9D9-49AF-A594-5EF9D266FCEE}"/>
+                <a16:creationId xmlns="" xmlns:a16="http://schemas.microsoft.com/office/drawing/2014/main" id="{72037010-A9D9-49AF-A594-5EF9D266FCEE}"/>
               </a:ext>
             </a:extLst>
           </p:cNvPr>
@@ -4219,7 +4219,7 @@
           <p:cNvPr id="12" name="Text 2">
             <a:extLst>
               <a:ext uri="{FF2B5EF4-FFF2-40B4-BE49-F238E27FC236}">
-                <a16:creationId xmlns:a16="http://schemas.microsoft.com/office/drawing/2014/main" xmlns="" id="{B0971291-6D9C-47F2-A6FD-1EC86B60B829}"/>
+                <a16:creationId xmlns="" xmlns:a16="http://schemas.microsoft.com/office/drawing/2014/main" id="{B0971291-6D9C-47F2-A6FD-1EC86B60B829}"/>
               </a:ext>
             </a:extLst>
           </p:cNvPr>
@@ -4295,7 +4295,7 @@
           <p:cNvPr id="13" name="Text 3">
             <a:extLst>
               <a:ext uri="{FF2B5EF4-FFF2-40B4-BE49-F238E27FC236}">
-                <a16:creationId xmlns:a16="http://schemas.microsoft.com/office/drawing/2014/main" xmlns="" id="{538F249A-B0DE-403E-AFB7-2D456552B392}"/>
+                <a16:creationId xmlns="" xmlns:a16="http://schemas.microsoft.com/office/drawing/2014/main" id="{538F249A-B0DE-403E-AFB7-2D456552B392}"/>
               </a:ext>
             </a:extLst>
           </p:cNvPr>
@@ -6064,14 +6064,7 @@
                 <a:latin typeface="Times New Roman" pitchFamily="18" charset="0"/>
                 <a:cs typeface="Times New Roman" pitchFamily="18" charset="0"/>
               </a:rPr>
-              <a:t>, модель на 6 </a:t>
-            </a:r>
-            <a:r>
-              <a:rPr lang="ru-RU" sz="1600" dirty="0" smtClean="0">
-                <a:latin typeface="Times New Roman" pitchFamily="18" charset="0"/>
-                <a:cs typeface="Times New Roman" pitchFamily="18" charset="0"/>
-              </a:rPr>
-              <a:t>сервоприводов</a:t>
+              <a:t>, модель на 6 сервоприводов</a:t>
             </a:r>
           </a:p>
           <a:p>
@@ -6098,19 +6091,8 @@
                 <a:latin typeface="Times New Roman" pitchFamily="18" charset="0"/>
                 <a:cs typeface="Times New Roman" pitchFamily="18" charset="0"/>
               </a:rPr>
-              <a:t>, в процессе отладки движений </a:t>
-            </a:r>
-            <a:r>
-              <a:rPr lang="ru-RU" sz="1600" dirty="0" smtClean="0">
-                <a:latin typeface="Times New Roman" pitchFamily="18" charset="0"/>
-                <a:cs typeface="Times New Roman" pitchFamily="18" charset="0"/>
-              </a:rPr>
-              <a:t>робота</a:t>
-            </a:r>
-            <a:endParaRPr lang="ru-RU" sz="1600" dirty="0" smtClean="0">
-              <a:latin typeface="Times New Roman" pitchFamily="18" charset="0"/>
-              <a:cs typeface="Times New Roman" pitchFamily="18" charset="0"/>
-            </a:endParaRPr>
+              <a:t>, в процессе отладки движений робота</a:t>
+            </a:r>
           </a:p>
           <a:p>
             <a:pPr marL="914400" indent="-914400">
@@ -6250,7 +6232,7 @@
           <p:cNvPr id="4" name="Заголовок 1">
             <a:extLst>
               <a:ext uri="{FF2B5EF4-FFF2-40B4-BE49-F238E27FC236}">
-                <a16:creationId xmlns:a16="http://schemas.microsoft.com/office/drawing/2014/main" xmlns="" id="{46B763F4-6301-4314-A941-A1986AE510F1}"/>
+                <a16:creationId xmlns="" xmlns:a16="http://schemas.microsoft.com/office/drawing/2014/main" id="{46B763F4-6301-4314-A941-A1986AE510F1}"/>
               </a:ext>
             </a:extLst>
           </p:cNvPr>
@@ -6294,7 +6276,7 @@
           <p:cNvPr id="5" name="Объект 2">
             <a:extLst>
               <a:ext uri="{FF2B5EF4-FFF2-40B4-BE49-F238E27FC236}">
-                <a16:creationId xmlns:a16="http://schemas.microsoft.com/office/drawing/2014/main" xmlns="" id="{C83B88B7-2124-4F37-8698-952C557AED7B}"/>
+                <a16:creationId xmlns="" xmlns:a16="http://schemas.microsoft.com/office/drawing/2014/main" id="{C83B88B7-2124-4F37-8698-952C557AED7B}"/>
               </a:ext>
             </a:extLst>
           </p:cNvPr>
@@ -6346,12 +6328,36 @@
                 <a:latin typeface="Times New Roman" pitchFamily="18" charset="0"/>
                 <a:cs typeface="Times New Roman" pitchFamily="18" charset="0"/>
               </a:rPr>
-              <a:t>, используя программу с интуитивно наглядным интерфейсом.</a:t>
-            </a:r>
-            <a:endParaRPr lang="ru-RU" sz="2400" dirty="0" smtClean="0">
-              <a:latin typeface="Times New Roman" pitchFamily="18" charset="0"/>
-              <a:cs typeface="Times New Roman" pitchFamily="18" charset="0"/>
-            </a:endParaRPr>
+              <a:t>, используя программу </a:t>
+            </a:r>
+            <a:r>
+              <a:rPr lang="ru-RU" sz="2400" smtClean="0">
+                <a:latin typeface="Times New Roman" pitchFamily="18" charset="0"/>
+                <a:cs typeface="Times New Roman" pitchFamily="18" charset="0"/>
+              </a:rPr>
+              <a:t>с </a:t>
+            </a:r>
+            <a:r>
+              <a:rPr lang="ru-RU" sz="2400" smtClean="0">
+                <a:latin typeface="Times New Roman" pitchFamily="18" charset="0"/>
+                <a:cs typeface="Times New Roman" pitchFamily="18" charset="0"/>
+              </a:rPr>
+              <a:t>интуитивным, </a:t>
+            </a:r>
+            <a:r>
+              <a:rPr lang="ru-RU" sz="2400" dirty="0" smtClean="0">
+                <a:latin typeface="Times New Roman" pitchFamily="18" charset="0"/>
+                <a:cs typeface="Times New Roman" pitchFamily="18" charset="0"/>
+              </a:rPr>
+              <a:t>наглядным интерфейсом</a:t>
+            </a:r>
+            <a:r>
+              <a:rPr lang="ru-RU" sz="2400" dirty="0" smtClean="0">
+                <a:latin typeface="Times New Roman" pitchFamily="18" charset="0"/>
+                <a:cs typeface="Times New Roman" pitchFamily="18" charset="0"/>
+              </a:rPr>
+              <a:t>.</a:t>
+            </a:r>
           </a:p>
         </p:txBody>
       </p:sp>
@@ -6416,7 +6422,7 @@
           <p:cNvPr id="4" name="Заголовок 1">
             <a:extLst>
               <a:ext uri="{FF2B5EF4-FFF2-40B4-BE49-F238E27FC236}">
-                <a16:creationId xmlns:a16="http://schemas.microsoft.com/office/drawing/2014/main" xmlns="" id="{9BE103FA-346E-4AD0-A528-E8B5B5B30E11}"/>
+                <a16:creationId xmlns="" xmlns:a16="http://schemas.microsoft.com/office/drawing/2014/main" id="{9BE103FA-346E-4AD0-A528-E8B5B5B30E11}"/>
               </a:ext>
             </a:extLst>
           </p:cNvPr>
@@ -6452,7 +6458,7 @@
           <p:cNvPr id="5" name="Объект 2">
             <a:extLst>
               <a:ext uri="{FF2B5EF4-FFF2-40B4-BE49-F238E27FC236}">
-                <a16:creationId xmlns:a16="http://schemas.microsoft.com/office/drawing/2014/main" xmlns="" id="{F3ABAB10-2768-4209-9C26-64C71481E109}"/>
+                <a16:creationId xmlns="" xmlns:a16="http://schemas.microsoft.com/office/drawing/2014/main" id="{F3ABAB10-2768-4209-9C26-64C71481E109}"/>
               </a:ext>
             </a:extLst>
           </p:cNvPr>

--- a/Дипломная Волков.pptx
+++ b/Дипломная Волков.pptx
@@ -5,31 +5,32 @@
     <p:sldMasterId id="2147483648" r:id="rId1"/>
   </p:sldMasterIdLst>
   <p:notesMasterIdLst>
-    <p:notesMasterId r:id="rId21"/>
+    <p:notesMasterId r:id="rId22"/>
   </p:notesMasterIdLst>
   <p:handoutMasterIdLst>
-    <p:handoutMasterId r:id="rId22"/>
+    <p:handoutMasterId r:id="rId23"/>
   </p:handoutMasterIdLst>
   <p:sldIdLst>
     <p:sldId id="266" r:id="rId2"/>
     <p:sldId id="267" r:id="rId3"/>
     <p:sldId id="268" r:id="rId4"/>
     <p:sldId id="259" r:id="rId5"/>
-    <p:sldId id="261" r:id="rId6"/>
-    <p:sldId id="263" r:id="rId7"/>
-    <p:sldId id="265" r:id="rId8"/>
-    <p:sldId id="273" r:id="rId9"/>
-    <p:sldId id="269" r:id="rId10"/>
-    <p:sldId id="270" r:id="rId11"/>
-    <p:sldId id="271" r:id="rId12"/>
-    <p:sldId id="280" r:id="rId13"/>
-    <p:sldId id="274" r:id="rId14"/>
-    <p:sldId id="281" r:id="rId15"/>
-    <p:sldId id="275" r:id="rId16"/>
-    <p:sldId id="276" r:id="rId17"/>
-    <p:sldId id="277" r:id="rId18"/>
-    <p:sldId id="278" r:id="rId19"/>
-    <p:sldId id="279" r:id="rId20"/>
+    <p:sldId id="282" r:id="rId6"/>
+    <p:sldId id="261" r:id="rId7"/>
+    <p:sldId id="263" r:id="rId8"/>
+    <p:sldId id="265" r:id="rId9"/>
+    <p:sldId id="273" r:id="rId10"/>
+    <p:sldId id="269" r:id="rId11"/>
+    <p:sldId id="270" r:id="rId12"/>
+    <p:sldId id="271" r:id="rId13"/>
+    <p:sldId id="280" r:id="rId14"/>
+    <p:sldId id="274" r:id="rId15"/>
+    <p:sldId id="281" r:id="rId16"/>
+    <p:sldId id="275" r:id="rId17"/>
+    <p:sldId id="276" r:id="rId18"/>
+    <p:sldId id="277" r:id="rId19"/>
+    <p:sldId id="278" r:id="rId20"/>
+    <p:sldId id="279" r:id="rId21"/>
   </p:sldIdLst>
   <p:sldSz cx="12190413" cy="6859588"/>
   <p:notesSz cx="6858000" cy="9144000"/>
@@ -214,7 +215,7 @@
             <a:fld id="{5F4C3E1F-8F02-4B6E-BE01-AE811F44C78A}" type="datetimeFigureOut">
               <a:rPr lang="ru-RU" smtClean="0"/>
               <a:pPr/>
-              <a:t>31.05.2023</a:t>
+              <a:t>02.06.2023</a:t>
             </a:fld>
             <a:endParaRPr lang="ru-RU"/>
           </a:p>
@@ -376,7 +377,7 @@
             <a:fld id="{2B77361B-FA97-4712-A320-857CD6874498}" type="datetimeFigureOut">
               <a:rPr lang="ru-RU" smtClean="0"/>
               <a:pPr/>
-              <a:t>31.05.2023</a:t>
+              <a:t>02.06.2023</a:t>
             </a:fld>
             <a:endParaRPr lang="ru-RU"/>
           </a:p>
@@ -792,7 +793,7 @@
             <a:fld id="{08E963AB-DA15-4F20-9439-9C6B02505CC9}" type="slidenum">
               <a:rPr lang="ru-RU" smtClean="0"/>
               <a:pPr/>
-              <a:t>10</a:t>
+              <a:t>11</a:t>
             </a:fld>
             <a:endParaRPr lang="ru-RU"/>
           </a:p>
@@ -915,7 +916,7 @@
             <a:fld id="{08E963AB-DA15-4F20-9439-9C6B02505CC9}" type="slidenum">
               <a:rPr lang="ru-RU" smtClean="0"/>
               <a:pPr/>
-              <a:t>14</a:t>
+              <a:t>15</a:t>
             </a:fld>
             <a:endParaRPr lang="ru-RU"/>
           </a:p>
@@ -1037,7 +1038,7 @@
             <a:fld id="{08E963AB-DA15-4F20-9439-9C6B02505CC9}" type="slidenum">
               <a:rPr lang="ru-RU" smtClean="0"/>
               <a:pPr/>
-              <a:t>15</a:t>
+              <a:t>16</a:t>
             </a:fld>
             <a:endParaRPr lang="ru-RU"/>
           </a:p>
@@ -1233,7 +1234,7 @@
             <a:fld id="{48796433-FCAE-4265-BEE5-7FFD7A6D00EA}" type="datetime1">
               <a:rPr lang="ru-RU" smtClean="0"/>
               <a:pPr/>
-              <a:t>31.05.2023</a:t>
+              <a:t>02.06.2023</a:t>
             </a:fld>
             <a:endParaRPr lang="ru-RU"/>
           </a:p>
@@ -1400,7 +1401,7 @@
             <a:fld id="{825BD699-2E58-4557-8CF0-BBBBC09C198E}" type="datetime1">
               <a:rPr lang="ru-RU" smtClean="0"/>
               <a:pPr/>
-              <a:t>31.05.2023</a:t>
+              <a:t>02.06.2023</a:t>
             </a:fld>
             <a:endParaRPr lang="ru-RU"/>
           </a:p>
@@ -1577,7 +1578,7 @@
             <a:fld id="{A4FC9FCA-275F-46B7-8856-C2015763651D}" type="datetime1">
               <a:rPr lang="ru-RU" smtClean="0"/>
               <a:pPr/>
-              <a:t>31.05.2023</a:t>
+              <a:t>02.06.2023</a:t>
             </a:fld>
             <a:endParaRPr lang="ru-RU"/>
           </a:p>
@@ -1744,7 +1745,7 @@
             <a:fld id="{328E49B8-C74E-4DA9-B638-56B3C27B037C}" type="datetime1">
               <a:rPr lang="ru-RU" smtClean="0"/>
               <a:pPr/>
-              <a:t>31.05.2023</a:t>
+              <a:t>02.06.2023</a:t>
             </a:fld>
             <a:endParaRPr lang="ru-RU"/>
           </a:p>
@@ -1987,7 +1988,7 @@
             <a:fld id="{BBD9AC8D-70D0-4530-9017-FF1075ECEE87}" type="datetime1">
               <a:rPr lang="ru-RU" smtClean="0"/>
               <a:pPr/>
-              <a:t>31.05.2023</a:t>
+              <a:t>02.06.2023</a:t>
             </a:fld>
             <a:endParaRPr lang="ru-RU"/>
           </a:p>
@@ -2272,7 +2273,7 @@
             <a:fld id="{D811626C-1939-40C4-B96A-3F88897B7B00}" type="datetime1">
               <a:rPr lang="ru-RU" smtClean="0"/>
               <a:pPr/>
-              <a:t>31.05.2023</a:t>
+              <a:t>02.06.2023</a:t>
             </a:fld>
             <a:endParaRPr lang="ru-RU"/>
           </a:p>
@@ -2691,7 +2692,7 @@
             <a:fld id="{0D2161AD-3CA8-44FA-A474-6FF071CE1BE8}" type="datetime1">
               <a:rPr lang="ru-RU" smtClean="0"/>
               <a:pPr/>
-              <a:t>31.05.2023</a:t>
+              <a:t>02.06.2023</a:t>
             </a:fld>
             <a:endParaRPr lang="ru-RU"/>
           </a:p>
@@ -2806,7 +2807,7 @@
             <a:fld id="{FA001328-CF1D-47CB-B4FB-322C929C9BF4}" type="datetime1">
               <a:rPr lang="ru-RU" smtClean="0"/>
               <a:pPr/>
-              <a:t>31.05.2023</a:t>
+              <a:t>02.06.2023</a:t>
             </a:fld>
             <a:endParaRPr lang="ru-RU"/>
           </a:p>
@@ -2898,7 +2899,7 @@
             <a:fld id="{6133CAA4-9EBA-4C88-9AA7-318504631F39}" type="datetime1">
               <a:rPr lang="ru-RU" smtClean="0"/>
               <a:pPr/>
-              <a:t>31.05.2023</a:t>
+              <a:t>02.06.2023</a:t>
             </a:fld>
             <a:endParaRPr lang="ru-RU"/>
           </a:p>
@@ -3172,7 +3173,7 @@
             <a:fld id="{86AF6C1F-1A91-4256-8CA8-3B2EF3FEFB97}" type="datetime1">
               <a:rPr lang="ru-RU" smtClean="0"/>
               <a:pPr/>
-              <a:t>31.05.2023</a:t>
+              <a:t>02.06.2023</a:t>
             </a:fld>
             <a:endParaRPr lang="ru-RU"/>
           </a:p>
@@ -3422,7 +3423,7 @@
             <a:fld id="{3688C4C4-BCF1-4EB0-8AC7-16A5F3A7BC9B}" type="datetime1">
               <a:rPr lang="ru-RU" smtClean="0"/>
               <a:pPr/>
-              <a:t>31.05.2023</a:t>
+              <a:t>02.06.2023</a:t>
             </a:fld>
             <a:endParaRPr lang="ru-RU"/>
           </a:p>
@@ -3632,7 +3633,7 @@
             <a:fld id="{44FE96CB-CF72-4671-B5E2-123AB3CA4369}" type="datetime1">
               <a:rPr lang="ru-RU" smtClean="0"/>
               <a:pPr/>
-              <a:t>31.05.2023</a:t>
+              <a:t>02.06.2023</a:t>
             </a:fld>
             <a:endParaRPr lang="ru-RU"/>
           </a:p>
@@ -4009,7 +4010,7 @@
           <p:cNvPr id="10" name="Заголовок 1">
             <a:extLst>
               <a:ext uri="{FF2B5EF4-FFF2-40B4-BE49-F238E27FC236}">
-                <a16:creationId xmlns="" xmlns:a16="http://schemas.microsoft.com/office/drawing/2014/main" id="{01503706-744B-410E-9B65-8610A72CF07B}"/>
+                <a16:creationId xmlns:a16="http://schemas.microsoft.com/office/drawing/2014/main" xmlns="" id="{01503706-744B-410E-9B65-8610A72CF07B}"/>
               </a:ext>
             </a:extLst>
           </p:cNvPr>
@@ -4131,7 +4132,7 @@
           <p:cNvPr id="11" name="Text 1">
             <a:extLst>
               <a:ext uri="{FF2B5EF4-FFF2-40B4-BE49-F238E27FC236}">
-                <a16:creationId xmlns="" xmlns:a16="http://schemas.microsoft.com/office/drawing/2014/main" id="{72037010-A9D9-49AF-A594-5EF9D266FCEE}"/>
+                <a16:creationId xmlns:a16="http://schemas.microsoft.com/office/drawing/2014/main" xmlns="" id="{72037010-A9D9-49AF-A594-5EF9D266FCEE}"/>
               </a:ext>
             </a:extLst>
           </p:cNvPr>
@@ -4219,7 +4220,7 @@
           <p:cNvPr id="12" name="Text 2">
             <a:extLst>
               <a:ext uri="{FF2B5EF4-FFF2-40B4-BE49-F238E27FC236}">
-                <a16:creationId xmlns="" xmlns:a16="http://schemas.microsoft.com/office/drawing/2014/main" id="{B0971291-6D9C-47F2-A6FD-1EC86B60B829}"/>
+                <a16:creationId xmlns:a16="http://schemas.microsoft.com/office/drawing/2014/main" xmlns="" id="{B0971291-6D9C-47F2-A6FD-1EC86B60B829}"/>
               </a:ext>
             </a:extLst>
           </p:cNvPr>
@@ -4295,7 +4296,7 @@
           <p:cNvPr id="13" name="Text 3">
             <a:extLst>
               <a:ext uri="{FF2B5EF4-FFF2-40B4-BE49-F238E27FC236}">
-                <a16:creationId xmlns="" xmlns:a16="http://schemas.microsoft.com/office/drawing/2014/main" id="{538F249A-B0DE-403E-AFB7-2D456552B392}"/>
+                <a16:creationId xmlns:a16="http://schemas.microsoft.com/office/drawing/2014/main" xmlns="" id="{538F249A-B0DE-403E-AFB7-2D456552B392}"/>
               </a:ext>
             </a:extLst>
           </p:cNvPr>
@@ -4405,6 +4406,123 @@
 </file>
 
 <file path=ppt/slides/slide10.xml><?xml version="1.0" encoding="utf-8"?>
+<p:sld xmlns:a="http://schemas.openxmlformats.org/drawingml/2006/main" xmlns:r="http://schemas.openxmlformats.org/officeDocument/2006/relationships" xmlns:p="http://schemas.openxmlformats.org/presentationml/2006/main">
+  <p:cSld>
+    <p:spTree>
+      <p:nvGrpSpPr>
+        <p:cNvPr id="1" name=""/>
+        <p:cNvGrpSpPr/>
+        <p:nvPr/>
+      </p:nvGrpSpPr>
+      <p:grpSpPr>
+        <a:xfrm>
+          <a:off x="0" y="0"/>
+          <a:ext cx="0" cy="0"/>
+          <a:chOff x="0" y="0"/>
+          <a:chExt cx="0" cy="0"/>
+        </a:xfrm>
+      </p:grpSpPr>
+      <p:pic>
+        <p:nvPicPr>
+          <p:cNvPr id="10" name="Picture 2" descr="C:\1 УЧЕБА\1-Diplom\Схемы\структурная схема.drawio.png"/>
+          <p:cNvPicPr>
+            <a:picLocks noChangeAspect="1" noChangeArrowheads="1"/>
+          </p:cNvPicPr>
+          <p:nvPr/>
+        </p:nvPicPr>
+        <p:blipFill>
+          <a:blip r:embed="rId2" cstate="print"/>
+          <a:srcRect/>
+          <a:stretch>
+            <a:fillRect/>
+          </a:stretch>
+        </p:blipFill>
+        <p:spPr bwMode="auto">
+          <a:xfrm>
+            <a:off x="1630710" y="299887"/>
+            <a:ext cx="10081120" cy="6272227"/>
+          </a:xfrm>
+          <a:prstGeom prst="rect">
+            <a:avLst/>
+          </a:prstGeom>
+          <a:noFill/>
+        </p:spPr>
+      </p:pic>
+      <p:sp>
+        <p:nvSpPr>
+          <p:cNvPr id="11" name="Номер слайда 10"/>
+          <p:cNvSpPr>
+            <a:spLocks noGrp="1"/>
+          </p:cNvSpPr>
+          <p:nvPr>
+            <p:ph type="sldNum" sz="quarter" idx="12"/>
+          </p:nvPr>
+        </p:nvSpPr>
+        <p:spPr/>
+        <p:txBody>
+          <a:bodyPr/>
+          <a:lstStyle/>
+          <a:p>
+            <a:fld id="{725C68B6-61C2-468F-89AB-4B9F7531AA68}" type="slidenum">
+              <a:rPr lang="ru-RU" smtClean="0"/>
+              <a:pPr/>
+              <a:t>10</a:t>
+            </a:fld>
+            <a:endParaRPr lang="ru-RU"/>
+          </a:p>
+        </p:txBody>
+      </p:sp>
+      <p:sp>
+        <p:nvSpPr>
+          <p:cNvPr id="6" name="Заголовок 5"/>
+          <p:cNvSpPr>
+            <a:spLocks noGrp="1"/>
+          </p:cNvSpPr>
+          <p:nvPr>
+            <p:ph type="title"/>
+          </p:nvPr>
+        </p:nvSpPr>
+        <p:spPr>
+          <a:xfrm>
+            <a:off x="550591" y="274702"/>
+            <a:ext cx="4104455" cy="1143265"/>
+          </a:xfrm>
+        </p:spPr>
+        <p:txBody>
+          <a:bodyPr/>
+          <a:lstStyle/>
+          <a:p>
+            <a:pPr rtl="0" eaLnBrk="1" latinLnBrk="0" hangingPunct="1"/>
+            <a:r>
+              <a:rPr lang="ru-RU" sz="2800" kern="1200" dirty="0" smtClean="0">
+                <a:solidFill>
+                  <a:schemeClr val="tx1"/>
+                </a:solidFill>
+                <a:latin typeface="Times New Roman"/>
+                <a:ea typeface="+mn-ea"/>
+                <a:cs typeface="Times New Roman"/>
+              </a:rPr>
+              <a:t>Структурная схема</a:t>
+            </a:r>
+          </a:p>
+        </p:txBody>
+      </p:sp>
+    </p:spTree>
+  </p:cSld>
+  <p:clrMapOvr>
+    <a:masterClrMapping/>
+  </p:clrMapOvr>
+  <p:timing>
+    <p:tnLst>
+      <p:par>
+        <p:cTn id="1" dur="indefinite" restart="never" nodeType="tmRoot"/>
+      </p:par>
+    </p:tnLst>
+  </p:timing>
+</p:sld>
+</file>
+
+<file path=ppt/slides/slide11.xml><?xml version="1.0" encoding="utf-8"?>
 <p:sld xmlns:a="http://schemas.openxmlformats.org/drawingml/2006/main" xmlns:r="http://schemas.openxmlformats.org/officeDocument/2006/relationships" xmlns:p="http://schemas.openxmlformats.org/presentationml/2006/main">
   <p:cSld>
     <p:spTree>
@@ -4465,7 +4583,7 @@
             <a:fld id="{725C68B6-61C2-468F-89AB-4B9F7531AA68}" type="slidenum">
               <a:rPr lang="ru-RU" smtClean="0"/>
               <a:pPr/>
-              <a:t>10</a:t>
+              <a:t>11</a:t>
             </a:fld>
             <a:endParaRPr lang="ru-RU"/>
           </a:p>
@@ -4523,7 +4641,7 @@
 </p:sld>
 </file>
 
-<file path=ppt/slides/slide11.xml><?xml version="1.0" encoding="utf-8"?>
+<file path=ppt/slides/slide12.xml><?xml version="1.0" encoding="utf-8"?>
 <p:sld xmlns:a="http://schemas.openxmlformats.org/drawingml/2006/main" xmlns:r="http://schemas.openxmlformats.org/officeDocument/2006/relationships" xmlns:p="http://schemas.openxmlformats.org/presentationml/2006/main">
   <p:cSld>
     <p:spTree>
@@ -4584,7 +4702,7 @@
             <a:fld id="{725C68B6-61C2-468F-89AB-4B9F7531AA68}" type="slidenum">
               <a:rPr lang="ru-RU" smtClean="0"/>
               <a:pPr/>
-              <a:t>11</a:t>
+              <a:t>12</a:t>
             </a:fld>
             <a:endParaRPr lang="ru-RU"/>
           </a:p>
@@ -4642,7 +4760,7 @@
 </p:sld>
 </file>
 
-<file path=ppt/slides/slide12.xml><?xml version="1.0" encoding="utf-8"?>
+<file path=ppt/slides/slide13.xml><?xml version="1.0" encoding="utf-8"?>
 <p:sld xmlns:a="http://schemas.openxmlformats.org/drawingml/2006/main" xmlns:r="http://schemas.openxmlformats.org/officeDocument/2006/relationships" xmlns:p="http://schemas.openxmlformats.org/presentationml/2006/main">
   <p:cSld>
     <p:spTree>
@@ -4720,7 +4838,7 @@
             <a:fld id="{725C68B6-61C2-468F-89AB-4B9F7531AA68}" type="slidenum">
               <a:rPr lang="ru-RU" smtClean="0"/>
               <a:pPr/>
-              <a:t>12</a:t>
+              <a:t>13</a:t>
             </a:fld>
             <a:endParaRPr lang="ru-RU"/>
           </a:p>
@@ -4767,7 +4885,7 @@
 </p:sld>
 </file>
 
-<file path=ppt/slides/slide13.xml><?xml version="1.0" encoding="utf-8"?>
+<file path=ppt/slides/slide14.xml><?xml version="1.0" encoding="utf-8"?>
 <p:sld xmlns:a="http://schemas.openxmlformats.org/drawingml/2006/main" xmlns:r="http://schemas.openxmlformats.org/officeDocument/2006/relationships" xmlns:p="http://schemas.openxmlformats.org/presentationml/2006/main">
   <p:cSld>
     <p:spTree>
@@ -4944,7 +5062,7 @@
             <a:fld id="{725C68B6-61C2-468F-89AB-4B9F7531AA68}" type="slidenum">
               <a:rPr lang="ru-RU" smtClean="0"/>
               <a:pPr/>
-              <a:t>13</a:t>
+              <a:t>14</a:t>
             </a:fld>
             <a:endParaRPr lang="ru-RU"/>
           </a:p>
@@ -4998,7 +5116,7 @@
 </p:sld>
 </file>
 
-<file path=ppt/slides/slide14.xml><?xml version="1.0" encoding="utf-8"?>
+<file path=ppt/slides/slide15.xml><?xml version="1.0" encoding="utf-8"?>
 <p:sld xmlns:a="http://schemas.openxmlformats.org/drawingml/2006/main" xmlns:r="http://schemas.openxmlformats.org/officeDocument/2006/relationships" xmlns:p="http://schemas.openxmlformats.org/presentationml/2006/main">
   <p:cSld>
     <p:spTree>
@@ -5033,7 +5151,7 @@
             <a:fld id="{725C68B6-61C2-468F-89AB-4B9F7531AA68}" type="slidenum">
               <a:rPr lang="ru-RU" smtClean="0"/>
               <a:pPr/>
-              <a:t>14</a:t>
+              <a:t>15</a:t>
             </a:fld>
             <a:endParaRPr lang="ru-RU"/>
           </a:p>
@@ -5133,7 +5251,7 @@
 </p:sld>
 </file>
 
-<file path=ppt/slides/slide15.xml><?xml version="1.0" encoding="utf-8"?>
+<file path=ppt/slides/slide16.xml><?xml version="1.0" encoding="utf-8"?>
 <p:sld xmlns:a="http://schemas.openxmlformats.org/drawingml/2006/main" xmlns:r="http://schemas.openxmlformats.org/officeDocument/2006/relationships" xmlns:p="http://schemas.openxmlformats.org/presentationml/2006/main">
   <p:cSld>
     <p:spTree>
@@ -5168,7 +5286,7 @@
             <a:fld id="{725C68B6-61C2-468F-89AB-4B9F7531AA68}" type="slidenum">
               <a:rPr lang="ru-RU" smtClean="0"/>
               <a:pPr/>
-              <a:t>15</a:t>
+              <a:t>16</a:t>
             </a:fld>
             <a:endParaRPr lang="ru-RU"/>
           </a:p>
@@ -5275,7 +5393,7 @@
 </p:sld>
 </file>
 
-<file path=ppt/slides/slide16.xml><?xml version="1.0" encoding="utf-8"?>
+<file path=ppt/slides/slide17.xml><?xml version="1.0" encoding="utf-8"?>
 <p:sld xmlns:a="http://schemas.openxmlformats.org/drawingml/2006/main" xmlns:r="http://schemas.openxmlformats.org/officeDocument/2006/relationships" xmlns:p="http://schemas.openxmlformats.org/presentationml/2006/main">
   <p:cSld>
     <p:spTree>
@@ -5343,7 +5461,7 @@
             <a:fld id="{725C68B6-61C2-468F-89AB-4B9F7531AA68}" type="slidenum">
               <a:rPr lang="ru-RU" smtClean="0"/>
               <a:pPr/>
-              <a:t>16</a:t>
+              <a:t>17</a:t>
             </a:fld>
             <a:endParaRPr lang="ru-RU"/>
           </a:p>
@@ -5399,227 +5517,6 @@
               <a:latin typeface="Times New Roman" pitchFamily="18" charset="0"/>
               <a:cs typeface="Times New Roman" pitchFamily="18" charset="0"/>
             </a:endParaRPr>
-          </a:p>
-        </p:txBody>
-      </p:sp>
-    </p:spTree>
-  </p:cSld>
-  <p:clrMapOvr>
-    <a:masterClrMapping/>
-  </p:clrMapOvr>
-  <p:timing>
-    <p:tnLst>
-      <p:par>
-        <p:cTn id="1" dur="indefinite" restart="never" nodeType="tmRoot"/>
-      </p:par>
-    </p:tnLst>
-  </p:timing>
-</p:sld>
-</file>
-
-<file path=ppt/slides/slide17.xml><?xml version="1.0" encoding="utf-8"?>
-<p:sld xmlns:a="http://schemas.openxmlformats.org/drawingml/2006/main" xmlns:r="http://schemas.openxmlformats.org/officeDocument/2006/relationships" xmlns:p="http://schemas.openxmlformats.org/presentationml/2006/main">
-  <p:cSld>
-    <p:spTree>
-      <p:nvGrpSpPr>
-        <p:cNvPr id="1" name=""/>
-        <p:cNvGrpSpPr/>
-        <p:nvPr/>
-      </p:nvGrpSpPr>
-      <p:grpSpPr>
-        <a:xfrm>
-          <a:off x="0" y="0"/>
-          <a:ext cx="0" cy="0"/>
-          <a:chOff x="0" y="0"/>
-          <a:chExt cx="0" cy="0"/>
-        </a:xfrm>
-      </p:grpSpPr>
-      <p:sp>
-        <p:nvSpPr>
-          <p:cNvPr id="2" name="Заголовок 1"/>
-          <p:cNvSpPr>
-            <a:spLocks noGrp="1"/>
-          </p:cNvSpPr>
-          <p:nvPr>
-            <p:ph type="title"/>
-          </p:nvPr>
-        </p:nvSpPr>
-        <p:spPr/>
-        <p:txBody>
-          <a:bodyPr/>
-          <a:lstStyle/>
-          <a:p>
-            <a:r>
-              <a:rPr lang="ru-RU" dirty="0" smtClean="0">
-                <a:latin typeface="Times New Roman" pitchFamily="18" charset="0"/>
-                <a:cs typeface="Times New Roman" pitchFamily="18" charset="0"/>
-              </a:rPr>
-              <a:t>Выводы по работе</a:t>
-            </a:r>
-            <a:endParaRPr lang="ru-RU" dirty="0">
-              <a:latin typeface="Times New Roman" pitchFamily="18" charset="0"/>
-              <a:cs typeface="Times New Roman" pitchFamily="18" charset="0"/>
-            </a:endParaRPr>
-          </a:p>
-        </p:txBody>
-      </p:sp>
-      <p:sp>
-        <p:nvSpPr>
-          <p:cNvPr id="3" name="Содержимое 2"/>
-          <p:cNvSpPr>
-            <a:spLocks noGrp="1"/>
-          </p:cNvSpPr>
-          <p:nvPr>
-            <p:ph idx="1"/>
-          </p:nvPr>
-        </p:nvSpPr>
-        <p:spPr/>
-        <p:txBody>
-          <a:bodyPr>
-            <a:normAutofit/>
-          </a:bodyPr>
-          <a:lstStyle/>
-          <a:p>
-            <a:pPr algn="just">
-              <a:lnSpc>
-                <a:spcPct val="150000"/>
-              </a:lnSpc>
-              <a:buFont typeface="Times New Roman" panose="02020603050405020304" pitchFamily="18" charset="0"/>
-              <a:buChar char="‒"/>
-              <a:tabLst>
-                <a:tab pos="719455" algn="l"/>
-              </a:tabLst>
-            </a:pPr>
-            <a:r>
-              <a:rPr lang="ru-RU" sz="2400" dirty="0" smtClean="0">
-                <a:latin typeface="Times New Roman" panose="02020603050405020304" pitchFamily="18" charset="0"/>
-                <a:ea typeface="Noto Serif CJK SC"/>
-                <a:cs typeface="Droid Sans Devanagari"/>
-              </a:rPr>
-              <a:t>Разработанный модуль передачи данных работает стабильно.</a:t>
-            </a:r>
-          </a:p>
-          <a:p>
-            <a:pPr algn="just">
-              <a:lnSpc>
-                <a:spcPct val="150000"/>
-              </a:lnSpc>
-              <a:buFont typeface="Times New Roman" panose="02020603050405020304" pitchFamily="18" charset="0"/>
-              <a:buChar char="‒"/>
-              <a:tabLst>
-                <a:tab pos="719455" algn="l"/>
-              </a:tabLst>
-            </a:pPr>
-            <a:r>
-              <a:rPr lang="ru-RU" sz="2400" dirty="0" smtClean="0">
-                <a:latin typeface="Times New Roman" panose="02020603050405020304" pitchFamily="18" charset="0"/>
-                <a:ea typeface="Noto Serif CJK SC"/>
-                <a:cs typeface="Droid Sans Devanagari"/>
-              </a:rPr>
-              <a:t>Модуль поворотов сервоприводов плавно переводит сервоприводы из одного положения в другое. </a:t>
-            </a:r>
-          </a:p>
-          <a:p>
-            <a:pPr algn="just">
-              <a:lnSpc>
-                <a:spcPct val="150000"/>
-              </a:lnSpc>
-              <a:buFont typeface="Times New Roman" panose="02020603050405020304" pitchFamily="18" charset="0"/>
-              <a:buChar char="‒"/>
-              <a:tabLst>
-                <a:tab pos="719455" algn="l"/>
-              </a:tabLst>
-            </a:pPr>
-            <a:r>
-              <a:rPr lang="ru-RU" sz="2400" dirty="0" smtClean="0">
-                <a:latin typeface="Times New Roman" panose="02020603050405020304" pitchFamily="18" charset="0"/>
-                <a:ea typeface="Noto Serif CJK SC"/>
-                <a:cs typeface="Droid Sans Devanagari"/>
-              </a:rPr>
-              <a:t>Модуль работы с файлами, хранящими позиции сервоприводов упрощает перенос массива положений робота в программу для </a:t>
-            </a:r>
-            <a:r>
-              <a:rPr lang="en-US" sz="2400" dirty="0" err="1" smtClean="0">
-                <a:latin typeface="Times New Roman" panose="02020603050405020304" pitchFamily="18" charset="0"/>
-                <a:ea typeface="Noto Serif CJK SC"/>
-                <a:cs typeface="Droid Sans Devanagari"/>
-              </a:rPr>
-              <a:t>Arduino</a:t>
-            </a:r>
-            <a:r>
-              <a:rPr lang="en-US" sz="2400" dirty="0" smtClean="0">
-                <a:latin typeface="Times New Roman" panose="02020603050405020304" pitchFamily="18" charset="0"/>
-                <a:ea typeface="Noto Serif CJK SC"/>
-                <a:cs typeface="Droid Sans Devanagari"/>
-              </a:rPr>
-              <a:t>.</a:t>
-            </a:r>
-            <a:endParaRPr lang="ru-RU" sz="2400" dirty="0" smtClean="0">
-              <a:latin typeface="Times New Roman" panose="02020603050405020304" pitchFamily="18" charset="0"/>
-              <a:ea typeface="Noto Serif CJK SC"/>
-              <a:cs typeface="Droid Sans Devanagari"/>
-            </a:endParaRPr>
-          </a:p>
-          <a:p>
-            <a:pPr algn="just">
-              <a:lnSpc>
-                <a:spcPct val="150000"/>
-              </a:lnSpc>
-              <a:buFont typeface="Times New Roman" panose="02020603050405020304" pitchFamily="18" charset="0"/>
-              <a:buChar char="‒"/>
-              <a:tabLst>
-                <a:tab pos="719455" algn="l"/>
-              </a:tabLst>
-            </a:pPr>
-            <a:r>
-              <a:rPr lang="ru-RU" sz="2400" dirty="0" smtClean="0">
-                <a:latin typeface="Times New Roman" panose="02020603050405020304" pitchFamily="18" charset="0"/>
-                <a:ea typeface="Noto Serif CJK SC"/>
-                <a:cs typeface="Droid Sans Devanagari"/>
-              </a:rPr>
-              <a:t>Программа для микроконтроллера </a:t>
-            </a:r>
-            <a:r>
-              <a:rPr lang="ru-RU" sz="2400" dirty="0" err="1" smtClean="0">
-                <a:latin typeface="Times New Roman" panose="02020603050405020304" pitchFamily="18" charset="0"/>
-                <a:ea typeface="Noto Serif CJK SC"/>
-                <a:cs typeface="Droid Sans Devanagari"/>
-              </a:rPr>
-              <a:t>Arduino</a:t>
-            </a:r>
-            <a:r>
-              <a:rPr lang="ru-RU" sz="2400" dirty="0" smtClean="0">
-                <a:latin typeface="Times New Roman" panose="02020603050405020304" pitchFamily="18" charset="0"/>
-                <a:ea typeface="Noto Serif CJK SC"/>
-                <a:cs typeface="Droid Sans Devanagari"/>
-              </a:rPr>
-              <a:t> получилась компактной и защищённой от случайных значений с компьютера.</a:t>
-            </a:r>
-            <a:endParaRPr lang="en-US" sz="2400" dirty="0" smtClean="0"/>
-          </a:p>
-        </p:txBody>
-      </p:sp>
-      <p:sp>
-        <p:nvSpPr>
-          <p:cNvPr id="8" name="Номер слайда 7"/>
-          <p:cNvSpPr>
-            <a:spLocks noGrp="1"/>
-          </p:cNvSpPr>
-          <p:nvPr>
-            <p:ph type="sldNum" sz="quarter" idx="12"/>
-          </p:nvPr>
-        </p:nvSpPr>
-        <p:spPr/>
-        <p:txBody>
-          <a:bodyPr/>
-          <a:lstStyle/>
-          <a:p>
-            <a:fld id="{725C68B6-61C2-468F-89AB-4B9F7531AA68}" type="slidenum">
-              <a:rPr lang="ru-RU" smtClean="0"/>
-              <a:pPr/>
-              <a:t>17</a:t>
-            </a:fld>
-            <a:endParaRPr lang="ru-RU"/>
           </a:p>
         </p:txBody>
       </p:sp>
@@ -5665,12 +5562,7 @@
             <p:ph type="title"/>
           </p:nvPr>
         </p:nvSpPr>
-        <p:spPr>
-          <a:xfrm>
-            <a:off x="609521" y="274702"/>
-            <a:ext cx="10971372" cy="5963404"/>
-          </a:xfrm>
-        </p:spPr>
+        <p:spPr/>
         <p:txBody>
           <a:bodyPr/>
           <a:lstStyle/>
@@ -5680,7 +5572,7 @@
                 <a:latin typeface="Times New Roman" pitchFamily="18" charset="0"/>
                 <a:cs typeface="Times New Roman" pitchFamily="18" charset="0"/>
               </a:rPr>
-              <a:t>Спасибо за внимание</a:t>
+              <a:t>Выводы по работе</a:t>
             </a:r>
             <a:endParaRPr lang="ru-RU" dirty="0">
               <a:latin typeface="Times New Roman" pitchFamily="18" charset="0"/>
@@ -5691,7 +5583,143 @@
       </p:sp>
       <p:sp>
         <p:nvSpPr>
-          <p:cNvPr id="4" name="Номер слайда 3"/>
+          <p:cNvPr id="3" name="Содержимое 2"/>
+          <p:cNvSpPr>
+            <a:spLocks noGrp="1"/>
+          </p:cNvSpPr>
+          <p:nvPr>
+            <p:ph idx="1"/>
+          </p:nvPr>
+        </p:nvSpPr>
+        <p:spPr/>
+        <p:txBody>
+          <a:bodyPr>
+            <a:normAutofit/>
+          </a:bodyPr>
+          <a:lstStyle/>
+          <a:p>
+            <a:pPr algn="just">
+              <a:lnSpc>
+                <a:spcPct val="150000"/>
+              </a:lnSpc>
+              <a:buFont typeface="Times New Roman" panose="02020603050405020304" pitchFamily="18" charset="0"/>
+              <a:buChar char="‒"/>
+              <a:tabLst>
+                <a:tab pos="719455" algn="l"/>
+              </a:tabLst>
+            </a:pPr>
+            <a:r>
+              <a:rPr lang="ru-RU" sz="2400" dirty="0" smtClean="0">
+                <a:latin typeface="Times New Roman" panose="02020603050405020304" pitchFamily="18" charset="0"/>
+                <a:ea typeface="Noto Serif CJK SC"/>
+                <a:cs typeface="Droid Sans Devanagari"/>
+              </a:rPr>
+              <a:t>Разработанный модуль передачи данных работает стабильно.</a:t>
+            </a:r>
+          </a:p>
+          <a:p>
+            <a:pPr algn="just">
+              <a:lnSpc>
+                <a:spcPct val="150000"/>
+              </a:lnSpc>
+              <a:buFont typeface="Times New Roman" panose="02020603050405020304" pitchFamily="18" charset="0"/>
+              <a:buChar char="‒"/>
+              <a:tabLst>
+                <a:tab pos="719455" algn="l"/>
+              </a:tabLst>
+            </a:pPr>
+            <a:r>
+              <a:rPr lang="ru-RU" sz="2400" dirty="0" smtClean="0">
+                <a:latin typeface="Times New Roman" panose="02020603050405020304" pitchFamily="18" charset="0"/>
+                <a:ea typeface="Noto Serif CJK SC"/>
+                <a:cs typeface="Droid Sans Devanagari"/>
+              </a:rPr>
+              <a:t>Модуль поворотов сервоприводов плавно переводит сервоприводы из одного положения в другое. </a:t>
+            </a:r>
+          </a:p>
+          <a:p>
+            <a:pPr algn="just">
+              <a:lnSpc>
+                <a:spcPct val="150000"/>
+              </a:lnSpc>
+              <a:buFont typeface="Times New Roman" panose="02020603050405020304" pitchFamily="18" charset="0"/>
+              <a:buChar char="‒"/>
+              <a:tabLst>
+                <a:tab pos="719455" algn="l"/>
+              </a:tabLst>
+            </a:pPr>
+            <a:r>
+              <a:rPr lang="ru-RU" sz="2400" dirty="0" smtClean="0">
+                <a:latin typeface="Times New Roman" panose="02020603050405020304" pitchFamily="18" charset="0"/>
+                <a:ea typeface="Noto Serif CJK SC"/>
+                <a:cs typeface="Droid Sans Devanagari"/>
+              </a:rPr>
+              <a:t>Модуль работы с файлами, хранящими позиции сервоприводов упрощает перенос массива положений робота в программу для </a:t>
+            </a:r>
+            <a:r>
+              <a:rPr lang="en-US" sz="2400" dirty="0" err="1" smtClean="0">
+                <a:latin typeface="Times New Roman" panose="02020603050405020304" pitchFamily="18" charset="0"/>
+                <a:ea typeface="Noto Serif CJK SC"/>
+                <a:cs typeface="Droid Sans Devanagari"/>
+              </a:rPr>
+              <a:t>Arduino</a:t>
+            </a:r>
+            <a:r>
+              <a:rPr lang="en-US" sz="2400" dirty="0" smtClean="0">
+                <a:latin typeface="Times New Roman" panose="02020603050405020304" pitchFamily="18" charset="0"/>
+                <a:ea typeface="Noto Serif CJK SC"/>
+                <a:cs typeface="Droid Sans Devanagari"/>
+              </a:rPr>
+              <a:t>.</a:t>
+            </a:r>
+            <a:endParaRPr lang="ru-RU" sz="2400" dirty="0" smtClean="0">
+              <a:latin typeface="Times New Roman" panose="02020603050405020304" pitchFamily="18" charset="0"/>
+              <a:ea typeface="Noto Serif CJK SC"/>
+              <a:cs typeface="Droid Sans Devanagari"/>
+            </a:endParaRPr>
+          </a:p>
+          <a:p>
+            <a:pPr algn="just">
+              <a:lnSpc>
+                <a:spcPct val="150000"/>
+              </a:lnSpc>
+              <a:buFont typeface="Times New Roman" panose="02020603050405020304" pitchFamily="18" charset="0"/>
+              <a:buChar char="‒"/>
+              <a:tabLst>
+                <a:tab pos="719455" algn="l"/>
+              </a:tabLst>
+            </a:pPr>
+            <a:r>
+              <a:rPr lang="ru-RU" sz="2400" dirty="0" smtClean="0">
+                <a:latin typeface="Times New Roman" panose="02020603050405020304" pitchFamily="18" charset="0"/>
+                <a:ea typeface="Noto Serif CJK SC"/>
+                <a:cs typeface="Droid Sans Devanagari"/>
+              </a:rPr>
+              <a:t>Программа для микроконтроллера </a:t>
+            </a:r>
+            <a:r>
+              <a:rPr lang="ru-RU" sz="2400" dirty="0" err="1" smtClean="0">
+                <a:latin typeface="Times New Roman" panose="02020603050405020304" pitchFamily="18" charset="0"/>
+                <a:ea typeface="Noto Serif CJK SC"/>
+                <a:cs typeface="Droid Sans Devanagari"/>
+              </a:rPr>
+              <a:t>Arduino</a:t>
+            </a:r>
+            <a:r>
+              <a:rPr lang="ru-RU" sz="2400" dirty="0" smtClean="0">
+                <a:latin typeface="Times New Roman" panose="02020603050405020304" pitchFamily="18" charset="0"/>
+                <a:ea typeface="Noto Serif CJK SC"/>
+                <a:cs typeface="Droid Sans Devanagari"/>
+              </a:rPr>
+              <a:t> получилась компактной и защищённой от случайных значений с компьютера.</a:t>
+            </a:r>
+            <a:endParaRPr lang="en-US" sz="2400" dirty="0" smtClean="0"/>
+          </a:p>
+        </p:txBody>
+      </p:sp>
+      <p:sp>
+        <p:nvSpPr>
+          <p:cNvPr id="8" name="Номер слайда 7"/>
           <p:cNvSpPr>
             <a:spLocks noGrp="1"/>
           </p:cNvSpPr>
@@ -5718,6 +5746,13 @@
   <p:clrMapOvr>
     <a:masterClrMapping/>
   </p:clrMapOvr>
+  <p:timing>
+    <p:tnLst>
+      <p:par>
+        <p:cTn id="1" dur="indefinite" restart="never" nodeType="tmRoot"/>
+      </p:par>
+    </p:tnLst>
+  </p:timing>
 </p:sld>
 </file>
 
@@ -5748,7 +5783,12 @@
             <p:ph type="title"/>
           </p:nvPr>
         </p:nvSpPr>
-        <p:spPr/>
+        <p:spPr>
+          <a:xfrm>
+            <a:off x="609521" y="274702"/>
+            <a:ext cx="10971372" cy="5963404"/>
+          </a:xfrm>
+        </p:spPr>
         <p:txBody>
           <a:bodyPr/>
           <a:lstStyle/>
@@ -5758,423 +5798,12 @@
                 <a:latin typeface="Times New Roman" pitchFamily="18" charset="0"/>
                 <a:cs typeface="Times New Roman" pitchFamily="18" charset="0"/>
               </a:rPr>
-              <a:t>Содержание</a:t>
+              <a:t>Спасибо за внимание</a:t>
             </a:r>
             <a:endParaRPr lang="ru-RU" dirty="0">
               <a:latin typeface="Times New Roman" pitchFamily="18" charset="0"/>
               <a:cs typeface="Times New Roman" pitchFamily="18" charset="0"/>
             </a:endParaRPr>
-          </a:p>
-        </p:txBody>
-      </p:sp>
-      <p:sp>
-        <p:nvSpPr>
-          <p:cNvPr id="3" name="Содержимое 2"/>
-          <p:cNvSpPr>
-            <a:spLocks noGrp="1"/>
-          </p:cNvSpPr>
-          <p:nvPr>
-            <p:ph idx="1"/>
-          </p:nvPr>
-        </p:nvSpPr>
-        <p:spPr>
-          <a:xfrm>
-            <a:off x="609521" y="1269554"/>
-            <a:ext cx="10971372" cy="5328592"/>
-          </a:xfrm>
-        </p:spPr>
-        <p:txBody>
-          <a:bodyPr>
-            <a:noAutofit/>
-          </a:bodyPr>
-          <a:lstStyle/>
-          <a:p>
-            <a:pPr marL="914400" indent="-914400">
-              <a:buFont typeface="+mj-lt"/>
-              <a:buAutoNum type="arabicPeriod" startAt="2"/>
-            </a:pPr>
-            <a:r>
-              <a:rPr lang="ru-RU" sz="1600" dirty="0" smtClean="0">
-                <a:solidFill>
-                  <a:srgbClr val="000000"/>
-                </a:solidFill>
-                <a:latin typeface="Times New Roman" pitchFamily="18" charset="0"/>
-                <a:ea typeface="HelveticaNeueCyr Medium" pitchFamily="34" charset="-122"/>
-                <a:cs typeface="Times New Roman" pitchFamily="18" charset="0"/>
-              </a:rPr>
-              <a:t>Цель работы</a:t>
-            </a:r>
-            <a:endParaRPr lang="ru-RU" sz="1600" dirty="0" smtClean="0">
-              <a:latin typeface="Times New Roman" pitchFamily="18" charset="0"/>
-              <a:cs typeface="Times New Roman" pitchFamily="18" charset="0"/>
-            </a:endParaRPr>
-          </a:p>
-          <a:p>
-            <a:pPr marL="914400" indent="-914400">
-              <a:buFont typeface="+mj-lt"/>
-              <a:buAutoNum type="arabicPeriod" startAt="2"/>
-            </a:pPr>
-            <a:r>
-              <a:rPr lang="ru-RU" sz="1600" dirty="0" smtClean="0">
-                <a:latin typeface="Times New Roman" pitchFamily="18" charset="0"/>
-                <a:cs typeface="Times New Roman" pitchFamily="18" charset="0"/>
-              </a:rPr>
-              <a:t>Задачи работы</a:t>
-            </a:r>
-          </a:p>
-          <a:p>
-            <a:pPr marL="914400" indent="-914400">
-              <a:buFont typeface="+mj-lt"/>
-              <a:buAutoNum type="arabicPeriod" startAt="2"/>
-            </a:pPr>
-            <a:r>
-              <a:rPr lang="ru-RU" sz="1600" dirty="0" smtClean="0">
-                <a:latin typeface="Times New Roman" pitchFamily="18" charset="0"/>
-                <a:cs typeface="Times New Roman" pitchFamily="18" charset="0"/>
-              </a:rPr>
-              <a:t>Анализ предметной области</a:t>
-            </a:r>
-          </a:p>
-          <a:p>
-            <a:pPr marL="914400" indent="-914400" algn="just">
-              <a:buFont typeface="+mj-lt"/>
-              <a:buAutoNum type="arabicPeriod" startAt="2"/>
-              <a:tabLst>
-                <a:tab pos="719455" algn="l"/>
-              </a:tabLst>
-            </a:pPr>
-            <a:r>
-              <a:rPr lang="ru-RU" sz="1600" dirty="0" smtClean="0">
-                <a:latin typeface="Times New Roman" pitchFamily="18" charset="0"/>
-                <a:cs typeface="Times New Roman" pitchFamily="18" charset="0"/>
-              </a:rPr>
-              <a:t>Главное окно программы </a:t>
-            </a:r>
-            <a:r>
-              <a:rPr lang="ru-RU" sz="1600" dirty="0" err="1" smtClean="0">
-                <a:latin typeface="Times New Roman" pitchFamily="18" charset="0"/>
-                <a:cs typeface="Times New Roman" pitchFamily="18" charset="0"/>
-              </a:rPr>
-              <a:t>RoboPlus</a:t>
-            </a:r>
-            <a:r>
-              <a:rPr lang="ru-RU" sz="1600" dirty="0" smtClean="0">
-                <a:latin typeface="Times New Roman" pitchFamily="18" charset="0"/>
-                <a:cs typeface="Times New Roman" pitchFamily="18" charset="0"/>
-              </a:rPr>
-              <a:t> </a:t>
-            </a:r>
-            <a:r>
-              <a:rPr lang="ru-RU" sz="1600" dirty="0" err="1" smtClean="0">
-                <a:latin typeface="Times New Roman" pitchFamily="18" charset="0"/>
-                <a:cs typeface="Times New Roman" pitchFamily="18" charset="0"/>
-              </a:rPr>
-              <a:t>Motion</a:t>
-            </a:r>
-            <a:endParaRPr lang="ru-RU" sz="1600" dirty="0" smtClean="0">
-              <a:latin typeface="Times New Roman" pitchFamily="18" charset="0"/>
-              <a:cs typeface="Times New Roman" pitchFamily="18" charset="0"/>
-            </a:endParaRPr>
-          </a:p>
-          <a:p>
-            <a:pPr marL="914400" indent="-914400">
-              <a:buFont typeface="+mj-lt"/>
-              <a:buAutoNum type="arabicPeriod" startAt="2"/>
-            </a:pPr>
-            <a:r>
-              <a:rPr lang="ru-RU" sz="1600" dirty="0" smtClean="0">
-                <a:latin typeface="Times New Roman" pitchFamily="18" charset="0"/>
-                <a:cs typeface="Times New Roman" pitchFamily="18" charset="0"/>
-              </a:rPr>
-              <a:t>Главное окно программы </a:t>
-            </a:r>
-            <a:r>
-              <a:rPr lang="ru-RU" sz="1600" dirty="0" err="1" smtClean="0">
-                <a:latin typeface="Times New Roman" pitchFamily="18" charset="0"/>
-                <a:cs typeface="Times New Roman" pitchFamily="18" charset="0"/>
-              </a:rPr>
-              <a:t>RoboPlus</a:t>
-            </a:r>
-            <a:r>
-              <a:rPr lang="ru-RU" sz="1600" dirty="0" smtClean="0">
-                <a:latin typeface="Times New Roman" pitchFamily="18" charset="0"/>
-                <a:cs typeface="Times New Roman" pitchFamily="18" charset="0"/>
-              </a:rPr>
-              <a:t> </a:t>
-            </a:r>
-            <a:r>
-              <a:rPr lang="ru-RU" sz="1600" dirty="0" err="1" smtClean="0">
-                <a:latin typeface="Times New Roman" pitchFamily="18" charset="0"/>
-                <a:cs typeface="Times New Roman" pitchFamily="18" charset="0"/>
-              </a:rPr>
-              <a:t>Motion</a:t>
-            </a:r>
-            <a:r>
-              <a:rPr lang="ru-RU" sz="1600" dirty="0" smtClean="0">
-                <a:latin typeface="Times New Roman" pitchFamily="18" charset="0"/>
-                <a:cs typeface="Times New Roman" pitchFamily="18" charset="0"/>
-              </a:rPr>
-              <a:t> 2.0</a:t>
-            </a:r>
-          </a:p>
-          <a:p>
-            <a:pPr marL="914400" indent="-914400">
-              <a:buFont typeface="+mj-lt"/>
-              <a:buAutoNum type="arabicPeriod" startAt="2"/>
-            </a:pPr>
-            <a:r>
-              <a:rPr lang="ru-RU" sz="1600" dirty="0" smtClean="0">
-                <a:latin typeface="Times New Roman" pitchFamily="18" charset="0"/>
-                <a:cs typeface="Times New Roman" pitchFamily="18" charset="0"/>
-              </a:rPr>
-              <a:t>Главное окно программы </a:t>
-            </a:r>
-            <a:r>
-              <a:rPr lang="en-US" sz="1600" dirty="0" smtClean="0">
-                <a:latin typeface="Times New Roman" pitchFamily="18" charset="0"/>
-                <a:cs typeface="Times New Roman" pitchFamily="18" charset="0"/>
-              </a:rPr>
-              <a:t>H</a:t>
-            </a:r>
-            <a:r>
-              <a:rPr lang="ru-RU" sz="1600" dirty="0" err="1" smtClean="0">
-                <a:latin typeface="Times New Roman" pitchFamily="18" charset="0"/>
-                <a:cs typeface="Times New Roman" pitchFamily="18" charset="0"/>
-              </a:rPr>
-              <a:t>iwonder</a:t>
-            </a:r>
-            <a:r>
-              <a:rPr lang="ru-RU" sz="1600" dirty="0" smtClean="0">
-                <a:latin typeface="Times New Roman" pitchFamily="18" charset="0"/>
-                <a:cs typeface="Times New Roman" pitchFamily="18" charset="0"/>
-              </a:rPr>
-              <a:t> </a:t>
-            </a:r>
-            <a:r>
-              <a:rPr lang="en-US" sz="1600" dirty="0" err="1" smtClean="0">
-                <a:latin typeface="Times New Roman" pitchFamily="18" charset="0"/>
-                <a:cs typeface="Times New Roman" pitchFamily="18" charset="0"/>
-              </a:rPr>
-              <a:t>RoboSoul</a:t>
-            </a:r>
-            <a:endParaRPr lang="ru-RU" sz="1600" dirty="0" smtClean="0">
-              <a:latin typeface="Times New Roman" pitchFamily="18" charset="0"/>
-              <a:cs typeface="Times New Roman" pitchFamily="18" charset="0"/>
-            </a:endParaRPr>
-          </a:p>
-          <a:p>
-            <a:pPr marL="914400" indent="-914400">
-              <a:buFont typeface="+mj-lt"/>
-              <a:buAutoNum type="arabicPeriod" startAt="2"/>
-            </a:pPr>
-            <a:r>
-              <a:rPr lang="ru-RU" sz="1600" dirty="0" smtClean="0">
-                <a:latin typeface="Times New Roman" pitchFamily="18" charset="0"/>
-                <a:cs typeface="Times New Roman" pitchFamily="18" charset="0"/>
-              </a:rPr>
-              <a:t>Диаграмма вариантов использования</a:t>
-            </a:r>
-          </a:p>
-          <a:p>
-            <a:pPr marL="914400" indent="-914400">
-              <a:buFont typeface="+mj-lt"/>
-              <a:buAutoNum type="arabicPeriod" startAt="2"/>
-            </a:pPr>
-            <a:r>
-              <a:rPr lang="ru-RU" sz="1600" dirty="0" smtClean="0">
-                <a:latin typeface="Times New Roman" pitchFamily="18" charset="0"/>
-                <a:cs typeface="Times New Roman" pitchFamily="18" charset="0"/>
-              </a:rPr>
-              <a:t>Структурная схема</a:t>
-            </a:r>
-          </a:p>
-          <a:p>
-            <a:pPr marL="914400" indent="-914400">
-              <a:buFont typeface="+mj-lt"/>
-              <a:buAutoNum type="arabicPeriod" startAt="2"/>
-            </a:pPr>
-            <a:r>
-              <a:rPr lang="ru-RU" sz="1600" dirty="0" smtClean="0">
-                <a:latin typeface="Times New Roman" pitchFamily="18" charset="0"/>
-                <a:cs typeface="Times New Roman" pitchFamily="18" charset="0"/>
-              </a:rPr>
-              <a:t>Диаграмма деятельности</a:t>
-            </a:r>
-          </a:p>
-          <a:p>
-            <a:pPr marL="914400" indent="-914400">
-              <a:buFont typeface="+mj-lt"/>
-              <a:buAutoNum type="arabicPeriod" startAt="2"/>
-            </a:pPr>
-            <a:r>
-              <a:rPr lang="ru-RU" sz="1600" dirty="0" smtClean="0">
-                <a:latin typeface="Times New Roman" pitchFamily="18" charset="0"/>
-                <a:cs typeface="Times New Roman" pitchFamily="18" charset="0"/>
-              </a:rPr>
-              <a:t>Диаграмма последовательности</a:t>
-            </a:r>
-          </a:p>
-          <a:p>
-            <a:pPr marL="914400" indent="-914400">
-              <a:buFont typeface="+mj-lt"/>
-              <a:buAutoNum type="arabicPeriod" startAt="2"/>
-            </a:pPr>
-            <a:r>
-              <a:rPr lang="ru-RU" sz="1600" dirty="0" smtClean="0">
-                <a:latin typeface="Times New Roman" pitchFamily="18" charset="0"/>
-                <a:cs typeface="Times New Roman" pitchFamily="18" charset="0"/>
-              </a:rPr>
-              <a:t>Диаграмма компонентов</a:t>
-            </a:r>
-          </a:p>
-          <a:p>
-            <a:pPr marL="914400" indent="-914400">
-              <a:buFont typeface="+mj-lt"/>
-              <a:buAutoNum type="arabicPeriod" startAt="2"/>
-            </a:pPr>
-            <a:r>
-              <a:rPr lang="ru-RU" sz="1600" dirty="0" smtClean="0">
-                <a:latin typeface="Times New Roman" pitchFamily="18" charset="0"/>
-                <a:cs typeface="Times New Roman" pitchFamily="18" charset="0"/>
-              </a:rPr>
-              <a:t>Результаты проделанной работы</a:t>
-            </a:r>
-          </a:p>
-          <a:p>
-            <a:pPr marL="914400" indent="-914400">
-              <a:buFont typeface="+mj-lt"/>
-              <a:buAutoNum type="arabicPeriod" startAt="2"/>
-            </a:pPr>
-            <a:r>
-              <a:rPr lang="ru-RU" sz="1600" dirty="0" smtClean="0">
-                <a:latin typeface="Times New Roman" pitchFamily="18" charset="0"/>
-                <a:cs typeface="Times New Roman" pitchFamily="18" charset="0"/>
-              </a:rPr>
-              <a:t>Основное окно программы </a:t>
-            </a:r>
-            <a:r>
-              <a:rPr lang="en-US" sz="1600" dirty="0" err="1" smtClean="0">
-                <a:latin typeface="Times New Roman" pitchFamily="18" charset="0"/>
-                <a:cs typeface="Times New Roman" pitchFamily="18" charset="0"/>
-              </a:rPr>
-              <a:t>RobotController</a:t>
-            </a:r>
-            <a:r>
-              <a:rPr lang="ru-RU" sz="1600" dirty="0" smtClean="0">
-                <a:latin typeface="Times New Roman" pitchFamily="18" charset="0"/>
-                <a:cs typeface="Times New Roman" pitchFamily="18" charset="0"/>
-              </a:rPr>
-              <a:t>, модель на 6 сервоприводов</a:t>
-            </a:r>
-          </a:p>
-          <a:p>
-            <a:pPr marL="914400" indent="-914400">
-              <a:buFont typeface="+mj-lt"/>
-              <a:buAutoNum type="arabicPeriod" startAt="2"/>
-            </a:pPr>
-            <a:r>
-              <a:rPr lang="ru-RU" sz="1600" dirty="0" smtClean="0">
-                <a:latin typeface="Times New Roman" pitchFamily="18" charset="0"/>
-                <a:cs typeface="Times New Roman" pitchFamily="18" charset="0"/>
-              </a:rPr>
-              <a:t>Основное окно программы </a:t>
-            </a:r>
-            <a:r>
-              <a:rPr lang="en-US" sz="1600" dirty="0" err="1" smtClean="0">
-                <a:latin typeface="Times New Roman" pitchFamily="18" charset="0"/>
-                <a:cs typeface="Times New Roman" pitchFamily="18" charset="0"/>
-              </a:rPr>
-              <a:t>RobotController</a:t>
-            </a:r>
-            <a:r>
-              <a:rPr lang="ru-RU" sz="1600" dirty="0" smtClean="0">
-                <a:latin typeface="Times New Roman" pitchFamily="18" charset="0"/>
-                <a:cs typeface="Times New Roman" pitchFamily="18" charset="0"/>
-              </a:rPr>
-              <a:t>, в процессе отладки движений робота</a:t>
-            </a:r>
-          </a:p>
-          <a:p>
-            <a:pPr marL="914400" indent="-914400">
-              <a:buFont typeface="+mj-lt"/>
-              <a:buAutoNum type="arabicPeriod" startAt="2"/>
-            </a:pPr>
-            <a:r>
-              <a:rPr lang="ru-RU" sz="1600" dirty="0" smtClean="0">
-                <a:latin typeface="Times New Roman" pitchFamily="18" charset="0"/>
-                <a:cs typeface="Times New Roman" pitchFamily="18" charset="0"/>
-              </a:rPr>
-              <a:t>Основное окно программы </a:t>
-            </a:r>
-            <a:r>
-              <a:rPr lang="en-US" sz="1600" dirty="0" err="1" smtClean="0">
-                <a:latin typeface="Times New Roman" pitchFamily="18" charset="0"/>
-                <a:cs typeface="Times New Roman" pitchFamily="18" charset="0"/>
-              </a:rPr>
-              <a:t>RobotController</a:t>
-            </a:r>
-            <a:r>
-              <a:rPr lang="ru-RU" sz="1600" dirty="0" smtClean="0">
-                <a:latin typeface="Times New Roman" pitchFamily="18" charset="0"/>
-                <a:cs typeface="Times New Roman" pitchFamily="18" charset="0"/>
-              </a:rPr>
-              <a:t>, модель на 20 сервоприводов</a:t>
-            </a:r>
-          </a:p>
-          <a:p>
-            <a:pPr marL="914400" indent="-914400">
-              <a:buFont typeface="+mj-lt"/>
-              <a:buAutoNum type="arabicPeriod" startAt="2"/>
-            </a:pPr>
-            <a:r>
-              <a:rPr lang="ru-RU" sz="1600" dirty="0" smtClean="0">
-                <a:latin typeface="Times New Roman" pitchFamily="18" charset="0"/>
-                <a:cs typeface="Times New Roman" pitchFamily="18" charset="0"/>
-              </a:rPr>
-              <a:t>Выводы по работе</a:t>
-            </a:r>
-            <a:endParaRPr lang="en-US" sz="1600" dirty="0" smtClean="0">
-              <a:latin typeface="Times New Roman" pitchFamily="18" charset="0"/>
-              <a:cs typeface="Times New Roman" pitchFamily="18" charset="0"/>
-            </a:endParaRPr>
-          </a:p>
-          <a:p>
-            <a:pPr marL="914400" indent="-914400">
-              <a:buFont typeface="+mj-lt"/>
-              <a:buAutoNum type="arabicPeriod" startAt="2"/>
-            </a:pPr>
-            <a:r>
-              <a:rPr lang="ru-RU" sz="1600" dirty="0" smtClean="0">
-                <a:latin typeface="Times New Roman" pitchFamily="18" charset="0"/>
-                <a:cs typeface="Times New Roman" pitchFamily="18" charset="0"/>
-              </a:rPr>
-              <a:t>Конечный слайд</a:t>
-            </a:r>
-          </a:p>
-          <a:p>
-            <a:pPr marL="914400" indent="-914400">
-              <a:buFont typeface="+mj-lt"/>
-              <a:buAutoNum type="arabicPeriod" startAt="2"/>
-            </a:pPr>
-            <a:r>
-              <a:rPr lang="ru-RU" sz="1600" dirty="0" smtClean="0">
-                <a:latin typeface="Times New Roman" pitchFamily="18" charset="0"/>
-                <a:cs typeface="Times New Roman" pitchFamily="18" charset="0"/>
-              </a:rPr>
-              <a:t>Содержание</a:t>
-            </a:r>
-          </a:p>
-          <a:p>
-            <a:pPr algn="just">
-              <a:buNone/>
-            </a:pPr>
-            <a:endParaRPr lang="ru-RU" sz="1400" dirty="0" smtClean="0"/>
-          </a:p>
-          <a:p>
-            <a:pPr algn="just">
-              <a:buNone/>
-            </a:pPr>
-            <a:endParaRPr lang="ru-RU" sz="1400" dirty="0" smtClean="0"/>
           </a:p>
         </p:txBody>
       </p:sp>
@@ -6232,7 +5861,7 @@
           <p:cNvPr id="4" name="Заголовок 1">
             <a:extLst>
               <a:ext uri="{FF2B5EF4-FFF2-40B4-BE49-F238E27FC236}">
-                <a16:creationId xmlns="" xmlns:a16="http://schemas.microsoft.com/office/drawing/2014/main" id="{46B763F4-6301-4314-A941-A1986AE510F1}"/>
+                <a16:creationId xmlns:a16="http://schemas.microsoft.com/office/drawing/2014/main" xmlns="" id="{46B763F4-6301-4314-A941-A1986AE510F1}"/>
               </a:ext>
             </a:extLst>
           </p:cNvPr>
@@ -6276,7 +5905,7 @@
           <p:cNvPr id="5" name="Объект 2">
             <a:extLst>
               <a:ext uri="{FF2B5EF4-FFF2-40B4-BE49-F238E27FC236}">
-                <a16:creationId xmlns="" xmlns:a16="http://schemas.microsoft.com/office/drawing/2014/main" id="{C83B88B7-2124-4F37-8698-952C557AED7B}"/>
+                <a16:creationId xmlns:a16="http://schemas.microsoft.com/office/drawing/2014/main" xmlns="" id="{C83B88B7-2124-4F37-8698-952C557AED7B}"/>
               </a:ext>
             </a:extLst>
           </p:cNvPr>
@@ -6335,28 +5964,14 @@
                 <a:latin typeface="Times New Roman" pitchFamily="18" charset="0"/>
                 <a:cs typeface="Times New Roman" pitchFamily="18" charset="0"/>
               </a:rPr>
-              <a:t>с </a:t>
-            </a:r>
-            <a:r>
-              <a:rPr lang="ru-RU" sz="2400" smtClean="0">
-                <a:latin typeface="Times New Roman" pitchFamily="18" charset="0"/>
-                <a:cs typeface="Times New Roman" pitchFamily="18" charset="0"/>
-              </a:rPr>
-              <a:t>интуитивным, </a:t>
+              <a:t>с интуитивным, </a:t>
             </a:r>
             <a:r>
               <a:rPr lang="ru-RU" sz="2400" dirty="0" smtClean="0">
                 <a:latin typeface="Times New Roman" pitchFamily="18" charset="0"/>
                 <a:cs typeface="Times New Roman" pitchFamily="18" charset="0"/>
               </a:rPr>
-              <a:t>наглядным интерфейсом</a:t>
-            </a:r>
-            <a:r>
-              <a:rPr lang="ru-RU" sz="2400" dirty="0" smtClean="0">
-                <a:latin typeface="Times New Roman" pitchFamily="18" charset="0"/>
-                <a:cs typeface="Times New Roman" pitchFamily="18" charset="0"/>
-              </a:rPr>
-              <a:t>.</a:t>
+              <a:t>наглядным интерфейсом.</a:t>
             </a:r>
           </a:p>
         </p:txBody>
@@ -6397,6 +6012,495 @@
       </p:par>
     </p:tnLst>
   </p:timing>
+</p:sld>
+</file>
+
+<file path=ppt/slides/slide20.xml><?xml version="1.0" encoding="utf-8"?>
+<p:sld xmlns:a="http://schemas.openxmlformats.org/drawingml/2006/main" xmlns:r="http://schemas.openxmlformats.org/officeDocument/2006/relationships" xmlns:p="http://schemas.openxmlformats.org/presentationml/2006/main">
+  <p:cSld>
+    <p:spTree>
+      <p:nvGrpSpPr>
+        <p:cNvPr id="1" name=""/>
+        <p:cNvGrpSpPr/>
+        <p:nvPr/>
+      </p:nvGrpSpPr>
+      <p:grpSpPr>
+        <a:xfrm>
+          <a:off x="0" y="0"/>
+          <a:ext cx="0" cy="0"/>
+          <a:chOff x="0" y="0"/>
+          <a:chExt cx="0" cy="0"/>
+        </a:xfrm>
+      </p:grpSpPr>
+      <p:sp>
+        <p:nvSpPr>
+          <p:cNvPr id="2" name="Заголовок 1"/>
+          <p:cNvSpPr>
+            <a:spLocks noGrp="1"/>
+          </p:cNvSpPr>
+          <p:nvPr>
+            <p:ph type="title"/>
+          </p:nvPr>
+        </p:nvSpPr>
+        <p:spPr/>
+        <p:txBody>
+          <a:bodyPr/>
+          <a:lstStyle/>
+          <a:p>
+            <a:r>
+              <a:rPr lang="ru-RU" dirty="0" smtClean="0">
+                <a:latin typeface="Times New Roman" pitchFamily="18" charset="0"/>
+                <a:cs typeface="Times New Roman" pitchFamily="18" charset="0"/>
+              </a:rPr>
+              <a:t>Содержание</a:t>
+            </a:r>
+            <a:endParaRPr lang="ru-RU" dirty="0">
+              <a:latin typeface="Times New Roman" pitchFamily="18" charset="0"/>
+              <a:cs typeface="Times New Roman" pitchFamily="18" charset="0"/>
+            </a:endParaRPr>
+          </a:p>
+        </p:txBody>
+      </p:sp>
+      <p:sp>
+        <p:nvSpPr>
+          <p:cNvPr id="3" name="Содержимое 2"/>
+          <p:cNvSpPr>
+            <a:spLocks noGrp="1"/>
+          </p:cNvSpPr>
+          <p:nvPr>
+            <p:ph idx="1"/>
+          </p:nvPr>
+        </p:nvSpPr>
+        <p:spPr>
+          <a:xfrm>
+            <a:off x="609521" y="1269554"/>
+            <a:ext cx="10971372" cy="5328592"/>
+          </a:xfrm>
+        </p:spPr>
+        <p:txBody>
+          <a:bodyPr>
+            <a:noAutofit/>
+          </a:bodyPr>
+          <a:lstStyle/>
+          <a:p>
+            <a:pPr marL="914400" indent="-914400">
+              <a:buFont typeface="+mj-lt"/>
+              <a:buAutoNum type="arabicPeriod" startAt="2"/>
+            </a:pPr>
+            <a:r>
+              <a:rPr lang="ru-RU" sz="1600" dirty="0" smtClean="0">
+                <a:solidFill>
+                  <a:srgbClr val="000000"/>
+                </a:solidFill>
+                <a:latin typeface="Times New Roman" pitchFamily="18" charset="0"/>
+                <a:ea typeface="HelveticaNeueCyr Medium" pitchFamily="34" charset="-122"/>
+                <a:cs typeface="Times New Roman" pitchFamily="18" charset="0"/>
+              </a:rPr>
+              <a:t>Цель работы</a:t>
+            </a:r>
+            <a:endParaRPr lang="ru-RU" sz="1600" dirty="0" smtClean="0">
+              <a:latin typeface="Times New Roman" pitchFamily="18" charset="0"/>
+              <a:cs typeface="Times New Roman" pitchFamily="18" charset="0"/>
+            </a:endParaRPr>
+          </a:p>
+          <a:p>
+            <a:pPr marL="914400" indent="-914400">
+              <a:buFont typeface="+mj-lt"/>
+              <a:buAutoNum type="arabicPeriod" startAt="2"/>
+            </a:pPr>
+            <a:r>
+              <a:rPr lang="ru-RU" sz="1600" dirty="0" smtClean="0">
+                <a:latin typeface="Times New Roman" pitchFamily="18" charset="0"/>
+                <a:cs typeface="Times New Roman" pitchFamily="18" charset="0"/>
+              </a:rPr>
+              <a:t>Задачи работы</a:t>
+            </a:r>
+          </a:p>
+          <a:p>
+            <a:pPr marL="914400" indent="-914400">
+              <a:buFont typeface="+mj-lt"/>
+              <a:buAutoNum type="arabicPeriod" startAt="2"/>
+            </a:pPr>
+            <a:r>
+              <a:rPr lang="ru-RU" sz="1600" dirty="0" smtClean="0">
+                <a:latin typeface="Times New Roman" pitchFamily="18" charset="0"/>
+                <a:cs typeface="Times New Roman" pitchFamily="18" charset="0"/>
+              </a:rPr>
+              <a:t>Анализ предметной области</a:t>
+            </a:r>
+          </a:p>
+          <a:p>
+            <a:pPr marL="914400" indent="-914400" algn="just">
+              <a:buFont typeface="+mj-lt"/>
+              <a:buAutoNum type="arabicPeriod" startAt="2"/>
+              <a:tabLst>
+                <a:tab pos="719455" algn="l"/>
+              </a:tabLst>
+            </a:pPr>
+            <a:r>
+              <a:rPr lang="ru-RU" sz="1600" dirty="0" smtClean="0">
+                <a:latin typeface="Times New Roman" pitchFamily="18" charset="0"/>
+                <a:cs typeface="Times New Roman" pitchFamily="18" charset="0"/>
+              </a:rPr>
+              <a:t>Главное окно программы </a:t>
+            </a:r>
+            <a:r>
+              <a:rPr lang="ru-RU" sz="1600" dirty="0" err="1" smtClean="0">
+                <a:latin typeface="Times New Roman" pitchFamily="18" charset="0"/>
+                <a:cs typeface="Times New Roman" pitchFamily="18" charset="0"/>
+              </a:rPr>
+              <a:t>RoboPlus</a:t>
+            </a:r>
+            <a:r>
+              <a:rPr lang="ru-RU" sz="1600" dirty="0" smtClean="0">
+                <a:latin typeface="Times New Roman" pitchFamily="18" charset="0"/>
+                <a:cs typeface="Times New Roman" pitchFamily="18" charset="0"/>
+              </a:rPr>
+              <a:t> </a:t>
+            </a:r>
+            <a:r>
+              <a:rPr lang="ru-RU" sz="1600" dirty="0" err="1" smtClean="0">
+                <a:latin typeface="Times New Roman" pitchFamily="18" charset="0"/>
+                <a:cs typeface="Times New Roman" pitchFamily="18" charset="0"/>
+              </a:rPr>
+              <a:t>Motion</a:t>
+            </a:r>
+            <a:endParaRPr lang="ru-RU" sz="1600" dirty="0" smtClean="0">
+              <a:latin typeface="Times New Roman" pitchFamily="18" charset="0"/>
+              <a:cs typeface="Times New Roman" pitchFamily="18" charset="0"/>
+            </a:endParaRPr>
+          </a:p>
+          <a:p>
+            <a:pPr marL="914400" indent="-914400">
+              <a:buFont typeface="+mj-lt"/>
+              <a:buAutoNum type="arabicPeriod" startAt="2"/>
+            </a:pPr>
+            <a:r>
+              <a:rPr lang="ru-RU" sz="1600" dirty="0" smtClean="0">
+                <a:latin typeface="Times New Roman" pitchFamily="18" charset="0"/>
+                <a:cs typeface="Times New Roman" pitchFamily="18" charset="0"/>
+              </a:rPr>
+              <a:t>Главное окно программы </a:t>
+            </a:r>
+            <a:r>
+              <a:rPr lang="ru-RU" sz="1600" dirty="0" err="1" smtClean="0">
+                <a:latin typeface="Times New Roman" pitchFamily="18" charset="0"/>
+                <a:cs typeface="Times New Roman" pitchFamily="18" charset="0"/>
+              </a:rPr>
+              <a:t>RoboPlus</a:t>
+            </a:r>
+            <a:r>
+              <a:rPr lang="ru-RU" sz="1600" dirty="0" smtClean="0">
+                <a:latin typeface="Times New Roman" pitchFamily="18" charset="0"/>
+                <a:cs typeface="Times New Roman" pitchFamily="18" charset="0"/>
+              </a:rPr>
+              <a:t> </a:t>
+            </a:r>
+            <a:r>
+              <a:rPr lang="ru-RU" sz="1600" dirty="0" err="1" smtClean="0">
+                <a:latin typeface="Times New Roman" pitchFamily="18" charset="0"/>
+                <a:cs typeface="Times New Roman" pitchFamily="18" charset="0"/>
+              </a:rPr>
+              <a:t>Motion</a:t>
+            </a:r>
+            <a:r>
+              <a:rPr lang="ru-RU" sz="1600" dirty="0" smtClean="0">
+                <a:latin typeface="Times New Roman" pitchFamily="18" charset="0"/>
+                <a:cs typeface="Times New Roman" pitchFamily="18" charset="0"/>
+              </a:rPr>
+              <a:t> 2.0</a:t>
+            </a:r>
+          </a:p>
+          <a:p>
+            <a:pPr marL="914400" indent="-914400">
+              <a:buFont typeface="+mj-lt"/>
+              <a:buAutoNum type="arabicPeriod" startAt="2"/>
+            </a:pPr>
+            <a:r>
+              <a:rPr lang="ru-RU" sz="1600" dirty="0" smtClean="0">
+                <a:latin typeface="Times New Roman" pitchFamily="18" charset="0"/>
+                <a:cs typeface="Times New Roman" pitchFamily="18" charset="0"/>
+              </a:rPr>
+              <a:t>Главное окно программы </a:t>
+            </a:r>
+            <a:r>
+              <a:rPr lang="en-US" sz="1600" dirty="0" smtClean="0">
+                <a:latin typeface="Times New Roman" pitchFamily="18" charset="0"/>
+                <a:cs typeface="Times New Roman" pitchFamily="18" charset="0"/>
+              </a:rPr>
+              <a:t>H</a:t>
+            </a:r>
+            <a:r>
+              <a:rPr lang="ru-RU" sz="1600" dirty="0" err="1" smtClean="0">
+                <a:latin typeface="Times New Roman" pitchFamily="18" charset="0"/>
+                <a:cs typeface="Times New Roman" pitchFamily="18" charset="0"/>
+              </a:rPr>
+              <a:t>iwonder</a:t>
+            </a:r>
+            <a:r>
+              <a:rPr lang="ru-RU" sz="1600" dirty="0" smtClean="0">
+                <a:latin typeface="Times New Roman" pitchFamily="18" charset="0"/>
+                <a:cs typeface="Times New Roman" pitchFamily="18" charset="0"/>
+              </a:rPr>
+              <a:t> </a:t>
+            </a:r>
+            <a:r>
+              <a:rPr lang="en-US" sz="1600" dirty="0" err="1" smtClean="0">
+                <a:latin typeface="Times New Roman" pitchFamily="18" charset="0"/>
+                <a:cs typeface="Times New Roman" pitchFamily="18" charset="0"/>
+              </a:rPr>
+              <a:t>RoboSoul</a:t>
+            </a:r>
+            <a:endParaRPr lang="ru-RU" sz="1600" dirty="0" smtClean="0">
+              <a:latin typeface="Times New Roman" pitchFamily="18" charset="0"/>
+              <a:cs typeface="Times New Roman" pitchFamily="18" charset="0"/>
+            </a:endParaRPr>
+          </a:p>
+          <a:p>
+            <a:pPr marL="914400" indent="-914400">
+              <a:buFont typeface="+mj-lt"/>
+              <a:buAutoNum type="arabicPeriod" startAt="2"/>
+            </a:pPr>
+            <a:r>
+              <a:rPr lang="ru-RU" sz="1600" dirty="0" smtClean="0">
+                <a:latin typeface="Times New Roman" pitchFamily="18" charset="0"/>
+                <a:cs typeface="Times New Roman" pitchFamily="18" charset="0"/>
+              </a:rPr>
+              <a:t>Диаграмма вариантов использования</a:t>
+            </a:r>
+          </a:p>
+          <a:p>
+            <a:pPr marL="914400" indent="-914400">
+              <a:buFont typeface="+mj-lt"/>
+              <a:buAutoNum type="arabicPeriod" startAt="2"/>
+            </a:pPr>
+            <a:r>
+              <a:rPr lang="ru-RU" sz="1600" dirty="0" smtClean="0">
+                <a:latin typeface="Times New Roman" pitchFamily="18" charset="0"/>
+                <a:cs typeface="Times New Roman" pitchFamily="18" charset="0"/>
+              </a:rPr>
+              <a:t>Структурная схема</a:t>
+            </a:r>
+          </a:p>
+          <a:p>
+            <a:pPr marL="914400" indent="-914400">
+              <a:buFont typeface="+mj-lt"/>
+              <a:buAutoNum type="arabicPeriod" startAt="2"/>
+            </a:pPr>
+            <a:r>
+              <a:rPr lang="ru-RU" sz="1600" dirty="0" smtClean="0">
+                <a:latin typeface="Times New Roman" pitchFamily="18" charset="0"/>
+                <a:cs typeface="Times New Roman" pitchFamily="18" charset="0"/>
+              </a:rPr>
+              <a:t>Диаграмма деятельности</a:t>
+            </a:r>
+          </a:p>
+          <a:p>
+            <a:pPr marL="914400" indent="-914400">
+              <a:buFont typeface="+mj-lt"/>
+              <a:buAutoNum type="arabicPeriod" startAt="2"/>
+            </a:pPr>
+            <a:r>
+              <a:rPr lang="ru-RU" sz="1600" dirty="0" smtClean="0">
+                <a:latin typeface="Times New Roman" pitchFamily="18" charset="0"/>
+                <a:cs typeface="Times New Roman" pitchFamily="18" charset="0"/>
+              </a:rPr>
+              <a:t>Диаграмма последовательности</a:t>
+            </a:r>
+          </a:p>
+          <a:p>
+            <a:pPr marL="914400" indent="-914400">
+              <a:buFont typeface="+mj-lt"/>
+              <a:buAutoNum type="arabicPeriod" startAt="2"/>
+            </a:pPr>
+            <a:r>
+              <a:rPr lang="ru-RU" sz="1600" dirty="0" smtClean="0">
+                <a:latin typeface="Times New Roman" pitchFamily="18" charset="0"/>
+                <a:cs typeface="Times New Roman" pitchFamily="18" charset="0"/>
+              </a:rPr>
+              <a:t>Диаграмма компонентов</a:t>
+            </a:r>
+          </a:p>
+          <a:p>
+            <a:pPr marL="914400" indent="-914400">
+              <a:buFont typeface="+mj-lt"/>
+              <a:buAutoNum type="arabicPeriod" startAt="2"/>
+            </a:pPr>
+            <a:r>
+              <a:rPr lang="ru-RU" sz="1600" dirty="0" smtClean="0">
+                <a:latin typeface="Times New Roman" pitchFamily="18" charset="0"/>
+                <a:cs typeface="Times New Roman" pitchFamily="18" charset="0"/>
+              </a:rPr>
+              <a:t>Результаты проделанной работы</a:t>
+            </a:r>
+          </a:p>
+          <a:p>
+            <a:pPr marL="914400" indent="-914400">
+              <a:buFont typeface="+mj-lt"/>
+              <a:buAutoNum type="arabicPeriod" startAt="2"/>
+            </a:pPr>
+            <a:r>
+              <a:rPr lang="ru-RU" sz="1600" dirty="0" smtClean="0">
+                <a:latin typeface="Times New Roman" pitchFamily="18" charset="0"/>
+                <a:cs typeface="Times New Roman" pitchFamily="18" charset="0"/>
+              </a:rPr>
+              <a:t>Основное окно программы </a:t>
+            </a:r>
+            <a:r>
+              <a:rPr lang="en-US" sz="1600" dirty="0" err="1" smtClean="0">
+                <a:latin typeface="Times New Roman" pitchFamily="18" charset="0"/>
+                <a:cs typeface="Times New Roman" pitchFamily="18" charset="0"/>
+              </a:rPr>
+              <a:t>RobotController</a:t>
+            </a:r>
+            <a:r>
+              <a:rPr lang="ru-RU" sz="1600" dirty="0" smtClean="0">
+                <a:latin typeface="Times New Roman" pitchFamily="18" charset="0"/>
+                <a:cs typeface="Times New Roman" pitchFamily="18" charset="0"/>
+              </a:rPr>
+              <a:t>, модель на 6 сервоприводов</a:t>
+            </a:r>
+          </a:p>
+          <a:p>
+            <a:pPr marL="914400" indent="-914400">
+              <a:buFont typeface="+mj-lt"/>
+              <a:buAutoNum type="arabicPeriod" startAt="2"/>
+            </a:pPr>
+            <a:r>
+              <a:rPr lang="ru-RU" sz="1600" dirty="0" smtClean="0">
+                <a:latin typeface="Times New Roman" pitchFamily="18" charset="0"/>
+                <a:cs typeface="Times New Roman" pitchFamily="18" charset="0"/>
+              </a:rPr>
+              <a:t>Основное окно программы </a:t>
+            </a:r>
+            <a:r>
+              <a:rPr lang="en-US" sz="1600" dirty="0" err="1" smtClean="0">
+                <a:latin typeface="Times New Roman" pitchFamily="18" charset="0"/>
+                <a:cs typeface="Times New Roman" pitchFamily="18" charset="0"/>
+              </a:rPr>
+              <a:t>RobotController</a:t>
+            </a:r>
+            <a:r>
+              <a:rPr lang="ru-RU" sz="1600" dirty="0" smtClean="0">
+                <a:latin typeface="Times New Roman" pitchFamily="18" charset="0"/>
+                <a:cs typeface="Times New Roman" pitchFamily="18" charset="0"/>
+              </a:rPr>
+              <a:t>, в процессе отладки движений робота</a:t>
+            </a:r>
+          </a:p>
+          <a:p>
+            <a:pPr marL="914400" indent="-914400">
+              <a:buFont typeface="+mj-lt"/>
+              <a:buAutoNum type="arabicPeriod" startAt="2"/>
+            </a:pPr>
+            <a:r>
+              <a:rPr lang="ru-RU" sz="1600" dirty="0" smtClean="0">
+                <a:latin typeface="Times New Roman" pitchFamily="18" charset="0"/>
+                <a:cs typeface="Times New Roman" pitchFamily="18" charset="0"/>
+              </a:rPr>
+              <a:t>Основное окно программы </a:t>
+            </a:r>
+            <a:r>
+              <a:rPr lang="en-US" sz="1600" dirty="0" err="1" smtClean="0">
+                <a:latin typeface="Times New Roman" pitchFamily="18" charset="0"/>
+                <a:cs typeface="Times New Roman" pitchFamily="18" charset="0"/>
+              </a:rPr>
+              <a:t>RobotController</a:t>
+            </a:r>
+            <a:r>
+              <a:rPr lang="ru-RU" sz="1600" dirty="0" smtClean="0">
+                <a:latin typeface="Times New Roman" pitchFamily="18" charset="0"/>
+                <a:cs typeface="Times New Roman" pitchFamily="18" charset="0"/>
+              </a:rPr>
+              <a:t>, модель на 20 сервоприводов</a:t>
+            </a:r>
+          </a:p>
+          <a:p>
+            <a:pPr marL="914400" indent="-914400">
+              <a:buFont typeface="+mj-lt"/>
+              <a:buAutoNum type="arabicPeriod" startAt="2"/>
+            </a:pPr>
+            <a:r>
+              <a:rPr lang="ru-RU" sz="1600" dirty="0" smtClean="0">
+                <a:latin typeface="Times New Roman" pitchFamily="18" charset="0"/>
+                <a:cs typeface="Times New Roman" pitchFamily="18" charset="0"/>
+              </a:rPr>
+              <a:t>Выводы по работе</a:t>
+            </a:r>
+            <a:endParaRPr lang="en-US" sz="1600" dirty="0" smtClean="0">
+              <a:latin typeface="Times New Roman" pitchFamily="18" charset="0"/>
+              <a:cs typeface="Times New Roman" pitchFamily="18" charset="0"/>
+            </a:endParaRPr>
+          </a:p>
+          <a:p>
+            <a:pPr marL="914400" indent="-914400">
+              <a:buFont typeface="+mj-lt"/>
+              <a:buAutoNum type="arabicPeriod" startAt="2"/>
+            </a:pPr>
+            <a:r>
+              <a:rPr lang="ru-RU" sz="1600" dirty="0" smtClean="0">
+                <a:latin typeface="Times New Roman" pitchFamily="18" charset="0"/>
+                <a:cs typeface="Times New Roman" pitchFamily="18" charset="0"/>
+              </a:rPr>
+              <a:t>Конечный слайд</a:t>
+            </a:r>
+          </a:p>
+          <a:p>
+            <a:pPr marL="914400" indent="-914400">
+              <a:buFont typeface="+mj-lt"/>
+              <a:buAutoNum type="arabicPeriod" startAt="2"/>
+            </a:pPr>
+            <a:r>
+              <a:rPr lang="ru-RU" sz="1600" dirty="0" smtClean="0">
+                <a:latin typeface="Times New Roman" pitchFamily="18" charset="0"/>
+                <a:cs typeface="Times New Roman" pitchFamily="18" charset="0"/>
+              </a:rPr>
+              <a:t>Содержание</a:t>
+            </a:r>
+          </a:p>
+          <a:p>
+            <a:pPr algn="just">
+              <a:buNone/>
+            </a:pPr>
+            <a:endParaRPr lang="ru-RU" sz="1400" dirty="0" smtClean="0"/>
+          </a:p>
+          <a:p>
+            <a:pPr algn="just">
+              <a:buNone/>
+            </a:pPr>
+            <a:endParaRPr lang="ru-RU" sz="1400" dirty="0" smtClean="0"/>
+          </a:p>
+        </p:txBody>
+      </p:sp>
+      <p:sp>
+        <p:nvSpPr>
+          <p:cNvPr id="4" name="Номер слайда 3"/>
+          <p:cNvSpPr>
+            <a:spLocks noGrp="1"/>
+          </p:cNvSpPr>
+          <p:nvPr>
+            <p:ph type="sldNum" sz="quarter" idx="12"/>
+          </p:nvPr>
+        </p:nvSpPr>
+        <p:spPr/>
+        <p:txBody>
+          <a:bodyPr/>
+          <a:lstStyle/>
+          <a:p>
+            <a:fld id="{725C68B6-61C2-468F-89AB-4B9F7531AA68}" type="slidenum">
+              <a:rPr lang="ru-RU" smtClean="0"/>
+              <a:pPr/>
+              <a:t>20</a:t>
+            </a:fld>
+            <a:endParaRPr lang="ru-RU"/>
+          </a:p>
+        </p:txBody>
+      </p:sp>
+    </p:spTree>
+  </p:cSld>
+  <p:clrMapOvr>
+    <a:masterClrMapping/>
+  </p:clrMapOvr>
 </p:sld>
 </file>
 
@@ -6422,7 +6526,7 @@
           <p:cNvPr id="4" name="Заголовок 1">
             <a:extLst>
               <a:ext uri="{FF2B5EF4-FFF2-40B4-BE49-F238E27FC236}">
-                <a16:creationId xmlns="" xmlns:a16="http://schemas.microsoft.com/office/drawing/2014/main" id="{9BE103FA-346E-4AD0-A528-E8B5B5B30E11}"/>
+                <a16:creationId xmlns:a16="http://schemas.microsoft.com/office/drawing/2014/main" xmlns="" id="{9BE103FA-346E-4AD0-A528-E8B5B5B30E11}"/>
               </a:ext>
             </a:extLst>
           </p:cNvPr>
@@ -6458,7 +6562,7 @@
           <p:cNvPr id="5" name="Объект 2">
             <a:extLst>
               <a:ext uri="{FF2B5EF4-FFF2-40B4-BE49-F238E27FC236}">
-                <a16:creationId xmlns="" xmlns:a16="http://schemas.microsoft.com/office/drawing/2014/main" id="{F3ABAB10-2768-4209-9C26-64C71481E109}"/>
+                <a16:creationId xmlns:a16="http://schemas.microsoft.com/office/drawing/2014/main" xmlns="" id="{F3ABAB10-2768-4209-9C26-64C71481E109}"/>
               </a:ext>
             </a:extLst>
           </p:cNvPr>
@@ -6981,9 +7085,7 @@
         </p:nvSpPr>
         <p:spPr/>
         <p:txBody>
-          <a:bodyPr>
-            <a:normAutofit/>
-          </a:bodyPr>
+          <a:bodyPr/>
           <a:lstStyle/>
           <a:p>
             <a:r>
@@ -6991,28 +7093,7 @@
                 <a:latin typeface="Times New Roman" pitchFamily="18" charset="0"/>
                 <a:cs typeface="Times New Roman" pitchFamily="18" charset="0"/>
               </a:rPr>
-              <a:t>Главное окно программы </a:t>
-            </a:r>
-            <a:r>
-              <a:rPr lang="ru-RU" dirty="0" err="1" smtClean="0">
-                <a:latin typeface="Times New Roman" pitchFamily="18" charset="0"/>
-                <a:cs typeface="Times New Roman" pitchFamily="18" charset="0"/>
-              </a:rPr>
-              <a:t>RoboPlus</a:t>
-            </a:r>
-            <a:r>
-              <a:rPr lang="ru-RU" dirty="0" smtClean="0">
-                <a:latin typeface="Times New Roman" pitchFamily="18" charset="0"/>
-                <a:cs typeface="Times New Roman" pitchFamily="18" charset="0"/>
-              </a:rPr>
-              <a:t> </a:t>
-            </a:r>
-            <a:r>
-              <a:rPr lang="ru-RU" dirty="0" err="1" smtClean="0">
-                <a:latin typeface="Times New Roman" pitchFamily="18" charset="0"/>
-                <a:cs typeface="Times New Roman" pitchFamily="18" charset="0"/>
-              </a:rPr>
-              <a:t>Motion</a:t>
+              <a:t>Сравнение систем-аналогов</a:t>
             </a:r>
             <a:endParaRPr lang="ru-RU" dirty="0">
               <a:latin typeface="Times New Roman" pitchFamily="18" charset="0"/>
@@ -7021,43 +7102,2125 @@
           </a:p>
         </p:txBody>
       </p:sp>
-      <p:pic>
-        <p:nvPicPr>
-          <p:cNvPr id="4" name="Содержимое 3" descr="https://emanual.robotis.com/assets/images/sw/rplus1/motion/roboplus_motion_002.png"/>
-          <p:cNvPicPr>
-            <a:picLocks noGrp="1"/>
-          </p:cNvPicPr>
+      <p:graphicFrame>
+        <p:nvGraphicFramePr>
+          <p:cNvPr id="5" name="Содержимое 4"/>
+          <p:cNvGraphicFramePr>
+            <a:graphicFrameLocks noGrp="1"/>
+          </p:cNvGraphicFramePr>
           <p:nvPr>
             <p:ph idx="1"/>
           </p:nvPr>
-        </p:nvPicPr>
-        <p:blipFill>
-          <a:blip r:embed="rId2" cstate="print"/>
-          <a:srcRect/>
-          <a:stretch>
-            <a:fillRect/>
-          </a:stretch>
-        </p:blipFill>
-        <p:spPr bwMode="auto">
-          <a:xfrm>
-            <a:off x="2710830" y="1773610"/>
-            <a:ext cx="6480720" cy="4392488"/>
-          </a:xfrm>
-          <a:prstGeom prst="rect">
-            <a:avLst/>
-          </a:prstGeom>
-          <a:noFill/>
-          <a:ln w="9525">
-            <a:noFill/>
-            <a:miter lim="800000"/>
-            <a:headEnd/>
-            <a:tailEnd/>
-          </a:ln>
-        </p:spPr>
-      </p:pic>
-      <p:sp>
-        <p:nvSpPr>
-          <p:cNvPr id="9" name="Номер слайда 8"/>
+        </p:nvGraphicFramePr>
+        <p:xfrm>
+          <a:off x="609600" y="1600200"/>
+          <a:ext cx="10971212" cy="4565897"/>
+        </p:xfrm>
+        <a:graphic>
+          <a:graphicData uri="http://schemas.openxmlformats.org/drawingml/2006/table">
+            <a:tbl>
+              <a:tblPr firstRow="1" bandRow="1">
+                <a:tableStyleId>{5C22544A-7EE6-4342-B048-85BDC9FD1C3A}</a:tableStyleId>
+              </a:tblPr>
+              <a:tblGrid>
+                <a:gridCol w="4477494"/>
+                <a:gridCol w="2016224"/>
+                <a:gridCol w="2304256"/>
+                <a:gridCol w="2173238"/>
+              </a:tblGrid>
+              <a:tr h="652271">
+                <a:tc>
+                  <a:txBody>
+                    <a:bodyPr/>
+                    <a:lstStyle/>
+                    <a:p>
+                      <a:r>
+                        <a:rPr lang="ru-RU" b="0" dirty="0" smtClean="0">
+                          <a:solidFill>
+                            <a:schemeClr val="tx1"/>
+                          </a:solidFill>
+                          <a:latin typeface="Times New Roman" pitchFamily="18" charset="0"/>
+                          <a:cs typeface="Times New Roman" pitchFamily="18" charset="0"/>
+                        </a:rPr>
+                        <a:t>Характеристики </a:t>
+                      </a:r>
+                      <a:r>
+                        <a:rPr lang="en-US" b="0" dirty="0" smtClean="0">
+                          <a:solidFill>
+                            <a:schemeClr val="tx1"/>
+                          </a:solidFill>
+                          <a:latin typeface="Times New Roman" pitchFamily="18" charset="0"/>
+                          <a:cs typeface="Times New Roman" pitchFamily="18" charset="0"/>
+                        </a:rPr>
+                        <a:t>/</a:t>
+                      </a:r>
+                      <a:r>
+                        <a:rPr lang="ru-RU" b="0" dirty="0" smtClean="0">
+                          <a:solidFill>
+                            <a:schemeClr val="tx1"/>
+                          </a:solidFill>
+                          <a:latin typeface="Times New Roman" pitchFamily="18" charset="0"/>
+                          <a:cs typeface="Times New Roman" pitchFamily="18" charset="0"/>
+                        </a:rPr>
+                        <a:t> Название</a:t>
+                      </a:r>
+                      <a:r>
+                        <a:rPr lang="en-US" b="0" dirty="0" smtClean="0">
+                          <a:solidFill>
+                            <a:schemeClr val="tx1"/>
+                          </a:solidFill>
+                          <a:latin typeface="Times New Roman" pitchFamily="18" charset="0"/>
+                          <a:cs typeface="Times New Roman" pitchFamily="18" charset="0"/>
+                        </a:rPr>
+                        <a:t> </a:t>
+                      </a:r>
+                      <a:r>
+                        <a:rPr lang="ru-RU" b="0" dirty="0" smtClean="0">
+                          <a:solidFill>
+                            <a:schemeClr val="tx1"/>
+                          </a:solidFill>
+                          <a:latin typeface="Times New Roman" pitchFamily="18" charset="0"/>
+                          <a:cs typeface="Times New Roman" pitchFamily="18" charset="0"/>
+                        </a:rPr>
+                        <a:t>программы</a:t>
+                      </a:r>
+                      <a:endParaRPr lang="ru-RU" b="0" dirty="0">
+                        <a:solidFill>
+                          <a:schemeClr val="tx1"/>
+                        </a:solidFill>
+                        <a:latin typeface="Times New Roman" pitchFamily="18" charset="0"/>
+                        <a:cs typeface="Times New Roman" pitchFamily="18" charset="0"/>
+                      </a:endParaRPr>
+                    </a:p>
+                  </a:txBody>
+                  <a:tcPr>
+                    <a:lnL w="12700" cap="flat" cmpd="sng" algn="ctr">
+                      <a:solidFill>
+                        <a:schemeClr val="tx1"/>
+                      </a:solidFill>
+                      <a:prstDash val="solid"/>
+                      <a:round/>
+                      <a:headEnd type="none" w="med" len="med"/>
+                      <a:tailEnd type="none" w="med" len="med"/>
+                    </a:lnL>
+                    <a:lnR w="12700" cap="flat" cmpd="sng" algn="ctr">
+                      <a:solidFill>
+                        <a:schemeClr val="tx1"/>
+                      </a:solidFill>
+                      <a:prstDash val="solid"/>
+                      <a:round/>
+                      <a:headEnd type="none" w="med" len="med"/>
+                      <a:tailEnd type="none" w="med" len="med"/>
+                    </a:lnR>
+                    <a:lnT w="12700" cap="flat" cmpd="sng" algn="ctr">
+                      <a:solidFill>
+                        <a:schemeClr val="tx1"/>
+                      </a:solidFill>
+                      <a:prstDash val="solid"/>
+                      <a:round/>
+                      <a:headEnd type="none" w="med" len="med"/>
+                      <a:tailEnd type="none" w="med" len="med"/>
+                    </a:lnT>
+                    <a:lnB w="12700" cap="flat" cmpd="sng" algn="ctr">
+                      <a:solidFill>
+                        <a:schemeClr val="tx1"/>
+                      </a:solidFill>
+                      <a:prstDash val="solid"/>
+                      <a:round/>
+                      <a:headEnd type="none" w="med" len="med"/>
+                      <a:tailEnd type="none" w="med" len="med"/>
+                    </a:lnB>
+                    <a:lnTlToBr w="12700" cmpd="sng">
+                      <a:noFill/>
+                      <a:prstDash val="solid"/>
+                    </a:lnTlToBr>
+                    <a:lnBlToTr w="12700" cmpd="sng">
+                      <a:noFill/>
+                      <a:prstDash val="solid"/>
+                    </a:lnBlToTr>
+                    <a:noFill/>
+                  </a:tcPr>
+                </a:tc>
+                <a:tc>
+                  <a:txBody>
+                    <a:bodyPr/>
+                    <a:lstStyle/>
+                    <a:p>
+                      <a:r>
+                        <a:rPr lang="en-US" sz="1800" b="0" dirty="0" err="1" smtClean="0">
+                          <a:solidFill>
+                            <a:prstClr val="black"/>
+                          </a:solidFill>
+                          <a:latin typeface="Times New Roman" panose="02020603050405020304" pitchFamily="18" charset="0"/>
+                          <a:ea typeface="Noto Serif CJK SC"/>
+                          <a:cs typeface="Droid Sans Devanagari"/>
+                        </a:rPr>
+                        <a:t>RoboPlus</a:t>
+                      </a:r>
+                      <a:r>
+                        <a:rPr lang="en-US" sz="1800" b="0" dirty="0" smtClean="0">
+                          <a:solidFill>
+                            <a:prstClr val="black"/>
+                          </a:solidFill>
+                          <a:latin typeface="Times New Roman" panose="02020603050405020304" pitchFamily="18" charset="0"/>
+                          <a:ea typeface="Noto Serif CJK SC"/>
+                          <a:cs typeface="Droid Sans Devanagari"/>
+                        </a:rPr>
+                        <a:t> Motion</a:t>
+                      </a:r>
+                      <a:r>
+                        <a:rPr lang="ru-RU" sz="1800" b="0" dirty="0" smtClean="0">
+                          <a:solidFill>
+                            <a:prstClr val="black"/>
+                          </a:solidFill>
+                          <a:latin typeface="Times New Roman" panose="02020603050405020304" pitchFamily="18" charset="0"/>
+                          <a:ea typeface="Noto Serif CJK SC"/>
+                          <a:cs typeface="Droid Sans Devanagari"/>
+                        </a:rPr>
+                        <a:t> </a:t>
+                      </a:r>
+                      <a:endParaRPr lang="ru-RU" b="0" dirty="0"/>
+                    </a:p>
+                  </a:txBody>
+                  <a:tcPr>
+                    <a:lnL w="12700" cap="flat" cmpd="sng" algn="ctr">
+                      <a:solidFill>
+                        <a:schemeClr val="tx1"/>
+                      </a:solidFill>
+                      <a:prstDash val="solid"/>
+                      <a:round/>
+                      <a:headEnd type="none" w="med" len="med"/>
+                      <a:tailEnd type="none" w="med" len="med"/>
+                    </a:lnL>
+                    <a:lnR w="12700" cap="flat" cmpd="sng" algn="ctr">
+                      <a:solidFill>
+                        <a:schemeClr val="tx1"/>
+                      </a:solidFill>
+                      <a:prstDash val="solid"/>
+                      <a:round/>
+                      <a:headEnd type="none" w="med" len="med"/>
+                      <a:tailEnd type="none" w="med" len="med"/>
+                    </a:lnR>
+                    <a:lnT w="12700" cap="flat" cmpd="sng" algn="ctr">
+                      <a:solidFill>
+                        <a:schemeClr val="tx1"/>
+                      </a:solidFill>
+                      <a:prstDash val="solid"/>
+                      <a:round/>
+                      <a:headEnd type="none" w="med" len="med"/>
+                      <a:tailEnd type="none" w="med" len="med"/>
+                    </a:lnT>
+                    <a:lnB w="12700" cap="flat" cmpd="sng" algn="ctr">
+                      <a:solidFill>
+                        <a:schemeClr val="tx1"/>
+                      </a:solidFill>
+                      <a:prstDash val="solid"/>
+                      <a:round/>
+                      <a:headEnd type="none" w="med" len="med"/>
+                      <a:tailEnd type="none" w="med" len="med"/>
+                    </a:lnB>
+                    <a:lnTlToBr w="12700" cmpd="sng">
+                      <a:noFill/>
+                      <a:prstDash val="solid"/>
+                    </a:lnTlToBr>
+                    <a:lnBlToTr w="12700" cmpd="sng">
+                      <a:noFill/>
+                      <a:prstDash val="solid"/>
+                    </a:lnBlToTr>
+                    <a:noFill/>
+                  </a:tcPr>
+                </a:tc>
+                <a:tc>
+                  <a:txBody>
+                    <a:bodyPr/>
+                    <a:lstStyle/>
+                    <a:p>
+                      <a:r>
+                        <a:rPr lang="en-US" sz="1800" b="0" dirty="0" err="1" smtClean="0">
+                          <a:solidFill>
+                            <a:prstClr val="black"/>
+                          </a:solidFill>
+                          <a:latin typeface="Times New Roman" panose="02020603050405020304" pitchFamily="18" charset="0"/>
+                          <a:ea typeface="Noto Serif CJK SC"/>
+                          <a:cs typeface="Droid Sans Devanagari"/>
+                        </a:rPr>
+                        <a:t>RoboPlus</a:t>
+                      </a:r>
+                      <a:r>
+                        <a:rPr lang="en-US" sz="1800" b="0" dirty="0" smtClean="0">
+                          <a:solidFill>
+                            <a:prstClr val="black"/>
+                          </a:solidFill>
+                          <a:latin typeface="Times New Roman" panose="02020603050405020304" pitchFamily="18" charset="0"/>
+                          <a:ea typeface="Noto Serif CJK SC"/>
+                          <a:cs typeface="Droid Sans Devanagari"/>
+                        </a:rPr>
+                        <a:t> Motion 2.0</a:t>
+                      </a:r>
+                      <a:r>
+                        <a:rPr lang="ru-RU" sz="1800" b="0" dirty="0" smtClean="0">
+                          <a:solidFill>
+                            <a:prstClr val="black"/>
+                          </a:solidFill>
+                          <a:latin typeface="Times New Roman" panose="02020603050405020304" pitchFamily="18" charset="0"/>
+                          <a:ea typeface="Noto Serif CJK SC"/>
+                          <a:cs typeface="Droid Sans Devanagari"/>
+                        </a:rPr>
+                        <a:t> </a:t>
+                      </a:r>
+                      <a:endParaRPr lang="ru-RU" b="0" dirty="0"/>
+                    </a:p>
+                  </a:txBody>
+                  <a:tcPr>
+                    <a:lnL w="12700" cap="flat" cmpd="sng" algn="ctr">
+                      <a:solidFill>
+                        <a:schemeClr val="tx1"/>
+                      </a:solidFill>
+                      <a:prstDash val="solid"/>
+                      <a:round/>
+                      <a:headEnd type="none" w="med" len="med"/>
+                      <a:tailEnd type="none" w="med" len="med"/>
+                    </a:lnL>
+                    <a:lnR w="12700" cap="flat" cmpd="sng" algn="ctr">
+                      <a:solidFill>
+                        <a:schemeClr val="tx1"/>
+                      </a:solidFill>
+                      <a:prstDash val="solid"/>
+                      <a:round/>
+                      <a:headEnd type="none" w="med" len="med"/>
+                      <a:tailEnd type="none" w="med" len="med"/>
+                    </a:lnR>
+                    <a:lnT w="12700" cap="flat" cmpd="sng" algn="ctr">
+                      <a:solidFill>
+                        <a:schemeClr val="tx1"/>
+                      </a:solidFill>
+                      <a:prstDash val="solid"/>
+                      <a:round/>
+                      <a:headEnd type="none" w="med" len="med"/>
+                      <a:tailEnd type="none" w="med" len="med"/>
+                    </a:lnT>
+                    <a:lnB w="12700" cap="flat" cmpd="sng" algn="ctr">
+                      <a:solidFill>
+                        <a:schemeClr val="tx1"/>
+                      </a:solidFill>
+                      <a:prstDash val="solid"/>
+                      <a:round/>
+                      <a:headEnd type="none" w="med" len="med"/>
+                      <a:tailEnd type="none" w="med" len="med"/>
+                    </a:lnB>
+                    <a:lnTlToBr w="12700" cmpd="sng">
+                      <a:noFill/>
+                      <a:prstDash val="solid"/>
+                    </a:lnTlToBr>
+                    <a:lnBlToTr w="12700" cmpd="sng">
+                      <a:noFill/>
+                      <a:prstDash val="solid"/>
+                    </a:lnBlToTr>
+                    <a:noFill/>
+                  </a:tcPr>
+                </a:tc>
+                <a:tc>
+                  <a:txBody>
+                    <a:bodyPr/>
+                    <a:lstStyle/>
+                    <a:p>
+                      <a:r>
+                        <a:rPr lang="en-US" sz="1800" b="0" dirty="0" err="1" smtClean="0">
+                          <a:solidFill>
+                            <a:prstClr val="black"/>
+                          </a:solidFill>
+                          <a:latin typeface="Times New Roman" panose="02020603050405020304" pitchFamily="18" charset="0"/>
+                          <a:ea typeface="Noto Serif CJK SC"/>
+                          <a:cs typeface="Droid Sans Devanagari"/>
+                        </a:rPr>
+                        <a:t>Hiwonder</a:t>
+                      </a:r>
+                      <a:r>
+                        <a:rPr lang="en-US" sz="1800" b="0" dirty="0" smtClean="0">
+                          <a:solidFill>
+                            <a:prstClr val="black"/>
+                          </a:solidFill>
+                          <a:latin typeface="Times New Roman" panose="02020603050405020304" pitchFamily="18" charset="0"/>
+                          <a:ea typeface="Noto Serif CJK SC"/>
+                          <a:cs typeface="Droid Sans Devanagari"/>
+                        </a:rPr>
+                        <a:t> </a:t>
+                      </a:r>
+                      <a:r>
+                        <a:rPr lang="en-US" sz="1800" b="0" dirty="0" err="1" smtClean="0">
+                          <a:solidFill>
+                            <a:prstClr val="black"/>
+                          </a:solidFill>
+                          <a:latin typeface="Times New Roman" panose="02020603050405020304" pitchFamily="18" charset="0"/>
+                          <a:ea typeface="Noto Serif CJK SC"/>
+                          <a:cs typeface="Droid Sans Devanagari"/>
+                        </a:rPr>
+                        <a:t>RoboSoul</a:t>
+                      </a:r>
+                      <a:r>
+                        <a:rPr lang="ru-RU" sz="1800" b="0" dirty="0" smtClean="0">
+                          <a:solidFill>
+                            <a:prstClr val="black"/>
+                          </a:solidFill>
+                          <a:latin typeface="Times New Roman" panose="02020603050405020304" pitchFamily="18" charset="0"/>
+                          <a:ea typeface="Noto Serif CJK SC"/>
+                          <a:cs typeface="Droid Sans Devanagari"/>
+                        </a:rPr>
+                        <a:t> </a:t>
+                      </a:r>
+                      <a:endParaRPr lang="ru-RU" b="0" dirty="0"/>
+                    </a:p>
+                  </a:txBody>
+                  <a:tcPr>
+                    <a:lnL w="12700" cap="flat" cmpd="sng" algn="ctr">
+                      <a:solidFill>
+                        <a:schemeClr val="tx1"/>
+                      </a:solidFill>
+                      <a:prstDash val="solid"/>
+                      <a:round/>
+                      <a:headEnd type="none" w="med" len="med"/>
+                      <a:tailEnd type="none" w="med" len="med"/>
+                    </a:lnL>
+                    <a:lnR w="12700" cap="flat" cmpd="sng" algn="ctr">
+                      <a:solidFill>
+                        <a:schemeClr val="tx1"/>
+                      </a:solidFill>
+                      <a:prstDash val="solid"/>
+                      <a:round/>
+                      <a:headEnd type="none" w="med" len="med"/>
+                      <a:tailEnd type="none" w="med" len="med"/>
+                    </a:lnR>
+                    <a:lnT w="12700" cap="flat" cmpd="sng" algn="ctr">
+                      <a:solidFill>
+                        <a:schemeClr val="tx1"/>
+                      </a:solidFill>
+                      <a:prstDash val="solid"/>
+                      <a:round/>
+                      <a:headEnd type="none" w="med" len="med"/>
+                      <a:tailEnd type="none" w="med" len="med"/>
+                    </a:lnT>
+                    <a:lnB w="12700" cap="flat" cmpd="sng" algn="ctr">
+                      <a:solidFill>
+                        <a:schemeClr val="tx1"/>
+                      </a:solidFill>
+                      <a:prstDash val="solid"/>
+                      <a:round/>
+                      <a:headEnd type="none" w="med" len="med"/>
+                      <a:tailEnd type="none" w="med" len="med"/>
+                    </a:lnB>
+                    <a:lnTlToBr w="12700" cmpd="sng">
+                      <a:noFill/>
+                      <a:prstDash val="solid"/>
+                    </a:lnTlToBr>
+                    <a:lnBlToTr w="12700" cmpd="sng">
+                      <a:noFill/>
+                      <a:prstDash val="solid"/>
+                    </a:lnBlToTr>
+                    <a:noFill/>
+                  </a:tcPr>
+                </a:tc>
+              </a:tr>
+              <a:tr h="652271">
+                <a:tc>
+                  <a:txBody>
+                    <a:bodyPr/>
+                    <a:lstStyle/>
+                    <a:p>
+                      <a:r>
+                        <a:rPr lang="ru-RU" dirty="0" smtClean="0">
+                          <a:latin typeface="Times New Roman" pitchFamily="18" charset="0"/>
+                          <a:cs typeface="Times New Roman" pitchFamily="18" charset="0"/>
+                        </a:rPr>
+                        <a:t>Совместимость с </a:t>
+                      </a:r>
+                      <a:r>
+                        <a:rPr lang="en-US" dirty="0" err="1" smtClean="0">
+                          <a:latin typeface="Times New Roman" pitchFamily="18" charset="0"/>
+                          <a:cs typeface="Times New Roman" pitchFamily="18" charset="0"/>
+                        </a:rPr>
+                        <a:t>Arduino</a:t>
+                      </a:r>
+                      <a:endParaRPr lang="ru-RU" dirty="0">
+                        <a:latin typeface="Times New Roman" pitchFamily="18" charset="0"/>
+                        <a:cs typeface="Times New Roman" pitchFamily="18" charset="0"/>
+                      </a:endParaRPr>
+                    </a:p>
+                  </a:txBody>
+                  <a:tcPr>
+                    <a:lnL w="12700" cap="flat" cmpd="sng" algn="ctr">
+                      <a:solidFill>
+                        <a:schemeClr val="tx1"/>
+                      </a:solidFill>
+                      <a:prstDash val="solid"/>
+                      <a:round/>
+                      <a:headEnd type="none" w="med" len="med"/>
+                      <a:tailEnd type="none" w="med" len="med"/>
+                    </a:lnL>
+                    <a:lnR w="12700" cap="flat" cmpd="sng" algn="ctr">
+                      <a:solidFill>
+                        <a:schemeClr val="tx1"/>
+                      </a:solidFill>
+                      <a:prstDash val="solid"/>
+                      <a:round/>
+                      <a:headEnd type="none" w="med" len="med"/>
+                      <a:tailEnd type="none" w="med" len="med"/>
+                    </a:lnR>
+                    <a:lnT w="12700" cap="flat" cmpd="sng" algn="ctr">
+                      <a:solidFill>
+                        <a:schemeClr val="tx1"/>
+                      </a:solidFill>
+                      <a:prstDash val="solid"/>
+                      <a:round/>
+                      <a:headEnd type="none" w="med" len="med"/>
+                      <a:tailEnd type="none" w="med" len="med"/>
+                    </a:lnT>
+                    <a:lnB w="12700" cap="flat" cmpd="sng" algn="ctr">
+                      <a:solidFill>
+                        <a:schemeClr val="tx1"/>
+                      </a:solidFill>
+                      <a:prstDash val="solid"/>
+                      <a:round/>
+                      <a:headEnd type="none" w="med" len="med"/>
+                      <a:tailEnd type="none" w="med" len="med"/>
+                    </a:lnB>
+                    <a:lnTlToBr w="12700" cmpd="sng">
+                      <a:noFill/>
+                      <a:prstDash val="solid"/>
+                    </a:lnTlToBr>
+                    <a:lnBlToTr w="12700" cmpd="sng">
+                      <a:noFill/>
+                      <a:prstDash val="solid"/>
+                    </a:lnBlToTr>
+                    <a:noFill/>
+                  </a:tcPr>
+                </a:tc>
+                <a:tc>
+                  <a:txBody>
+                    <a:bodyPr/>
+                    <a:lstStyle/>
+                    <a:p>
+                      <a:pPr algn="ctr"/>
+                      <a:r>
+                        <a:rPr lang="ru-RU" dirty="0" smtClean="0">
+                          <a:latin typeface="Times New Roman" pitchFamily="18" charset="0"/>
+                          <a:cs typeface="Times New Roman" pitchFamily="18" charset="0"/>
+                        </a:rPr>
+                        <a:t>нет</a:t>
+                      </a:r>
+                      <a:endParaRPr lang="ru-RU" dirty="0">
+                        <a:latin typeface="Times New Roman" pitchFamily="18" charset="0"/>
+                        <a:cs typeface="Times New Roman" pitchFamily="18" charset="0"/>
+                      </a:endParaRPr>
+                    </a:p>
+                  </a:txBody>
+                  <a:tcPr>
+                    <a:lnL w="12700" cap="flat" cmpd="sng" algn="ctr">
+                      <a:solidFill>
+                        <a:schemeClr val="tx1"/>
+                      </a:solidFill>
+                      <a:prstDash val="solid"/>
+                      <a:round/>
+                      <a:headEnd type="none" w="med" len="med"/>
+                      <a:tailEnd type="none" w="med" len="med"/>
+                    </a:lnL>
+                    <a:lnR w="12700" cap="flat" cmpd="sng" algn="ctr">
+                      <a:solidFill>
+                        <a:schemeClr val="tx1"/>
+                      </a:solidFill>
+                      <a:prstDash val="solid"/>
+                      <a:round/>
+                      <a:headEnd type="none" w="med" len="med"/>
+                      <a:tailEnd type="none" w="med" len="med"/>
+                    </a:lnR>
+                    <a:lnT w="12700" cap="flat" cmpd="sng" algn="ctr">
+                      <a:solidFill>
+                        <a:schemeClr val="tx1"/>
+                      </a:solidFill>
+                      <a:prstDash val="solid"/>
+                      <a:round/>
+                      <a:headEnd type="none" w="med" len="med"/>
+                      <a:tailEnd type="none" w="med" len="med"/>
+                    </a:lnT>
+                    <a:lnB w="12700" cap="flat" cmpd="sng" algn="ctr">
+                      <a:solidFill>
+                        <a:schemeClr val="tx1"/>
+                      </a:solidFill>
+                      <a:prstDash val="solid"/>
+                      <a:round/>
+                      <a:headEnd type="none" w="med" len="med"/>
+                      <a:tailEnd type="none" w="med" len="med"/>
+                    </a:lnB>
+                    <a:lnTlToBr w="12700" cmpd="sng">
+                      <a:noFill/>
+                      <a:prstDash val="solid"/>
+                    </a:lnTlToBr>
+                    <a:lnBlToTr w="12700" cmpd="sng">
+                      <a:noFill/>
+                      <a:prstDash val="solid"/>
+                    </a:lnBlToTr>
+                    <a:noFill/>
+                  </a:tcPr>
+                </a:tc>
+                <a:tc>
+                  <a:txBody>
+                    <a:bodyPr/>
+                    <a:lstStyle/>
+                    <a:p>
+                      <a:pPr algn="ctr"/>
+                      <a:r>
+                        <a:rPr lang="ru-RU" dirty="0" smtClean="0">
+                          <a:latin typeface="Times New Roman" pitchFamily="18" charset="0"/>
+                          <a:cs typeface="Times New Roman" pitchFamily="18" charset="0"/>
+                        </a:rPr>
+                        <a:t>нет</a:t>
+                      </a:r>
+                      <a:endParaRPr lang="ru-RU" dirty="0">
+                        <a:latin typeface="Times New Roman" pitchFamily="18" charset="0"/>
+                        <a:cs typeface="Times New Roman" pitchFamily="18" charset="0"/>
+                      </a:endParaRPr>
+                    </a:p>
+                  </a:txBody>
+                  <a:tcPr>
+                    <a:lnL w="12700" cap="flat" cmpd="sng" algn="ctr">
+                      <a:solidFill>
+                        <a:schemeClr val="tx1"/>
+                      </a:solidFill>
+                      <a:prstDash val="solid"/>
+                      <a:round/>
+                      <a:headEnd type="none" w="med" len="med"/>
+                      <a:tailEnd type="none" w="med" len="med"/>
+                    </a:lnL>
+                    <a:lnR w="12700" cap="flat" cmpd="sng" algn="ctr">
+                      <a:solidFill>
+                        <a:schemeClr val="tx1"/>
+                      </a:solidFill>
+                      <a:prstDash val="solid"/>
+                      <a:round/>
+                      <a:headEnd type="none" w="med" len="med"/>
+                      <a:tailEnd type="none" w="med" len="med"/>
+                    </a:lnR>
+                    <a:lnT w="12700" cap="flat" cmpd="sng" algn="ctr">
+                      <a:solidFill>
+                        <a:schemeClr val="tx1"/>
+                      </a:solidFill>
+                      <a:prstDash val="solid"/>
+                      <a:round/>
+                      <a:headEnd type="none" w="med" len="med"/>
+                      <a:tailEnd type="none" w="med" len="med"/>
+                    </a:lnT>
+                    <a:lnB w="12700" cap="flat" cmpd="sng" algn="ctr">
+                      <a:solidFill>
+                        <a:schemeClr val="tx1"/>
+                      </a:solidFill>
+                      <a:prstDash val="solid"/>
+                      <a:round/>
+                      <a:headEnd type="none" w="med" len="med"/>
+                      <a:tailEnd type="none" w="med" len="med"/>
+                    </a:lnB>
+                    <a:lnTlToBr w="12700" cmpd="sng">
+                      <a:noFill/>
+                      <a:prstDash val="solid"/>
+                    </a:lnTlToBr>
+                    <a:lnBlToTr w="12700" cmpd="sng">
+                      <a:noFill/>
+                      <a:prstDash val="solid"/>
+                    </a:lnBlToTr>
+                    <a:noFill/>
+                  </a:tcPr>
+                </a:tc>
+                <a:tc>
+                  <a:txBody>
+                    <a:bodyPr/>
+                    <a:lstStyle/>
+                    <a:p>
+                      <a:pPr algn="ctr"/>
+                      <a:r>
+                        <a:rPr lang="ru-RU" dirty="0" smtClean="0">
+                          <a:latin typeface="Times New Roman" pitchFamily="18" charset="0"/>
+                          <a:cs typeface="Times New Roman" pitchFamily="18" charset="0"/>
+                        </a:rPr>
+                        <a:t>нет</a:t>
+                      </a:r>
+                      <a:endParaRPr lang="ru-RU" dirty="0">
+                        <a:latin typeface="Times New Roman" pitchFamily="18" charset="0"/>
+                        <a:cs typeface="Times New Roman" pitchFamily="18" charset="0"/>
+                      </a:endParaRPr>
+                    </a:p>
+                  </a:txBody>
+                  <a:tcPr>
+                    <a:lnL w="12700" cap="flat" cmpd="sng" algn="ctr">
+                      <a:solidFill>
+                        <a:schemeClr val="tx1"/>
+                      </a:solidFill>
+                      <a:prstDash val="solid"/>
+                      <a:round/>
+                      <a:headEnd type="none" w="med" len="med"/>
+                      <a:tailEnd type="none" w="med" len="med"/>
+                    </a:lnL>
+                    <a:lnR w="12700" cap="flat" cmpd="sng" algn="ctr">
+                      <a:solidFill>
+                        <a:schemeClr val="tx1"/>
+                      </a:solidFill>
+                      <a:prstDash val="solid"/>
+                      <a:round/>
+                      <a:headEnd type="none" w="med" len="med"/>
+                      <a:tailEnd type="none" w="med" len="med"/>
+                    </a:lnR>
+                    <a:lnT w="12700" cap="flat" cmpd="sng" algn="ctr">
+                      <a:solidFill>
+                        <a:schemeClr val="tx1"/>
+                      </a:solidFill>
+                      <a:prstDash val="solid"/>
+                      <a:round/>
+                      <a:headEnd type="none" w="med" len="med"/>
+                      <a:tailEnd type="none" w="med" len="med"/>
+                    </a:lnT>
+                    <a:lnB w="12700" cap="flat" cmpd="sng" algn="ctr">
+                      <a:solidFill>
+                        <a:schemeClr val="tx1"/>
+                      </a:solidFill>
+                      <a:prstDash val="solid"/>
+                      <a:round/>
+                      <a:headEnd type="none" w="med" len="med"/>
+                      <a:tailEnd type="none" w="med" len="med"/>
+                    </a:lnB>
+                    <a:lnTlToBr w="12700" cmpd="sng">
+                      <a:noFill/>
+                      <a:prstDash val="solid"/>
+                    </a:lnTlToBr>
+                    <a:lnBlToTr w="12700" cmpd="sng">
+                      <a:noFill/>
+                      <a:prstDash val="solid"/>
+                    </a:lnBlToTr>
+                    <a:noFill/>
+                  </a:tcPr>
+                </a:tc>
+              </a:tr>
+              <a:tr h="652271">
+                <a:tc>
+                  <a:txBody>
+                    <a:bodyPr/>
+                    <a:lstStyle/>
+                    <a:p>
+                      <a:pPr marL="0" marR="0" indent="0" algn="l" defTabSz="914400" rtl="0" eaLnBrk="1" fontAlgn="auto" latinLnBrk="0" hangingPunct="1">
+                        <a:lnSpc>
+                          <a:spcPct val="100000"/>
+                        </a:lnSpc>
+                        <a:spcBef>
+                          <a:spcPts val="0"/>
+                        </a:spcBef>
+                        <a:spcAft>
+                          <a:spcPts val="0"/>
+                        </a:spcAft>
+                        <a:buClrTx/>
+                        <a:buSzTx/>
+                        <a:buFontTx/>
+                        <a:buNone/>
+                        <a:tabLst/>
+                        <a:defRPr/>
+                      </a:pPr>
+                      <a:r>
+                        <a:rPr lang="ru-RU" dirty="0" smtClean="0">
+                          <a:latin typeface="Times New Roman" pitchFamily="18" charset="0"/>
+                          <a:cs typeface="Times New Roman" pitchFamily="18" charset="0"/>
+                        </a:rPr>
+                        <a:t>Поддержка русского языка</a:t>
+                      </a:r>
+                    </a:p>
+                    <a:p>
+                      <a:endParaRPr lang="ru-RU" dirty="0">
+                        <a:latin typeface="Times New Roman" pitchFamily="18" charset="0"/>
+                        <a:cs typeface="Times New Roman" pitchFamily="18" charset="0"/>
+                      </a:endParaRPr>
+                    </a:p>
+                  </a:txBody>
+                  <a:tcPr>
+                    <a:lnL w="12700" cap="flat" cmpd="sng" algn="ctr">
+                      <a:solidFill>
+                        <a:schemeClr val="tx1"/>
+                      </a:solidFill>
+                      <a:prstDash val="solid"/>
+                      <a:round/>
+                      <a:headEnd type="none" w="med" len="med"/>
+                      <a:tailEnd type="none" w="med" len="med"/>
+                    </a:lnL>
+                    <a:lnR w="12700" cap="flat" cmpd="sng" algn="ctr">
+                      <a:solidFill>
+                        <a:schemeClr val="tx1"/>
+                      </a:solidFill>
+                      <a:prstDash val="solid"/>
+                      <a:round/>
+                      <a:headEnd type="none" w="med" len="med"/>
+                      <a:tailEnd type="none" w="med" len="med"/>
+                    </a:lnR>
+                    <a:lnT w="12700" cap="flat" cmpd="sng" algn="ctr">
+                      <a:solidFill>
+                        <a:schemeClr val="tx1"/>
+                      </a:solidFill>
+                      <a:prstDash val="solid"/>
+                      <a:round/>
+                      <a:headEnd type="none" w="med" len="med"/>
+                      <a:tailEnd type="none" w="med" len="med"/>
+                    </a:lnT>
+                    <a:lnB w="12700" cap="flat" cmpd="sng" algn="ctr">
+                      <a:solidFill>
+                        <a:schemeClr val="tx1"/>
+                      </a:solidFill>
+                      <a:prstDash val="solid"/>
+                      <a:round/>
+                      <a:headEnd type="none" w="med" len="med"/>
+                      <a:tailEnd type="none" w="med" len="med"/>
+                    </a:lnB>
+                    <a:lnTlToBr w="12700" cmpd="sng">
+                      <a:noFill/>
+                      <a:prstDash val="solid"/>
+                    </a:lnTlToBr>
+                    <a:lnBlToTr w="12700" cmpd="sng">
+                      <a:noFill/>
+                      <a:prstDash val="solid"/>
+                    </a:lnBlToTr>
+                    <a:noFill/>
+                  </a:tcPr>
+                </a:tc>
+                <a:tc>
+                  <a:txBody>
+                    <a:bodyPr/>
+                    <a:lstStyle/>
+                    <a:p>
+                      <a:pPr algn="ctr"/>
+                      <a:r>
+                        <a:rPr lang="ru-RU" dirty="0" smtClean="0">
+                          <a:latin typeface="Times New Roman" pitchFamily="18" charset="0"/>
+                          <a:cs typeface="Times New Roman" pitchFamily="18" charset="0"/>
+                        </a:rPr>
+                        <a:t>нет</a:t>
+                      </a:r>
+                      <a:endParaRPr lang="ru-RU" dirty="0">
+                        <a:latin typeface="Times New Roman" pitchFamily="18" charset="0"/>
+                        <a:cs typeface="Times New Roman" pitchFamily="18" charset="0"/>
+                      </a:endParaRPr>
+                    </a:p>
+                  </a:txBody>
+                  <a:tcPr>
+                    <a:lnL w="12700" cap="flat" cmpd="sng" algn="ctr">
+                      <a:solidFill>
+                        <a:schemeClr val="tx1"/>
+                      </a:solidFill>
+                      <a:prstDash val="solid"/>
+                      <a:round/>
+                      <a:headEnd type="none" w="med" len="med"/>
+                      <a:tailEnd type="none" w="med" len="med"/>
+                    </a:lnL>
+                    <a:lnR w="12700" cap="flat" cmpd="sng" algn="ctr">
+                      <a:solidFill>
+                        <a:schemeClr val="tx1"/>
+                      </a:solidFill>
+                      <a:prstDash val="solid"/>
+                      <a:round/>
+                      <a:headEnd type="none" w="med" len="med"/>
+                      <a:tailEnd type="none" w="med" len="med"/>
+                    </a:lnR>
+                    <a:lnT w="12700" cap="flat" cmpd="sng" algn="ctr">
+                      <a:solidFill>
+                        <a:schemeClr val="tx1"/>
+                      </a:solidFill>
+                      <a:prstDash val="solid"/>
+                      <a:round/>
+                      <a:headEnd type="none" w="med" len="med"/>
+                      <a:tailEnd type="none" w="med" len="med"/>
+                    </a:lnT>
+                    <a:lnB w="12700" cap="flat" cmpd="sng" algn="ctr">
+                      <a:solidFill>
+                        <a:schemeClr val="tx1"/>
+                      </a:solidFill>
+                      <a:prstDash val="solid"/>
+                      <a:round/>
+                      <a:headEnd type="none" w="med" len="med"/>
+                      <a:tailEnd type="none" w="med" len="med"/>
+                    </a:lnB>
+                    <a:lnTlToBr w="12700" cmpd="sng">
+                      <a:noFill/>
+                      <a:prstDash val="solid"/>
+                    </a:lnTlToBr>
+                    <a:lnBlToTr w="12700" cmpd="sng">
+                      <a:noFill/>
+                      <a:prstDash val="solid"/>
+                    </a:lnBlToTr>
+                    <a:noFill/>
+                  </a:tcPr>
+                </a:tc>
+                <a:tc>
+                  <a:txBody>
+                    <a:bodyPr/>
+                    <a:lstStyle/>
+                    <a:p>
+                      <a:pPr algn="ctr"/>
+                      <a:r>
+                        <a:rPr lang="ru-RU" dirty="0" smtClean="0">
+                          <a:latin typeface="Times New Roman" pitchFamily="18" charset="0"/>
+                          <a:cs typeface="Times New Roman" pitchFamily="18" charset="0"/>
+                        </a:rPr>
+                        <a:t>нет</a:t>
+                      </a:r>
+                      <a:endParaRPr lang="ru-RU" dirty="0">
+                        <a:latin typeface="Times New Roman" pitchFamily="18" charset="0"/>
+                        <a:cs typeface="Times New Roman" pitchFamily="18" charset="0"/>
+                      </a:endParaRPr>
+                    </a:p>
+                  </a:txBody>
+                  <a:tcPr>
+                    <a:lnL w="12700" cap="flat" cmpd="sng" algn="ctr">
+                      <a:solidFill>
+                        <a:schemeClr val="tx1"/>
+                      </a:solidFill>
+                      <a:prstDash val="solid"/>
+                      <a:round/>
+                      <a:headEnd type="none" w="med" len="med"/>
+                      <a:tailEnd type="none" w="med" len="med"/>
+                    </a:lnL>
+                    <a:lnR w="12700" cap="flat" cmpd="sng" algn="ctr">
+                      <a:solidFill>
+                        <a:schemeClr val="tx1"/>
+                      </a:solidFill>
+                      <a:prstDash val="solid"/>
+                      <a:round/>
+                      <a:headEnd type="none" w="med" len="med"/>
+                      <a:tailEnd type="none" w="med" len="med"/>
+                    </a:lnR>
+                    <a:lnT w="12700" cap="flat" cmpd="sng" algn="ctr">
+                      <a:solidFill>
+                        <a:schemeClr val="tx1"/>
+                      </a:solidFill>
+                      <a:prstDash val="solid"/>
+                      <a:round/>
+                      <a:headEnd type="none" w="med" len="med"/>
+                      <a:tailEnd type="none" w="med" len="med"/>
+                    </a:lnT>
+                    <a:lnB w="12700" cap="flat" cmpd="sng" algn="ctr">
+                      <a:solidFill>
+                        <a:schemeClr val="tx1"/>
+                      </a:solidFill>
+                      <a:prstDash val="solid"/>
+                      <a:round/>
+                      <a:headEnd type="none" w="med" len="med"/>
+                      <a:tailEnd type="none" w="med" len="med"/>
+                    </a:lnB>
+                    <a:lnTlToBr w="12700" cmpd="sng">
+                      <a:noFill/>
+                      <a:prstDash val="solid"/>
+                    </a:lnTlToBr>
+                    <a:lnBlToTr w="12700" cmpd="sng">
+                      <a:noFill/>
+                      <a:prstDash val="solid"/>
+                    </a:lnBlToTr>
+                    <a:noFill/>
+                  </a:tcPr>
+                </a:tc>
+                <a:tc>
+                  <a:txBody>
+                    <a:bodyPr/>
+                    <a:lstStyle/>
+                    <a:p>
+                      <a:pPr algn="ctr"/>
+                      <a:r>
+                        <a:rPr lang="ru-RU" dirty="0" smtClean="0">
+                          <a:latin typeface="Times New Roman" pitchFamily="18" charset="0"/>
+                          <a:cs typeface="Times New Roman" pitchFamily="18" charset="0"/>
+                        </a:rPr>
+                        <a:t>нет</a:t>
+                      </a:r>
+                      <a:endParaRPr lang="ru-RU" dirty="0">
+                        <a:latin typeface="Times New Roman" pitchFamily="18" charset="0"/>
+                        <a:cs typeface="Times New Roman" pitchFamily="18" charset="0"/>
+                      </a:endParaRPr>
+                    </a:p>
+                  </a:txBody>
+                  <a:tcPr>
+                    <a:lnL w="12700" cap="flat" cmpd="sng" algn="ctr">
+                      <a:solidFill>
+                        <a:schemeClr val="tx1"/>
+                      </a:solidFill>
+                      <a:prstDash val="solid"/>
+                      <a:round/>
+                      <a:headEnd type="none" w="med" len="med"/>
+                      <a:tailEnd type="none" w="med" len="med"/>
+                    </a:lnL>
+                    <a:lnR w="12700" cap="flat" cmpd="sng" algn="ctr">
+                      <a:solidFill>
+                        <a:schemeClr val="tx1"/>
+                      </a:solidFill>
+                      <a:prstDash val="solid"/>
+                      <a:round/>
+                      <a:headEnd type="none" w="med" len="med"/>
+                      <a:tailEnd type="none" w="med" len="med"/>
+                    </a:lnR>
+                    <a:lnT w="12700" cap="flat" cmpd="sng" algn="ctr">
+                      <a:solidFill>
+                        <a:schemeClr val="tx1"/>
+                      </a:solidFill>
+                      <a:prstDash val="solid"/>
+                      <a:round/>
+                      <a:headEnd type="none" w="med" len="med"/>
+                      <a:tailEnd type="none" w="med" len="med"/>
+                    </a:lnT>
+                    <a:lnB w="12700" cap="flat" cmpd="sng" algn="ctr">
+                      <a:solidFill>
+                        <a:schemeClr val="tx1"/>
+                      </a:solidFill>
+                      <a:prstDash val="solid"/>
+                      <a:round/>
+                      <a:headEnd type="none" w="med" len="med"/>
+                      <a:tailEnd type="none" w="med" len="med"/>
+                    </a:lnB>
+                    <a:lnTlToBr w="12700" cmpd="sng">
+                      <a:noFill/>
+                      <a:prstDash val="solid"/>
+                    </a:lnTlToBr>
+                    <a:lnBlToTr w="12700" cmpd="sng">
+                      <a:noFill/>
+                      <a:prstDash val="solid"/>
+                    </a:lnBlToTr>
+                    <a:noFill/>
+                  </a:tcPr>
+                </a:tc>
+              </a:tr>
+              <a:tr h="652271">
+                <a:tc>
+                  <a:txBody>
+                    <a:bodyPr/>
+                    <a:lstStyle/>
+                    <a:p>
+                      <a:pPr marL="0" marR="0" indent="0" algn="l" defTabSz="914400" rtl="0" eaLnBrk="1" fontAlgn="auto" latinLnBrk="0" hangingPunct="1">
+                        <a:lnSpc>
+                          <a:spcPct val="100000"/>
+                        </a:lnSpc>
+                        <a:spcBef>
+                          <a:spcPts val="0"/>
+                        </a:spcBef>
+                        <a:spcAft>
+                          <a:spcPts val="0"/>
+                        </a:spcAft>
+                        <a:buClrTx/>
+                        <a:buSzTx/>
+                        <a:buFontTx/>
+                        <a:buNone/>
+                        <a:tabLst/>
+                        <a:defRPr/>
+                      </a:pPr>
+                      <a:r>
+                        <a:rPr lang="ru-RU" dirty="0" smtClean="0">
+                          <a:latin typeface="Times New Roman" pitchFamily="18" charset="0"/>
+                          <a:cs typeface="Times New Roman" pitchFamily="18" charset="0"/>
+                        </a:rPr>
+                        <a:t>Простой интерфейс</a:t>
+                      </a:r>
+                    </a:p>
+                    <a:p>
+                      <a:endParaRPr lang="ru-RU" dirty="0">
+                        <a:latin typeface="Times New Roman" pitchFamily="18" charset="0"/>
+                        <a:cs typeface="Times New Roman" pitchFamily="18" charset="0"/>
+                      </a:endParaRPr>
+                    </a:p>
+                  </a:txBody>
+                  <a:tcPr>
+                    <a:lnL w="12700" cap="flat" cmpd="sng" algn="ctr">
+                      <a:solidFill>
+                        <a:schemeClr val="tx1"/>
+                      </a:solidFill>
+                      <a:prstDash val="solid"/>
+                      <a:round/>
+                      <a:headEnd type="none" w="med" len="med"/>
+                      <a:tailEnd type="none" w="med" len="med"/>
+                    </a:lnL>
+                    <a:lnR w="12700" cap="flat" cmpd="sng" algn="ctr">
+                      <a:solidFill>
+                        <a:schemeClr val="tx1"/>
+                      </a:solidFill>
+                      <a:prstDash val="solid"/>
+                      <a:round/>
+                      <a:headEnd type="none" w="med" len="med"/>
+                      <a:tailEnd type="none" w="med" len="med"/>
+                    </a:lnR>
+                    <a:lnT w="12700" cap="flat" cmpd="sng" algn="ctr">
+                      <a:solidFill>
+                        <a:schemeClr val="tx1"/>
+                      </a:solidFill>
+                      <a:prstDash val="solid"/>
+                      <a:round/>
+                      <a:headEnd type="none" w="med" len="med"/>
+                      <a:tailEnd type="none" w="med" len="med"/>
+                    </a:lnT>
+                    <a:lnB w="12700" cap="flat" cmpd="sng" algn="ctr">
+                      <a:solidFill>
+                        <a:schemeClr val="tx1"/>
+                      </a:solidFill>
+                      <a:prstDash val="solid"/>
+                      <a:round/>
+                      <a:headEnd type="none" w="med" len="med"/>
+                      <a:tailEnd type="none" w="med" len="med"/>
+                    </a:lnB>
+                    <a:lnTlToBr w="12700" cmpd="sng">
+                      <a:noFill/>
+                      <a:prstDash val="solid"/>
+                    </a:lnTlToBr>
+                    <a:lnBlToTr w="12700" cmpd="sng">
+                      <a:noFill/>
+                      <a:prstDash val="solid"/>
+                    </a:lnBlToTr>
+                    <a:noFill/>
+                  </a:tcPr>
+                </a:tc>
+                <a:tc>
+                  <a:txBody>
+                    <a:bodyPr/>
+                    <a:lstStyle/>
+                    <a:p>
+                      <a:pPr algn="ctr"/>
+                      <a:r>
+                        <a:rPr lang="ru-RU" dirty="0" smtClean="0">
+                          <a:latin typeface="Times New Roman" pitchFamily="18" charset="0"/>
+                          <a:cs typeface="Times New Roman" pitchFamily="18" charset="0"/>
+                        </a:rPr>
+                        <a:t>нет</a:t>
+                      </a:r>
+                      <a:endParaRPr lang="ru-RU" dirty="0">
+                        <a:latin typeface="Times New Roman" pitchFamily="18" charset="0"/>
+                        <a:cs typeface="Times New Roman" pitchFamily="18" charset="0"/>
+                      </a:endParaRPr>
+                    </a:p>
+                  </a:txBody>
+                  <a:tcPr>
+                    <a:lnL w="12700" cap="flat" cmpd="sng" algn="ctr">
+                      <a:solidFill>
+                        <a:schemeClr val="tx1"/>
+                      </a:solidFill>
+                      <a:prstDash val="solid"/>
+                      <a:round/>
+                      <a:headEnd type="none" w="med" len="med"/>
+                      <a:tailEnd type="none" w="med" len="med"/>
+                    </a:lnL>
+                    <a:lnR w="12700" cap="flat" cmpd="sng" algn="ctr">
+                      <a:solidFill>
+                        <a:schemeClr val="tx1"/>
+                      </a:solidFill>
+                      <a:prstDash val="solid"/>
+                      <a:round/>
+                      <a:headEnd type="none" w="med" len="med"/>
+                      <a:tailEnd type="none" w="med" len="med"/>
+                    </a:lnR>
+                    <a:lnT w="12700" cap="flat" cmpd="sng" algn="ctr">
+                      <a:solidFill>
+                        <a:schemeClr val="tx1"/>
+                      </a:solidFill>
+                      <a:prstDash val="solid"/>
+                      <a:round/>
+                      <a:headEnd type="none" w="med" len="med"/>
+                      <a:tailEnd type="none" w="med" len="med"/>
+                    </a:lnT>
+                    <a:lnB w="12700" cap="flat" cmpd="sng" algn="ctr">
+                      <a:solidFill>
+                        <a:schemeClr val="tx1"/>
+                      </a:solidFill>
+                      <a:prstDash val="solid"/>
+                      <a:round/>
+                      <a:headEnd type="none" w="med" len="med"/>
+                      <a:tailEnd type="none" w="med" len="med"/>
+                    </a:lnB>
+                    <a:lnTlToBr w="12700" cmpd="sng">
+                      <a:noFill/>
+                      <a:prstDash val="solid"/>
+                    </a:lnTlToBr>
+                    <a:lnBlToTr w="12700" cmpd="sng">
+                      <a:noFill/>
+                      <a:prstDash val="solid"/>
+                    </a:lnBlToTr>
+                    <a:noFill/>
+                  </a:tcPr>
+                </a:tc>
+                <a:tc>
+                  <a:txBody>
+                    <a:bodyPr/>
+                    <a:lstStyle/>
+                    <a:p>
+                      <a:pPr algn="ctr"/>
+                      <a:r>
+                        <a:rPr lang="ru-RU" dirty="0" smtClean="0">
+                          <a:latin typeface="Times New Roman" pitchFamily="18" charset="0"/>
+                          <a:cs typeface="Times New Roman" pitchFamily="18" charset="0"/>
+                        </a:rPr>
+                        <a:t>есть</a:t>
+                      </a:r>
+                      <a:endParaRPr lang="ru-RU" dirty="0">
+                        <a:latin typeface="Times New Roman" pitchFamily="18" charset="0"/>
+                        <a:cs typeface="Times New Roman" pitchFamily="18" charset="0"/>
+                      </a:endParaRPr>
+                    </a:p>
+                  </a:txBody>
+                  <a:tcPr>
+                    <a:lnL w="12700" cap="flat" cmpd="sng" algn="ctr">
+                      <a:solidFill>
+                        <a:schemeClr val="tx1"/>
+                      </a:solidFill>
+                      <a:prstDash val="solid"/>
+                      <a:round/>
+                      <a:headEnd type="none" w="med" len="med"/>
+                      <a:tailEnd type="none" w="med" len="med"/>
+                    </a:lnL>
+                    <a:lnR w="12700" cap="flat" cmpd="sng" algn="ctr">
+                      <a:solidFill>
+                        <a:schemeClr val="tx1"/>
+                      </a:solidFill>
+                      <a:prstDash val="solid"/>
+                      <a:round/>
+                      <a:headEnd type="none" w="med" len="med"/>
+                      <a:tailEnd type="none" w="med" len="med"/>
+                    </a:lnR>
+                    <a:lnT w="12700" cap="flat" cmpd="sng" algn="ctr">
+                      <a:solidFill>
+                        <a:schemeClr val="tx1"/>
+                      </a:solidFill>
+                      <a:prstDash val="solid"/>
+                      <a:round/>
+                      <a:headEnd type="none" w="med" len="med"/>
+                      <a:tailEnd type="none" w="med" len="med"/>
+                    </a:lnT>
+                    <a:lnB w="12700" cap="flat" cmpd="sng" algn="ctr">
+                      <a:solidFill>
+                        <a:schemeClr val="tx1"/>
+                      </a:solidFill>
+                      <a:prstDash val="solid"/>
+                      <a:round/>
+                      <a:headEnd type="none" w="med" len="med"/>
+                      <a:tailEnd type="none" w="med" len="med"/>
+                    </a:lnB>
+                    <a:lnTlToBr w="12700" cmpd="sng">
+                      <a:noFill/>
+                      <a:prstDash val="solid"/>
+                    </a:lnTlToBr>
+                    <a:lnBlToTr w="12700" cmpd="sng">
+                      <a:noFill/>
+                      <a:prstDash val="solid"/>
+                    </a:lnBlToTr>
+                    <a:noFill/>
+                  </a:tcPr>
+                </a:tc>
+                <a:tc>
+                  <a:txBody>
+                    <a:bodyPr/>
+                    <a:lstStyle/>
+                    <a:p>
+                      <a:pPr algn="ctr"/>
+                      <a:r>
+                        <a:rPr lang="ru-RU" dirty="0" smtClean="0">
+                          <a:latin typeface="Times New Roman" pitchFamily="18" charset="0"/>
+                          <a:cs typeface="Times New Roman" pitchFamily="18" charset="0"/>
+                        </a:rPr>
+                        <a:t>есть</a:t>
+                      </a:r>
+                      <a:endParaRPr lang="ru-RU" dirty="0">
+                        <a:latin typeface="Times New Roman" pitchFamily="18" charset="0"/>
+                        <a:cs typeface="Times New Roman" pitchFamily="18" charset="0"/>
+                      </a:endParaRPr>
+                    </a:p>
+                  </a:txBody>
+                  <a:tcPr>
+                    <a:lnL w="12700" cap="flat" cmpd="sng" algn="ctr">
+                      <a:solidFill>
+                        <a:schemeClr val="tx1"/>
+                      </a:solidFill>
+                      <a:prstDash val="solid"/>
+                      <a:round/>
+                      <a:headEnd type="none" w="med" len="med"/>
+                      <a:tailEnd type="none" w="med" len="med"/>
+                    </a:lnL>
+                    <a:lnR w="12700" cap="flat" cmpd="sng" algn="ctr">
+                      <a:solidFill>
+                        <a:schemeClr val="tx1"/>
+                      </a:solidFill>
+                      <a:prstDash val="solid"/>
+                      <a:round/>
+                      <a:headEnd type="none" w="med" len="med"/>
+                      <a:tailEnd type="none" w="med" len="med"/>
+                    </a:lnR>
+                    <a:lnT w="12700" cap="flat" cmpd="sng" algn="ctr">
+                      <a:solidFill>
+                        <a:schemeClr val="tx1"/>
+                      </a:solidFill>
+                      <a:prstDash val="solid"/>
+                      <a:round/>
+                      <a:headEnd type="none" w="med" len="med"/>
+                      <a:tailEnd type="none" w="med" len="med"/>
+                    </a:lnT>
+                    <a:lnB w="12700" cap="flat" cmpd="sng" algn="ctr">
+                      <a:solidFill>
+                        <a:schemeClr val="tx1"/>
+                      </a:solidFill>
+                      <a:prstDash val="solid"/>
+                      <a:round/>
+                      <a:headEnd type="none" w="med" len="med"/>
+                      <a:tailEnd type="none" w="med" len="med"/>
+                    </a:lnB>
+                    <a:lnTlToBr w="12700" cmpd="sng">
+                      <a:noFill/>
+                      <a:prstDash val="solid"/>
+                    </a:lnTlToBr>
+                    <a:lnBlToTr w="12700" cmpd="sng">
+                      <a:noFill/>
+                      <a:prstDash val="solid"/>
+                    </a:lnBlToTr>
+                    <a:noFill/>
+                  </a:tcPr>
+                </a:tc>
+              </a:tr>
+              <a:tr h="652271">
+                <a:tc>
+                  <a:txBody>
+                    <a:bodyPr/>
+                    <a:lstStyle/>
+                    <a:p>
+                      <a:pPr marL="0" marR="0" indent="0" algn="l" defTabSz="914400" rtl="0" eaLnBrk="1" fontAlgn="auto" latinLnBrk="0" hangingPunct="1">
+                        <a:lnSpc>
+                          <a:spcPct val="100000"/>
+                        </a:lnSpc>
+                        <a:spcBef>
+                          <a:spcPts val="0"/>
+                        </a:spcBef>
+                        <a:spcAft>
+                          <a:spcPts val="0"/>
+                        </a:spcAft>
+                        <a:buClrTx/>
+                        <a:buSzTx/>
+                        <a:buFontTx/>
+                        <a:buNone/>
+                        <a:tabLst/>
+                        <a:defRPr/>
+                      </a:pPr>
+                      <a:r>
+                        <a:rPr lang="ru-RU" smtClean="0">
+                          <a:latin typeface="Times New Roman" pitchFamily="18" charset="0"/>
+                          <a:cs typeface="Times New Roman" pitchFamily="18" charset="0"/>
+                        </a:rPr>
+                        <a:t>Циклическое выполнение движений</a:t>
+                      </a:r>
+                    </a:p>
+                    <a:p>
+                      <a:endParaRPr lang="ru-RU" dirty="0">
+                        <a:latin typeface="Times New Roman" pitchFamily="18" charset="0"/>
+                        <a:cs typeface="Times New Roman" pitchFamily="18" charset="0"/>
+                      </a:endParaRPr>
+                    </a:p>
+                  </a:txBody>
+                  <a:tcPr>
+                    <a:lnL w="12700" cap="flat" cmpd="sng" algn="ctr">
+                      <a:solidFill>
+                        <a:schemeClr val="tx1"/>
+                      </a:solidFill>
+                      <a:prstDash val="solid"/>
+                      <a:round/>
+                      <a:headEnd type="none" w="med" len="med"/>
+                      <a:tailEnd type="none" w="med" len="med"/>
+                    </a:lnL>
+                    <a:lnR w="12700" cap="flat" cmpd="sng" algn="ctr">
+                      <a:solidFill>
+                        <a:schemeClr val="tx1"/>
+                      </a:solidFill>
+                      <a:prstDash val="solid"/>
+                      <a:round/>
+                      <a:headEnd type="none" w="med" len="med"/>
+                      <a:tailEnd type="none" w="med" len="med"/>
+                    </a:lnR>
+                    <a:lnT w="12700" cap="flat" cmpd="sng" algn="ctr">
+                      <a:solidFill>
+                        <a:schemeClr val="tx1"/>
+                      </a:solidFill>
+                      <a:prstDash val="solid"/>
+                      <a:round/>
+                      <a:headEnd type="none" w="med" len="med"/>
+                      <a:tailEnd type="none" w="med" len="med"/>
+                    </a:lnT>
+                    <a:lnB w="12700" cap="flat" cmpd="sng" algn="ctr">
+                      <a:solidFill>
+                        <a:schemeClr val="tx1"/>
+                      </a:solidFill>
+                      <a:prstDash val="solid"/>
+                      <a:round/>
+                      <a:headEnd type="none" w="med" len="med"/>
+                      <a:tailEnd type="none" w="med" len="med"/>
+                    </a:lnB>
+                    <a:lnTlToBr w="12700" cmpd="sng">
+                      <a:noFill/>
+                      <a:prstDash val="solid"/>
+                    </a:lnTlToBr>
+                    <a:lnBlToTr w="12700" cmpd="sng">
+                      <a:noFill/>
+                      <a:prstDash val="solid"/>
+                    </a:lnBlToTr>
+                    <a:noFill/>
+                  </a:tcPr>
+                </a:tc>
+                <a:tc>
+                  <a:txBody>
+                    <a:bodyPr/>
+                    <a:lstStyle/>
+                    <a:p>
+                      <a:pPr algn="ctr"/>
+                      <a:r>
+                        <a:rPr lang="ru-RU" dirty="0" smtClean="0">
+                          <a:latin typeface="Times New Roman" pitchFamily="18" charset="0"/>
+                          <a:cs typeface="Times New Roman" pitchFamily="18" charset="0"/>
+                        </a:rPr>
+                        <a:t>нет</a:t>
+                      </a:r>
+                      <a:endParaRPr lang="ru-RU" dirty="0">
+                        <a:latin typeface="Times New Roman" pitchFamily="18" charset="0"/>
+                        <a:cs typeface="Times New Roman" pitchFamily="18" charset="0"/>
+                      </a:endParaRPr>
+                    </a:p>
+                  </a:txBody>
+                  <a:tcPr>
+                    <a:lnL w="12700" cap="flat" cmpd="sng" algn="ctr">
+                      <a:solidFill>
+                        <a:schemeClr val="tx1"/>
+                      </a:solidFill>
+                      <a:prstDash val="solid"/>
+                      <a:round/>
+                      <a:headEnd type="none" w="med" len="med"/>
+                      <a:tailEnd type="none" w="med" len="med"/>
+                    </a:lnL>
+                    <a:lnR w="12700" cap="flat" cmpd="sng" algn="ctr">
+                      <a:solidFill>
+                        <a:schemeClr val="tx1"/>
+                      </a:solidFill>
+                      <a:prstDash val="solid"/>
+                      <a:round/>
+                      <a:headEnd type="none" w="med" len="med"/>
+                      <a:tailEnd type="none" w="med" len="med"/>
+                    </a:lnR>
+                    <a:lnT w="12700" cap="flat" cmpd="sng" algn="ctr">
+                      <a:solidFill>
+                        <a:schemeClr val="tx1"/>
+                      </a:solidFill>
+                      <a:prstDash val="solid"/>
+                      <a:round/>
+                      <a:headEnd type="none" w="med" len="med"/>
+                      <a:tailEnd type="none" w="med" len="med"/>
+                    </a:lnT>
+                    <a:lnB w="12700" cap="flat" cmpd="sng" algn="ctr">
+                      <a:solidFill>
+                        <a:schemeClr val="tx1"/>
+                      </a:solidFill>
+                      <a:prstDash val="solid"/>
+                      <a:round/>
+                      <a:headEnd type="none" w="med" len="med"/>
+                      <a:tailEnd type="none" w="med" len="med"/>
+                    </a:lnB>
+                    <a:lnTlToBr w="12700" cmpd="sng">
+                      <a:noFill/>
+                      <a:prstDash val="solid"/>
+                    </a:lnTlToBr>
+                    <a:lnBlToTr w="12700" cmpd="sng">
+                      <a:noFill/>
+                      <a:prstDash val="solid"/>
+                    </a:lnBlToTr>
+                    <a:noFill/>
+                  </a:tcPr>
+                </a:tc>
+                <a:tc>
+                  <a:txBody>
+                    <a:bodyPr/>
+                    <a:lstStyle/>
+                    <a:p>
+                      <a:pPr algn="ctr"/>
+                      <a:r>
+                        <a:rPr lang="ru-RU" dirty="0" smtClean="0">
+                          <a:latin typeface="Times New Roman" pitchFamily="18" charset="0"/>
+                          <a:cs typeface="Times New Roman" pitchFamily="18" charset="0"/>
+                        </a:rPr>
+                        <a:t>есть</a:t>
+                      </a:r>
+                      <a:endParaRPr lang="ru-RU" dirty="0">
+                        <a:latin typeface="Times New Roman" pitchFamily="18" charset="0"/>
+                        <a:cs typeface="Times New Roman" pitchFamily="18" charset="0"/>
+                      </a:endParaRPr>
+                    </a:p>
+                  </a:txBody>
+                  <a:tcPr>
+                    <a:lnL w="12700" cap="flat" cmpd="sng" algn="ctr">
+                      <a:solidFill>
+                        <a:schemeClr val="tx1"/>
+                      </a:solidFill>
+                      <a:prstDash val="solid"/>
+                      <a:round/>
+                      <a:headEnd type="none" w="med" len="med"/>
+                      <a:tailEnd type="none" w="med" len="med"/>
+                    </a:lnL>
+                    <a:lnR w="12700" cap="flat" cmpd="sng" algn="ctr">
+                      <a:solidFill>
+                        <a:schemeClr val="tx1"/>
+                      </a:solidFill>
+                      <a:prstDash val="solid"/>
+                      <a:round/>
+                      <a:headEnd type="none" w="med" len="med"/>
+                      <a:tailEnd type="none" w="med" len="med"/>
+                    </a:lnR>
+                    <a:lnT w="12700" cap="flat" cmpd="sng" algn="ctr">
+                      <a:solidFill>
+                        <a:schemeClr val="tx1"/>
+                      </a:solidFill>
+                      <a:prstDash val="solid"/>
+                      <a:round/>
+                      <a:headEnd type="none" w="med" len="med"/>
+                      <a:tailEnd type="none" w="med" len="med"/>
+                    </a:lnT>
+                    <a:lnB w="12700" cap="flat" cmpd="sng" algn="ctr">
+                      <a:solidFill>
+                        <a:schemeClr val="tx1"/>
+                      </a:solidFill>
+                      <a:prstDash val="solid"/>
+                      <a:round/>
+                      <a:headEnd type="none" w="med" len="med"/>
+                      <a:tailEnd type="none" w="med" len="med"/>
+                    </a:lnB>
+                    <a:lnTlToBr w="12700" cmpd="sng">
+                      <a:noFill/>
+                      <a:prstDash val="solid"/>
+                    </a:lnTlToBr>
+                    <a:lnBlToTr w="12700" cmpd="sng">
+                      <a:noFill/>
+                      <a:prstDash val="solid"/>
+                    </a:lnBlToTr>
+                    <a:noFill/>
+                  </a:tcPr>
+                </a:tc>
+                <a:tc>
+                  <a:txBody>
+                    <a:bodyPr/>
+                    <a:lstStyle/>
+                    <a:p>
+                      <a:pPr algn="ctr"/>
+                      <a:r>
+                        <a:rPr lang="ru-RU" dirty="0" smtClean="0">
+                          <a:latin typeface="Times New Roman" pitchFamily="18" charset="0"/>
+                          <a:cs typeface="Times New Roman" pitchFamily="18" charset="0"/>
+                        </a:rPr>
+                        <a:t>есть</a:t>
+                      </a:r>
+                      <a:endParaRPr lang="ru-RU" dirty="0">
+                        <a:latin typeface="Times New Roman" pitchFamily="18" charset="0"/>
+                        <a:cs typeface="Times New Roman" pitchFamily="18" charset="0"/>
+                      </a:endParaRPr>
+                    </a:p>
+                  </a:txBody>
+                  <a:tcPr>
+                    <a:lnL w="12700" cap="flat" cmpd="sng" algn="ctr">
+                      <a:solidFill>
+                        <a:schemeClr val="tx1"/>
+                      </a:solidFill>
+                      <a:prstDash val="solid"/>
+                      <a:round/>
+                      <a:headEnd type="none" w="med" len="med"/>
+                      <a:tailEnd type="none" w="med" len="med"/>
+                    </a:lnL>
+                    <a:lnR w="12700" cap="flat" cmpd="sng" algn="ctr">
+                      <a:solidFill>
+                        <a:schemeClr val="tx1"/>
+                      </a:solidFill>
+                      <a:prstDash val="solid"/>
+                      <a:round/>
+                      <a:headEnd type="none" w="med" len="med"/>
+                      <a:tailEnd type="none" w="med" len="med"/>
+                    </a:lnR>
+                    <a:lnT w="12700" cap="flat" cmpd="sng" algn="ctr">
+                      <a:solidFill>
+                        <a:schemeClr val="tx1"/>
+                      </a:solidFill>
+                      <a:prstDash val="solid"/>
+                      <a:round/>
+                      <a:headEnd type="none" w="med" len="med"/>
+                      <a:tailEnd type="none" w="med" len="med"/>
+                    </a:lnT>
+                    <a:lnB w="12700" cap="flat" cmpd="sng" algn="ctr">
+                      <a:solidFill>
+                        <a:schemeClr val="tx1"/>
+                      </a:solidFill>
+                      <a:prstDash val="solid"/>
+                      <a:round/>
+                      <a:headEnd type="none" w="med" len="med"/>
+                      <a:tailEnd type="none" w="med" len="med"/>
+                    </a:lnB>
+                    <a:lnTlToBr w="12700" cmpd="sng">
+                      <a:noFill/>
+                      <a:prstDash val="solid"/>
+                    </a:lnTlToBr>
+                    <a:lnBlToTr w="12700" cmpd="sng">
+                      <a:noFill/>
+                      <a:prstDash val="solid"/>
+                    </a:lnBlToTr>
+                    <a:noFill/>
+                  </a:tcPr>
+                </a:tc>
+              </a:tr>
+              <a:tr h="652271">
+                <a:tc>
+                  <a:txBody>
+                    <a:bodyPr/>
+                    <a:lstStyle/>
+                    <a:p>
+                      <a:pPr marL="0" marR="0" indent="0" algn="l" defTabSz="914400" rtl="0" eaLnBrk="1" fontAlgn="auto" latinLnBrk="0" hangingPunct="1">
+                        <a:lnSpc>
+                          <a:spcPct val="100000"/>
+                        </a:lnSpc>
+                        <a:spcBef>
+                          <a:spcPts val="0"/>
+                        </a:spcBef>
+                        <a:spcAft>
+                          <a:spcPts val="0"/>
+                        </a:spcAft>
+                        <a:buClrTx/>
+                        <a:buSzTx/>
+                        <a:buFontTx/>
+                        <a:buNone/>
+                        <a:tabLst/>
+                        <a:defRPr/>
+                      </a:pPr>
+                      <a:r>
+                        <a:rPr lang="ru-RU" smtClean="0">
+                          <a:latin typeface="Times New Roman" pitchFamily="18" charset="0"/>
+                          <a:cs typeface="Times New Roman" pitchFamily="18" charset="0"/>
+                        </a:rPr>
+                        <a:t>3</a:t>
+                      </a:r>
+                      <a:r>
+                        <a:rPr lang="en-US" smtClean="0">
+                          <a:latin typeface="Times New Roman" pitchFamily="18" charset="0"/>
+                          <a:cs typeface="Times New Roman" pitchFamily="18" charset="0"/>
+                        </a:rPr>
+                        <a:t>D </a:t>
+                      </a:r>
+                      <a:r>
+                        <a:rPr lang="ru-RU" smtClean="0">
+                          <a:latin typeface="Times New Roman" pitchFamily="18" charset="0"/>
+                          <a:cs typeface="Times New Roman" pitchFamily="18" charset="0"/>
+                        </a:rPr>
+                        <a:t>визуализация</a:t>
+                      </a:r>
+                      <a:r>
+                        <a:rPr lang="ru-RU" baseline="0" smtClean="0">
+                          <a:latin typeface="Times New Roman" pitchFamily="18" charset="0"/>
+                          <a:cs typeface="Times New Roman" pitchFamily="18" charset="0"/>
+                        </a:rPr>
+                        <a:t> робота</a:t>
+                      </a:r>
+                      <a:endParaRPr lang="ru-RU" smtClean="0">
+                        <a:latin typeface="Times New Roman" pitchFamily="18" charset="0"/>
+                        <a:cs typeface="Times New Roman" pitchFamily="18" charset="0"/>
+                      </a:endParaRPr>
+                    </a:p>
+                    <a:p>
+                      <a:endParaRPr lang="ru-RU" dirty="0">
+                        <a:latin typeface="Times New Roman" pitchFamily="18" charset="0"/>
+                        <a:cs typeface="Times New Roman" pitchFamily="18" charset="0"/>
+                      </a:endParaRPr>
+                    </a:p>
+                  </a:txBody>
+                  <a:tcPr>
+                    <a:lnL w="12700" cap="flat" cmpd="sng" algn="ctr">
+                      <a:solidFill>
+                        <a:schemeClr val="tx1"/>
+                      </a:solidFill>
+                      <a:prstDash val="solid"/>
+                      <a:round/>
+                      <a:headEnd type="none" w="med" len="med"/>
+                      <a:tailEnd type="none" w="med" len="med"/>
+                    </a:lnL>
+                    <a:lnR w="12700" cap="flat" cmpd="sng" algn="ctr">
+                      <a:solidFill>
+                        <a:schemeClr val="tx1"/>
+                      </a:solidFill>
+                      <a:prstDash val="solid"/>
+                      <a:round/>
+                      <a:headEnd type="none" w="med" len="med"/>
+                      <a:tailEnd type="none" w="med" len="med"/>
+                    </a:lnR>
+                    <a:lnT w="12700" cap="flat" cmpd="sng" algn="ctr">
+                      <a:solidFill>
+                        <a:schemeClr val="tx1"/>
+                      </a:solidFill>
+                      <a:prstDash val="solid"/>
+                      <a:round/>
+                      <a:headEnd type="none" w="med" len="med"/>
+                      <a:tailEnd type="none" w="med" len="med"/>
+                    </a:lnT>
+                    <a:lnB w="12700" cap="flat" cmpd="sng" algn="ctr">
+                      <a:solidFill>
+                        <a:schemeClr val="tx1"/>
+                      </a:solidFill>
+                      <a:prstDash val="solid"/>
+                      <a:round/>
+                      <a:headEnd type="none" w="med" len="med"/>
+                      <a:tailEnd type="none" w="med" len="med"/>
+                    </a:lnB>
+                    <a:lnTlToBr w="12700" cmpd="sng">
+                      <a:noFill/>
+                      <a:prstDash val="solid"/>
+                    </a:lnTlToBr>
+                    <a:lnBlToTr w="12700" cmpd="sng">
+                      <a:noFill/>
+                      <a:prstDash val="solid"/>
+                    </a:lnBlToTr>
+                    <a:noFill/>
+                  </a:tcPr>
+                </a:tc>
+                <a:tc>
+                  <a:txBody>
+                    <a:bodyPr/>
+                    <a:lstStyle/>
+                    <a:p>
+                      <a:pPr algn="ctr"/>
+                      <a:r>
+                        <a:rPr lang="ru-RU" dirty="0" smtClean="0">
+                          <a:latin typeface="Times New Roman" pitchFamily="18" charset="0"/>
+                          <a:cs typeface="Times New Roman" pitchFamily="18" charset="0"/>
+                        </a:rPr>
+                        <a:t>есть</a:t>
+                      </a:r>
+                      <a:endParaRPr lang="ru-RU" dirty="0">
+                        <a:latin typeface="Times New Roman" pitchFamily="18" charset="0"/>
+                        <a:cs typeface="Times New Roman" pitchFamily="18" charset="0"/>
+                      </a:endParaRPr>
+                    </a:p>
+                  </a:txBody>
+                  <a:tcPr>
+                    <a:lnL w="12700" cap="flat" cmpd="sng" algn="ctr">
+                      <a:solidFill>
+                        <a:schemeClr val="tx1"/>
+                      </a:solidFill>
+                      <a:prstDash val="solid"/>
+                      <a:round/>
+                      <a:headEnd type="none" w="med" len="med"/>
+                      <a:tailEnd type="none" w="med" len="med"/>
+                    </a:lnL>
+                    <a:lnR w="12700" cap="flat" cmpd="sng" algn="ctr">
+                      <a:solidFill>
+                        <a:schemeClr val="tx1"/>
+                      </a:solidFill>
+                      <a:prstDash val="solid"/>
+                      <a:round/>
+                      <a:headEnd type="none" w="med" len="med"/>
+                      <a:tailEnd type="none" w="med" len="med"/>
+                    </a:lnR>
+                    <a:lnT w="12700" cap="flat" cmpd="sng" algn="ctr">
+                      <a:solidFill>
+                        <a:schemeClr val="tx1"/>
+                      </a:solidFill>
+                      <a:prstDash val="solid"/>
+                      <a:round/>
+                      <a:headEnd type="none" w="med" len="med"/>
+                      <a:tailEnd type="none" w="med" len="med"/>
+                    </a:lnT>
+                    <a:lnB w="12700" cap="flat" cmpd="sng" algn="ctr">
+                      <a:solidFill>
+                        <a:schemeClr val="tx1"/>
+                      </a:solidFill>
+                      <a:prstDash val="solid"/>
+                      <a:round/>
+                      <a:headEnd type="none" w="med" len="med"/>
+                      <a:tailEnd type="none" w="med" len="med"/>
+                    </a:lnB>
+                    <a:lnTlToBr w="12700" cmpd="sng">
+                      <a:noFill/>
+                      <a:prstDash val="solid"/>
+                    </a:lnTlToBr>
+                    <a:lnBlToTr w="12700" cmpd="sng">
+                      <a:noFill/>
+                      <a:prstDash val="solid"/>
+                    </a:lnBlToTr>
+                    <a:noFill/>
+                  </a:tcPr>
+                </a:tc>
+                <a:tc>
+                  <a:txBody>
+                    <a:bodyPr/>
+                    <a:lstStyle/>
+                    <a:p>
+                      <a:pPr algn="ctr"/>
+                      <a:r>
+                        <a:rPr lang="ru-RU" dirty="0" smtClean="0">
+                          <a:latin typeface="Times New Roman" pitchFamily="18" charset="0"/>
+                          <a:cs typeface="Times New Roman" pitchFamily="18" charset="0"/>
+                        </a:rPr>
+                        <a:t>есть</a:t>
+                      </a:r>
+                      <a:endParaRPr lang="ru-RU" dirty="0">
+                        <a:latin typeface="Times New Roman" pitchFamily="18" charset="0"/>
+                        <a:cs typeface="Times New Roman" pitchFamily="18" charset="0"/>
+                      </a:endParaRPr>
+                    </a:p>
+                  </a:txBody>
+                  <a:tcPr>
+                    <a:lnL w="12700" cap="flat" cmpd="sng" algn="ctr">
+                      <a:solidFill>
+                        <a:schemeClr val="tx1"/>
+                      </a:solidFill>
+                      <a:prstDash val="solid"/>
+                      <a:round/>
+                      <a:headEnd type="none" w="med" len="med"/>
+                      <a:tailEnd type="none" w="med" len="med"/>
+                    </a:lnL>
+                    <a:lnR w="12700" cap="flat" cmpd="sng" algn="ctr">
+                      <a:solidFill>
+                        <a:schemeClr val="tx1"/>
+                      </a:solidFill>
+                      <a:prstDash val="solid"/>
+                      <a:round/>
+                      <a:headEnd type="none" w="med" len="med"/>
+                      <a:tailEnd type="none" w="med" len="med"/>
+                    </a:lnR>
+                    <a:lnT w="12700" cap="flat" cmpd="sng" algn="ctr">
+                      <a:solidFill>
+                        <a:schemeClr val="tx1"/>
+                      </a:solidFill>
+                      <a:prstDash val="solid"/>
+                      <a:round/>
+                      <a:headEnd type="none" w="med" len="med"/>
+                      <a:tailEnd type="none" w="med" len="med"/>
+                    </a:lnT>
+                    <a:lnB w="12700" cap="flat" cmpd="sng" algn="ctr">
+                      <a:solidFill>
+                        <a:schemeClr val="tx1"/>
+                      </a:solidFill>
+                      <a:prstDash val="solid"/>
+                      <a:round/>
+                      <a:headEnd type="none" w="med" len="med"/>
+                      <a:tailEnd type="none" w="med" len="med"/>
+                    </a:lnB>
+                    <a:lnTlToBr w="12700" cmpd="sng">
+                      <a:noFill/>
+                      <a:prstDash val="solid"/>
+                    </a:lnTlToBr>
+                    <a:lnBlToTr w="12700" cmpd="sng">
+                      <a:noFill/>
+                      <a:prstDash val="solid"/>
+                    </a:lnBlToTr>
+                    <a:noFill/>
+                  </a:tcPr>
+                </a:tc>
+                <a:tc>
+                  <a:txBody>
+                    <a:bodyPr/>
+                    <a:lstStyle/>
+                    <a:p>
+                      <a:pPr algn="ctr"/>
+                      <a:r>
+                        <a:rPr lang="ru-RU" dirty="0" smtClean="0">
+                          <a:latin typeface="Times New Roman" pitchFamily="18" charset="0"/>
+                          <a:cs typeface="Times New Roman" pitchFamily="18" charset="0"/>
+                        </a:rPr>
+                        <a:t>нет</a:t>
+                      </a:r>
+                      <a:endParaRPr lang="ru-RU" dirty="0">
+                        <a:latin typeface="Times New Roman" pitchFamily="18" charset="0"/>
+                        <a:cs typeface="Times New Roman" pitchFamily="18" charset="0"/>
+                      </a:endParaRPr>
+                    </a:p>
+                  </a:txBody>
+                  <a:tcPr>
+                    <a:lnL w="12700" cap="flat" cmpd="sng" algn="ctr">
+                      <a:solidFill>
+                        <a:schemeClr val="tx1"/>
+                      </a:solidFill>
+                      <a:prstDash val="solid"/>
+                      <a:round/>
+                      <a:headEnd type="none" w="med" len="med"/>
+                      <a:tailEnd type="none" w="med" len="med"/>
+                    </a:lnL>
+                    <a:lnR w="12700" cap="flat" cmpd="sng" algn="ctr">
+                      <a:solidFill>
+                        <a:schemeClr val="tx1"/>
+                      </a:solidFill>
+                      <a:prstDash val="solid"/>
+                      <a:round/>
+                      <a:headEnd type="none" w="med" len="med"/>
+                      <a:tailEnd type="none" w="med" len="med"/>
+                    </a:lnR>
+                    <a:lnT w="12700" cap="flat" cmpd="sng" algn="ctr">
+                      <a:solidFill>
+                        <a:schemeClr val="tx1"/>
+                      </a:solidFill>
+                      <a:prstDash val="solid"/>
+                      <a:round/>
+                      <a:headEnd type="none" w="med" len="med"/>
+                      <a:tailEnd type="none" w="med" len="med"/>
+                    </a:lnT>
+                    <a:lnB w="12700" cap="flat" cmpd="sng" algn="ctr">
+                      <a:solidFill>
+                        <a:schemeClr val="tx1"/>
+                      </a:solidFill>
+                      <a:prstDash val="solid"/>
+                      <a:round/>
+                      <a:headEnd type="none" w="med" len="med"/>
+                      <a:tailEnd type="none" w="med" len="med"/>
+                    </a:lnB>
+                    <a:lnTlToBr w="12700" cmpd="sng">
+                      <a:noFill/>
+                      <a:prstDash val="solid"/>
+                    </a:lnTlToBr>
+                    <a:lnBlToTr w="12700" cmpd="sng">
+                      <a:noFill/>
+                      <a:prstDash val="solid"/>
+                    </a:lnBlToTr>
+                    <a:noFill/>
+                  </a:tcPr>
+                </a:tc>
+              </a:tr>
+              <a:tr h="652271">
+                <a:tc>
+                  <a:txBody>
+                    <a:bodyPr/>
+                    <a:lstStyle/>
+                    <a:p>
+                      <a:endParaRPr lang="ru-RU" dirty="0">
+                        <a:latin typeface="Times New Roman" pitchFamily="18" charset="0"/>
+                        <a:cs typeface="Times New Roman" pitchFamily="18" charset="0"/>
+                      </a:endParaRPr>
+                    </a:p>
+                  </a:txBody>
+                  <a:tcPr>
+                    <a:lnL w="12700" cap="flat" cmpd="sng" algn="ctr">
+                      <a:solidFill>
+                        <a:schemeClr val="tx1"/>
+                      </a:solidFill>
+                      <a:prstDash val="solid"/>
+                      <a:round/>
+                      <a:headEnd type="none" w="med" len="med"/>
+                      <a:tailEnd type="none" w="med" len="med"/>
+                    </a:lnL>
+                    <a:lnR w="12700" cap="flat" cmpd="sng" algn="ctr">
+                      <a:solidFill>
+                        <a:schemeClr val="tx1"/>
+                      </a:solidFill>
+                      <a:prstDash val="solid"/>
+                      <a:round/>
+                      <a:headEnd type="none" w="med" len="med"/>
+                      <a:tailEnd type="none" w="med" len="med"/>
+                    </a:lnR>
+                    <a:lnT w="12700" cap="flat" cmpd="sng" algn="ctr">
+                      <a:solidFill>
+                        <a:schemeClr val="tx1"/>
+                      </a:solidFill>
+                      <a:prstDash val="solid"/>
+                      <a:round/>
+                      <a:headEnd type="none" w="med" len="med"/>
+                      <a:tailEnd type="none" w="med" len="med"/>
+                    </a:lnT>
+                    <a:lnB w="12700" cap="flat" cmpd="sng" algn="ctr">
+                      <a:solidFill>
+                        <a:schemeClr val="tx1"/>
+                      </a:solidFill>
+                      <a:prstDash val="solid"/>
+                      <a:round/>
+                      <a:headEnd type="none" w="med" len="med"/>
+                      <a:tailEnd type="none" w="med" len="med"/>
+                    </a:lnB>
+                    <a:lnTlToBr w="12700" cmpd="sng">
+                      <a:noFill/>
+                      <a:prstDash val="solid"/>
+                    </a:lnTlToBr>
+                    <a:lnBlToTr w="12700" cmpd="sng">
+                      <a:noFill/>
+                      <a:prstDash val="solid"/>
+                    </a:lnBlToTr>
+                    <a:noFill/>
+                  </a:tcPr>
+                </a:tc>
+                <a:tc>
+                  <a:txBody>
+                    <a:bodyPr/>
+                    <a:lstStyle/>
+                    <a:p>
+                      <a:pPr algn="ctr"/>
+                      <a:endParaRPr lang="ru-RU">
+                        <a:latin typeface="Times New Roman" pitchFamily="18" charset="0"/>
+                        <a:cs typeface="Times New Roman" pitchFamily="18" charset="0"/>
+                      </a:endParaRPr>
+                    </a:p>
+                  </a:txBody>
+                  <a:tcPr>
+                    <a:lnL w="12700" cap="flat" cmpd="sng" algn="ctr">
+                      <a:solidFill>
+                        <a:schemeClr val="tx1"/>
+                      </a:solidFill>
+                      <a:prstDash val="solid"/>
+                      <a:round/>
+                      <a:headEnd type="none" w="med" len="med"/>
+                      <a:tailEnd type="none" w="med" len="med"/>
+                    </a:lnL>
+                    <a:lnR w="12700" cap="flat" cmpd="sng" algn="ctr">
+                      <a:solidFill>
+                        <a:schemeClr val="tx1"/>
+                      </a:solidFill>
+                      <a:prstDash val="solid"/>
+                      <a:round/>
+                      <a:headEnd type="none" w="med" len="med"/>
+                      <a:tailEnd type="none" w="med" len="med"/>
+                    </a:lnR>
+                    <a:lnT w="12700" cap="flat" cmpd="sng" algn="ctr">
+                      <a:solidFill>
+                        <a:schemeClr val="tx1"/>
+                      </a:solidFill>
+                      <a:prstDash val="solid"/>
+                      <a:round/>
+                      <a:headEnd type="none" w="med" len="med"/>
+                      <a:tailEnd type="none" w="med" len="med"/>
+                    </a:lnT>
+                    <a:lnB w="12700" cap="flat" cmpd="sng" algn="ctr">
+                      <a:solidFill>
+                        <a:schemeClr val="tx1"/>
+                      </a:solidFill>
+                      <a:prstDash val="solid"/>
+                      <a:round/>
+                      <a:headEnd type="none" w="med" len="med"/>
+                      <a:tailEnd type="none" w="med" len="med"/>
+                    </a:lnB>
+                    <a:lnTlToBr w="12700" cmpd="sng">
+                      <a:noFill/>
+                      <a:prstDash val="solid"/>
+                    </a:lnTlToBr>
+                    <a:lnBlToTr w="12700" cmpd="sng">
+                      <a:noFill/>
+                      <a:prstDash val="solid"/>
+                    </a:lnBlToTr>
+                    <a:noFill/>
+                  </a:tcPr>
+                </a:tc>
+                <a:tc>
+                  <a:txBody>
+                    <a:bodyPr/>
+                    <a:lstStyle/>
+                    <a:p>
+                      <a:pPr algn="ctr"/>
+                      <a:endParaRPr lang="ru-RU">
+                        <a:latin typeface="Times New Roman" pitchFamily="18" charset="0"/>
+                        <a:cs typeface="Times New Roman" pitchFamily="18" charset="0"/>
+                      </a:endParaRPr>
+                    </a:p>
+                  </a:txBody>
+                  <a:tcPr>
+                    <a:lnL w="12700" cap="flat" cmpd="sng" algn="ctr">
+                      <a:solidFill>
+                        <a:schemeClr val="tx1"/>
+                      </a:solidFill>
+                      <a:prstDash val="solid"/>
+                      <a:round/>
+                      <a:headEnd type="none" w="med" len="med"/>
+                      <a:tailEnd type="none" w="med" len="med"/>
+                    </a:lnL>
+                    <a:lnR w="12700" cap="flat" cmpd="sng" algn="ctr">
+                      <a:solidFill>
+                        <a:schemeClr val="tx1"/>
+                      </a:solidFill>
+                      <a:prstDash val="solid"/>
+                      <a:round/>
+                      <a:headEnd type="none" w="med" len="med"/>
+                      <a:tailEnd type="none" w="med" len="med"/>
+                    </a:lnR>
+                    <a:lnT w="12700" cap="flat" cmpd="sng" algn="ctr">
+                      <a:solidFill>
+                        <a:schemeClr val="tx1"/>
+                      </a:solidFill>
+                      <a:prstDash val="solid"/>
+                      <a:round/>
+                      <a:headEnd type="none" w="med" len="med"/>
+                      <a:tailEnd type="none" w="med" len="med"/>
+                    </a:lnT>
+                    <a:lnB w="12700" cap="flat" cmpd="sng" algn="ctr">
+                      <a:solidFill>
+                        <a:schemeClr val="tx1"/>
+                      </a:solidFill>
+                      <a:prstDash val="solid"/>
+                      <a:round/>
+                      <a:headEnd type="none" w="med" len="med"/>
+                      <a:tailEnd type="none" w="med" len="med"/>
+                    </a:lnB>
+                    <a:lnTlToBr w="12700" cmpd="sng">
+                      <a:noFill/>
+                      <a:prstDash val="solid"/>
+                    </a:lnTlToBr>
+                    <a:lnBlToTr w="12700" cmpd="sng">
+                      <a:noFill/>
+                      <a:prstDash val="solid"/>
+                    </a:lnBlToTr>
+                    <a:noFill/>
+                  </a:tcPr>
+                </a:tc>
+                <a:tc>
+                  <a:txBody>
+                    <a:bodyPr/>
+                    <a:lstStyle/>
+                    <a:p>
+                      <a:pPr algn="ctr"/>
+                      <a:endParaRPr lang="ru-RU" dirty="0">
+                        <a:latin typeface="Times New Roman" pitchFamily="18" charset="0"/>
+                        <a:cs typeface="Times New Roman" pitchFamily="18" charset="0"/>
+                      </a:endParaRPr>
+                    </a:p>
+                  </a:txBody>
+                  <a:tcPr>
+                    <a:lnL w="12700" cap="flat" cmpd="sng" algn="ctr">
+                      <a:solidFill>
+                        <a:schemeClr val="tx1"/>
+                      </a:solidFill>
+                      <a:prstDash val="solid"/>
+                      <a:round/>
+                      <a:headEnd type="none" w="med" len="med"/>
+                      <a:tailEnd type="none" w="med" len="med"/>
+                    </a:lnL>
+                    <a:lnR w="12700" cap="flat" cmpd="sng" algn="ctr">
+                      <a:solidFill>
+                        <a:schemeClr val="tx1"/>
+                      </a:solidFill>
+                      <a:prstDash val="solid"/>
+                      <a:round/>
+                      <a:headEnd type="none" w="med" len="med"/>
+                      <a:tailEnd type="none" w="med" len="med"/>
+                    </a:lnR>
+                    <a:lnT w="12700" cap="flat" cmpd="sng" algn="ctr">
+                      <a:solidFill>
+                        <a:schemeClr val="tx1"/>
+                      </a:solidFill>
+                      <a:prstDash val="solid"/>
+                      <a:round/>
+                      <a:headEnd type="none" w="med" len="med"/>
+                      <a:tailEnd type="none" w="med" len="med"/>
+                    </a:lnT>
+                    <a:lnB w="12700" cap="flat" cmpd="sng" algn="ctr">
+                      <a:solidFill>
+                        <a:schemeClr val="tx1"/>
+                      </a:solidFill>
+                      <a:prstDash val="solid"/>
+                      <a:round/>
+                      <a:headEnd type="none" w="med" len="med"/>
+                      <a:tailEnd type="none" w="med" len="med"/>
+                    </a:lnB>
+                    <a:lnTlToBr w="12700" cmpd="sng">
+                      <a:noFill/>
+                      <a:prstDash val="solid"/>
+                    </a:lnTlToBr>
+                    <a:lnBlToTr w="12700" cmpd="sng">
+                      <a:noFill/>
+                      <a:prstDash val="solid"/>
+                    </a:lnBlToTr>
+                    <a:noFill/>
+                  </a:tcPr>
+                </a:tc>
+              </a:tr>
+            </a:tbl>
+          </a:graphicData>
+        </a:graphic>
+      </p:graphicFrame>
+      <p:sp>
+        <p:nvSpPr>
+          <p:cNvPr id="4" name="Номер слайда 3"/>
           <p:cNvSpPr>
             <a:spLocks noGrp="1"/>
           </p:cNvSpPr>
@@ -7084,13 +9247,6 @@
   <p:clrMapOvr>
     <a:masterClrMapping/>
   </p:clrMapOvr>
-  <p:timing>
-    <p:tnLst>
-      <p:par>
-        <p:cTn id="1" dur="indefinite" restart="never" nodeType="tmRoot"/>
-      </p:par>
-    </p:tnLst>
-  </p:timing>
 </p:sld>
 </file>
 
@@ -7124,7 +9280,7 @@
         <p:spPr/>
         <p:txBody>
           <a:bodyPr>
-            <a:normAutofit fontScale="90000"/>
+            <a:normAutofit/>
           </a:bodyPr>
           <a:lstStyle/>
           <a:p>
@@ -7155,13 +9311,6 @@
                 <a:cs typeface="Times New Roman" pitchFamily="18" charset="0"/>
               </a:rPr>
               <a:t>Motion</a:t>
-            </a:r>
-            <a:r>
-              <a:rPr lang="ru-RU" dirty="0" smtClean="0">
-                <a:latin typeface="Times New Roman" pitchFamily="18" charset="0"/>
-                <a:cs typeface="Times New Roman" pitchFamily="18" charset="0"/>
-              </a:rPr>
-              <a:t> 2.0</a:t>
             </a:r>
             <a:endParaRPr lang="ru-RU" dirty="0">
               <a:latin typeface="Times New Roman" pitchFamily="18" charset="0"/>
@@ -7172,7 +9321,7 @@
       </p:sp>
       <p:pic>
         <p:nvPicPr>
-          <p:cNvPr id="4" name="Содержимое 3" descr="r-motion-image.jpg"/>
+          <p:cNvPr id="4" name="Содержимое 3" descr="https://emanual.robotis.com/assets/images/sw/rplus1/motion/roboplus_motion_002.png"/>
           <p:cNvPicPr>
             <a:picLocks noGrp="1"/>
           </p:cNvPicPr>
@@ -7189,8 +9338,8 @@
         </p:blipFill>
         <p:spPr bwMode="auto">
           <a:xfrm>
-            <a:off x="2926854" y="1773610"/>
-            <a:ext cx="5784142" cy="4249456"/>
+            <a:off x="2710830" y="1773610"/>
+            <a:ext cx="6480720" cy="4392488"/>
           </a:xfrm>
           <a:prstGeom prst="rect">
             <a:avLst/>
@@ -7273,6 +9422,155 @@
         <p:spPr/>
         <p:txBody>
           <a:bodyPr>
+            <a:normAutofit fontScale="90000"/>
+          </a:bodyPr>
+          <a:lstStyle/>
+          <a:p>
+            <a:r>
+              <a:rPr lang="ru-RU" dirty="0" smtClean="0">
+                <a:latin typeface="Times New Roman" pitchFamily="18" charset="0"/>
+                <a:cs typeface="Times New Roman" pitchFamily="18" charset="0"/>
+              </a:rPr>
+              <a:t>Главное окно программы </a:t>
+            </a:r>
+            <a:r>
+              <a:rPr lang="ru-RU" dirty="0" err="1" smtClean="0">
+                <a:latin typeface="Times New Roman" pitchFamily="18" charset="0"/>
+                <a:cs typeface="Times New Roman" pitchFamily="18" charset="0"/>
+              </a:rPr>
+              <a:t>RoboPlus</a:t>
+            </a:r>
+            <a:r>
+              <a:rPr lang="ru-RU" dirty="0" smtClean="0">
+                <a:latin typeface="Times New Roman" pitchFamily="18" charset="0"/>
+                <a:cs typeface="Times New Roman" pitchFamily="18" charset="0"/>
+              </a:rPr>
+              <a:t> </a:t>
+            </a:r>
+            <a:r>
+              <a:rPr lang="ru-RU" dirty="0" err="1" smtClean="0">
+                <a:latin typeface="Times New Roman" pitchFamily="18" charset="0"/>
+                <a:cs typeface="Times New Roman" pitchFamily="18" charset="0"/>
+              </a:rPr>
+              <a:t>Motion</a:t>
+            </a:r>
+            <a:r>
+              <a:rPr lang="ru-RU" dirty="0" smtClean="0">
+                <a:latin typeface="Times New Roman" pitchFamily="18" charset="0"/>
+                <a:cs typeface="Times New Roman" pitchFamily="18" charset="0"/>
+              </a:rPr>
+              <a:t> 2.0</a:t>
+            </a:r>
+            <a:endParaRPr lang="ru-RU" dirty="0">
+              <a:latin typeface="Times New Roman" pitchFamily="18" charset="0"/>
+              <a:cs typeface="Times New Roman" pitchFamily="18" charset="0"/>
+            </a:endParaRPr>
+          </a:p>
+        </p:txBody>
+      </p:sp>
+      <p:pic>
+        <p:nvPicPr>
+          <p:cNvPr id="4" name="Содержимое 3" descr="r-motion-image.jpg"/>
+          <p:cNvPicPr>
+            <a:picLocks noGrp="1"/>
+          </p:cNvPicPr>
+          <p:nvPr>
+            <p:ph idx="1"/>
+          </p:nvPr>
+        </p:nvPicPr>
+        <p:blipFill>
+          <a:blip r:embed="rId2" cstate="print"/>
+          <a:srcRect/>
+          <a:stretch>
+            <a:fillRect/>
+          </a:stretch>
+        </p:blipFill>
+        <p:spPr bwMode="auto">
+          <a:xfrm>
+            <a:off x="2926854" y="1773610"/>
+            <a:ext cx="5784142" cy="4249456"/>
+          </a:xfrm>
+          <a:prstGeom prst="rect">
+            <a:avLst/>
+          </a:prstGeom>
+          <a:noFill/>
+          <a:ln w="9525">
+            <a:noFill/>
+            <a:miter lim="800000"/>
+            <a:headEnd/>
+            <a:tailEnd/>
+          </a:ln>
+        </p:spPr>
+      </p:pic>
+      <p:sp>
+        <p:nvSpPr>
+          <p:cNvPr id="9" name="Номер слайда 8"/>
+          <p:cNvSpPr>
+            <a:spLocks noGrp="1"/>
+          </p:cNvSpPr>
+          <p:nvPr>
+            <p:ph type="sldNum" sz="quarter" idx="12"/>
+          </p:nvPr>
+        </p:nvSpPr>
+        <p:spPr/>
+        <p:txBody>
+          <a:bodyPr/>
+          <a:lstStyle/>
+          <a:p>
+            <a:fld id="{725C68B6-61C2-468F-89AB-4B9F7531AA68}" type="slidenum">
+              <a:rPr lang="ru-RU" smtClean="0"/>
+              <a:pPr/>
+              <a:t>7</a:t>
+            </a:fld>
+            <a:endParaRPr lang="ru-RU"/>
+          </a:p>
+        </p:txBody>
+      </p:sp>
+    </p:spTree>
+  </p:cSld>
+  <p:clrMapOvr>
+    <a:masterClrMapping/>
+  </p:clrMapOvr>
+  <p:timing>
+    <p:tnLst>
+      <p:par>
+        <p:cTn id="1" dur="indefinite" restart="never" nodeType="tmRoot"/>
+      </p:par>
+    </p:tnLst>
+  </p:timing>
+</p:sld>
+</file>
+
+<file path=ppt/slides/slide8.xml><?xml version="1.0" encoding="utf-8"?>
+<p:sld xmlns:a="http://schemas.openxmlformats.org/drawingml/2006/main" xmlns:r="http://schemas.openxmlformats.org/officeDocument/2006/relationships" xmlns:p="http://schemas.openxmlformats.org/presentationml/2006/main">
+  <p:cSld>
+    <p:spTree>
+      <p:nvGrpSpPr>
+        <p:cNvPr id="1" name=""/>
+        <p:cNvGrpSpPr/>
+        <p:nvPr/>
+      </p:nvGrpSpPr>
+      <p:grpSpPr>
+        <a:xfrm>
+          <a:off x="0" y="0"/>
+          <a:ext cx="0" cy="0"/>
+          <a:chOff x="0" y="0"/>
+          <a:chExt cx="0" cy="0"/>
+        </a:xfrm>
+      </p:grpSpPr>
+      <p:sp>
+        <p:nvSpPr>
+          <p:cNvPr id="2" name="Заголовок 1"/>
+          <p:cNvSpPr>
+            <a:spLocks noGrp="1"/>
+          </p:cNvSpPr>
+          <p:nvPr>
+            <p:ph type="title"/>
+          </p:nvPr>
+        </p:nvSpPr>
+        <p:spPr/>
+        <p:txBody>
+          <a:bodyPr>
             <a:normAutofit/>
           </a:bodyPr>
           <a:lstStyle/>
@@ -7371,7 +9669,7 @@
             <a:fld id="{725C68B6-61C2-468F-89AB-4B9F7531AA68}" type="slidenum">
               <a:rPr lang="ru-RU" smtClean="0"/>
               <a:pPr/>
-              <a:t>7</a:t>
+              <a:t>8</a:t>
             </a:fld>
             <a:endParaRPr lang="ru-RU"/>
           </a:p>
@@ -7392,7 +9690,7 @@
 </p:sld>
 </file>
 
-<file path=ppt/slides/slide8.xml><?xml version="1.0" encoding="utf-8"?>
+<file path=ppt/slides/slide9.xml><?xml version="1.0" encoding="utf-8"?>
 <p:sld xmlns:a="http://schemas.openxmlformats.org/drawingml/2006/main" xmlns:r="http://schemas.openxmlformats.org/officeDocument/2006/relationships" xmlns:p="http://schemas.openxmlformats.org/presentationml/2006/main">
   <p:cSld>
     <p:spTree>
@@ -7453,7 +9751,7 @@
             <a:fld id="{725C68B6-61C2-468F-89AB-4B9F7531AA68}" type="slidenum">
               <a:rPr lang="ru-RU" smtClean="0"/>
               <a:pPr/>
-              <a:t>8</a:t>
+              <a:t>9</a:t>
             </a:fld>
             <a:endParaRPr lang="ru-RU"/>
           </a:p>
@@ -7543,123 +9841,6 @@
               <a:latin typeface="Times New Roman" pitchFamily="18" charset="0"/>
               <a:cs typeface="Times New Roman" pitchFamily="18" charset="0"/>
             </a:endParaRPr>
-          </a:p>
-        </p:txBody>
-      </p:sp>
-    </p:spTree>
-  </p:cSld>
-  <p:clrMapOvr>
-    <a:masterClrMapping/>
-  </p:clrMapOvr>
-  <p:timing>
-    <p:tnLst>
-      <p:par>
-        <p:cTn id="1" dur="indefinite" restart="never" nodeType="tmRoot"/>
-      </p:par>
-    </p:tnLst>
-  </p:timing>
-</p:sld>
-</file>
-
-<file path=ppt/slides/slide9.xml><?xml version="1.0" encoding="utf-8"?>
-<p:sld xmlns:a="http://schemas.openxmlformats.org/drawingml/2006/main" xmlns:r="http://schemas.openxmlformats.org/officeDocument/2006/relationships" xmlns:p="http://schemas.openxmlformats.org/presentationml/2006/main">
-  <p:cSld>
-    <p:spTree>
-      <p:nvGrpSpPr>
-        <p:cNvPr id="1" name=""/>
-        <p:cNvGrpSpPr/>
-        <p:nvPr/>
-      </p:nvGrpSpPr>
-      <p:grpSpPr>
-        <a:xfrm>
-          <a:off x="0" y="0"/>
-          <a:ext cx="0" cy="0"/>
-          <a:chOff x="0" y="0"/>
-          <a:chExt cx="0" cy="0"/>
-        </a:xfrm>
-      </p:grpSpPr>
-      <p:pic>
-        <p:nvPicPr>
-          <p:cNvPr id="10" name="Picture 2" descr="C:\1 УЧЕБА\1-Diplom\Схемы\структурная схема.drawio.png"/>
-          <p:cNvPicPr>
-            <a:picLocks noChangeAspect="1" noChangeArrowheads="1"/>
-          </p:cNvPicPr>
-          <p:nvPr/>
-        </p:nvPicPr>
-        <p:blipFill>
-          <a:blip r:embed="rId2" cstate="print"/>
-          <a:srcRect/>
-          <a:stretch>
-            <a:fillRect/>
-          </a:stretch>
-        </p:blipFill>
-        <p:spPr bwMode="auto">
-          <a:xfrm>
-            <a:off x="1630710" y="299887"/>
-            <a:ext cx="10081120" cy="6272227"/>
-          </a:xfrm>
-          <a:prstGeom prst="rect">
-            <a:avLst/>
-          </a:prstGeom>
-          <a:noFill/>
-        </p:spPr>
-      </p:pic>
-      <p:sp>
-        <p:nvSpPr>
-          <p:cNvPr id="11" name="Номер слайда 10"/>
-          <p:cNvSpPr>
-            <a:spLocks noGrp="1"/>
-          </p:cNvSpPr>
-          <p:nvPr>
-            <p:ph type="sldNum" sz="quarter" idx="12"/>
-          </p:nvPr>
-        </p:nvSpPr>
-        <p:spPr/>
-        <p:txBody>
-          <a:bodyPr/>
-          <a:lstStyle/>
-          <a:p>
-            <a:fld id="{725C68B6-61C2-468F-89AB-4B9F7531AA68}" type="slidenum">
-              <a:rPr lang="ru-RU" smtClean="0"/>
-              <a:pPr/>
-              <a:t>9</a:t>
-            </a:fld>
-            <a:endParaRPr lang="ru-RU"/>
-          </a:p>
-        </p:txBody>
-      </p:sp>
-      <p:sp>
-        <p:nvSpPr>
-          <p:cNvPr id="6" name="Заголовок 5"/>
-          <p:cNvSpPr>
-            <a:spLocks noGrp="1"/>
-          </p:cNvSpPr>
-          <p:nvPr>
-            <p:ph type="title"/>
-          </p:nvPr>
-        </p:nvSpPr>
-        <p:spPr>
-          <a:xfrm>
-            <a:off x="550591" y="274702"/>
-            <a:ext cx="4104455" cy="1143265"/>
-          </a:xfrm>
-        </p:spPr>
-        <p:txBody>
-          <a:bodyPr/>
-          <a:lstStyle/>
-          <a:p>
-            <a:pPr rtl="0" eaLnBrk="1" latinLnBrk="0" hangingPunct="1"/>
-            <a:r>
-              <a:rPr lang="ru-RU" sz="2800" kern="1200" dirty="0" smtClean="0">
-                <a:solidFill>
-                  <a:schemeClr val="tx1"/>
-                </a:solidFill>
-                <a:latin typeface="Times New Roman"/>
-                <a:ea typeface="+mn-ea"/>
-                <a:cs typeface="Times New Roman"/>
-              </a:rPr>
-              <a:t>Структурная схема</a:t>
-            </a:r>
           </a:p>
         </p:txBody>
       </p:sp>

--- a/Дипломная Волков.pptx
+++ b/Дипломная Волков.pptx
@@ -5,10 +5,10 @@
     <p:sldMasterId id="2147483648" r:id="rId1"/>
   </p:sldMasterIdLst>
   <p:notesMasterIdLst>
-    <p:notesMasterId r:id="rId22"/>
+    <p:notesMasterId r:id="rId23"/>
   </p:notesMasterIdLst>
   <p:handoutMasterIdLst>
-    <p:handoutMasterId r:id="rId23"/>
+    <p:handoutMasterId r:id="rId24"/>
   </p:handoutMasterIdLst>
   <p:sldIdLst>
     <p:sldId id="266" r:id="rId2"/>
@@ -24,13 +24,14 @@
     <p:sldId id="270" r:id="rId12"/>
     <p:sldId id="271" r:id="rId13"/>
     <p:sldId id="280" r:id="rId14"/>
-    <p:sldId id="274" r:id="rId15"/>
-    <p:sldId id="281" r:id="rId16"/>
-    <p:sldId id="275" r:id="rId17"/>
-    <p:sldId id="276" r:id="rId18"/>
-    <p:sldId id="277" r:id="rId19"/>
-    <p:sldId id="278" r:id="rId20"/>
-    <p:sldId id="279" r:id="rId21"/>
+    <p:sldId id="283" r:id="rId15"/>
+    <p:sldId id="274" r:id="rId16"/>
+    <p:sldId id="281" r:id="rId17"/>
+    <p:sldId id="275" r:id="rId18"/>
+    <p:sldId id="276" r:id="rId19"/>
+    <p:sldId id="277" r:id="rId20"/>
+    <p:sldId id="278" r:id="rId21"/>
+    <p:sldId id="279" r:id="rId22"/>
   </p:sldIdLst>
   <p:sldSz cx="12190413" cy="6859588"/>
   <p:notesSz cx="6858000" cy="9144000"/>
@@ -215,7 +216,7 @@
             <a:fld id="{5F4C3E1F-8F02-4B6E-BE01-AE811F44C78A}" type="datetimeFigureOut">
               <a:rPr lang="ru-RU" smtClean="0"/>
               <a:pPr/>
-              <a:t>02.06.2023</a:t>
+              <a:t>03.06.2023</a:t>
             </a:fld>
             <a:endParaRPr lang="ru-RU"/>
           </a:p>
@@ -377,7 +378,7 @@
             <a:fld id="{2B77361B-FA97-4712-A320-857CD6874498}" type="datetimeFigureOut">
               <a:rPr lang="ru-RU" smtClean="0"/>
               <a:pPr/>
-              <a:t>02.06.2023</a:t>
+              <a:t>03.06.2023</a:t>
             </a:fld>
             <a:endParaRPr lang="ru-RU"/>
           </a:p>
@@ -916,7 +917,7 @@
             <a:fld id="{08E963AB-DA15-4F20-9439-9C6B02505CC9}" type="slidenum">
               <a:rPr lang="ru-RU" smtClean="0"/>
               <a:pPr/>
-              <a:t>15</a:t>
+              <a:t>16</a:t>
             </a:fld>
             <a:endParaRPr lang="ru-RU"/>
           </a:p>
@@ -1038,7 +1039,7 @@
             <a:fld id="{08E963AB-DA15-4F20-9439-9C6B02505CC9}" type="slidenum">
               <a:rPr lang="ru-RU" smtClean="0"/>
               <a:pPr/>
-              <a:t>16</a:t>
+              <a:t>17</a:t>
             </a:fld>
             <a:endParaRPr lang="ru-RU"/>
           </a:p>
@@ -1234,7 +1235,7 @@
             <a:fld id="{48796433-FCAE-4265-BEE5-7FFD7A6D00EA}" type="datetime1">
               <a:rPr lang="ru-RU" smtClean="0"/>
               <a:pPr/>
-              <a:t>02.06.2023</a:t>
+              <a:t>03.06.2023</a:t>
             </a:fld>
             <a:endParaRPr lang="ru-RU"/>
           </a:p>
@@ -1401,7 +1402,7 @@
             <a:fld id="{825BD699-2E58-4557-8CF0-BBBBC09C198E}" type="datetime1">
               <a:rPr lang="ru-RU" smtClean="0"/>
               <a:pPr/>
-              <a:t>02.06.2023</a:t>
+              <a:t>03.06.2023</a:t>
             </a:fld>
             <a:endParaRPr lang="ru-RU"/>
           </a:p>
@@ -1578,7 +1579,7 @@
             <a:fld id="{A4FC9FCA-275F-46B7-8856-C2015763651D}" type="datetime1">
               <a:rPr lang="ru-RU" smtClean="0"/>
               <a:pPr/>
-              <a:t>02.06.2023</a:t>
+              <a:t>03.06.2023</a:t>
             </a:fld>
             <a:endParaRPr lang="ru-RU"/>
           </a:p>
@@ -1745,7 +1746,7 @@
             <a:fld id="{328E49B8-C74E-4DA9-B638-56B3C27B037C}" type="datetime1">
               <a:rPr lang="ru-RU" smtClean="0"/>
               <a:pPr/>
-              <a:t>02.06.2023</a:t>
+              <a:t>03.06.2023</a:t>
             </a:fld>
             <a:endParaRPr lang="ru-RU"/>
           </a:p>
@@ -1988,7 +1989,7 @@
             <a:fld id="{BBD9AC8D-70D0-4530-9017-FF1075ECEE87}" type="datetime1">
               <a:rPr lang="ru-RU" smtClean="0"/>
               <a:pPr/>
-              <a:t>02.06.2023</a:t>
+              <a:t>03.06.2023</a:t>
             </a:fld>
             <a:endParaRPr lang="ru-RU"/>
           </a:p>
@@ -2273,7 +2274,7 @@
             <a:fld id="{D811626C-1939-40C4-B96A-3F88897B7B00}" type="datetime1">
               <a:rPr lang="ru-RU" smtClean="0"/>
               <a:pPr/>
-              <a:t>02.06.2023</a:t>
+              <a:t>03.06.2023</a:t>
             </a:fld>
             <a:endParaRPr lang="ru-RU"/>
           </a:p>
@@ -2692,7 +2693,7 @@
             <a:fld id="{0D2161AD-3CA8-44FA-A474-6FF071CE1BE8}" type="datetime1">
               <a:rPr lang="ru-RU" smtClean="0"/>
               <a:pPr/>
-              <a:t>02.06.2023</a:t>
+              <a:t>03.06.2023</a:t>
             </a:fld>
             <a:endParaRPr lang="ru-RU"/>
           </a:p>
@@ -2807,7 +2808,7 @@
             <a:fld id="{FA001328-CF1D-47CB-B4FB-322C929C9BF4}" type="datetime1">
               <a:rPr lang="ru-RU" smtClean="0"/>
               <a:pPr/>
-              <a:t>02.06.2023</a:t>
+              <a:t>03.06.2023</a:t>
             </a:fld>
             <a:endParaRPr lang="ru-RU"/>
           </a:p>
@@ -2899,7 +2900,7 @@
             <a:fld id="{6133CAA4-9EBA-4C88-9AA7-318504631F39}" type="datetime1">
               <a:rPr lang="ru-RU" smtClean="0"/>
               <a:pPr/>
-              <a:t>02.06.2023</a:t>
+              <a:t>03.06.2023</a:t>
             </a:fld>
             <a:endParaRPr lang="ru-RU"/>
           </a:p>
@@ -3173,7 +3174,7 @@
             <a:fld id="{86AF6C1F-1A91-4256-8CA8-3B2EF3FEFB97}" type="datetime1">
               <a:rPr lang="ru-RU" smtClean="0"/>
               <a:pPr/>
-              <a:t>02.06.2023</a:t>
+              <a:t>03.06.2023</a:t>
             </a:fld>
             <a:endParaRPr lang="ru-RU"/>
           </a:p>
@@ -3423,7 +3424,7 @@
             <a:fld id="{3688C4C4-BCF1-4EB0-8AC7-16A5F3A7BC9B}" type="datetime1">
               <a:rPr lang="ru-RU" smtClean="0"/>
               <a:pPr/>
-              <a:t>02.06.2023</a:t>
+              <a:t>03.06.2023</a:t>
             </a:fld>
             <a:endParaRPr lang="ru-RU"/>
           </a:p>
@@ -3633,7 +3634,7 @@
             <a:fld id="{44FE96CB-CF72-4671-B5E2-123AB3CA4369}" type="datetime1">
               <a:rPr lang="ru-RU" smtClean="0"/>
               <a:pPr/>
-              <a:t>02.06.2023</a:t>
+              <a:t>03.06.2023</a:t>
             </a:fld>
             <a:endParaRPr lang="ru-RU"/>
           </a:p>
@@ -4010,7 +4011,7 @@
           <p:cNvPr id="10" name="Заголовок 1">
             <a:extLst>
               <a:ext uri="{FF2B5EF4-FFF2-40B4-BE49-F238E27FC236}">
-                <a16:creationId xmlns:a16="http://schemas.microsoft.com/office/drawing/2014/main" xmlns="" id="{01503706-744B-410E-9B65-8610A72CF07B}"/>
+                <a16:creationId xmlns="" xmlns:a16="http://schemas.microsoft.com/office/drawing/2014/main" id="{01503706-744B-410E-9B65-8610A72CF07B}"/>
               </a:ext>
             </a:extLst>
           </p:cNvPr>
@@ -4132,7 +4133,7 @@
           <p:cNvPr id="11" name="Text 1">
             <a:extLst>
               <a:ext uri="{FF2B5EF4-FFF2-40B4-BE49-F238E27FC236}">
-                <a16:creationId xmlns:a16="http://schemas.microsoft.com/office/drawing/2014/main" xmlns="" id="{72037010-A9D9-49AF-A594-5EF9D266FCEE}"/>
+                <a16:creationId xmlns="" xmlns:a16="http://schemas.microsoft.com/office/drawing/2014/main" id="{72037010-A9D9-49AF-A594-5EF9D266FCEE}"/>
               </a:ext>
             </a:extLst>
           </p:cNvPr>
@@ -4220,7 +4221,7 @@
           <p:cNvPr id="12" name="Text 2">
             <a:extLst>
               <a:ext uri="{FF2B5EF4-FFF2-40B4-BE49-F238E27FC236}">
-                <a16:creationId xmlns:a16="http://schemas.microsoft.com/office/drawing/2014/main" xmlns="" id="{B0971291-6D9C-47F2-A6FD-1EC86B60B829}"/>
+                <a16:creationId xmlns="" xmlns:a16="http://schemas.microsoft.com/office/drawing/2014/main" id="{B0971291-6D9C-47F2-A6FD-1EC86B60B829}"/>
               </a:ext>
             </a:extLst>
           </p:cNvPr>
@@ -4296,7 +4297,7 @@
           <p:cNvPr id="13" name="Text 3">
             <a:extLst>
               <a:ext uri="{FF2B5EF4-FFF2-40B4-BE49-F238E27FC236}">
-                <a16:creationId xmlns:a16="http://schemas.microsoft.com/office/drawing/2014/main" xmlns="" id="{538F249A-B0DE-403E-AFB7-2D456552B392}"/>
+                <a16:creationId xmlns="" xmlns:a16="http://schemas.microsoft.com/office/drawing/2014/main" id="{538F249A-B0DE-403E-AFB7-2D456552B392}"/>
               </a:ext>
             </a:extLst>
           </p:cNvPr>
@@ -4621,8 +4622,38 @@
                 <a:ea typeface="+mn-ea"/>
                 <a:cs typeface="Times New Roman"/>
               </a:rPr>
-              <a:t>Диаграмма деятельности</a:t>
-            </a:r>
+              <a:t>Диаграмма </a:t>
+            </a:r>
+            <a:r>
+              <a:rPr lang="ru-RU" sz="2800" kern="1200" dirty="0" smtClean="0">
+                <a:solidFill>
+                  <a:schemeClr val="tx1"/>
+                </a:solidFill>
+                <a:latin typeface="Times New Roman"/>
+                <a:ea typeface="+mn-ea"/>
+                <a:cs typeface="Times New Roman"/>
+              </a:rPr>
+              <a:t>деятельности программы </a:t>
+            </a:r>
+            <a:r>
+              <a:rPr lang="en-US" sz="2800" kern="1200" dirty="0" err="1" smtClean="0">
+                <a:solidFill>
+                  <a:schemeClr val="tx1"/>
+                </a:solidFill>
+                <a:latin typeface="Times New Roman"/>
+                <a:ea typeface="+mn-ea"/>
+                <a:cs typeface="Times New Roman"/>
+              </a:rPr>
+              <a:t>RobotController</a:t>
+            </a:r>
+            <a:endParaRPr lang="ru-RU" sz="2800" kern="1200" dirty="0" smtClean="0">
+              <a:solidFill>
+                <a:schemeClr val="tx1"/>
+              </a:solidFill>
+              <a:latin typeface="Times New Roman"/>
+              <a:ea typeface="+mn-ea"/>
+              <a:cs typeface="Times New Roman"/>
+            </a:endParaRPr>
           </a:p>
         </p:txBody>
       </p:sp>
@@ -4904,6 +4935,152 @@
       </p:grpSpPr>
       <p:sp>
         <p:nvSpPr>
+          <p:cNvPr id="4" name="Номер слайда 3"/>
+          <p:cNvSpPr>
+            <a:spLocks noGrp="1"/>
+          </p:cNvSpPr>
+          <p:nvPr>
+            <p:ph type="sldNum" sz="quarter" idx="12"/>
+          </p:nvPr>
+        </p:nvSpPr>
+        <p:spPr/>
+        <p:txBody>
+          <a:bodyPr/>
+          <a:lstStyle/>
+          <a:p>
+            <a:fld id="{725C68B6-61C2-468F-89AB-4B9F7531AA68}" type="slidenum">
+              <a:rPr lang="ru-RU" smtClean="0"/>
+              <a:pPr/>
+              <a:t>14</a:t>
+            </a:fld>
+            <a:endParaRPr lang="ru-RU"/>
+          </a:p>
+        </p:txBody>
+      </p:sp>
+      <p:sp>
+        <p:nvSpPr>
+          <p:cNvPr id="5" name="Заголовок 15"/>
+          <p:cNvSpPr>
+            <a:spLocks noGrp="1"/>
+          </p:cNvSpPr>
+          <p:nvPr>
+            <p:ph type="title"/>
+          </p:nvPr>
+        </p:nvSpPr>
+        <p:spPr>
+          <a:xfrm>
+            <a:off x="550590" y="189434"/>
+            <a:ext cx="10971372" cy="576064"/>
+          </a:xfrm>
+        </p:spPr>
+        <p:txBody>
+          <a:bodyPr>
+            <a:normAutofit/>
+          </a:bodyPr>
+          <a:lstStyle/>
+          <a:p>
+            <a:r>
+              <a:rPr lang="ru-RU" sz="2800" kern="1200" dirty="0" smtClean="0">
+                <a:solidFill>
+                  <a:schemeClr val="tx1"/>
+                </a:solidFill>
+                <a:latin typeface="Times New Roman"/>
+                <a:ea typeface="+mn-ea"/>
+                <a:cs typeface="Times New Roman"/>
+              </a:rPr>
+              <a:t>Диаграмма </a:t>
+            </a:r>
+            <a:r>
+              <a:rPr lang="ru-RU" sz="2800" kern="1200" dirty="0" smtClean="0">
+                <a:solidFill>
+                  <a:schemeClr val="tx1"/>
+                </a:solidFill>
+                <a:latin typeface="Times New Roman"/>
+                <a:ea typeface="+mn-ea"/>
+                <a:cs typeface="Times New Roman"/>
+              </a:rPr>
+              <a:t>деятельности </a:t>
+            </a:r>
+            <a:r>
+              <a:rPr lang="ru-RU" sz="2800" dirty="0" smtClean="0">
+                <a:latin typeface="Times New Roman"/>
+                <a:ea typeface="+mn-ea"/>
+                <a:cs typeface="Times New Roman"/>
+              </a:rPr>
+              <a:t>программы микроконтроллера </a:t>
+            </a:r>
+            <a:r>
+              <a:rPr lang="en-US" sz="2800" dirty="0" err="1" smtClean="0">
+                <a:latin typeface="Times New Roman"/>
+                <a:ea typeface="+mn-ea"/>
+                <a:cs typeface="Times New Roman"/>
+              </a:rPr>
+              <a:t>Arduino</a:t>
+            </a:r>
+            <a:endParaRPr lang="ru-RU" sz="2800" kern="1200" dirty="0" smtClean="0">
+              <a:solidFill>
+                <a:schemeClr val="tx1"/>
+              </a:solidFill>
+              <a:latin typeface="Times New Roman"/>
+              <a:ea typeface="+mn-ea"/>
+              <a:cs typeface="Times New Roman"/>
+            </a:endParaRPr>
+          </a:p>
+        </p:txBody>
+      </p:sp>
+      <p:pic>
+        <p:nvPicPr>
+          <p:cNvPr id="2050" name="Picture 2" descr="C:\1 УЧЕБА\1-Diplom\Схемы\Диаграмма деятельности ардуино.drawio.png"/>
+          <p:cNvPicPr>
+            <a:picLocks noChangeAspect="1" noChangeArrowheads="1"/>
+          </p:cNvPicPr>
+          <p:nvPr/>
+        </p:nvPicPr>
+        <p:blipFill>
+          <a:blip r:embed="rId2" cstate="print"/>
+          <a:srcRect/>
+          <a:stretch>
+            <a:fillRect/>
+          </a:stretch>
+        </p:blipFill>
+        <p:spPr bwMode="auto">
+          <a:xfrm>
+            <a:off x="1342678" y="909514"/>
+            <a:ext cx="9918700" cy="5581650"/>
+          </a:xfrm>
+          <a:prstGeom prst="rect">
+            <a:avLst/>
+          </a:prstGeom>
+          <a:noFill/>
+        </p:spPr>
+      </p:pic>
+    </p:spTree>
+  </p:cSld>
+  <p:clrMapOvr>
+    <a:masterClrMapping/>
+  </p:clrMapOvr>
+</p:sld>
+</file>
+
+<file path=ppt/slides/slide15.xml><?xml version="1.0" encoding="utf-8"?>
+<p:sld xmlns:a="http://schemas.openxmlformats.org/drawingml/2006/main" xmlns:r="http://schemas.openxmlformats.org/officeDocument/2006/relationships" xmlns:p="http://schemas.openxmlformats.org/presentationml/2006/main">
+  <p:cSld>
+    <p:spTree>
+      <p:nvGrpSpPr>
+        <p:cNvPr id="1" name=""/>
+        <p:cNvGrpSpPr/>
+        <p:nvPr/>
+      </p:nvGrpSpPr>
+      <p:grpSpPr>
+        <a:xfrm>
+          <a:off x="0" y="0"/>
+          <a:ext cx="0" cy="0"/>
+          <a:chOff x="0" y="0"/>
+          <a:chExt cx="0" cy="0"/>
+        </a:xfrm>
+      </p:grpSpPr>
+      <p:sp>
+        <p:nvSpPr>
           <p:cNvPr id="2" name="Заголовок 1"/>
           <p:cNvSpPr>
             <a:spLocks noGrp="1"/>
@@ -5062,7 +5239,7 @@
             <a:fld id="{725C68B6-61C2-468F-89AB-4B9F7531AA68}" type="slidenum">
               <a:rPr lang="ru-RU" smtClean="0"/>
               <a:pPr/>
-              <a:t>14</a:t>
+              <a:t>15</a:t>
             </a:fld>
             <a:endParaRPr lang="ru-RU"/>
           </a:p>
@@ -5116,7 +5293,7 @@
 </p:sld>
 </file>
 
-<file path=ppt/slides/slide15.xml><?xml version="1.0" encoding="utf-8"?>
+<file path=ppt/slides/slide16.xml><?xml version="1.0" encoding="utf-8"?>
 <p:sld xmlns:a="http://schemas.openxmlformats.org/drawingml/2006/main" xmlns:r="http://schemas.openxmlformats.org/officeDocument/2006/relationships" xmlns:p="http://schemas.openxmlformats.org/presentationml/2006/main">
   <p:cSld>
     <p:spTree>
@@ -5151,7 +5328,7 @@
             <a:fld id="{725C68B6-61C2-468F-89AB-4B9F7531AA68}" type="slidenum">
               <a:rPr lang="ru-RU" smtClean="0"/>
               <a:pPr/>
-              <a:t>15</a:t>
+              <a:t>16</a:t>
             </a:fld>
             <a:endParaRPr lang="ru-RU"/>
           </a:p>
@@ -5251,7 +5428,7 @@
 </p:sld>
 </file>
 
-<file path=ppt/slides/slide16.xml><?xml version="1.0" encoding="utf-8"?>
+<file path=ppt/slides/slide17.xml><?xml version="1.0" encoding="utf-8"?>
 <p:sld xmlns:a="http://schemas.openxmlformats.org/drawingml/2006/main" xmlns:r="http://schemas.openxmlformats.org/officeDocument/2006/relationships" xmlns:p="http://schemas.openxmlformats.org/presentationml/2006/main">
   <p:cSld>
     <p:spTree>
@@ -5286,7 +5463,7 @@
             <a:fld id="{725C68B6-61C2-468F-89AB-4B9F7531AA68}" type="slidenum">
               <a:rPr lang="ru-RU" smtClean="0"/>
               <a:pPr/>
-              <a:t>16</a:t>
+              <a:t>17</a:t>
             </a:fld>
             <a:endParaRPr lang="ru-RU"/>
           </a:p>
@@ -5393,7 +5570,7 @@
 </p:sld>
 </file>
 
-<file path=ppt/slides/slide17.xml><?xml version="1.0" encoding="utf-8"?>
+<file path=ppt/slides/slide18.xml><?xml version="1.0" encoding="utf-8"?>
 <p:sld xmlns:a="http://schemas.openxmlformats.org/drawingml/2006/main" xmlns:r="http://schemas.openxmlformats.org/officeDocument/2006/relationships" xmlns:p="http://schemas.openxmlformats.org/presentationml/2006/main">
   <p:cSld>
     <p:spTree>
@@ -5461,7 +5638,7 @@
             <a:fld id="{725C68B6-61C2-468F-89AB-4B9F7531AA68}" type="slidenum">
               <a:rPr lang="ru-RU" smtClean="0"/>
               <a:pPr/>
-              <a:t>17</a:t>
+              <a:t>18</a:t>
             </a:fld>
             <a:endParaRPr lang="ru-RU"/>
           </a:p>
@@ -5517,227 +5694,6 @@
               <a:latin typeface="Times New Roman" pitchFamily="18" charset="0"/>
               <a:cs typeface="Times New Roman" pitchFamily="18" charset="0"/>
             </a:endParaRPr>
-          </a:p>
-        </p:txBody>
-      </p:sp>
-    </p:spTree>
-  </p:cSld>
-  <p:clrMapOvr>
-    <a:masterClrMapping/>
-  </p:clrMapOvr>
-  <p:timing>
-    <p:tnLst>
-      <p:par>
-        <p:cTn id="1" dur="indefinite" restart="never" nodeType="tmRoot"/>
-      </p:par>
-    </p:tnLst>
-  </p:timing>
-</p:sld>
-</file>
-
-<file path=ppt/slides/slide18.xml><?xml version="1.0" encoding="utf-8"?>
-<p:sld xmlns:a="http://schemas.openxmlformats.org/drawingml/2006/main" xmlns:r="http://schemas.openxmlformats.org/officeDocument/2006/relationships" xmlns:p="http://schemas.openxmlformats.org/presentationml/2006/main">
-  <p:cSld>
-    <p:spTree>
-      <p:nvGrpSpPr>
-        <p:cNvPr id="1" name=""/>
-        <p:cNvGrpSpPr/>
-        <p:nvPr/>
-      </p:nvGrpSpPr>
-      <p:grpSpPr>
-        <a:xfrm>
-          <a:off x="0" y="0"/>
-          <a:ext cx="0" cy="0"/>
-          <a:chOff x="0" y="0"/>
-          <a:chExt cx="0" cy="0"/>
-        </a:xfrm>
-      </p:grpSpPr>
-      <p:sp>
-        <p:nvSpPr>
-          <p:cNvPr id="2" name="Заголовок 1"/>
-          <p:cNvSpPr>
-            <a:spLocks noGrp="1"/>
-          </p:cNvSpPr>
-          <p:nvPr>
-            <p:ph type="title"/>
-          </p:nvPr>
-        </p:nvSpPr>
-        <p:spPr/>
-        <p:txBody>
-          <a:bodyPr/>
-          <a:lstStyle/>
-          <a:p>
-            <a:r>
-              <a:rPr lang="ru-RU" dirty="0" smtClean="0">
-                <a:latin typeface="Times New Roman" pitchFamily="18" charset="0"/>
-                <a:cs typeface="Times New Roman" pitchFamily="18" charset="0"/>
-              </a:rPr>
-              <a:t>Выводы по работе</a:t>
-            </a:r>
-            <a:endParaRPr lang="ru-RU" dirty="0">
-              <a:latin typeface="Times New Roman" pitchFamily="18" charset="0"/>
-              <a:cs typeface="Times New Roman" pitchFamily="18" charset="0"/>
-            </a:endParaRPr>
-          </a:p>
-        </p:txBody>
-      </p:sp>
-      <p:sp>
-        <p:nvSpPr>
-          <p:cNvPr id="3" name="Содержимое 2"/>
-          <p:cNvSpPr>
-            <a:spLocks noGrp="1"/>
-          </p:cNvSpPr>
-          <p:nvPr>
-            <p:ph idx="1"/>
-          </p:nvPr>
-        </p:nvSpPr>
-        <p:spPr/>
-        <p:txBody>
-          <a:bodyPr>
-            <a:normAutofit/>
-          </a:bodyPr>
-          <a:lstStyle/>
-          <a:p>
-            <a:pPr algn="just">
-              <a:lnSpc>
-                <a:spcPct val="150000"/>
-              </a:lnSpc>
-              <a:buFont typeface="Times New Roman" panose="02020603050405020304" pitchFamily="18" charset="0"/>
-              <a:buChar char="‒"/>
-              <a:tabLst>
-                <a:tab pos="719455" algn="l"/>
-              </a:tabLst>
-            </a:pPr>
-            <a:r>
-              <a:rPr lang="ru-RU" sz="2400" dirty="0" smtClean="0">
-                <a:latin typeface="Times New Roman" panose="02020603050405020304" pitchFamily="18" charset="0"/>
-                <a:ea typeface="Noto Serif CJK SC"/>
-                <a:cs typeface="Droid Sans Devanagari"/>
-              </a:rPr>
-              <a:t>Разработанный модуль передачи данных работает стабильно.</a:t>
-            </a:r>
-          </a:p>
-          <a:p>
-            <a:pPr algn="just">
-              <a:lnSpc>
-                <a:spcPct val="150000"/>
-              </a:lnSpc>
-              <a:buFont typeface="Times New Roman" panose="02020603050405020304" pitchFamily="18" charset="0"/>
-              <a:buChar char="‒"/>
-              <a:tabLst>
-                <a:tab pos="719455" algn="l"/>
-              </a:tabLst>
-            </a:pPr>
-            <a:r>
-              <a:rPr lang="ru-RU" sz="2400" dirty="0" smtClean="0">
-                <a:latin typeface="Times New Roman" panose="02020603050405020304" pitchFamily="18" charset="0"/>
-                <a:ea typeface="Noto Serif CJK SC"/>
-                <a:cs typeface="Droid Sans Devanagari"/>
-              </a:rPr>
-              <a:t>Модуль поворотов сервоприводов плавно переводит сервоприводы из одного положения в другое. </a:t>
-            </a:r>
-          </a:p>
-          <a:p>
-            <a:pPr algn="just">
-              <a:lnSpc>
-                <a:spcPct val="150000"/>
-              </a:lnSpc>
-              <a:buFont typeface="Times New Roman" panose="02020603050405020304" pitchFamily="18" charset="0"/>
-              <a:buChar char="‒"/>
-              <a:tabLst>
-                <a:tab pos="719455" algn="l"/>
-              </a:tabLst>
-            </a:pPr>
-            <a:r>
-              <a:rPr lang="ru-RU" sz="2400" dirty="0" smtClean="0">
-                <a:latin typeface="Times New Roman" panose="02020603050405020304" pitchFamily="18" charset="0"/>
-                <a:ea typeface="Noto Serif CJK SC"/>
-                <a:cs typeface="Droid Sans Devanagari"/>
-              </a:rPr>
-              <a:t>Модуль работы с файлами, хранящими позиции сервоприводов упрощает перенос массива положений робота в программу для </a:t>
-            </a:r>
-            <a:r>
-              <a:rPr lang="en-US" sz="2400" dirty="0" err="1" smtClean="0">
-                <a:latin typeface="Times New Roman" panose="02020603050405020304" pitchFamily="18" charset="0"/>
-                <a:ea typeface="Noto Serif CJK SC"/>
-                <a:cs typeface="Droid Sans Devanagari"/>
-              </a:rPr>
-              <a:t>Arduino</a:t>
-            </a:r>
-            <a:r>
-              <a:rPr lang="en-US" sz="2400" dirty="0" smtClean="0">
-                <a:latin typeface="Times New Roman" panose="02020603050405020304" pitchFamily="18" charset="0"/>
-                <a:ea typeface="Noto Serif CJK SC"/>
-                <a:cs typeface="Droid Sans Devanagari"/>
-              </a:rPr>
-              <a:t>.</a:t>
-            </a:r>
-            <a:endParaRPr lang="ru-RU" sz="2400" dirty="0" smtClean="0">
-              <a:latin typeface="Times New Roman" panose="02020603050405020304" pitchFamily="18" charset="0"/>
-              <a:ea typeface="Noto Serif CJK SC"/>
-              <a:cs typeface="Droid Sans Devanagari"/>
-            </a:endParaRPr>
-          </a:p>
-          <a:p>
-            <a:pPr algn="just">
-              <a:lnSpc>
-                <a:spcPct val="150000"/>
-              </a:lnSpc>
-              <a:buFont typeface="Times New Roman" panose="02020603050405020304" pitchFamily="18" charset="0"/>
-              <a:buChar char="‒"/>
-              <a:tabLst>
-                <a:tab pos="719455" algn="l"/>
-              </a:tabLst>
-            </a:pPr>
-            <a:r>
-              <a:rPr lang="ru-RU" sz="2400" dirty="0" smtClean="0">
-                <a:latin typeface="Times New Roman" panose="02020603050405020304" pitchFamily="18" charset="0"/>
-                <a:ea typeface="Noto Serif CJK SC"/>
-                <a:cs typeface="Droid Sans Devanagari"/>
-              </a:rPr>
-              <a:t>Программа для микроконтроллера </a:t>
-            </a:r>
-            <a:r>
-              <a:rPr lang="ru-RU" sz="2400" dirty="0" err="1" smtClean="0">
-                <a:latin typeface="Times New Roman" panose="02020603050405020304" pitchFamily="18" charset="0"/>
-                <a:ea typeface="Noto Serif CJK SC"/>
-                <a:cs typeface="Droid Sans Devanagari"/>
-              </a:rPr>
-              <a:t>Arduino</a:t>
-            </a:r>
-            <a:r>
-              <a:rPr lang="ru-RU" sz="2400" dirty="0" smtClean="0">
-                <a:latin typeface="Times New Roman" panose="02020603050405020304" pitchFamily="18" charset="0"/>
-                <a:ea typeface="Noto Serif CJK SC"/>
-                <a:cs typeface="Droid Sans Devanagari"/>
-              </a:rPr>
-              <a:t> получилась компактной и защищённой от случайных значений с компьютера.</a:t>
-            </a:r>
-            <a:endParaRPr lang="en-US" sz="2400" dirty="0" smtClean="0"/>
-          </a:p>
-        </p:txBody>
-      </p:sp>
-      <p:sp>
-        <p:nvSpPr>
-          <p:cNvPr id="8" name="Номер слайда 7"/>
-          <p:cNvSpPr>
-            <a:spLocks noGrp="1"/>
-          </p:cNvSpPr>
-          <p:nvPr>
-            <p:ph type="sldNum" sz="quarter" idx="12"/>
-          </p:nvPr>
-        </p:nvSpPr>
-        <p:spPr/>
-        <p:txBody>
-          <a:bodyPr/>
-          <a:lstStyle/>
-          <a:p>
-            <a:fld id="{725C68B6-61C2-468F-89AB-4B9F7531AA68}" type="slidenum">
-              <a:rPr lang="ru-RU" smtClean="0"/>
-              <a:pPr/>
-              <a:t>18</a:t>
-            </a:fld>
-            <a:endParaRPr lang="ru-RU"/>
           </a:p>
         </p:txBody>
       </p:sp>
@@ -5783,12 +5739,7 @@
             <p:ph type="title"/>
           </p:nvPr>
         </p:nvSpPr>
-        <p:spPr>
-          <a:xfrm>
-            <a:off x="609521" y="274702"/>
-            <a:ext cx="10971372" cy="5963404"/>
-          </a:xfrm>
-        </p:spPr>
+        <p:spPr/>
         <p:txBody>
           <a:bodyPr/>
           <a:lstStyle/>
@@ -5798,7 +5749,7 @@
                 <a:latin typeface="Times New Roman" pitchFamily="18" charset="0"/>
                 <a:cs typeface="Times New Roman" pitchFamily="18" charset="0"/>
               </a:rPr>
-              <a:t>Спасибо за внимание</a:t>
+              <a:t>Выводы по работе</a:t>
             </a:r>
             <a:endParaRPr lang="ru-RU" dirty="0">
               <a:latin typeface="Times New Roman" pitchFamily="18" charset="0"/>
@@ -5809,7 +5760,143 @@
       </p:sp>
       <p:sp>
         <p:nvSpPr>
-          <p:cNvPr id="4" name="Номер слайда 3"/>
+          <p:cNvPr id="3" name="Содержимое 2"/>
+          <p:cNvSpPr>
+            <a:spLocks noGrp="1"/>
+          </p:cNvSpPr>
+          <p:nvPr>
+            <p:ph idx="1"/>
+          </p:nvPr>
+        </p:nvSpPr>
+        <p:spPr/>
+        <p:txBody>
+          <a:bodyPr>
+            <a:normAutofit/>
+          </a:bodyPr>
+          <a:lstStyle/>
+          <a:p>
+            <a:pPr algn="just">
+              <a:lnSpc>
+                <a:spcPct val="150000"/>
+              </a:lnSpc>
+              <a:buFont typeface="Times New Roman" panose="02020603050405020304" pitchFamily="18" charset="0"/>
+              <a:buChar char="‒"/>
+              <a:tabLst>
+                <a:tab pos="719455" algn="l"/>
+              </a:tabLst>
+            </a:pPr>
+            <a:r>
+              <a:rPr lang="ru-RU" sz="2400" dirty="0" smtClean="0">
+                <a:latin typeface="Times New Roman" panose="02020603050405020304" pitchFamily="18" charset="0"/>
+                <a:ea typeface="Noto Serif CJK SC"/>
+                <a:cs typeface="Droid Sans Devanagari"/>
+              </a:rPr>
+              <a:t>Разработанный модуль передачи данных работает стабильно.</a:t>
+            </a:r>
+          </a:p>
+          <a:p>
+            <a:pPr algn="just">
+              <a:lnSpc>
+                <a:spcPct val="150000"/>
+              </a:lnSpc>
+              <a:buFont typeface="Times New Roman" panose="02020603050405020304" pitchFamily="18" charset="0"/>
+              <a:buChar char="‒"/>
+              <a:tabLst>
+                <a:tab pos="719455" algn="l"/>
+              </a:tabLst>
+            </a:pPr>
+            <a:r>
+              <a:rPr lang="ru-RU" sz="2400" dirty="0" smtClean="0">
+                <a:latin typeface="Times New Roman" panose="02020603050405020304" pitchFamily="18" charset="0"/>
+                <a:ea typeface="Noto Serif CJK SC"/>
+                <a:cs typeface="Droid Sans Devanagari"/>
+              </a:rPr>
+              <a:t>Модуль поворотов сервоприводов плавно переводит сервоприводы из одного положения в другое. </a:t>
+            </a:r>
+          </a:p>
+          <a:p>
+            <a:pPr algn="just">
+              <a:lnSpc>
+                <a:spcPct val="150000"/>
+              </a:lnSpc>
+              <a:buFont typeface="Times New Roman" panose="02020603050405020304" pitchFamily="18" charset="0"/>
+              <a:buChar char="‒"/>
+              <a:tabLst>
+                <a:tab pos="719455" algn="l"/>
+              </a:tabLst>
+            </a:pPr>
+            <a:r>
+              <a:rPr lang="ru-RU" sz="2400" dirty="0" smtClean="0">
+                <a:latin typeface="Times New Roman" panose="02020603050405020304" pitchFamily="18" charset="0"/>
+                <a:ea typeface="Noto Serif CJK SC"/>
+                <a:cs typeface="Droid Sans Devanagari"/>
+              </a:rPr>
+              <a:t>Модуль работы с файлами, хранящими позиции сервоприводов упрощает перенос массива положений робота в программу для </a:t>
+            </a:r>
+            <a:r>
+              <a:rPr lang="en-US" sz="2400" dirty="0" err="1" smtClean="0">
+                <a:latin typeface="Times New Roman" panose="02020603050405020304" pitchFamily="18" charset="0"/>
+                <a:ea typeface="Noto Serif CJK SC"/>
+                <a:cs typeface="Droid Sans Devanagari"/>
+              </a:rPr>
+              <a:t>Arduino</a:t>
+            </a:r>
+            <a:r>
+              <a:rPr lang="en-US" sz="2400" dirty="0" smtClean="0">
+                <a:latin typeface="Times New Roman" panose="02020603050405020304" pitchFamily="18" charset="0"/>
+                <a:ea typeface="Noto Serif CJK SC"/>
+                <a:cs typeface="Droid Sans Devanagari"/>
+              </a:rPr>
+              <a:t>.</a:t>
+            </a:r>
+            <a:endParaRPr lang="ru-RU" sz="2400" dirty="0" smtClean="0">
+              <a:latin typeface="Times New Roman" panose="02020603050405020304" pitchFamily="18" charset="0"/>
+              <a:ea typeface="Noto Serif CJK SC"/>
+              <a:cs typeface="Droid Sans Devanagari"/>
+            </a:endParaRPr>
+          </a:p>
+          <a:p>
+            <a:pPr algn="just">
+              <a:lnSpc>
+                <a:spcPct val="150000"/>
+              </a:lnSpc>
+              <a:buFont typeface="Times New Roman" panose="02020603050405020304" pitchFamily="18" charset="0"/>
+              <a:buChar char="‒"/>
+              <a:tabLst>
+                <a:tab pos="719455" algn="l"/>
+              </a:tabLst>
+            </a:pPr>
+            <a:r>
+              <a:rPr lang="ru-RU" sz="2400" dirty="0" smtClean="0">
+                <a:latin typeface="Times New Roman" panose="02020603050405020304" pitchFamily="18" charset="0"/>
+                <a:ea typeface="Noto Serif CJK SC"/>
+                <a:cs typeface="Droid Sans Devanagari"/>
+              </a:rPr>
+              <a:t>Программа для микроконтроллера </a:t>
+            </a:r>
+            <a:r>
+              <a:rPr lang="ru-RU" sz="2400" dirty="0" err="1" smtClean="0">
+                <a:latin typeface="Times New Roman" panose="02020603050405020304" pitchFamily="18" charset="0"/>
+                <a:ea typeface="Noto Serif CJK SC"/>
+                <a:cs typeface="Droid Sans Devanagari"/>
+              </a:rPr>
+              <a:t>Arduino</a:t>
+            </a:r>
+            <a:r>
+              <a:rPr lang="ru-RU" sz="2400" dirty="0" smtClean="0">
+                <a:latin typeface="Times New Roman" panose="02020603050405020304" pitchFamily="18" charset="0"/>
+                <a:ea typeface="Noto Serif CJK SC"/>
+                <a:cs typeface="Droid Sans Devanagari"/>
+              </a:rPr>
+              <a:t> получилась компактной и защищённой от случайных значений с компьютера.</a:t>
+            </a:r>
+            <a:endParaRPr lang="en-US" sz="2400" dirty="0" smtClean="0"/>
+          </a:p>
+        </p:txBody>
+      </p:sp>
+      <p:sp>
+        <p:nvSpPr>
+          <p:cNvPr id="8" name="Номер слайда 7"/>
           <p:cNvSpPr>
             <a:spLocks noGrp="1"/>
           </p:cNvSpPr>
@@ -5836,6 +5923,13 @@
   <p:clrMapOvr>
     <a:masterClrMapping/>
   </p:clrMapOvr>
+  <p:timing>
+    <p:tnLst>
+      <p:par>
+        <p:cTn id="1" dur="indefinite" restart="never" nodeType="tmRoot"/>
+      </p:par>
+    </p:tnLst>
+  </p:timing>
 </p:sld>
 </file>
 
@@ -5861,7 +5955,7 @@
           <p:cNvPr id="4" name="Заголовок 1">
             <a:extLst>
               <a:ext uri="{FF2B5EF4-FFF2-40B4-BE49-F238E27FC236}">
-                <a16:creationId xmlns:a16="http://schemas.microsoft.com/office/drawing/2014/main" xmlns="" id="{46B763F4-6301-4314-A941-A1986AE510F1}"/>
+                <a16:creationId xmlns="" xmlns:a16="http://schemas.microsoft.com/office/drawing/2014/main" id="{46B763F4-6301-4314-A941-A1986AE510F1}"/>
               </a:ext>
             </a:extLst>
           </p:cNvPr>
@@ -5905,7 +5999,7 @@
           <p:cNvPr id="5" name="Объект 2">
             <a:extLst>
               <a:ext uri="{FF2B5EF4-FFF2-40B4-BE49-F238E27FC236}">
-                <a16:creationId xmlns:a16="http://schemas.microsoft.com/office/drawing/2014/main" xmlns="" id="{C83B88B7-2124-4F37-8698-952C557AED7B}"/>
+                <a16:creationId xmlns="" xmlns:a16="http://schemas.microsoft.com/office/drawing/2014/main" id="{C83B88B7-2124-4F37-8698-952C557AED7B}"/>
               </a:ext>
             </a:extLst>
           </p:cNvPr>
@@ -6042,7 +6136,12 @@
             <p:ph type="title"/>
           </p:nvPr>
         </p:nvSpPr>
-        <p:spPr/>
+        <p:spPr>
+          <a:xfrm>
+            <a:off x="609521" y="274702"/>
+            <a:ext cx="10971372" cy="5963404"/>
+          </a:xfrm>
+        </p:spPr>
         <p:txBody>
           <a:bodyPr/>
           <a:lstStyle/>
@@ -6052,7 +6151,7 @@
                 <a:latin typeface="Times New Roman" pitchFamily="18" charset="0"/>
                 <a:cs typeface="Times New Roman" pitchFamily="18" charset="0"/>
               </a:rPr>
-              <a:t>Содержание</a:t>
+              <a:t>Спасибо за внимание</a:t>
             </a:r>
             <a:endParaRPr lang="ru-RU" dirty="0">
               <a:latin typeface="Times New Roman" pitchFamily="18" charset="0"/>
@@ -6063,18 +6162,103 @@
       </p:sp>
       <p:sp>
         <p:nvSpPr>
-          <p:cNvPr id="3" name="Содержимое 2"/>
-          <p:cNvSpPr>
-            <a:spLocks noGrp="1"/>
-          </p:cNvSpPr>
-          <p:nvPr>
-            <p:ph idx="1"/>
+          <p:cNvPr id="4" name="Номер слайда 3"/>
+          <p:cNvSpPr>
+            <a:spLocks noGrp="1"/>
+          </p:cNvSpPr>
+          <p:nvPr>
+            <p:ph type="sldNum" sz="quarter" idx="12"/>
+          </p:nvPr>
+        </p:nvSpPr>
+        <p:spPr/>
+        <p:txBody>
+          <a:bodyPr/>
+          <a:lstStyle/>
+          <a:p>
+            <a:fld id="{725C68B6-61C2-468F-89AB-4B9F7531AA68}" type="slidenum">
+              <a:rPr lang="ru-RU" smtClean="0"/>
+              <a:pPr/>
+              <a:t>20</a:t>
+            </a:fld>
+            <a:endParaRPr lang="ru-RU"/>
+          </a:p>
+        </p:txBody>
+      </p:sp>
+    </p:spTree>
+  </p:cSld>
+  <p:clrMapOvr>
+    <a:masterClrMapping/>
+  </p:clrMapOvr>
+</p:sld>
+</file>
+
+<file path=ppt/slides/slide21.xml><?xml version="1.0" encoding="utf-8"?>
+<p:sld xmlns:a="http://schemas.openxmlformats.org/drawingml/2006/main" xmlns:r="http://schemas.openxmlformats.org/officeDocument/2006/relationships" xmlns:p="http://schemas.openxmlformats.org/presentationml/2006/main">
+  <p:cSld>
+    <p:spTree>
+      <p:nvGrpSpPr>
+        <p:cNvPr id="1" name=""/>
+        <p:cNvGrpSpPr/>
+        <p:nvPr/>
+      </p:nvGrpSpPr>
+      <p:grpSpPr>
+        <a:xfrm>
+          <a:off x="0" y="0"/>
+          <a:ext cx="0" cy="0"/>
+          <a:chOff x="0" y="0"/>
+          <a:chExt cx="0" cy="0"/>
+        </a:xfrm>
+      </p:grpSpPr>
+      <p:sp>
+        <p:nvSpPr>
+          <p:cNvPr id="2" name="Заголовок 1"/>
+          <p:cNvSpPr>
+            <a:spLocks noGrp="1"/>
+          </p:cNvSpPr>
+          <p:nvPr>
+            <p:ph type="title"/>
           </p:nvPr>
         </p:nvSpPr>
         <p:spPr>
           <a:xfrm>
-            <a:off x="609521" y="1269554"/>
-            <a:ext cx="10971372" cy="5328592"/>
+            <a:off x="609521" y="274703"/>
+            <a:ext cx="10971372" cy="418787"/>
+          </a:xfrm>
+        </p:spPr>
+        <p:txBody>
+          <a:bodyPr>
+            <a:normAutofit fontScale="90000"/>
+          </a:bodyPr>
+          <a:lstStyle/>
+          <a:p>
+            <a:r>
+              <a:rPr lang="ru-RU" dirty="0" smtClean="0">
+                <a:latin typeface="Times New Roman" pitchFamily="18" charset="0"/>
+                <a:cs typeface="Times New Roman" pitchFamily="18" charset="0"/>
+              </a:rPr>
+              <a:t>Содержание</a:t>
+            </a:r>
+            <a:endParaRPr lang="ru-RU" dirty="0">
+              <a:latin typeface="Times New Roman" pitchFamily="18" charset="0"/>
+              <a:cs typeface="Times New Roman" pitchFamily="18" charset="0"/>
+            </a:endParaRPr>
+          </a:p>
+        </p:txBody>
+      </p:sp>
+      <p:sp>
+        <p:nvSpPr>
+          <p:cNvPr id="3" name="Содержимое 2"/>
+          <p:cNvSpPr>
+            <a:spLocks noGrp="1"/>
+          </p:cNvSpPr>
+          <p:nvPr>
+            <p:ph idx="1"/>
+          </p:nvPr>
+        </p:nvSpPr>
+        <p:spPr>
+          <a:xfrm>
+            <a:off x="609521" y="765498"/>
+            <a:ext cx="10971372" cy="5832648"/>
           </a:xfrm>
         </p:spPr>
         <p:txBody>
@@ -6126,8 +6310,36 @@
                 <a:latin typeface="Times New Roman" pitchFamily="18" charset="0"/>
                 <a:cs typeface="Times New Roman" pitchFamily="18" charset="0"/>
               </a:rPr>
-              <a:t>Анализ предметной области</a:t>
-            </a:r>
+              <a:t>Анализ предметной </a:t>
+            </a:r>
+            <a:r>
+              <a:rPr lang="ru-RU" sz="1600" dirty="0" smtClean="0">
+                <a:latin typeface="Times New Roman" pitchFamily="18" charset="0"/>
+                <a:cs typeface="Times New Roman" pitchFamily="18" charset="0"/>
+              </a:rPr>
+              <a:t>области</a:t>
+            </a:r>
+            <a:endParaRPr lang="en-US" sz="1600" dirty="0" smtClean="0">
+              <a:latin typeface="Times New Roman" pitchFamily="18" charset="0"/>
+              <a:cs typeface="Times New Roman" pitchFamily="18" charset="0"/>
+            </a:endParaRPr>
+          </a:p>
+          <a:p>
+            <a:pPr marL="914400" indent="-914400">
+              <a:buFont typeface="+mj-lt"/>
+              <a:buAutoNum type="arabicPeriod" startAt="2"/>
+            </a:pPr>
+            <a:r>
+              <a:rPr lang="ru-RU" sz="1600" dirty="0" smtClean="0">
+                <a:latin typeface="Times New Roman" pitchFamily="18" charset="0"/>
+                <a:cs typeface="Times New Roman" pitchFamily="18" charset="0"/>
+              </a:rPr>
+              <a:t>Сравнение систем-аналогов</a:t>
+            </a:r>
+            <a:endParaRPr lang="ru-RU" sz="1600" dirty="0" smtClean="0">
+              <a:latin typeface="Times New Roman" pitchFamily="18" charset="0"/>
+              <a:cs typeface="Times New Roman" pitchFamily="18" charset="0"/>
+            </a:endParaRPr>
           </a:p>
           <a:p>
             <a:pPr marL="914400" indent="-914400" algn="just">
@@ -6318,8 +6530,19 @@
                 <a:latin typeface="Times New Roman" pitchFamily="18" charset="0"/>
                 <a:cs typeface="Times New Roman" pitchFamily="18" charset="0"/>
               </a:rPr>
-              <a:t>Диаграмма компонентов</a:t>
-            </a:r>
+              <a:t>Диаграмма </a:t>
+            </a:r>
+            <a:r>
+              <a:rPr lang="ru-RU" sz="1600" dirty="0" smtClean="0">
+                <a:latin typeface="Times New Roman" pitchFamily="18" charset="0"/>
+                <a:cs typeface="Times New Roman" pitchFamily="18" charset="0"/>
+              </a:rPr>
+              <a:t>компонентов</a:t>
+            </a:r>
+            <a:endParaRPr lang="en-US" sz="1600" dirty="0" smtClean="0">
+              <a:latin typeface="Times New Roman" pitchFamily="18" charset="0"/>
+              <a:cs typeface="Times New Roman" pitchFamily="18" charset="0"/>
+            </a:endParaRPr>
           </a:p>
           <a:p>
             <a:pPr marL="914400" indent="-914400">
@@ -6328,11 +6551,22 @@
             </a:pPr>
             <a:r>
               <a:rPr lang="ru-RU" sz="1600" dirty="0" smtClean="0">
-                <a:latin typeface="Times New Roman" pitchFamily="18" charset="0"/>
-                <a:cs typeface="Times New Roman" pitchFamily="18" charset="0"/>
-              </a:rPr>
-              <a:t>Результаты проделанной работы</a:t>
-            </a:r>
+                <a:latin typeface="Times New Roman"/>
+                <a:cs typeface="Times New Roman"/>
+              </a:rPr>
+              <a:t>Диаграмма деятельности программы микроконтроллера </a:t>
+            </a:r>
+            <a:r>
+              <a:rPr lang="en-US" sz="1600" dirty="0" err="1" smtClean="0">
+                <a:latin typeface="Times New Roman"/>
+                <a:cs typeface="Times New Roman"/>
+              </a:rPr>
+              <a:t>Arduino</a:t>
+            </a:r>
+            <a:endParaRPr lang="ru-RU" sz="1600" dirty="0" smtClean="0">
+              <a:latin typeface="Times New Roman" pitchFamily="18" charset="0"/>
+              <a:cs typeface="Times New Roman" pitchFamily="18" charset="0"/>
+            </a:endParaRPr>
           </a:p>
           <a:p>
             <a:pPr marL="914400" indent="-914400">
@@ -6344,21 +6578,14 @@
                 <a:latin typeface="Times New Roman" pitchFamily="18" charset="0"/>
                 <a:cs typeface="Times New Roman" pitchFamily="18" charset="0"/>
               </a:rPr>
-              <a:t>Основное окно программы </a:t>
-            </a:r>
-            <a:r>
-              <a:rPr lang="en-US" sz="1600" dirty="0" err="1" smtClean="0">
-                <a:latin typeface="Times New Roman" pitchFamily="18" charset="0"/>
-                <a:cs typeface="Times New Roman" pitchFamily="18" charset="0"/>
-              </a:rPr>
-              <a:t>RobotController</a:t>
+              <a:t>Результаты </a:t>
             </a:r>
             <a:r>
               <a:rPr lang="ru-RU" sz="1600" dirty="0" smtClean="0">
                 <a:latin typeface="Times New Roman" pitchFamily="18" charset="0"/>
                 <a:cs typeface="Times New Roman" pitchFamily="18" charset="0"/>
               </a:rPr>
-              <a:t>, модель на 6 сервоприводов</a:t>
+              <a:t>проделанной работы</a:t>
             </a:r>
           </a:p>
           <a:p>
@@ -6385,7 +6612,7 @@
                 <a:latin typeface="Times New Roman" pitchFamily="18" charset="0"/>
                 <a:cs typeface="Times New Roman" pitchFamily="18" charset="0"/>
               </a:rPr>
-              <a:t>, в процессе отладки движений робота</a:t>
+              <a:t>, модель на 6 сервоприводов</a:t>
             </a:r>
           </a:p>
           <a:p>
@@ -6412,7 +6639,7 @@
                 <a:latin typeface="Times New Roman" pitchFamily="18" charset="0"/>
                 <a:cs typeface="Times New Roman" pitchFamily="18" charset="0"/>
               </a:rPr>
-              <a:t>, модель на 20 сервоприводов</a:t>
+              <a:t>, в процессе отладки движений робота</a:t>
             </a:r>
           </a:p>
           <a:p>
@@ -6425,6 +6652,33 @@
                 <a:latin typeface="Times New Roman" pitchFamily="18" charset="0"/>
                 <a:cs typeface="Times New Roman" pitchFamily="18" charset="0"/>
               </a:rPr>
+              <a:t>Основное окно программы </a:t>
+            </a:r>
+            <a:r>
+              <a:rPr lang="en-US" sz="1600" dirty="0" err="1" smtClean="0">
+                <a:latin typeface="Times New Roman" pitchFamily="18" charset="0"/>
+                <a:cs typeface="Times New Roman" pitchFamily="18" charset="0"/>
+              </a:rPr>
+              <a:t>RobotController</a:t>
+            </a:r>
+            <a:r>
+              <a:rPr lang="ru-RU" sz="1600" dirty="0" smtClean="0">
+                <a:latin typeface="Times New Roman" pitchFamily="18" charset="0"/>
+                <a:cs typeface="Times New Roman" pitchFamily="18" charset="0"/>
+              </a:rPr>
+              <a:t>, модель на 20 сервоприводов</a:t>
+            </a:r>
+          </a:p>
+          <a:p>
+            <a:pPr marL="914400" indent="-914400">
+              <a:buFont typeface="+mj-lt"/>
+              <a:buAutoNum type="arabicPeriod" startAt="2"/>
+            </a:pPr>
+            <a:r>
+              <a:rPr lang="ru-RU" sz="1600" dirty="0" smtClean="0">
+                <a:latin typeface="Times New Roman" pitchFamily="18" charset="0"/>
+                <a:cs typeface="Times New Roman" pitchFamily="18" charset="0"/>
+              </a:rPr>
               <a:t>Выводы по работе</a:t>
             </a:r>
             <a:endParaRPr lang="en-US" sz="1600" dirty="0" smtClean="0">
@@ -6490,7 +6744,7 @@
             <a:fld id="{725C68B6-61C2-468F-89AB-4B9F7531AA68}" type="slidenum">
               <a:rPr lang="ru-RU" smtClean="0"/>
               <a:pPr/>
-              <a:t>20</a:t>
+              <a:t>21</a:t>
             </a:fld>
             <a:endParaRPr lang="ru-RU"/>
           </a:p>
@@ -6526,7 +6780,7 @@
           <p:cNvPr id="4" name="Заголовок 1">
             <a:extLst>
               <a:ext uri="{FF2B5EF4-FFF2-40B4-BE49-F238E27FC236}">
-                <a16:creationId xmlns:a16="http://schemas.microsoft.com/office/drawing/2014/main" xmlns="" id="{9BE103FA-346E-4AD0-A528-E8B5B5B30E11}"/>
+                <a16:creationId xmlns="" xmlns:a16="http://schemas.microsoft.com/office/drawing/2014/main" id="{9BE103FA-346E-4AD0-A528-E8B5B5B30E11}"/>
               </a:ext>
             </a:extLst>
           </p:cNvPr>
@@ -6562,7 +6816,7 @@
           <p:cNvPr id="5" name="Объект 2">
             <a:extLst>
               <a:ext uri="{FF2B5EF4-FFF2-40B4-BE49-F238E27FC236}">
-                <a16:creationId xmlns:a16="http://schemas.microsoft.com/office/drawing/2014/main" xmlns="" id="{F3ABAB10-2768-4209-9C26-64C71481E109}"/>
+                <a16:creationId xmlns="" xmlns:a16="http://schemas.microsoft.com/office/drawing/2014/main" id="{F3ABAB10-2768-4209-9C26-64C71481E109}"/>
               </a:ext>
             </a:extLst>
           </p:cNvPr>

--- a/Дипломная Волков.pptx
+++ b/Дипломная Волков.pptx
@@ -216,7 +216,7 @@
             <a:fld id="{5F4C3E1F-8F02-4B6E-BE01-AE811F44C78A}" type="datetimeFigureOut">
               <a:rPr lang="ru-RU" smtClean="0"/>
               <a:pPr/>
-              <a:t>03.06.2023</a:t>
+              <a:t>06.06.2023</a:t>
             </a:fld>
             <a:endParaRPr lang="ru-RU"/>
           </a:p>
@@ -378,7 +378,7 @@
             <a:fld id="{2B77361B-FA97-4712-A320-857CD6874498}" type="datetimeFigureOut">
               <a:rPr lang="ru-RU" smtClean="0"/>
               <a:pPr/>
-              <a:t>03.06.2023</a:t>
+              <a:t>06.06.2023</a:t>
             </a:fld>
             <a:endParaRPr lang="ru-RU"/>
           </a:p>
@@ -1235,7 +1235,7 @@
             <a:fld id="{48796433-FCAE-4265-BEE5-7FFD7A6D00EA}" type="datetime1">
               <a:rPr lang="ru-RU" smtClean="0"/>
               <a:pPr/>
-              <a:t>03.06.2023</a:t>
+              <a:t>06.06.2023</a:t>
             </a:fld>
             <a:endParaRPr lang="ru-RU"/>
           </a:p>
@@ -1402,7 +1402,7 @@
             <a:fld id="{825BD699-2E58-4557-8CF0-BBBBC09C198E}" type="datetime1">
               <a:rPr lang="ru-RU" smtClean="0"/>
               <a:pPr/>
-              <a:t>03.06.2023</a:t>
+              <a:t>06.06.2023</a:t>
             </a:fld>
             <a:endParaRPr lang="ru-RU"/>
           </a:p>
@@ -1579,7 +1579,7 @@
             <a:fld id="{A4FC9FCA-275F-46B7-8856-C2015763651D}" type="datetime1">
               <a:rPr lang="ru-RU" smtClean="0"/>
               <a:pPr/>
-              <a:t>03.06.2023</a:t>
+              <a:t>06.06.2023</a:t>
             </a:fld>
             <a:endParaRPr lang="ru-RU"/>
           </a:p>
@@ -1746,7 +1746,7 @@
             <a:fld id="{328E49B8-C74E-4DA9-B638-56B3C27B037C}" type="datetime1">
               <a:rPr lang="ru-RU" smtClean="0"/>
               <a:pPr/>
-              <a:t>03.06.2023</a:t>
+              <a:t>06.06.2023</a:t>
             </a:fld>
             <a:endParaRPr lang="ru-RU"/>
           </a:p>
@@ -1989,7 +1989,7 @@
             <a:fld id="{BBD9AC8D-70D0-4530-9017-FF1075ECEE87}" type="datetime1">
               <a:rPr lang="ru-RU" smtClean="0"/>
               <a:pPr/>
-              <a:t>03.06.2023</a:t>
+              <a:t>06.06.2023</a:t>
             </a:fld>
             <a:endParaRPr lang="ru-RU"/>
           </a:p>
@@ -2274,7 +2274,7 @@
             <a:fld id="{D811626C-1939-40C4-B96A-3F88897B7B00}" type="datetime1">
               <a:rPr lang="ru-RU" smtClean="0"/>
               <a:pPr/>
-              <a:t>03.06.2023</a:t>
+              <a:t>06.06.2023</a:t>
             </a:fld>
             <a:endParaRPr lang="ru-RU"/>
           </a:p>
@@ -2693,7 +2693,7 @@
             <a:fld id="{0D2161AD-3CA8-44FA-A474-6FF071CE1BE8}" type="datetime1">
               <a:rPr lang="ru-RU" smtClean="0"/>
               <a:pPr/>
-              <a:t>03.06.2023</a:t>
+              <a:t>06.06.2023</a:t>
             </a:fld>
             <a:endParaRPr lang="ru-RU"/>
           </a:p>
@@ -2808,7 +2808,7 @@
             <a:fld id="{FA001328-CF1D-47CB-B4FB-322C929C9BF4}" type="datetime1">
               <a:rPr lang="ru-RU" smtClean="0"/>
               <a:pPr/>
-              <a:t>03.06.2023</a:t>
+              <a:t>06.06.2023</a:t>
             </a:fld>
             <a:endParaRPr lang="ru-RU"/>
           </a:p>
@@ -2900,7 +2900,7 @@
             <a:fld id="{6133CAA4-9EBA-4C88-9AA7-318504631F39}" type="datetime1">
               <a:rPr lang="ru-RU" smtClean="0"/>
               <a:pPr/>
-              <a:t>03.06.2023</a:t>
+              <a:t>06.06.2023</a:t>
             </a:fld>
             <a:endParaRPr lang="ru-RU"/>
           </a:p>
@@ -3174,7 +3174,7 @@
             <a:fld id="{86AF6C1F-1A91-4256-8CA8-3B2EF3FEFB97}" type="datetime1">
               <a:rPr lang="ru-RU" smtClean="0"/>
               <a:pPr/>
-              <a:t>03.06.2023</a:t>
+              <a:t>06.06.2023</a:t>
             </a:fld>
             <a:endParaRPr lang="ru-RU"/>
           </a:p>
@@ -3424,7 +3424,7 @@
             <a:fld id="{3688C4C4-BCF1-4EB0-8AC7-16A5F3A7BC9B}" type="datetime1">
               <a:rPr lang="ru-RU" smtClean="0"/>
               <a:pPr/>
-              <a:t>03.06.2023</a:t>
+              <a:t>06.06.2023</a:t>
             </a:fld>
             <a:endParaRPr lang="ru-RU"/>
           </a:p>
@@ -3634,7 +3634,7 @@
             <a:fld id="{44FE96CB-CF72-4671-B5E2-123AB3CA4369}" type="datetime1">
               <a:rPr lang="ru-RU" smtClean="0"/>
               <a:pPr/>
-              <a:t>03.06.2023</a:t>
+              <a:t>06.06.2023</a:t>
             </a:fld>
             <a:endParaRPr lang="ru-RU"/>
           </a:p>
@@ -4011,7 +4011,7 @@
           <p:cNvPr id="10" name="Заголовок 1">
             <a:extLst>
               <a:ext uri="{FF2B5EF4-FFF2-40B4-BE49-F238E27FC236}">
-                <a16:creationId xmlns="" xmlns:a16="http://schemas.microsoft.com/office/drawing/2014/main" id="{01503706-744B-410E-9B65-8610A72CF07B}"/>
+                <a16:creationId xmlns:a16="http://schemas.microsoft.com/office/drawing/2014/main" xmlns="" id="{01503706-744B-410E-9B65-8610A72CF07B}"/>
               </a:ext>
             </a:extLst>
           </p:cNvPr>
@@ -4133,7 +4133,7 @@
           <p:cNvPr id="11" name="Text 1">
             <a:extLst>
               <a:ext uri="{FF2B5EF4-FFF2-40B4-BE49-F238E27FC236}">
-                <a16:creationId xmlns="" xmlns:a16="http://schemas.microsoft.com/office/drawing/2014/main" id="{72037010-A9D9-49AF-A594-5EF9D266FCEE}"/>
+                <a16:creationId xmlns:a16="http://schemas.microsoft.com/office/drawing/2014/main" xmlns="" id="{72037010-A9D9-49AF-A594-5EF9D266FCEE}"/>
               </a:ext>
             </a:extLst>
           </p:cNvPr>
@@ -4221,7 +4221,7 @@
           <p:cNvPr id="12" name="Text 2">
             <a:extLst>
               <a:ext uri="{FF2B5EF4-FFF2-40B4-BE49-F238E27FC236}">
-                <a16:creationId xmlns="" xmlns:a16="http://schemas.microsoft.com/office/drawing/2014/main" id="{B0971291-6D9C-47F2-A6FD-1EC86B60B829}"/>
+                <a16:creationId xmlns:a16="http://schemas.microsoft.com/office/drawing/2014/main" xmlns="" id="{B0971291-6D9C-47F2-A6FD-1EC86B60B829}"/>
               </a:ext>
             </a:extLst>
           </p:cNvPr>
@@ -4297,7 +4297,7 @@
           <p:cNvPr id="13" name="Text 3">
             <a:extLst>
               <a:ext uri="{FF2B5EF4-FFF2-40B4-BE49-F238E27FC236}">
-                <a16:creationId xmlns="" xmlns:a16="http://schemas.microsoft.com/office/drawing/2014/main" id="{538F249A-B0DE-403E-AFB7-2D456552B392}"/>
+                <a16:creationId xmlns:a16="http://schemas.microsoft.com/office/drawing/2014/main" xmlns="" id="{538F249A-B0DE-403E-AFB7-2D456552B392}"/>
               </a:ext>
             </a:extLst>
           </p:cNvPr>
@@ -4622,18 +4622,7 @@
                 <a:ea typeface="+mn-ea"/>
                 <a:cs typeface="Times New Roman"/>
               </a:rPr>
-              <a:t>Диаграмма </a:t>
-            </a:r>
-            <a:r>
-              <a:rPr lang="ru-RU" sz="2800" kern="1200" dirty="0" smtClean="0">
-                <a:solidFill>
-                  <a:schemeClr val="tx1"/>
-                </a:solidFill>
-                <a:latin typeface="Times New Roman"/>
-                <a:ea typeface="+mn-ea"/>
-                <a:cs typeface="Times New Roman"/>
-              </a:rPr>
-              <a:t>деятельности программы </a:t>
+              <a:t>Диаграмма деятельности программы </a:t>
             </a:r>
             <a:r>
               <a:rPr lang="en-US" sz="2800" kern="1200" dirty="0" err="1" smtClean="0">
@@ -4988,18 +4977,7 @@
                 <a:ea typeface="+mn-ea"/>
                 <a:cs typeface="Times New Roman"/>
               </a:rPr>
-              <a:t>Диаграмма </a:t>
-            </a:r>
-            <a:r>
-              <a:rPr lang="ru-RU" sz="2800" kern="1200" dirty="0" smtClean="0">
-                <a:solidFill>
-                  <a:schemeClr val="tx1"/>
-                </a:solidFill>
-                <a:latin typeface="Times New Roman"/>
-                <a:ea typeface="+mn-ea"/>
-                <a:cs typeface="Times New Roman"/>
-              </a:rPr>
-              <a:t>деятельности </a:t>
+              <a:t>Диаграмма деятельности </a:t>
             </a:r>
             <a:r>
               <a:rPr lang="ru-RU" sz="2800" dirty="0" smtClean="0">
@@ -5955,7 +5933,7 @@
           <p:cNvPr id="4" name="Заголовок 1">
             <a:extLst>
               <a:ext uri="{FF2B5EF4-FFF2-40B4-BE49-F238E27FC236}">
-                <a16:creationId xmlns="" xmlns:a16="http://schemas.microsoft.com/office/drawing/2014/main" id="{46B763F4-6301-4314-A941-A1986AE510F1}"/>
+                <a16:creationId xmlns:a16="http://schemas.microsoft.com/office/drawing/2014/main" xmlns="" id="{46B763F4-6301-4314-A941-A1986AE510F1}"/>
               </a:ext>
             </a:extLst>
           </p:cNvPr>
@@ -5999,7 +5977,7 @@
           <p:cNvPr id="5" name="Объект 2">
             <a:extLst>
               <a:ext uri="{FF2B5EF4-FFF2-40B4-BE49-F238E27FC236}">
-                <a16:creationId xmlns="" xmlns:a16="http://schemas.microsoft.com/office/drawing/2014/main" id="{C83B88B7-2124-4F37-8698-952C557AED7B}"/>
+                <a16:creationId xmlns:a16="http://schemas.microsoft.com/office/drawing/2014/main" xmlns="" id="{C83B88B7-2124-4F37-8698-952C557AED7B}"/>
               </a:ext>
             </a:extLst>
           </p:cNvPr>
@@ -6273,12 +6251,10 @@
             </a:pPr>
             <a:r>
               <a:rPr lang="ru-RU" sz="1600" dirty="0" smtClean="0">
-                <a:solidFill>
-                  <a:srgbClr val="000000"/>
-                </a:solidFill>
                 <a:latin typeface="Times New Roman" pitchFamily="18" charset="0"/>
                 <a:ea typeface="HelveticaNeueCyr Medium" pitchFamily="34" charset="-122"/>
                 <a:cs typeface="Times New Roman" pitchFamily="18" charset="0"/>
+                <a:hlinkClick r:id="rId2" action="ppaction://hlinksldjump"/>
               </a:rPr>
               <a:t>Цель работы</a:t>
             </a:r>
@@ -6296,9 +6272,14 @@
               <a:rPr lang="ru-RU" sz="1600" dirty="0" smtClean="0">
                 <a:latin typeface="Times New Roman" pitchFamily="18" charset="0"/>
                 <a:cs typeface="Times New Roman" pitchFamily="18" charset="0"/>
+                <a:hlinkClick r:id="rId3" action="ppaction://hlinksldjump"/>
               </a:rPr>
               <a:t>Задачи работы</a:t>
             </a:r>
+            <a:endParaRPr lang="ru-RU" sz="1600" dirty="0" smtClean="0">
+              <a:latin typeface="Times New Roman" pitchFamily="18" charset="0"/>
+              <a:cs typeface="Times New Roman" pitchFamily="18" charset="0"/>
+            </a:endParaRPr>
           </a:p>
           <a:p>
             <a:pPr marL="914400" indent="-914400">
@@ -6309,15 +6290,9 @@
               <a:rPr lang="ru-RU" sz="1600" dirty="0" smtClean="0">
                 <a:latin typeface="Times New Roman" pitchFamily="18" charset="0"/>
                 <a:cs typeface="Times New Roman" pitchFamily="18" charset="0"/>
-              </a:rPr>
-              <a:t>Анализ предметной </a:t>
-            </a:r>
-            <a:r>
-              <a:rPr lang="ru-RU" sz="1600" dirty="0" smtClean="0">
-                <a:latin typeface="Times New Roman" pitchFamily="18" charset="0"/>
-                <a:cs typeface="Times New Roman" pitchFamily="18" charset="0"/>
-              </a:rPr>
-              <a:t>области</a:t>
+                <a:hlinkClick r:id="rId4" action="ppaction://hlinksldjump"/>
+              </a:rPr>
+              <a:t>Анализ предметной области</a:t>
             </a:r>
             <a:endParaRPr lang="en-US" sz="1600" dirty="0" smtClean="0">
               <a:latin typeface="Times New Roman" pitchFamily="18" charset="0"/>
@@ -6333,6 +6308,7 @@
               <a:rPr lang="ru-RU" sz="1600" dirty="0" smtClean="0">
                 <a:latin typeface="Times New Roman" pitchFamily="18" charset="0"/>
                 <a:cs typeface="Times New Roman" pitchFamily="18" charset="0"/>
+                <a:hlinkClick r:id="rId5" action="ppaction://hlinksldjump"/>
               </a:rPr>
               <a:t>Сравнение систем-аналогов</a:t>
             </a:r>
@@ -6353,6 +6329,7 @@
               <a:rPr lang="ru-RU" sz="1600" dirty="0" smtClean="0">
                 <a:latin typeface="Times New Roman" pitchFamily="18" charset="0"/>
                 <a:cs typeface="Times New Roman" pitchFamily="18" charset="0"/>
+                <a:hlinkClick r:id="rId6" action="ppaction://hlinksldjump"/>
               </a:rPr>
               <a:t>Главное окно программы </a:t>
             </a:r>
@@ -6360,6 +6337,7 @@
               <a:rPr lang="ru-RU" sz="1600" dirty="0" err="1" smtClean="0">
                 <a:latin typeface="Times New Roman" pitchFamily="18" charset="0"/>
                 <a:cs typeface="Times New Roman" pitchFamily="18" charset="0"/>
+                <a:hlinkClick r:id="rId6" action="ppaction://hlinksldjump"/>
               </a:rPr>
               <a:t>RoboPlus</a:t>
             </a:r>
@@ -6367,6 +6345,7 @@
               <a:rPr lang="ru-RU" sz="1600" dirty="0" smtClean="0">
                 <a:latin typeface="Times New Roman" pitchFamily="18" charset="0"/>
                 <a:cs typeface="Times New Roman" pitchFamily="18" charset="0"/>
+                <a:hlinkClick r:id="rId6" action="ppaction://hlinksldjump"/>
               </a:rPr>
               <a:t> </a:t>
             </a:r>
@@ -6374,6 +6353,7 @@
               <a:rPr lang="ru-RU" sz="1600" dirty="0" err="1" smtClean="0">
                 <a:latin typeface="Times New Roman" pitchFamily="18" charset="0"/>
                 <a:cs typeface="Times New Roman" pitchFamily="18" charset="0"/>
+                <a:hlinkClick r:id="rId6" action="ppaction://hlinksldjump"/>
               </a:rPr>
               <a:t>Motion</a:t>
             </a:r>
@@ -6391,6 +6371,7 @@
               <a:rPr lang="ru-RU" sz="1600" dirty="0" smtClean="0">
                 <a:latin typeface="Times New Roman" pitchFamily="18" charset="0"/>
                 <a:cs typeface="Times New Roman" pitchFamily="18" charset="0"/>
+                <a:hlinkClick r:id="rId7" action="ppaction://hlinksldjump"/>
               </a:rPr>
               <a:t>Главное окно программы </a:t>
             </a:r>
@@ -6398,6 +6379,7 @@
               <a:rPr lang="ru-RU" sz="1600" dirty="0" err="1" smtClean="0">
                 <a:latin typeface="Times New Roman" pitchFamily="18" charset="0"/>
                 <a:cs typeface="Times New Roman" pitchFamily="18" charset="0"/>
+                <a:hlinkClick r:id="rId7" action="ppaction://hlinksldjump"/>
               </a:rPr>
               <a:t>RoboPlus</a:t>
             </a:r>
@@ -6405,6 +6387,7 @@
               <a:rPr lang="ru-RU" sz="1600" dirty="0" smtClean="0">
                 <a:latin typeface="Times New Roman" pitchFamily="18" charset="0"/>
                 <a:cs typeface="Times New Roman" pitchFamily="18" charset="0"/>
+                <a:hlinkClick r:id="rId7" action="ppaction://hlinksldjump"/>
               </a:rPr>
               <a:t> </a:t>
             </a:r>
@@ -6412,6 +6395,7 @@
               <a:rPr lang="ru-RU" sz="1600" dirty="0" err="1" smtClean="0">
                 <a:latin typeface="Times New Roman" pitchFamily="18" charset="0"/>
                 <a:cs typeface="Times New Roman" pitchFamily="18" charset="0"/>
+                <a:hlinkClick r:id="rId7" action="ppaction://hlinksldjump"/>
               </a:rPr>
               <a:t>Motion</a:t>
             </a:r>
@@ -6419,9 +6403,14 @@
               <a:rPr lang="ru-RU" sz="1600" dirty="0" smtClean="0">
                 <a:latin typeface="Times New Roman" pitchFamily="18" charset="0"/>
                 <a:cs typeface="Times New Roman" pitchFamily="18" charset="0"/>
+                <a:hlinkClick r:id="rId7" action="ppaction://hlinksldjump"/>
               </a:rPr>
               <a:t> 2.0</a:t>
             </a:r>
+            <a:endParaRPr lang="ru-RU" sz="1600" dirty="0" smtClean="0">
+              <a:latin typeface="Times New Roman" pitchFamily="18" charset="0"/>
+              <a:cs typeface="Times New Roman" pitchFamily="18" charset="0"/>
+            </a:endParaRPr>
           </a:p>
           <a:p>
             <a:pPr marL="914400" indent="-914400">
@@ -6432,6 +6421,7 @@
               <a:rPr lang="ru-RU" sz="1600" dirty="0" smtClean="0">
                 <a:latin typeface="Times New Roman" pitchFamily="18" charset="0"/>
                 <a:cs typeface="Times New Roman" pitchFamily="18" charset="0"/>
+                <a:hlinkClick r:id="rId8" action="ppaction://hlinksldjump"/>
               </a:rPr>
               <a:t>Главное окно программы </a:t>
             </a:r>
@@ -6439,6 +6429,7 @@
               <a:rPr lang="en-US" sz="1600" dirty="0" smtClean="0">
                 <a:latin typeface="Times New Roman" pitchFamily="18" charset="0"/>
                 <a:cs typeface="Times New Roman" pitchFamily="18" charset="0"/>
+                <a:hlinkClick r:id="rId8" action="ppaction://hlinksldjump"/>
               </a:rPr>
               <a:t>H</a:t>
             </a:r>
@@ -6446,6 +6437,7 @@
               <a:rPr lang="ru-RU" sz="1600" dirty="0" err="1" smtClean="0">
                 <a:latin typeface="Times New Roman" pitchFamily="18" charset="0"/>
                 <a:cs typeface="Times New Roman" pitchFamily="18" charset="0"/>
+                <a:hlinkClick r:id="rId8" action="ppaction://hlinksldjump"/>
               </a:rPr>
               <a:t>iwonder</a:t>
             </a:r>
@@ -6453,6 +6445,7 @@
               <a:rPr lang="ru-RU" sz="1600" dirty="0" smtClean="0">
                 <a:latin typeface="Times New Roman" pitchFamily="18" charset="0"/>
                 <a:cs typeface="Times New Roman" pitchFamily="18" charset="0"/>
+                <a:hlinkClick r:id="rId8" action="ppaction://hlinksldjump"/>
               </a:rPr>
               <a:t> </a:t>
             </a:r>
@@ -6460,6 +6453,7 @@
               <a:rPr lang="en-US" sz="1600" dirty="0" err="1" smtClean="0">
                 <a:latin typeface="Times New Roman" pitchFamily="18" charset="0"/>
                 <a:cs typeface="Times New Roman" pitchFamily="18" charset="0"/>
+                <a:hlinkClick r:id="rId8" action="ppaction://hlinksldjump"/>
               </a:rPr>
               <a:t>RoboSoul</a:t>
             </a:r>
@@ -6477,9 +6471,14 @@
               <a:rPr lang="ru-RU" sz="1600" dirty="0" smtClean="0">
                 <a:latin typeface="Times New Roman" pitchFamily="18" charset="0"/>
                 <a:cs typeface="Times New Roman" pitchFamily="18" charset="0"/>
+                <a:hlinkClick r:id="rId9" action="ppaction://hlinksldjump"/>
               </a:rPr>
               <a:t>Диаграмма вариантов использования</a:t>
             </a:r>
+            <a:endParaRPr lang="ru-RU" sz="1600" dirty="0" smtClean="0">
+              <a:latin typeface="Times New Roman" pitchFamily="18" charset="0"/>
+              <a:cs typeface="Times New Roman" pitchFamily="18" charset="0"/>
+            </a:endParaRPr>
           </a:p>
           <a:p>
             <a:pPr marL="914400" indent="-914400">
@@ -6490,9 +6489,14 @@
               <a:rPr lang="ru-RU" sz="1600" dirty="0" smtClean="0">
                 <a:latin typeface="Times New Roman" pitchFamily="18" charset="0"/>
                 <a:cs typeface="Times New Roman" pitchFamily="18" charset="0"/>
+                <a:hlinkClick r:id="rId10" action="ppaction://hlinksldjump"/>
               </a:rPr>
               <a:t>Структурная схема</a:t>
             </a:r>
+            <a:endParaRPr lang="ru-RU" sz="1600" dirty="0" smtClean="0">
+              <a:latin typeface="Times New Roman" pitchFamily="18" charset="0"/>
+              <a:cs typeface="Times New Roman" pitchFamily="18" charset="0"/>
+            </a:endParaRPr>
           </a:p>
           <a:p>
             <a:pPr marL="914400" indent="-914400">
@@ -6503,9 +6507,14 @@
               <a:rPr lang="ru-RU" sz="1600" dirty="0" smtClean="0">
                 <a:latin typeface="Times New Roman" pitchFamily="18" charset="0"/>
                 <a:cs typeface="Times New Roman" pitchFamily="18" charset="0"/>
+                <a:hlinkClick r:id="rId11" action="ppaction://hlinksldjump"/>
               </a:rPr>
               <a:t>Диаграмма деятельности</a:t>
             </a:r>
+            <a:endParaRPr lang="ru-RU" sz="1600" dirty="0" smtClean="0">
+              <a:latin typeface="Times New Roman" pitchFamily="18" charset="0"/>
+              <a:cs typeface="Times New Roman" pitchFamily="18" charset="0"/>
+            </a:endParaRPr>
           </a:p>
           <a:p>
             <a:pPr marL="914400" indent="-914400">
@@ -6516,9 +6525,14 @@
               <a:rPr lang="ru-RU" sz="1600" dirty="0" smtClean="0">
                 <a:latin typeface="Times New Roman" pitchFamily="18" charset="0"/>
                 <a:cs typeface="Times New Roman" pitchFamily="18" charset="0"/>
+                <a:hlinkClick r:id="rId12" action="ppaction://hlinksldjump"/>
               </a:rPr>
               <a:t>Диаграмма последовательности</a:t>
             </a:r>
+            <a:endParaRPr lang="ru-RU" sz="1600" dirty="0" smtClean="0">
+              <a:latin typeface="Times New Roman" pitchFamily="18" charset="0"/>
+              <a:cs typeface="Times New Roman" pitchFamily="18" charset="0"/>
+            </a:endParaRPr>
           </a:p>
           <a:p>
             <a:pPr marL="914400" indent="-914400">
@@ -6529,15 +6543,9 @@
               <a:rPr lang="ru-RU" sz="1600" dirty="0" smtClean="0">
                 <a:latin typeface="Times New Roman" pitchFamily="18" charset="0"/>
                 <a:cs typeface="Times New Roman" pitchFamily="18" charset="0"/>
-              </a:rPr>
-              <a:t>Диаграмма </a:t>
-            </a:r>
-            <a:r>
-              <a:rPr lang="ru-RU" sz="1600" dirty="0" smtClean="0">
-                <a:latin typeface="Times New Roman" pitchFamily="18" charset="0"/>
-                <a:cs typeface="Times New Roman" pitchFamily="18" charset="0"/>
-              </a:rPr>
-              <a:t>компонентов</a:t>
+                <a:hlinkClick r:id="rId13" action="ppaction://hlinksldjump"/>
+              </a:rPr>
+              <a:t>Диаграмма компонентов</a:t>
             </a:r>
             <a:endParaRPr lang="en-US" sz="1600" dirty="0" smtClean="0">
               <a:latin typeface="Times New Roman" pitchFamily="18" charset="0"/>
@@ -6553,6 +6561,7 @@
               <a:rPr lang="ru-RU" sz="1600" dirty="0" smtClean="0">
                 <a:latin typeface="Times New Roman"/>
                 <a:cs typeface="Times New Roman"/>
+                <a:hlinkClick r:id="rId14" action="ppaction://hlinksldjump"/>
               </a:rPr>
               <a:t>Диаграмма деятельности программы микроконтроллера </a:t>
             </a:r>
@@ -6560,6 +6569,7 @@
               <a:rPr lang="en-US" sz="1600" dirty="0" err="1" smtClean="0">
                 <a:latin typeface="Times New Roman"/>
                 <a:cs typeface="Times New Roman"/>
+                <a:hlinkClick r:id="rId14" action="ppaction://hlinksldjump"/>
               </a:rPr>
               <a:t>Arduino</a:t>
             </a:r>
@@ -6577,16 +6587,14 @@
               <a:rPr lang="ru-RU" sz="1600" dirty="0" smtClean="0">
                 <a:latin typeface="Times New Roman" pitchFamily="18" charset="0"/>
                 <a:cs typeface="Times New Roman" pitchFamily="18" charset="0"/>
-              </a:rPr>
-              <a:t>Результаты </a:t>
-            </a:r>
-            <a:r>
-              <a:rPr lang="ru-RU" sz="1600" dirty="0" smtClean="0">
-                <a:latin typeface="Times New Roman" pitchFamily="18" charset="0"/>
-                <a:cs typeface="Times New Roman" pitchFamily="18" charset="0"/>
-              </a:rPr>
-              <a:t>проделанной работы</a:t>
-            </a:r>
+                <a:hlinkClick r:id="rId15" action="ppaction://hlinksldjump"/>
+              </a:rPr>
+              <a:t>Результаты проделанной работы</a:t>
+            </a:r>
+            <a:endParaRPr lang="ru-RU" sz="1600" dirty="0" smtClean="0">
+              <a:latin typeface="Times New Roman" pitchFamily="18" charset="0"/>
+              <a:cs typeface="Times New Roman" pitchFamily="18" charset="0"/>
+            </a:endParaRPr>
           </a:p>
           <a:p>
             <a:pPr marL="914400" indent="-914400">
@@ -6597,6 +6605,7 @@
               <a:rPr lang="ru-RU" sz="1600" dirty="0" smtClean="0">
                 <a:latin typeface="Times New Roman" pitchFamily="18" charset="0"/>
                 <a:cs typeface="Times New Roman" pitchFamily="18" charset="0"/>
+                <a:hlinkClick r:id="rId16" action="ppaction://hlinksldjump"/>
               </a:rPr>
               <a:t>Основное окно программы </a:t>
             </a:r>
@@ -6604,6 +6613,7 @@
               <a:rPr lang="en-US" sz="1600" dirty="0" err="1" smtClean="0">
                 <a:latin typeface="Times New Roman" pitchFamily="18" charset="0"/>
                 <a:cs typeface="Times New Roman" pitchFamily="18" charset="0"/>
+                <a:hlinkClick r:id="rId16" action="ppaction://hlinksldjump"/>
               </a:rPr>
               <a:t>RobotController</a:t>
             </a:r>
@@ -6611,9 +6621,14 @@
               <a:rPr lang="ru-RU" sz="1600" dirty="0" smtClean="0">
                 <a:latin typeface="Times New Roman" pitchFamily="18" charset="0"/>
                 <a:cs typeface="Times New Roman" pitchFamily="18" charset="0"/>
+                <a:hlinkClick r:id="rId16" action="ppaction://hlinksldjump"/>
               </a:rPr>
               <a:t>, модель на 6 сервоприводов</a:t>
             </a:r>
+            <a:endParaRPr lang="ru-RU" sz="1600" dirty="0" smtClean="0">
+              <a:latin typeface="Times New Roman" pitchFamily="18" charset="0"/>
+              <a:cs typeface="Times New Roman" pitchFamily="18" charset="0"/>
+            </a:endParaRPr>
           </a:p>
           <a:p>
             <a:pPr marL="914400" indent="-914400">
@@ -6624,6 +6639,7 @@
               <a:rPr lang="ru-RU" sz="1600" dirty="0" smtClean="0">
                 <a:latin typeface="Times New Roman" pitchFamily="18" charset="0"/>
                 <a:cs typeface="Times New Roman" pitchFamily="18" charset="0"/>
+                <a:hlinkClick r:id="rId17" action="ppaction://hlinksldjump"/>
               </a:rPr>
               <a:t>Основное окно программы </a:t>
             </a:r>
@@ -6631,6 +6647,7 @@
               <a:rPr lang="en-US" sz="1600" dirty="0" err="1" smtClean="0">
                 <a:latin typeface="Times New Roman" pitchFamily="18" charset="0"/>
                 <a:cs typeface="Times New Roman" pitchFamily="18" charset="0"/>
+                <a:hlinkClick r:id="rId17" action="ppaction://hlinksldjump"/>
               </a:rPr>
               <a:t>RobotController</a:t>
             </a:r>
@@ -6638,9 +6655,14 @@
               <a:rPr lang="ru-RU" sz="1600" dirty="0" smtClean="0">
                 <a:latin typeface="Times New Roman" pitchFamily="18" charset="0"/>
                 <a:cs typeface="Times New Roman" pitchFamily="18" charset="0"/>
+                <a:hlinkClick r:id="rId17" action="ppaction://hlinksldjump"/>
               </a:rPr>
               <a:t>, в процессе отладки движений робота</a:t>
             </a:r>
+            <a:endParaRPr lang="ru-RU" sz="1600" dirty="0" smtClean="0">
+              <a:latin typeface="Times New Roman" pitchFamily="18" charset="0"/>
+              <a:cs typeface="Times New Roman" pitchFamily="18" charset="0"/>
+            </a:endParaRPr>
           </a:p>
           <a:p>
             <a:pPr marL="914400" indent="-914400">
@@ -6651,6 +6673,7 @@
               <a:rPr lang="ru-RU" sz="1600" dirty="0" smtClean="0">
                 <a:latin typeface="Times New Roman" pitchFamily="18" charset="0"/>
                 <a:cs typeface="Times New Roman" pitchFamily="18" charset="0"/>
+                <a:hlinkClick r:id="rId18" action="ppaction://hlinksldjump"/>
               </a:rPr>
               <a:t>Основное окно программы </a:t>
             </a:r>
@@ -6658,6 +6681,7 @@
               <a:rPr lang="en-US" sz="1600" dirty="0" err="1" smtClean="0">
                 <a:latin typeface="Times New Roman" pitchFamily="18" charset="0"/>
                 <a:cs typeface="Times New Roman" pitchFamily="18" charset="0"/>
+                <a:hlinkClick r:id="rId18" action="ppaction://hlinksldjump"/>
               </a:rPr>
               <a:t>RobotController</a:t>
             </a:r>
@@ -6665,9 +6689,14 @@
               <a:rPr lang="ru-RU" sz="1600" dirty="0" smtClean="0">
                 <a:latin typeface="Times New Roman" pitchFamily="18" charset="0"/>
                 <a:cs typeface="Times New Roman" pitchFamily="18" charset="0"/>
+                <a:hlinkClick r:id="rId18" action="ppaction://hlinksldjump"/>
               </a:rPr>
               <a:t>, модель на 20 сервоприводов</a:t>
             </a:r>
+            <a:endParaRPr lang="ru-RU" sz="1600" dirty="0" smtClean="0">
+              <a:latin typeface="Times New Roman" pitchFamily="18" charset="0"/>
+              <a:cs typeface="Times New Roman" pitchFamily="18" charset="0"/>
+            </a:endParaRPr>
           </a:p>
           <a:p>
             <a:pPr marL="914400" indent="-914400">
@@ -6678,6 +6707,7 @@
               <a:rPr lang="ru-RU" sz="1600" dirty="0" smtClean="0">
                 <a:latin typeface="Times New Roman" pitchFamily="18" charset="0"/>
                 <a:cs typeface="Times New Roman" pitchFamily="18" charset="0"/>
+                <a:hlinkClick r:id="rId19" action="ppaction://hlinksldjump"/>
               </a:rPr>
               <a:t>Выводы по работе</a:t>
             </a:r>
@@ -6695,9 +6725,14 @@
               <a:rPr lang="ru-RU" sz="1600" dirty="0" smtClean="0">
                 <a:latin typeface="Times New Roman" pitchFamily="18" charset="0"/>
                 <a:cs typeface="Times New Roman" pitchFamily="18" charset="0"/>
-              </a:rPr>
-              <a:t>Конечный слайд</a:t>
-            </a:r>
+                <a:hlinkClick r:id="rId20" action="ppaction://hlinksldjump"/>
+              </a:rPr>
+              <a:t>Спасибо за внимание</a:t>
+            </a:r>
+            <a:endParaRPr lang="ru-RU" sz="1600" dirty="0" smtClean="0">
+              <a:latin typeface="Times New Roman" pitchFamily="18" charset="0"/>
+              <a:cs typeface="Times New Roman" pitchFamily="18" charset="0"/>
+            </a:endParaRPr>
           </a:p>
           <a:p>
             <a:pPr marL="914400" indent="-914400">
@@ -6708,9 +6743,14 @@
               <a:rPr lang="ru-RU" sz="1600" dirty="0" smtClean="0">
                 <a:latin typeface="Times New Roman" pitchFamily="18" charset="0"/>
                 <a:cs typeface="Times New Roman" pitchFamily="18" charset="0"/>
+                <a:hlinkClick r:id="rId21" action="ppaction://hlinksldjump"/>
               </a:rPr>
               <a:t>Содержание</a:t>
             </a:r>
+            <a:endParaRPr lang="ru-RU" sz="1600" dirty="0" smtClean="0">
+              <a:latin typeface="Times New Roman" pitchFamily="18" charset="0"/>
+              <a:cs typeface="Times New Roman" pitchFamily="18" charset="0"/>
+            </a:endParaRPr>
           </a:p>
           <a:p>
             <a:pPr algn="just">
@@ -6780,7 +6820,7 @@
           <p:cNvPr id="4" name="Заголовок 1">
             <a:extLst>
               <a:ext uri="{FF2B5EF4-FFF2-40B4-BE49-F238E27FC236}">
-                <a16:creationId xmlns="" xmlns:a16="http://schemas.microsoft.com/office/drawing/2014/main" id="{9BE103FA-346E-4AD0-A528-E8B5B5B30E11}"/>
+                <a16:creationId xmlns:a16="http://schemas.microsoft.com/office/drawing/2014/main" xmlns="" id="{9BE103FA-346E-4AD0-A528-E8B5B5B30E11}"/>
               </a:ext>
             </a:extLst>
           </p:cNvPr>
@@ -6816,7 +6856,7 @@
           <p:cNvPr id="5" name="Объект 2">
             <a:extLst>
               <a:ext uri="{FF2B5EF4-FFF2-40B4-BE49-F238E27FC236}">
-                <a16:creationId xmlns="" xmlns:a16="http://schemas.microsoft.com/office/drawing/2014/main" id="{F3ABAB10-2768-4209-9C26-64C71481E109}"/>
+                <a16:creationId xmlns:a16="http://schemas.microsoft.com/office/drawing/2014/main" xmlns="" id="{F3ABAB10-2768-4209-9C26-64C71481E109}"/>
               </a:ext>
             </a:extLst>
           </p:cNvPr>

--- a/Дипломная Волков.pptx
+++ b/Дипломная Волков.pptx
@@ -216,7 +216,7 @@
             <a:fld id="{5F4C3E1F-8F02-4B6E-BE01-AE811F44C78A}" type="datetimeFigureOut">
               <a:rPr lang="ru-RU" smtClean="0"/>
               <a:pPr/>
-              <a:t>06.06.2023</a:t>
+              <a:t>17.06.2023</a:t>
             </a:fld>
             <a:endParaRPr lang="ru-RU"/>
           </a:p>
@@ -378,7 +378,7 @@
             <a:fld id="{2B77361B-FA97-4712-A320-857CD6874498}" type="datetimeFigureOut">
               <a:rPr lang="ru-RU" smtClean="0"/>
               <a:pPr/>
-              <a:t>06.06.2023</a:t>
+              <a:t>17.06.2023</a:t>
             </a:fld>
             <a:endParaRPr lang="ru-RU"/>
           </a:p>
@@ -1235,7 +1235,7 @@
             <a:fld id="{48796433-FCAE-4265-BEE5-7FFD7A6D00EA}" type="datetime1">
               <a:rPr lang="ru-RU" smtClean="0"/>
               <a:pPr/>
-              <a:t>06.06.2023</a:t>
+              <a:t>17.06.2023</a:t>
             </a:fld>
             <a:endParaRPr lang="ru-RU"/>
           </a:p>
@@ -1402,7 +1402,7 @@
             <a:fld id="{825BD699-2E58-4557-8CF0-BBBBC09C198E}" type="datetime1">
               <a:rPr lang="ru-RU" smtClean="0"/>
               <a:pPr/>
-              <a:t>06.06.2023</a:t>
+              <a:t>17.06.2023</a:t>
             </a:fld>
             <a:endParaRPr lang="ru-RU"/>
           </a:p>
@@ -1579,7 +1579,7 @@
             <a:fld id="{A4FC9FCA-275F-46B7-8856-C2015763651D}" type="datetime1">
               <a:rPr lang="ru-RU" smtClean="0"/>
               <a:pPr/>
-              <a:t>06.06.2023</a:t>
+              <a:t>17.06.2023</a:t>
             </a:fld>
             <a:endParaRPr lang="ru-RU"/>
           </a:p>
@@ -1746,7 +1746,7 @@
             <a:fld id="{328E49B8-C74E-4DA9-B638-56B3C27B037C}" type="datetime1">
               <a:rPr lang="ru-RU" smtClean="0"/>
               <a:pPr/>
-              <a:t>06.06.2023</a:t>
+              <a:t>17.06.2023</a:t>
             </a:fld>
             <a:endParaRPr lang="ru-RU"/>
           </a:p>
@@ -1989,7 +1989,7 @@
             <a:fld id="{BBD9AC8D-70D0-4530-9017-FF1075ECEE87}" type="datetime1">
               <a:rPr lang="ru-RU" smtClean="0"/>
               <a:pPr/>
-              <a:t>06.06.2023</a:t>
+              <a:t>17.06.2023</a:t>
             </a:fld>
             <a:endParaRPr lang="ru-RU"/>
           </a:p>
@@ -2274,7 +2274,7 @@
             <a:fld id="{D811626C-1939-40C4-B96A-3F88897B7B00}" type="datetime1">
               <a:rPr lang="ru-RU" smtClean="0"/>
               <a:pPr/>
-              <a:t>06.06.2023</a:t>
+              <a:t>17.06.2023</a:t>
             </a:fld>
             <a:endParaRPr lang="ru-RU"/>
           </a:p>
@@ -2693,7 +2693,7 @@
             <a:fld id="{0D2161AD-3CA8-44FA-A474-6FF071CE1BE8}" type="datetime1">
               <a:rPr lang="ru-RU" smtClean="0"/>
               <a:pPr/>
-              <a:t>06.06.2023</a:t>
+              <a:t>17.06.2023</a:t>
             </a:fld>
             <a:endParaRPr lang="ru-RU"/>
           </a:p>
@@ -2808,7 +2808,7 @@
             <a:fld id="{FA001328-CF1D-47CB-B4FB-322C929C9BF4}" type="datetime1">
               <a:rPr lang="ru-RU" smtClean="0"/>
               <a:pPr/>
-              <a:t>06.06.2023</a:t>
+              <a:t>17.06.2023</a:t>
             </a:fld>
             <a:endParaRPr lang="ru-RU"/>
           </a:p>
@@ -2900,7 +2900,7 @@
             <a:fld id="{6133CAA4-9EBA-4C88-9AA7-318504631F39}" type="datetime1">
               <a:rPr lang="ru-RU" smtClean="0"/>
               <a:pPr/>
-              <a:t>06.06.2023</a:t>
+              <a:t>17.06.2023</a:t>
             </a:fld>
             <a:endParaRPr lang="ru-RU"/>
           </a:p>
@@ -3174,7 +3174,7 @@
             <a:fld id="{86AF6C1F-1A91-4256-8CA8-3B2EF3FEFB97}" type="datetime1">
               <a:rPr lang="ru-RU" smtClean="0"/>
               <a:pPr/>
-              <a:t>06.06.2023</a:t>
+              <a:t>17.06.2023</a:t>
             </a:fld>
             <a:endParaRPr lang="ru-RU"/>
           </a:p>
@@ -3424,7 +3424,7 @@
             <a:fld id="{3688C4C4-BCF1-4EB0-8AC7-16A5F3A7BC9B}" type="datetime1">
               <a:rPr lang="ru-RU" smtClean="0"/>
               <a:pPr/>
-              <a:t>06.06.2023</a:t>
+              <a:t>17.06.2023</a:t>
             </a:fld>
             <a:endParaRPr lang="ru-RU"/>
           </a:p>
@@ -3634,7 +3634,7 @@
             <a:fld id="{44FE96CB-CF72-4671-B5E2-123AB3CA4369}" type="datetime1">
               <a:rPr lang="ru-RU" smtClean="0"/>
               <a:pPr/>
-              <a:t>06.06.2023</a:t>
+              <a:t>17.06.2023</a:t>
             </a:fld>
             <a:endParaRPr lang="ru-RU"/>
           </a:p>
@@ -4011,7 +4011,7 @@
           <p:cNvPr id="10" name="Заголовок 1">
             <a:extLst>
               <a:ext uri="{FF2B5EF4-FFF2-40B4-BE49-F238E27FC236}">
-                <a16:creationId xmlns:a16="http://schemas.microsoft.com/office/drawing/2014/main" xmlns="" id="{01503706-744B-410E-9B65-8610A72CF07B}"/>
+                <a16:creationId xmlns="" xmlns:a16="http://schemas.microsoft.com/office/drawing/2014/main" id="{01503706-744B-410E-9B65-8610A72CF07B}"/>
               </a:ext>
             </a:extLst>
           </p:cNvPr>
@@ -4133,7 +4133,7 @@
           <p:cNvPr id="11" name="Text 1">
             <a:extLst>
               <a:ext uri="{FF2B5EF4-FFF2-40B4-BE49-F238E27FC236}">
-                <a16:creationId xmlns:a16="http://schemas.microsoft.com/office/drawing/2014/main" xmlns="" id="{72037010-A9D9-49AF-A594-5EF9D266FCEE}"/>
+                <a16:creationId xmlns="" xmlns:a16="http://schemas.microsoft.com/office/drawing/2014/main" id="{72037010-A9D9-49AF-A594-5EF9D266FCEE}"/>
               </a:ext>
             </a:extLst>
           </p:cNvPr>
@@ -4221,7 +4221,7 @@
           <p:cNvPr id="12" name="Text 2">
             <a:extLst>
               <a:ext uri="{FF2B5EF4-FFF2-40B4-BE49-F238E27FC236}">
-                <a16:creationId xmlns:a16="http://schemas.microsoft.com/office/drawing/2014/main" xmlns="" id="{B0971291-6D9C-47F2-A6FD-1EC86B60B829}"/>
+                <a16:creationId xmlns="" xmlns:a16="http://schemas.microsoft.com/office/drawing/2014/main" id="{B0971291-6D9C-47F2-A6FD-1EC86B60B829}"/>
               </a:ext>
             </a:extLst>
           </p:cNvPr>
@@ -4297,7 +4297,7 @@
           <p:cNvPr id="13" name="Text 3">
             <a:extLst>
               <a:ext uri="{FF2B5EF4-FFF2-40B4-BE49-F238E27FC236}">
-                <a16:creationId xmlns:a16="http://schemas.microsoft.com/office/drawing/2014/main" xmlns="" id="{538F249A-B0DE-403E-AFB7-2D456552B392}"/>
+                <a16:creationId xmlns="" xmlns:a16="http://schemas.microsoft.com/office/drawing/2014/main" id="{538F249A-B0DE-403E-AFB7-2D456552B392}"/>
               </a:ext>
             </a:extLst>
           </p:cNvPr>
@@ -4364,30 +4364,6 @@
               <a:latin typeface="Times New Roman" panose="02020603050405020304" pitchFamily="18" charset="0"/>
               <a:cs typeface="Times New Roman" panose="02020603050405020304" pitchFamily="18" charset="0"/>
             </a:endParaRPr>
-          </a:p>
-        </p:txBody>
-      </p:sp>
-      <p:sp>
-        <p:nvSpPr>
-          <p:cNvPr id="16" name="Номер слайда 15"/>
-          <p:cNvSpPr>
-            <a:spLocks noGrp="1"/>
-          </p:cNvSpPr>
-          <p:nvPr>
-            <p:ph type="sldNum" sz="quarter" idx="12"/>
-          </p:nvPr>
-        </p:nvSpPr>
-        <p:spPr/>
-        <p:txBody>
-          <a:bodyPr/>
-          <a:lstStyle/>
-          <a:p>
-            <a:fld id="{725C68B6-61C2-468F-89AB-4B9F7531AA68}" type="slidenum">
-              <a:rPr lang="ru-RU" smtClean="0"/>
-              <a:pPr/>
-              <a:t>1</a:t>
-            </a:fld>
-            <a:endParaRPr lang="ru-RU"/>
           </a:p>
         </p:txBody>
       </p:sp>
@@ -5933,7 +5909,7 @@
           <p:cNvPr id="4" name="Заголовок 1">
             <a:extLst>
               <a:ext uri="{FF2B5EF4-FFF2-40B4-BE49-F238E27FC236}">
-                <a16:creationId xmlns:a16="http://schemas.microsoft.com/office/drawing/2014/main" xmlns="" id="{46B763F4-6301-4314-A941-A1986AE510F1}"/>
+                <a16:creationId xmlns="" xmlns:a16="http://schemas.microsoft.com/office/drawing/2014/main" id="{46B763F4-6301-4314-A941-A1986AE510F1}"/>
               </a:ext>
             </a:extLst>
           </p:cNvPr>
@@ -5977,7 +5953,7 @@
           <p:cNvPr id="5" name="Объект 2">
             <a:extLst>
               <a:ext uri="{FF2B5EF4-FFF2-40B4-BE49-F238E27FC236}">
-                <a16:creationId xmlns:a16="http://schemas.microsoft.com/office/drawing/2014/main" xmlns="" id="{C83B88B7-2124-4F37-8698-952C557AED7B}"/>
+                <a16:creationId xmlns="" xmlns:a16="http://schemas.microsoft.com/office/drawing/2014/main" id="{C83B88B7-2124-4F37-8698-952C557AED7B}"/>
               </a:ext>
             </a:extLst>
           </p:cNvPr>
@@ -6820,7 +6796,7 @@
           <p:cNvPr id="4" name="Заголовок 1">
             <a:extLst>
               <a:ext uri="{FF2B5EF4-FFF2-40B4-BE49-F238E27FC236}">
-                <a16:creationId xmlns:a16="http://schemas.microsoft.com/office/drawing/2014/main" xmlns="" id="{9BE103FA-346E-4AD0-A528-E8B5B5B30E11}"/>
+                <a16:creationId xmlns="" xmlns:a16="http://schemas.microsoft.com/office/drawing/2014/main" id="{9BE103FA-346E-4AD0-A528-E8B5B5B30E11}"/>
               </a:ext>
             </a:extLst>
           </p:cNvPr>
@@ -6856,7 +6832,7 @@
           <p:cNvPr id="5" name="Объект 2">
             <a:extLst>
               <a:ext uri="{FF2B5EF4-FFF2-40B4-BE49-F238E27FC236}">
-                <a16:creationId xmlns:a16="http://schemas.microsoft.com/office/drawing/2014/main" xmlns="" id="{F3ABAB10-2768-4209-9C26-64C71481E109}"/>
+                <a16:creationId xmlns="" xmlns:a16="http://schemas.microsoft.com/office/drawing/2014/main" id="{F3ABAB10-2768-4209-9C26-64C71481E109}"/>
               </a:ext>
             </a:extLst>
           </p:cNvPr>
@@ -7407,8 +7383,8 @@
           </p:nvPr>
         </p:nvGraphicFramePr>
         <p:xfrm>
-          <a:off x="609600" y="1600200"/>
-          <a:ext cx="10971212" cy="4565897"/>
+          <a:off x="550589" y="1600200"/>
+          <a:ext cx="11233249" cy="4760973"/>
         </p:xfrm>
         <a:graphic>
           <a:graphicData uri="http://schemas.openxmlformats.org/drawingml/2006/table">
@@ -7417,10 +7393,10 @@
                 <a:tableStyleId>{5C22544A-7EE6-4342-B048-85BDC9FD1C3A}</a:tableStyleId>
               </a:tblPr>
               <a:tblGrid>
-                <a:gridCol w="4477494"/>
+                <a:gridCol w="4464497"/>
                 <a:gridCol w="2016224"/>
-                <a:gridCol w="2304256"/>
-                <a:gridCol w="2173238"/>
+                <a:gridCol w="2421098"/>
+                <a:gridCol w="2331430"/>
               </a:tblGrid>
               <a:tr h="652271">
                 <a:tc>
@@ -7429,7 +7405,7 @@
                     <a:lstStyle/>
                     <a:p>
                       <a:r>
-                        <a:rPr lang="ru-RU" b="0" dirty="0" smtClean="0">
+                        <a:rPr lang="ru-RU" sz="2000" b="0" dirty="0" smtClean="0">
                           <a:solidFill>
                             <a:schemeClr val="tx1"/>
                           </a:solidFill>
@@ -7439,7 +7415,7 @@
                         <a:t>Характеристики </a:t>
                       </a:r>
                       <a:r>
-                        <a:rPr lang="en-US" b="0" dirty="0" smtClean="0">
+                        <a:rPr lang="en-US" sz="2000" b="0" dirty="0" smtClean="0">
                           <a:solidFill>
                             <a:schemeClr val="tx1"/>
                           </a:solidFill>
@@ -7449,7 +7425,7 @@
                         <a:t>/</a:t>
                       </a:r>
                       <a:r>
-                        <a:rPr lang="ru-RU" b="0" dirty="0" smtClean="0">
+                        <a:rPr lang="ru-RU" sz="2000" b="0" dirty="0" smtClean="0">
                           <a:solidFill>
                             <a:schemeClr val="tx1"/>
                           </a:solidFill>
@@ -7459,7 +7435,7 @@
                         <a:t> Название</a:t>
                       </a:r>
                       <a:r>
-                        <a:rPr lang="en-US" b="0" dirty="0" smtClean="0">
+                        <a:rPr lang="en-US" sz="2000" b="0" dirty="0" smtClean="0">
                           <a:solidFill>
                             <a:schemeClr val="tx1"/>
                           </a:solidFill>
@@ -7469,7 +7445,7 @@
                         <a:t> </a:t>
                       </a:r>
                       <a:r>
-                        <a:rPr lang="ru-RU" b="0" dirty="0" smtClean="0">
+                        <a:rPr lang="ru-RU" sz="2000" b="0" dirty="0" smtClean="0">
                           <a:solidFill>
                             <a:schemeClr val="tx1"/>
                           </a:solidFill>
@@ -7478,7 +7454,7 @@
                         </a:rPr>
                         <a:t>программы</a:t>
                       </a:r>
-                      <a:endParaRPr lang="ru-RU" b="0" dirty="0">
+                      <a:endParaRPr lang="ru-RU" sz="2000" b="0" dirty="0">
                         <a:solidFill>
                           <a:schemeClr val="tx1"/>
                         </a:solidFill>
@@ -7541,7 +7517,7 @@
                     <a:lstStyle/>
                     <a:p>
                       <a:r>
-                        <a:rPr lang="en-US" sz="1800" b="0" dirty="0" err="1" smtClean="0">
+                        <a:rPr lang="en-US" sz="2000" b="0" dirty="0" err="1" smtClean="0">
                           <a:solidFill>
                             <a:prstClr val="black"/>
                           </a:solidFill>
@@ -7552,7 +7528,7 @@
                         <a:t>RoboPlus</a:t>
                       </a:r>
                       <a:r>
-                        <a:rPr lang="en-US" sz="1800" b="0" dirty="0" smtClean="0">
+                        <a:rPr lang="en-US" sz="2000" b="0" dirty="0" smtClean="0">
                           <a:solidFill>
                             <a:prstClr val="black"/>
                           </a:solidFill>
@@ -7563,7 +7539,7 @@
                         <a:t> Motion</a:t>
                       </a:r>
                       <a:r>
-                        <a:rPr lang="ru-RU" sz="1800" b="0" dirty="0" smtClean="0">
+                        <a:rPr lang="ru-RU" sz="2000" b="0" dirty="0" smtClean="0">
                           <a:solidFill>
                             <a:prstClr val="black"/>
                           </a:solidFill>
@@ -7573,7 +7549,7 @@
                         </a:rPr>
                         <a:t> </a:t>
                       </a:r>
-                      <a:endParaRPr lang="ru-RU" b="0" dirty="0"/>
+                      <a:endParaRPr lang="ru-RU" sz="2000" b="0" dirty="0"/>
                     </a:p>
                   </a:txBody>
                   <a:tcPr>
@@ -7630,7 +7606,7 @@
                     <a:lstStyle/>
                     <a:p>
                       <a:r>
-                        <a:rPr lang="en-US" sz="1800" b="0" dirty="0" err="1" smtClean="0">
+                        <a:rPr lang="en-US" sz="2000" b="0" dirty="0" err="1" smtClean="0">
                           <a:solidFill>
                             <a:prstClr val="black"/>
                           </a:solidFill>
@@ -7641,7 +7617,7 @@
                         <a:t>RoboPlus</a:t>
                       </a:r>
                       <a:r>
-                        <a:rPr lang="en-US" sz="1800" b="0" dirty="0" smtClean="0">
+                        <a:rPr lang="en-US" sz="2000" b="0" dirty="0" smtClean="0">
                           <a:solidFill>
                             <a:prstClr val="black"/>
                           </a:solidFill>
@@ -7652,7 +7628,7 @@
                         <a:t> Motion 2.0</a:t>
                       </a:r>
                       <a:r>
-                        <a:rPr lang="ru-RU" sz="1800" b="0" dirty="0" smtClean="0">
+                        <a:rPr lang="ru-RU" sz="2000" b="0" dirty="0" smtClean="0">
                           <a:solidFill>
                             <a:prstClr val="black"/>
                           </a:solidFill>
@@ -7662,7 +7638,7 @@
                         </a:rPr>
                         <a:t> </a:t>
                       </a:r>
-                      <a:endParaRPr lang="ru-RU" b="0" dirty="0"/>
+                      <a:endParaRPr lang="ru-RU" sz="2000" b="0" dirty="0"/>
                     </a:p>
                   </a:txBody>
                   <a:tcPr>
@@ -7719,7 +7695,7 @@
                     <a:lstStyle/>
                     <a:p>
                       <a:r>
-                        <a:rPr lang="en-US" sz="1800" b="0" dirty="0" err="1" smtClean="0">
+                        <a:rPr lang="en-US" sz="2000" b="0" dirty="0" err="1" smtClean="0">
                           <a:solidFill>
                             <a:prstClr val="black"/>
                           </a:solidFill>
@@ -7730,7 +7706,7 @@
                         <a:t>Hiwonder</a:t>
                       </a:r>
                       <a:r>
-                        <a:rPr lang="en-US" sz="1800" b="0" dirty="0" smtClean="0">
+                        <a:rPr lang="en-US" sz="2000" b="0" dirty="0" smtClean="0">
                           <a:solidFill>
                             <a:prstClr val="black"/>
                           </a:solidFill>
@@ -7741,7 +7717,7 @@
                         <a:t> </a:t>
                       </a:r>
                       <a:r>
-                        <a:rPr lang="en-US" sz="1800" b="0" dirty="0" err="1" smtClean="0">
+                        <a:rPr lang="en-US" sz="2000" b="0" dirty="0" err="1" smtClean="0">
                           <a:solidFill>
                             <a:prstClr val="black"/>
                           </a:solidFill>
@@ -7752,7 +7728,7 @@
                         <a:t>RoboSoul</a:t>
                       </a:r>
                       <a:r>
-                        <a:rPr lang="ru-RU" sz="1800" b="0" dirty="0" smtClean="0">
+                        <a:rPr lang="ru-RU" sz="2000" b="0" dirty="0" smtClean="0">
                           <a:solidFill>
                             <a:prstClr val="black"/>
                           </a:solidFill>
@@ -7762,7 +7738,7 @@
                         </a:rPr>
                         <a:t> </a:t>
                       </a:r>
-                      <a:endParaRPr lang="ru-RU" b="0" dirty="0"/>
+                      <a:endParaRPr lang="ru-RU" sz="2000" b="0" dirty="0"/>
                     </a:p>
                   </a:txBody>
                   <a:tcPr>
@@ -7821,20 +7797,20 @@
                     <a:lstStyle/>
                     <a:p>
                       <a:r>
-                        <a:rPr lang="ru-RU" dirty="0" smtClean="0">
+                        <a:rPr lang="ru-RU" sz="2000" dirty="0" smtClean="0">
                           <a:latin typeface="Times New Roman" pitchFamily="18" charset="0"/>
                           <a:cs typeface="Times New Roman" pitchFamily="18" charset="0"/>
                         </a:rPr>
                         <a:t>Совместимость с </a:t>
                       </a:r>
                       <a:r>
-                        <a:rPr lang="en-US" dirty="0" err="1" smtClean="0">
+                        <a:rPr lang="en-US" sz="2000" dirty="0" err="1" smtClean="0">
                           <a:latin typeface="Times New Roman" pitchFamily="18" charset="0"/>
                           <a:cs typeface="Times New Roman" pitchFamily="18" charset="0"/>
                         </a:rPr>
                         <a:t>Arduino</a:t>
                       </a:r>
-                      <a:endParaRPr lang="ru-RU" dirty="0">
+                      <a:endParaRPr lang="ru-RU" sz="2000" dirty="0">
                         <a:latin typeface="Times New Roman" pitchFamily="18" charset="0"/>
                         <a:cs typeface="Times New Roman" pitchFamily="18" charset="0"/>
                       </a:endParaRPr>
@@ -7895,13 +7871,13 @@
                     <a:p>
                       <a:pPr algn="ctr"/>
                       <a:r>
-                        <a:rPr lang="ru-RU" dirty="0" smtClean="0">
+                        <a:rPr lang="ru-RU" sz="2000" dirty="0" smtClean="0">
                           <a:latin typeface="Times New Roman" pitchFamily="18" charset="0"/>
                           <a:cs typeface="Times New Roman" pitchFamily="18" charset="0"/>
                         </a:rPr>
                         <a:t>нет</a:t>
                       </a:r>
-                      <a:endParaRPr lang="ru-RU" dirty="0">
+                      <a:endParaRPr lang="ru-RU" sz="2000" dirty="0">
                         <a:latin typeface="Times New Roman" pitchFamily="18" charset="0"/>
                         <a:cs typeface="Times New Roman" pitchFamily="18" charset="0"/>
                       </a:endParaRPr>
@@ -7962,13 +7938,13 @@
                     <a:p>
                       <a:pPr algn="ctr"/>
                       <a:r>
-                        <a:rPr lang="ru-RU" dirty="0" smtClean="0">
+                        <a:rPr lang="ru-RU" sz="2000" dirty="0" smtClean="0">
                           <a:latin typeface="Times New Roman" pitchFamily="18" charset="0"/>
                           <a:cs typeface="Times New Roman" pitchFamily="18" charset="0"/>
                         </a:rPr>
                         <a:t>нет</a:t>
                       </a:r>
-                      <a:endParaRPr lang="ru-RU" dirty="0">
+                      <a:endParaRPr lang="ru-RU" sz="2000" dirty="0">
                         <a:latin typeface="Times New Roman" pitchFamily="18" charset="0"/>
                         <a:cs typeface="Times New Roman" pitchFamily="18" charset="0"/>
                       </a:endParaRPr>
@@ -8029,13 +8005,13 @@
                     <a:p>
                       <a:pPr algn="ctr"/>
                       <a:r>
-                        <a:rPr lang="ru-RU" dirty="0" smtClean="0">
+                        <a:rPr lang="ru-RU" sz="2000" dirty="0" smtClean="0">
                           <a:latin typeface="Times New Roman" pitchFamily="18" charset="0"/>
                           <a:cs typeface="Times New Roman" pitchFamily="18" charset="0"/>
                         </a:rPr>
                         <a:t>нет</a:t>
                       </a:r>
-                      <a:endParaRPr lang="ru-RU" dirty="0">
+                      <a:endParaRPr lang="ru-RU" sz="2000" dirty="0">
                         <a:latin typeface="Times New Roman" pitchFamily="18" charset="0"/>
                         <a:cs typeface="Times New Roman" pitchFamily="18" charset="0"/>
                       </a:endParaRPr>
@@ -8114,7 +8090,7 @@
                         <a:defRPr/>
                       </a:pPr>
                       <a:r>
-                        <a:rPr lang="ru-RU" dirty="0" smtClean="0">
+                        <a:rPr lang="ru-RU" sz="2000" dirty="0" smtClean="0">
                           <a:latin typeface="Times New Roman" pitchFamily="18" charset="0"/>
                           <a:cs typeface="Times New Roman" pitchFamily="18" charset="0"/>
                         </a:rPr>
@@ -8122,7 +8098,7 @@
                       </a:r>
                     </a:p>
                     <a:p>
-                      <a:endParaRPr lang="ru-RU" dirty="0">
+                      <a:endParaRPr lang="ru-RU" sz="2000" dirty="0">
                         <a:latin typeface="Times New Roman" pitchFamily="18" charset="0"/>
                         <a:cs typeface="Times New Roman" pitchFamily="18" charset="0"/>
                       </a:endParaRPr>
@@ -8183,13 +8159,13 @@
                     <a:p>
                       <a:pPr algn="ctr"/>
                       <a:r>
-                        <a:rPr lang="ru-RU" dirty="0" smtClean="0">
+                        <a:rPr lang="ru-RU" sz="2000" dirty="0" smtClean="0">
                           <a:latin typeface="Times New Roman" pitchFamily="18" charset="0"/>
                           <a:cs typeface="Times New Roman" pitchFamily="18" charset="0"/>
                         </a:rPr>
                         <a:t>нет</a:t>
                       </a:r>
-                      <a:endParaRPr lang="ru-RU" dirty="0">
+                      <a:endParaRPr lang="ru-RU" sz="2000" dirty="0">
                         <a:latin typeface="Times New Roman" pitchFamily="18" charset="0"/>
                         <a:cs typeface="Times New Roman" pitchFamily="18" charset="0"/>
                       </a:endParaRPr>
@@ -8250,13 +8226,13 @@
                     <a:p>
                       <a:pPr algn="ctr"/>
                       <a:r>
-                        <a:rPr lang="ru-RU" dirty="0" smtClean="0">
+                        <a:rPr lang="ru-RU" sz="2000" dirty="0" smtClean="0">
                           <a:latin typeface="Times New Roman" pitchFamily="18" charset="0"/>
                           <a:cs typeface="Times New Roman" pitchFamily="18" charset="0"/>
                         </a:rPr>
                         <a:t>нет</a:t>
                       </a:r>
-                      <a:endParaRPr lang="ru-RU" dirty="0">
+                      <a:endParaRPr lang="ru-RU" sz="2000" dirty="0">
                         <a:latin typeface="Times New Roman" pitchFamily="18" charset="0"/>
                         <a:cs typeface="Times New Roman" pitchFamily="18" charset="0"/>
                       </a:endParaRPr>
@@ -8317,13 +8293,13 @@
                     <a:p>
                       <a:pPr algn="ctr"/>
                       <a:r>
-                        <a:rPr lang="ru-RU" dirty="0" smtClean="0">
+                        <a:rPr lang="ru-RU" sz="2000" dirty="0" smtClean="0">
                           <a:latin typeface="Times New Roman" pitchFamily="18" charset="0"/>
                           <a:cs typeface="Times New Roman" pitchFamily="18" charset="0"/>
                         </a:rPr>
                         <a:t>нет</a:t>
                       </a:r>
-                      <a:endParaRPr lang="ru-RU" dirty="0">
+                      <a:endParaRPr lang="ru-RU" sz="2000" dirty="0">
                         <a:latin typeface="Times New Roman" pitchFamily="18" charset="0"/>
                         <a:cs typeface="Times New Roman" pitchFamily="18" charset="0"/>
                       </a:endParaRPr>
@@ -8402,7 +8378,7 @@
                         <a:defRPr/>
                       </a:pPr>
                       <a:r>
-                        <a:rPr lang="ru-RU" dirty="0" smtClean="0">
+                        <a:rPr lang="ru-RU" sz="2000" dirty="0" smtClean="0">
                           <a:latin typeface="Times New Roman" pitchFamily="18" charset="0"/>
                           <a:cs typeface="Times New Roman" pitchFamily="18" charset="0"/>
                         </a:rPr>
@@ -8410,7 +8386,7 @@
                       </a:r>
                     </a:p>
                     <a:p>
-                      <a:endParaRPr lang="ru-RU" dirty="0">
+                      <a:endParaRPr lang="ru-RU" sz="2000" dirty="0">
                         <a:latin typeface="Times New Roman" pitchFamily="18" charset="0"/>
                         <a:cs typeface="Times New Roman" pitchFamily="18" charset="0"/>
                       </a:endParaRPr>
@@ -8471,13 +8447,13 @@
                     <a:p>
                       <a:pPr algn="ctr"/>
                       <a:r>
-                        <a:rPr lang="ru-RU" dirty="0" smtClean="0">
+                        <a:rPr lang="ru-RU" sz="2000" dirty="0" smtClean="0">
                           <a:latin typeface="Times New Roman" pitchFamily="18" charset="0"/>
                           <a:cs typeface="Times New Roman" pitchFamily="18" charset="0"/>
                         </a:rPr>
                         <a:t>нет</a:t>
                       </a:r>
-                      <a:endParaRPr lang="ru-RU" dirty="0">
+                      <a:endParaRPr lang="ru-RU" sz="2000" dirty="0">
                         <a:latin typeface="Times New Roman" pitchFamily="18" charset="0"/>
                         <a:cs typeface="Times New Roman" pitchFamily="18" charset="0"/>
                       </a:endParaRPr>
@@ -8538,13 +8514,13 @@
                     <a:p>
                       <a:pPr algn="ctr"/>
                       <a:r>
-                        <a:rPr lang="ru-RU" dirty="0" smtClean="0">
+                        <a:rPr lang="ru-RU" sz="2000" dirty="0" smtClean="0">
                           <a:latin typeface="Times New Roman" pitchFamily="18" charset="0"/>
                           <a:cs typeface="Times New Roman" pitchFamily="18" charset="0"/>
                         </a:rPr>
                         <a:t>есть</a:t>
                       </a:r>
-                      <a:endParaRPr lang="ru-RU" dirty="0">
+                      <a:endParaRPr lang="ru-RU" sz="2000" dirty="0">
                         <a:latin typeface="Times New Roman" pitchFamily="18" charset="0"/>
                         <a:cs typeface="Times New Roman" pitchFamily="18" charset="0"/>
                       </a:endParaRPr>
@@ -8605,13 +8581,13 @@
                     <a:p>
                       <a:pPr algn="ctr"/>
                       <a:r>
-                        <a:rPr lang="ru-RU" dirty="0" smtClean="0">
+                        <a:rPr lang="ru-RU" sz="2000" dirty="0" smtClean="0">
                           <a:latin typeface="Times New Roman" pitchFamily="18" charset="0"/>
                           <a:cs typeface="Times New Roman" pitchFamily="18" charset="0"/>
                         </a:rPr>
                         <a:t>есть</a:t>
                       </a:r>
-                      <a:endParaRPr lang="ru-RU" dirty="0">
+                      <a:endParaRPr lang="ru-RU" sz="2000" dirty="0">
                         <a:latin typeface="Times New Roman" pitchFamily="18" charset="0"/>
                         <a:cs typeface="Times New Roman" pitchFamily="18" charset="0"/>
                       </a:endParaRPr>
@@ -8690,7 +8666,7 @@
                         <a:defRPr/>
                       </a:pPr>
                       <a:r>
-                        <a:rPr lang="ru-RU" smtClean="0">
+                        <a:rPr lang="ru-RU" sz="2000" smtClean="0">
                           <a:latin typeface="Times New Roman" pitchFamily="18" charset="0"/>
                           <a:cs typeface="Times New Roman" pitchFamily="18" charset="0"/>
                         </a:rPr>
@@ -8698,7 +8674,7 @@
                       </a:r>
                     </a:p>
                     <a:p>
-                      <a:endParaRPr lang="ru-RU" dirty="0">
+                      <a:endParaRPr lang="ru-RU" sz="2000" dirty="0">
                         <a:latin typeface="Times New Roman" pitchFamily="18" charset="0"/>
                         <a:cs typeface="Times New Roman" pitchFamily="18" charset="0"/>
                       </a:endParaRPr>
@@ -8759,13 +8735,13 @@
                     <a:p>
                       <a:pPr algn="ctr"/>
                       <a:r>
-                        <a:rPr lang="ru-RU" dirty="0" smtClean="0">
+                        <a:rPr lang="ru-RU" sz="2000" dirty="0" smtClean="0">
                           <a:latin typeface="Times New Roman" pitchFamily="18" charset="0"/>
                           <a:cs typeface="Times New Roman" pitchFamily="18" charset="0"/>
                         </a:rPr>
                         <a:t>нет</a:t>
                       </a:r>
-                      <a:endParaRPr lang="ru-RU" dirty="0">
+                      <a:endParaRPr lang="ru-RU" sz="2000" dirty="0">
                         <a:latin typeface="Times New Roman" pitchFamily="18" charset="0"/>
                         <a:cs typeface="Times New Roman" pitchFamily="18" charset="0"/>
                       </a:endParaRPr>
@@ -8826,13 +8802,13 @@
                     <a:p>
                       <a:pPr algn="ctr"/>
                       <a:r>
-                        <a:rPr lang="ru-RU" dirty="0" smtClean="0">
+                        <a:rPr lang="ru-RU" sz="2000" dirty="0" smtClean="0">
                           <a:latin typeface="Times New Roman" pitchFamily="18" charset="0"/>
                           <a:cs typeface="Times New Roman" pitchFamily="18" charset="0"/>
                         </a:rPr>
                         <a:t>есть</a:t>
                       </a:r>
-                      <a:endParaRPr lang="ru-RU" dirty="0">
+                      <a:endParaRPr lang="ru-RU" sz="2000" dirty="0">
                         <a:latin typeface="Times New Roman" pitchFamily="18" charset="0"/>
                         <a:cs typeface="Times New Roman" pitchFamily="18" charset="0"/>
                       </a:endParaRPr>
@@ -8893,13 +8869,13 @@
                     <a:p>
                       <a:pPr algn="ctr"/>
                       <a:r>
-                        <a:rPr lang="ru-RU" dirty="0" smtClean="0">
+                        <a:rPr lang="ru-RU" sz="2000" dirty="0" smtClean="0">
                           <a:latin typeface="Times New Roman" pitchFamily="18" charset="0"/>
                           <a:cs typeface="Times New Roman" pitchFamily="18" charset="0"/>
                         </a:rPr>
                         <a:t>есть</a:t>
                       </a:r>
-                      <a:endParaRPr lang="ru-RU" dirty="0">
+                      <a:endParaRPr lang="ru-RU" sz="2000" dirty="0">
                         <a:latin typeface="Times New Roman" pitchFamily="18" charset="0"/>
                         <a:cs typeface="Times New Roman" pitchFamily="18" charset="0"/>
                       </a:endParaRPr>
@@ -8978,40 +8954,40 @@
                         <a:defRPr/>
                       </a:pPr>
                       <a:r>
-                        <a:rPr lang="ru-RU" smtClean="0">
+                        <a:rPr lang="ru-RU" sz="2000" dirty="0" smtClean="0">
                           <a:latin typeface="Times New Roman" pitchFamily="18" charset="0"/>
                           <a:cs typeface="Times New Roman" pitchFamily="18" charset="0"/>
                         </a:rPr>
                         <a:t>3</a:t>
                       </a:r>
                       <a:r>
-                        <a:rPr lang="en-US" smtClean="0">
+                        <a:rPr lang="en-US" sz="2000" dirty="0" smtClean="0">
                           <a:latin typeface="Times New Roman" pitchFamily="18" charset="0"/>
                           <a:cs typeface="Times New Roman" pitchFamily="18" charset="0"/>
                         </a:rPr>
                         <a:t>D </a:t>
                       </a:r>
                       <a:r>
-                        <a:rPr lang="ru-RU" smtClean="0">
+                        <a:rPr lang="ru-RU" sz="2000" dirty="0" smtClean="0">
                           <a:latin typeface="Times New Roman" pitchFamily="18" charset="0"/>
                           <a:cs typeface="Times New Roman" pitchFamily="18" charset="0"/>
                         </a:rPr>
                         <a:t>визуализация</a:t>
                       </a:r>
                       <a:r>
-                        <a:rPr lang="ru-RU" baseline="0" smtClean="0">
+                        <a:rPr lang="ru-RU" sz="2000" baseline="0" dirty="0" smtClean="0">
                           <a:latin typeface="Times New Roman" pitchFamily="18" charset="0"/>
                           <a:cs typeface="Times New Roman" pitchFamily="18" charset="0"/>
                         </a:rPr>
                         <a:t> робота</a:t>
                       </a:r>
-                      <a:endParaRPr lang="ru-RU" smtClean="0">
+                      <a:endParaRPr lang="ru-RU" sz="2000" dirty="0" smtClean="0">
                         <a:latin typeface="Times New Roman" pitchFamily="18" charset="0"/>
                         <a:cs typeface="Times New Roman" pitchFamily="18" charset="0"/>
                       </a:endParaRPr>
                     </a:p>
                     <a:p>
-                      <a:endParaRPr lang="ru-RU" dirty="0">
+                      <a:endParaRPr lang="ru-RU" sz="2000" dirty="0">
                         <a:latin typeface="Times New Roman" pitchFamily="18" charset="0"/>
                         <a:cs typeface="Times New Roman" pitchFamily="18" charset="0"/>
                       </a:endParaRPr>
@@ -9072,13 +9048,13 @@
                     <a:p>
                       <a:pPr algn="ctr"/>
                       <a:r>
-                        <a:rPr lang="ru-RU" dirty="0" smtClean="0">
+                        <a:rPr lang="ru-RU" sz="2000" dirty="0" smtClean="0">
                           <a:latin typeface="Times New Roman" pitchFamily="18" charset="0"/>
                           <a:cs typeface="Times New Roman" pitchFamily="18" charset="0"/>
                         </a:rPr>
                         <a:t>есть</a:t>
                       </a:r>
-                      <a:endParaRPr lang="ru-RU" dirty="0">
+                      <a:endParaRPr lang="ru-RU" sz="2000" dirty="0">
                         <a:latin typeface="Times New Roman" pitchFamily="18" charset="0"/>
                         <a:cs typeface="Times New Roman" pitchFamily="18" charset="0"/>
                       </a:endParaRPr>
@@ -9139,13 +9115,13 @@
                     <a:p>
                       <a:pPr algn="ctr"/>
                       <a:r>
-                        <a:rPr lang="ru-RU" dirty="0" smtClean="0">
+                        <a:rPr lang="ru-RU" sz="2000" dirty="0" smtClean="0">
                           <a:latin typeface="Times New Roman" pitchFamily="18" charset="0"/>
                           <a:cs typeface="Times New Roman" pitchFamily="18" charset="0"/>
                         </a:rPr>
                         <a:t>есть</a:t>
                       </a:r>
-                      <a:endParaRPr lang="ru-RU" dirty="0">
+                      <a:endParaRPr lang="ru-RU" sz="2000" dirty="0">
                         <a:latin typeface="Times New Roman" pitchFamily="18" charset="0"/>
                         <a:cs typeface="Times New Roman" pitchFamily="18" charset="0"/>
                       </a:endParaRPr>
@@ -9206,13 +9182,13 @@
                     <a:p>
                       <a:pPr algn="ctr"/>
                       <a:r>
-                        <a:rPr lang="ru-RU" dirty="0" smtClean="0">
+                        <a:rPr lang="ru-RU" sz="2000" dirty="0" smtClean="0">
                           <a:latin typeface="Times New Roman" pitchFamily="18" charset="0"/>
                           <a:cs typeface="Times New Roman" pitchFamily="18" charset="0"/>
                         </a:rPr>
                         <a:t>нет</a:t>
                       </a:r>
-                      <a:endParaRPr lang="ru-RU" dirty="0">
+                      <a:endParaRPr lang="ru-RU" sz="2000" dirty="0">
                         <a:latin typeface="Times New Roman" pitchFamily="18" charset="0"/>
                         <a:cs typeface="Times New Roman" pitchFamily="18" charset="0"/>
                       </a:endParaRPr>
@@ -9632,8 +9608,8 @@
         </p:blipFill>
         <p:spPr bwMode="auto">
           <a:xfrm>
-            <a:off x="2710830" y="1773610"/>
-            <a:ext cx="6480720" cy="4392488"/>
+            <a:off x="2458802" y="1341562"/>
+            <a:ext cx="7272808" cy="5256584"/>
           </a:xfrm>
           <a:prstGeom prst="rect">
             <a:avLst/>
@@ -9713,10 +9689,15 @@
             <p:ph type="title"/>
           </p:nvPr>
         </p:nvSpPr>
-        <p:spPr/>
+        <p:spPr>
+          <a:xfrm>
+            <a:off x="609520" y="274702"/>
+            <a:ext cx="11174317" cy="1143265"/>
+          </a:xfrm>
+        </p:spPr>
         <p:txBody>
           <a:bodyPr>
-            <a:normAutofit fontScale="90000"/>
+            <a:noAutofit/>
           </a:bodyPr>
           <a:lstStyle/>
           <a:p>
@@ -9781,8 +9762,8 @@
         </p:blipFill>
         <p:spPr bwMode="auto">
           <a:xfrm>
-            <a:off x="2926854" y="1773610"/>
-            <a:ext cx="5784142" cy="4249456"/>
+            <a:off x="2602819" y="1341562"/>
+            <a:ext cx="6984775" cy="5184576"/>
           </a:xfrm>
           <a:prstGeom prst="rect">
             <a:avLst/>
@@ -9930,8 +9911,8 @@
         </p:blipFill>
         <p:spPr bwMode="auto">
           <a:xfrm>
-            <a:off x="2135903" y="1629594"/>
-            <a:ext cx="7918609" cy="4464496"/>
+            <a:off x="1919311" y="1413570"/>
+            <a:ext cx="8351791" cy="4896544"/>
           </a:xfrm>
           <a:prstGeom prst="rect">
             <a:avLst/>

--- a/Дипломная Волков.pptx
+++ b/Дипломная Волков.pptx
@@ -216,7 +216,7 @@
             <a:fld id="{5F4C3E1F-8F02-4B6E-BE01-AE811F44C78A}" type="datetimeFigureOut">
               <a:rPr lang="ru-RU" smtClean="0"/>
               <a:pPr/>
-              <a:t>17.06.2023</a:t>
+              <a:t>19.06.2023</a:t>
             </a:fld>
             <a:endParaRPr lang="ru-RU"/>
           </a:p>
@@ -378,7 +378,7 @@
             <a:fld id="{2B77361B-FA97-4712-A320-857CD6874498}" type="datetimeFigureOut">
               <a:rPr lang="ru-RU" smtClean="0"/>
               <a:pPr/>
-              <a:t>17.06.2023</a:t>
+              <a:t>19.06.2023</a:t>
             </a:fld>
             <a:endParaRPr lang="ru-RU"/>
           </a:p>
@@ -1235,7 +1235,7 @@
             <a:fld id="{48796433-FCAE-4265-BEE5-7FFD7A6D00EA}" type="datetime1">
               <a:rPr lang="ru-RU" smtClean="0"/>
               <a:pPr/>
-              <a:t>17.06.2023</a:t>
+              <a:t>19.06.2023</a:t>
             </a:fld>
             <a:endParaRPr lang="ru-RU"/>
           </a:p>
@@ -1402,7 +1402,7 @@
             <a:fld id="{825BD699-2E58-4557-8CF0-BBBBC09C198E}" type="datetime1">
               <a:rPr lang="ru-RU" smtClean="0"/>
               <a:pPr/>
-              <a:t>17.06.2023</a:t>
+              <a:t>19.06.2023</a:t>
             </a:fld>
             <a:endParaRPr lang="ru-RU"/>
           </a:p>
@@ -1579,7 +1579,7 @@
             <a:fld id="{A4FC9FCA-275F-46B7-8856-C2015763651D}" type="datetime1">
               <a:rPr lang="ru-RU" smtClean="0"/>
               <a:pPr/>
-              <a:t>17.06.2023</a:t>
+              <a:t>19.06.2023</a:t>
             </a:fld>
             <a:endParaRPr lang="ru-RU"/>
           </a:p>
@@ -1746,7 +1746,7 @@
             <a:fld id="{328E49B8-C74E-4DA9-B638-56B3C27B037C}" type="datetime1">
               <a:rPr lang="ru-RU" smtClean="0"/>
               <a:pPr/>
-              <a:t>17.06.2023</a:t>
+              <a:t>19.06.2023</a:t>
             </a:fld>
             <a:endParaRPr lang="ru-RU"/>
           </a:p>
@@ -1989,7 +1989,7 @@
             <a:fld id="{BBD9AC8D-70D0-4530-9017-FF1075ECEE87}" type="datetime1">
               <a:rPr lang="ru-RU" smtClean="0"/>
               <a:pPr/>
-              <a:t>17.06.2023</a:t>
+              <a:t>19.06.2023</a:t>
             </a:fld>
             <a:endParaRPr lang="ru-RU"/>
           </a:p>
@@ -2274,7 +2274,7 @@
             <a:fld id="{D811626C-1939-40C4-B96A-3F88897B7B00}" type="datetime1">
               <a:rPr lang="ru-RU" smtClean="0"/>
               <a:pPr/>
-              <a:t>17.06.2023</a:t>
+              <a:t>19.06.2023</a:t>
             </a:fld>
             <a:endParaRPr lang="ru-RU"/>
           </a:p>
@@ -2693,7 +2693,7 @@
             <a:fld id="{0D2161AD-3CA8-44FA-A474-6FF071CE1BE8}" type="datetime1">
               <a:rPr lang="ru-RU" smtClean="0"/>
               <a:pPr/>
-              <a:t>17.06.2023</a:t>
+              <a:t>19.06.2023</a:t>
             </a:fld>
             <a:endParaRPr lang="ru-RU"/>
           </a:p>
@@ -2808,7 +2808,7 @@
             <a:fld id="{FA001328-CF1D-47CB-B4FB-322C929C9BF4}" type="datetime1">
               <a:rPr lang="ru-RU" smtClean="0"/>
               <a:pPr/>
-              <a:t>17.06.2023</a:t>
+              <a:t>19.06.2023</a:t>
             </a:fld>
             <a:endParaRPr lang="ru-RU"/>
           </a:p>
@@ -2900,7 +2900,7 @@
             <a:fld id="{6133CAA4-9EBA-4C88-9AA7-318504631F39}" type="datetime1">
               <a:rPr lang="ru-RU" smtClean="0"/>
               <a:pPr/>
-              <a:t>17.06.2023</a:t>
+              <a:t>19.06.2023</a:t>
             </a:fld>
             <a:endParaRPr lang="ru-RU"/>
           </a:p>
@@ -3174,7 +3174,7 @@
             <a:fld id="{86AF6C1F-1A91-4256-8CA8-3B2EF3FEFB97}" type="datetime1">
               <a:rPr lang="ru-RU" smtClean="0"/>
               <a:pPr/>
-              <a:t>17.06.2023</a:t>
+              <a:t>19.06.2023</a:t>
             </a:fld>
             <a:endParaRPr lang="ru-RU"/>
           </a:p>
@@ -3424,7 +3424,7 @@
             <a:fld id="{3688C4C4-BCF1-4EB0-8AC7-16A5F3A7BC9B}" type="datetime1">
               <a:rPr lang="ru-RU" smtClean="0"/>
               <a:pPr/>
-              <a:t>17.06.2023</a:t>
+              <a:t>19.06.2023</a:t>
             </a:fld>
             <a:endParaRPr lang="ru-RU"/>
           </a:p>
@@ -3634,7 +3634,7 @@
             <a:fld id="{44FE96CB-CF72-4671-B5E2-123AB3CA4369}" type="datetime1">
               <a:rPr lang="ru-RU" smtClean="0"/>
               <a:pPr/>
-              <a:t>17.06.2023</a:t>
+              <a:t>19.06.2023</a:t>
             </a:fld>
             <a:endParaRPr lang="ru-RU"/>
           </a:p>
@@ -4011,7 +4011,7 @@
           <p:cNvPr id="10" name="Заголовок 1">
             <a:extLst>
               <a:ext uri="{FF2B5EF4-FFF2-40B4-BE49-F238E27FC236}">
-                <a16:creationId xmlns="" xmlns:a16="http://schemas.microsoft.com/office/drawing/2014/main" id="{01503706-744B-410E-9B65-8610A72CF07B}"/>
+                <a16:creationId xmlns:a16="http://schemas.microsoft.com/office/drawing/2014/main" xmlns="" id="{01503706-744B-410E-9B65-8610A72CF07B}"/>
               </a:ext>
             </a:extLst>
           </p:cNvPr>
@@ -4133,7 +4133,7 @@
           <p:cNvPr id="11" name="Text 1">
             <a:extLst>
               <a:ext uri="{FF2B5EF4-FFF2-40B4-BE49-F238E27FC236}">
-                <a16:creationId xmlns="" xmlns:a16="http://schemas.microsoft.com/office/drawing/2014/main" id="{72037010-A9D9-49AF-A594-5EF9D266FCEE}"/>
+                <a16:creationId xmlns:a16="http://schemas.microsoft.com/office/drawing/2014/main" xmlns="" id="{72037010-A9D9-49AF-A594-5EF9D266FCEE}"/>
               </a:ext>
             </a:extLst>
           </p:cNvPr>
@@ -4221,7 +4221,7 @@
           <p:cNvPr id="12" name="Text 2">
             <a:extLst>
               <a:ext uri="{FF2B5EF4-FFF2-40B4-BE49-F238E27FC236}">
-                <a16:creationId xmlns="" xmlns:a16="http://schemas.microsoft.com/office/drawing/2014/main" id="{B0971291-6D9C-47F2-A6FD-1EC86B60B829}"/>
+                <a16:creationId xmlns:a16="http://schemas.microsoft.com/office/drawing/2014/main" xmlns="" id="{B0971291-6D9C-47F2-A6FD-1EC86B60B829}"/>
               </a:ext>
             </a:extLst>
           </p:cNvPr>
@@ -4297,7 +4297,7 @@
           <p:cNvPr id="13" name="Text 3">
             <a:extLst>
               <a:ext uri="{FF2B5EF4-FFF2-40B4-BE49-F238E27FC236}">
-                <a16:creationId xmlns="" xmlns:a16="http://schemas.microsoft.com/office/drawing/2014/main" id="{538F249A-B0DE-403E-AFB7-2D456552B392}"/>
+                <a16:creationId xmlns:a16="http://schemas.microsoft.com/office/drawing/2014/main" xmlns="" id="{538F249A-B0DE-403E-AFB7-2D456552B392}"/>
               </a:ext>
             </a:extLst>
           </p:cNvPr>
@@ -5909,7 +5909,7 @@
           <p:cNvPr id="4" name="Заголовок 1">
             <a:extLst>
               <a:ext uri="{FF2B5EF4-FFF2-40B4-BE49-F238E27FC236}">
-                <a16:creationId xmlns="" xmlns:a16="http://schemas.microsoft.com/office/drawing/2014/main" id="{46B763F4-6301-4314-A941-A1986AE510F1}"/>
+                <a16:creationId xmlns:a16="http://schemas.microsoft.com/office/drawing/2014/main" xmlns="" id="{46B763F4-6301-4314-A941-A1986AE510F1}"/>
               </a:ext>
             </a:extLst>
           </p:cNvPr>
@@ -5953,7 +5953,7 @@
           <p:cNvPr id="5" name="Объект 2">
             <a:extLst>
               <a:ext uri="{FF2B5EF4-FFF2-40B4-BE49-F238E27FC236}">
-                <a16:creationId xmlns="" xmlns:a16="http://schemas.microsoft.com/office/drawing/2014/main" id="{C83B88B7-2124-4F37-8698-952C557AED7B}"/>
+                <a16:creationId xmlns:a16="http://schemas.microsoft.com/office/drawing/2014/main" xmlns="" id="{C83B88B7-2124-4F37-8698-952C557AED7B}"/>
               </a:ext>
             </a:extLst>
           </p:cNvPr>
@@ -6796,7 +6796,7 @@
           <p:cNvPr id="4" name="Заголовок 1">
             <a:extLst>
               <a:ext uri="{FF2B5EF4-FFF2-40B4-BE49-F238E27FC236}">
-                <a16:creationId xmlns="" xmlns:a16="http://schemas.microsoft.com/office/drawing/2014/main" id="{9BE103FA-346E-4AD0-A528-E8B5B5B30E11}"/>
+                <a16:creationId xmlns:a16="http://schemas.microsoft.com/office/drawing/2014/main" xmlns="" id="{9BE103FA-346E-4AD0-A528-E8B5B5B30E11}"/>
               </a:ext>
             </a:extLst>
           </p:cNvPr>
@@ -6832,7 +6832,7 @@
           <p:cNvPr id="5" name="Объект 2">
             <a:extLst>
               <a:ext uri="{FF2B5EF4-FFF2-40B4-BE49-F238E27FC236}">
-                <a16:creationId xmlns="" xmlns:a16="http://schemas.microsoft.com/office/drawing/2014/main" id="{F3ABAB10-2768-4209-9C26-64C71481E109}"/>
+                <a16:creationId xmlns:a16="http://schemas.microsoft.com/office/drawing/2014/main" xmlns="" id="{F3ABAB10-2768-4209-9C26-64C71481E109}"/>
               </a:ext>
             </a:extLst>
           </p:cNvPr>
@@ -7384,7 +7384,7 @@
         </p:nvGraphicFramePr>
         <p:xfrm>
           <a:off x="550589" y="1600200"/>
-          <a:ext cx="11233249" cy="4760973"/>
+          <a:ext cx="11233249" cy="4108702"/>
         </p:xfrm>
         <a:graphic>
           <a:graphicData uri="http://schemas.openxmlformats.org/drawingml/2006/table">
@@ -9189,247 +9189,6 @@
                         <a:t>нет</a:t>
                       </a:r>
                       <a:endParaRPr lang="ru-RU" sz="2000" dirty="0">
-                        <a:latin typeface="Times New Roman" pitchFamily="18" charset="0"/>
-                        <a:cs typeface="Times New Roman" pitchFamily="18" charset="0"/>
-                      </a:endParaRPr>
-                    </a:p>
-                  </a:txBody>
-                  <a:tcPr>
-                    <a:lnL w="12700" cap="flat" cmpd="sng" algn="ctr">
-                      <a:solidFill>
-                        <a:schemeClr val="tx1"/>
-                      </a:solidFill>
-                      <a:prstDash val="solid"/>
-                      <a:round/>
-                      <a:headEnd type="none" w="med" len="med"/>
-                      <a:tailEnd type="none" w="med" len="med"/>
-                    </a:lnL>
-                    <a:lnR w="12700" cap="flat" cmpd="sng" algn="ctr">
-                      <a:solidFill>
-                        <a:schemeClr val="tx1"/>
-                      </a:solidFill>
-                      <a:prstDash val="solid"/>
-                      <a:round/>
-                      <a:headEnd type="none" w="med" len="med"/>
-                      <a:tailEnd type="none" w="med" len="med"/>
-                    </a:lnR>
-                    <a:lnT w="12700" cap="flat" cmpd="sng" algn="ctr">
-                      <a:solidFill>
-                        <a:schemeClr val="tx1"/>
-                      </a:solidFill>
-                      <a:prstDash val="solid"/>
-                      <a:round/>
-                      <a:headEnd type="none" w="med" len="med"/>
-                      <a:tailEnd type="none" w="med" len="med"/>
-                    </a:lnT>
-                    <a:lnB w="12700" cap="flat" cmpd="sng" algn="ctr">
-                      <a:solidFill>
-                        <a:schemeClr val="tx1"/>
-                      </a:solidFill>
-                      <a:prstDash val="solid"/>
-                      <a:round/>
-                      <a:headEnd type="none" w="med" len="med"/>
-                      <a:tailEnd type="none" w="med" len="med"/>
-                    </a:lnB>
-                    <a:lnTlToBr w="12700" cmpd="sng">
-                      <a:noFill/>
-                      <a:prstDash val="solid"/>
-                    </a:lnTlToBr>
-                    <a:lnBlToTr w="12700" cmpd="sng">
-                      <a:noFill/>
-                      <a:prstDash val="solid"/>
-                    </a:lnBlToTr>
-                    <a:noFill/>
-                  </a:tcPr>
-                </a:tc>
-              </a:tr>
-              <a:tr h="652271">
-                <a:tc>
-                  <a:txBody>
-                    <a:bodyPr/>
-                    <a:lstStyle/>
-                    <a:p>
-                      <a:endParaRPr lang="ru-RU" dirty="0">
-                        <a:latin typeface="Times New Roman" pitchFamily="18" charset="0"/>
-                        <a:cs typeface="Times New Roman" pitchFamily="18" charset="0"/>
-                      </a:endParaRPr>
-                    </a:p>
-                  </a:txBody>
-                  <a:tcPr>
-                    <a:lnL w="12700" cap="flat" cmpd="sng" algn="ctr">
-                      <a:solidFill>
-                        <a:schemeClr val="tx1"/>
-                      </a:solidFill>
-                      <a:prstDash val="solid"/>
-                      <a:round/>
-                      <a:headEnd type="none" w="med" len="med"/>
-                      <a:tailEnd type="none" w="med" len="med"/>
-                    </a:lnL>
-                    <a:lnR w="12700" cap="flat" cmpd="sng" algn="ctr">
-                      <a:solidFill>
-                        <a:schemeClr val="tx1"/>
-                      </a:solidFill>
-                      <a:prstDash val="solid"/>
-                      <a:round/>
-                      <a:headEnd type="none" w="med" len="med"/>
-                      <a:tailEnd type="none" w="med" len="med"/>
-                    </a:lnR>
-                    <a:lnT w="12700" cap="flat" cmpd="sng" algn="ctr">
-                      <a:solidFill>
-                        <a:schemeClr val="tx1"/>
-                      </a:solidFill>
-                      <a:prstDash val="solid"/>
-                      <a:round/>
-                      <a:headEnd type="none" w="med" len="med"/>
-                      <a:tailEnd type="none" w="med" len="med"/>
-                    </a:lnT>
-                    <a:lnB w="12700" cap="flat" cmpd="sng" algn="ctr">
-                      <a:solidFill>
-                        <a:schemeClr val="tx1"/>
-                      </a:solidFill>
-                      <a:prstDash val="solid"/>
-                      <a:round/>
-                      <a:headEnd type="none" w="med" len="med"/>
-                      <a:tailEnd type="none" w="med" len="med"/>
-                    </a:lnB>
-                    <a:lnTlToBr w="12700" cmpd="sng">
-                      <a:noFill/>
-                      <a:prstDash val="solid"/>
-                    </a:lnTlToBr>
-                    <a:lnBlToTr w="12700" cmpd="sng">
-                      <a:noFill/>
-                      <a:prstDash val="solid"/>
-                    </a:lnBlToTr>
-                    <a:noFill/>
-                  </a:tcPr>
-                </a:tc>
-                <a:tc>
-                  <a:txBody>
-                    <a:bodyPr/>
-                    <a:lstStyle/>
-                    <a:p>
-                      <a:pPr algn="ctr"/>
-                      <a:endParaRPr lang="ru-RU">
-                        <a:latin typeface="Times New Roman" pitchFamily="18" charset="0"/>
-                        <a:cs typeface="Times New Roman" pitchFamily="18" charset="0"/>
-                      </a:endParaRPr>
-                    </a:p>
-                  </a:txBody>
-                  <a:tcPr>
-                    <a:lnL w="12700" cap="flat" cmpd="sng" algn="ctr">
-                      <a:solidFill>
-                        <a:schemeClr val="tx1"/>
-                      </a:solidFill>
-                      <a:prstDash val="solid"/>
-                      <a:round/>
-                      <a:headEnd type="none" w="med" len="med"/>
-                      <a:tailEnd type="none" w="med" len="med"/>
-                    </a:lnL>
-                    <a:lnR w="12700" cap="flat" cmpd="sng" algn="ctr">
-                      <a:solidFill>
-                        <a:schemeClr val="tx1"/>
-                      </a:solidFill>
-                      <a:prstDash val="solid"/>
-                      <a:round/>
-                      <a:headEnd type="none" w="med" len="med"/>
-                      <a:tailEnd type="none" w="med" len="med"/>
-                    </a:lnR>
-                    <a:lnT w="12700" cap="flat" cmpd="sng" algn="ctr">
-                      <a:solidFill>
-                        <a:schemeClr val="tx1"/>
-                      </a:solidFill>
-                      <a:prstDash val="solid"/>
-                      <a:round/>
-                      <a:headEnd type="none" w="med" len="med"/>
-                      <a:tailEnd type="none" w="med" len="med"/>
-                    </a:lnT>
-                    <a:lnB w="12700" cap="flat" cmpd="sng" algn="ctr">
-                      <a:solidFill>
-                        <a:schemeClr val="tx1"/>
-                      </a:solidFill>
-                      <a:prstDash val="solid"/>
-                      <a:round/>
-                      <a:headEnd type="none" w="med" len="med"/>
-                      <a:tailEnd type="none" w="med" len="med"/>
-                    </a:lnB>
-                    <a:lnTlToBr w="12700" cmpd="sng">
-                      <a:noFill/>
-                      <a:prstDash val="solid"/>
-                    </a:lnTlToBr>
-                    <a:lnBlToTr w="12700" cmpd="sng">
-                      <a:noFill/>
-                      <a:prstDash val="solid"/>
-                    </a:lnBlToTr>
-                    <a:noFill/>
-                  </a:tcPr>
-                </a:tc>
-                <a:tc>
-                  <a:txBody>
-                    <a:bodyPr/>
-                    <a:lstStyle/>
-                    <a:p>
-                      <a:pPr algn="ctr"/>
-                      <a:endParaRPr lang="ru-RU">
-                        <a:latin typeface="Times New Roman" pitchFamily="18" charset="0"/>
-                        <a:cs typeface="Times New Roman" pitchFamily="18" charset="0"/>
-                      </a:endParaRPr>
-                    </a:p>
-                  </a:txBody>
-                  <a:tcPr>
-                    <a:lnL w="12700" cap="flat" cmpd="sng" algn="ctr">
-                      <a:solidFill>
-                        <a:schemeClr val="tx1"/>
-                      </a:solidFill>
-                      <a:prstDash val="solid"/>
-                      <a:round/>
-                      <a:headEnd type="none" w="med" len="med"/>
-                      <a:tailEnd type="none" w="med" len="med"/>
-                    </a:lnL>
-                    <a:lnR w="12700" cap="flat" cmpd="sng" algn="ctr">
-                      <a:solidFill>
-                        <a:schemeClr val="tx1"/>
-                      </a:solidFill>
-                      <a:prstDash val="solid"/>
-                      <a:round/>
-                      <a:headEnd type="none" w="med" len="med"/>
-                      <a:tailEnd type="none" w="med" len="med"/>
-                    </a:lnR>
-                    <a:lnT w="12700" cap="flat" cmpd="sng" algn="ctr">
-                      <a:solidFill>
-                        <a:schemeClr val="tx1"/>
-                      </a:solidFill>
-                      <a:prstDash val="solid"/>
-                      <a:round/>
-                      <a:headEnd type="none" w="med" len="med"/>
-                      <a:tailEnd type="none" w="med" len="med"/>
-                    </a:lnT>
-                    <a:lnB w="12700" cap="flat" cmpd="sng" algn="ctr">
-                      <a:solidFill>
-                        <a:schemeClr val="tx1"/>
-                      </a:solidFill>
-                      <a:prstDash val="solid"/>
-                      <a:round/>
-                      <a:headEnd type="none" w="med" len="med"/>
-                      <a:tailEnd type="none" w="med" len="med"/>
-                    </a:lnB>
-                    <a:lnTlToBr w="12700" cmpd="sng">
-                      <a:noFill/>
-                      <a:prstDash val="solid"/>
-                    </a:lnTlToBr>
-                    <a:lnBlToTr w="12700" cmpd="sng">
-                      <a:noFill/>
-                      <a:prstDash val="solid"/>
-                    </a:lnBlToTr>
-                    <a:noFill/>
-                  </a:tcPr>
-                </a:tc>
-                <a:tc>
-                  <a:txBody>
-                    <a:bodyPr/>
-                    <a:lstStyle/>
-                    <a:p>
-                      <a:pPr algn="ctr"/>
-                      <a:endParaRPr lang="ru-RU" dirty="0">
                         <a:latin typeface="Times New Roman" pitchFamily="18" charset="0"/>
                         <a:cs typeface="Times New Roman" pitchFamily="18" charset="0"/>
                       </a:endParaRPr>
